--- a/230810.pptx
+++ b/230810.pptx
@@ -7,21 +7,28 @@
   <p:sldIdLst>
     <p:sldId id="256" r:id="rId2"/>
     <p:sldId id="258" r:id="rId3"/>
-    <p:sldId id="257" r:id="rId4"/>
-    <p:sldId id="268" r:id="rId5"/>
-    <p:sldId id="269" r:id="rId6"/>
-    <p:sldId id="267" r:id="rId7"/>
-    <p:sldId id="259" r:id="rId8"/>
-    <p:sldId id="260" r:id="rId9"/>
-    <p:sldId id="261" r:id="rId10"/>
-    <p:sldId id="262" r:id="rId11"/>
-    <p:sldId id="263" r:id="rId12"/>
-    <p:sldId id="264" r:id="rId13"/>
-    <p:sldId id="266" r:id="rId14"/>
-    <p:sldId id="270" r:id="rId15"/>
-    <p:sldId id="272" r:id="rId16"/>
-    <p:sldId id="273" r:id="rId17"/>
-    <p:sldId id="271" r:id="rId18"/>
+    <p:sldId id="278" r:id="rId4"/>
+    <p:sldId id="279" r:id="rId5"/>
+    <p:sldId id="257" r:id="rId6"/>
+    <p:sldId id="268" r:id="rId7"/>
+    <p:sldId id="269" r:id="rId8"/>
+    <p:sldId id="267" r:id="rId9"/>
+    <p:sldId id="280" r:id="rId10"/>
+    <p:sldId id="259" r:id="rId11"/>
+    <p:sldId id="281" r:id="rId12"/>
+    <p:sldId id="260" r:id="rId13"/>
+    <p:sldId id="261" r:id="rId14"/>
+    <p:sldId id="262" r:id="rId15"/>
+    <p:sldId id="263" r:id="rId16"/>
+    <p:sldId id="264" r:id="rId17"/>
+    <p:sldId id="266" r:id="rId18"/>
+    <p:sldId id="272" r:id="rId19"/>
+    <p:sldId id="273" r:id="rId20"/>
+    <p:sldId id="274" r:id="rId21"/>
+    <p:sldId id="275" r:id="rId22"/>
+    <p:sldId id="276" r:id="rId23"/>
+    <p:sldId id="277" r:id="rId24"/>
+    <p:sldId id="271" r:id="rId25"/>
   </p:sldIdLst>
   <p:sldSz cx="12192000" cy="6858000"/>
   <p:notesSz cx="6858000" cy="9144000"/>
@@ -275,7 +282,7 @@
           <a:p>
             <a:fld id="{1AE649FE-7221-47BD-88A2-E39483B2D334}" type="datetimeFigureOut">
               <a:rPr lang="ko-KR" altLang="en-US" smtClean="0"/>
-              <a:t>2023-08-11</a:t>
+              <a:t>2023-08-12</a:t>
             </a:fld>
             <a:endParaRPr lang="ko-KR" altLang="en-US"/>
           </a:p>
@@ -473,7 +480,7 @@
           <a:p>
             <a:fld id="{1AE649FE-7221-47BD-88A2-E39483B2D334}" type="datetimeFigureOut">
               <a:rPr lang="ko-KR" altLang="en-US" smtClean="0"/>
-              <a:t>2023-08-11</a:t>
+              <a:t>2023-08-12</a:t>
             </a:fld>
             <a:endParaRPr lang="ko-KR" altLang="en-US"/>
           </a:p>
@@ -681,7 +688,7 @@
           <a:p>
             <a:fld id="{1AE649FE-7221-47BD-88A2-E39483B2D334}" type="datetimeFigureOut">
               <a:rPr lang="ko-KR" altLang="en-US" smtClean="0"/>
-              <a:t>2023-08-11</a:t>
+              <a:t>2023-08-12</a:t>
             </a:fld>
             <a:endParaRPr lang="ko-KR" altLang="en-US"/>
           </a:p>
@@ -879,7 +886,7 @@
           <a:p>
             <a:fld id="{1AE649FE-7221-47BD-88A2-E39483B2D334}" type="datetimeFigureOut">
               <a:rPr lang="ko-KR" altLang="en-US" smtClean="0"/>
-              <a:t>2023-08-11</a:t>
+              <a:t>2023-08-12</a:t>
             </a:fld>
             <a:endParaRPr lang="ko-KR" altLang="en-US"/>
           </a:p>
@@ -1154,7 +1161,7 @@
           <a:p>
             <a:fld id="{1AE649FE-7221-47BD-88A2-E39483B2D334}" type="datetimeFigureOut">
               <a:rPr lang="ko-KR" altLang="en-US" smtClean="0"/>
-              <a:t>2023-08-11</a:t>
+              <a:t>2023-08-12</a:t>
             </a:fld>
             <a:endParaRPr lang="ko-KR" altLang="en-US"/>
           </a:p>
@@ -1419,7 +1426,7 @@
           <a:p>
             <a:fld id="{1AE649FE-7221-47BD-88A2-E39483B2D334}" type="datetimeFigureOut">
               <a:rPr lang="ko-KR" altLang="en-US" smtClean="0"/>
-              <a:t>2023-08-11</a:t>
+              <a:t>2023-08-12</a:t>
             </a:fld>
             <a:endParaRPr lang="ko-KR" altLang="en-US"/>
           </a:p>
@@ -1831,7 +1838,7 @@
           <a:p>
             <a:fld id="{1AE649FE-7221-47BD-88A2-E39483B2D334}" type="datetimeFigureOut">
               <a:rPr lang="ko-KR" altLang="en-US" smtClean="0"/>
-              <a:t>2023-08-11</a:t>
+              <a:t>2023-08-12</a:t>
             </a:fld>
             <a:endParaRPr lang="ko-KR" altLang="en-US"/>
           </a:p>
@@ -1972,7 +1979,7 @@
           <a:p>
             <a:fld id="{1AE649FE-7221-47BD-88A2-E39483B2D334}" type="datetimeFigureOut">
               <a:rPr lang="ko-KR" altLang="en-US" smtClean="0"/>
-              <a:t>2023-08-11</a:t>
+              <a:t>2023-08-12</a:t>
             </a:fld>
             <a:endParaRPr lang="ko-KR" altLang="en-US"/>
           </a:p>
@@ -2085,7 +2092,7 @@
           <a:p>
             <a:fld id="{1AE649FE-7221-47BD-88A2-E39483B2D334}" type="datetimeFigureOut">
               <a:rPr lang="ko-KR" altLang="en-US" smtClean="0"/>
-              <a:t>2023-08-11</a:t>
+              <a:t>2023-08-12</a:t>
             </a:fld>
             <a:endParaRPr lang="ko-KR" altLang="en-US"/>
           </a:p>
@@ -2396,7 +2403,7 @@
           <a:p>
             <a:fld id="{1AE649FE-7221-47BD-88A2-E39483B2D334}" type="datetimeFigureOut">
               <a:rPr lang="ko-KR" altLang="en-US" smtClean="0"/>
-              <a:t>2023-08-11</a:t>
+              <a:t>2023-08-12</a:t>
             </a:fld>
             <a:endParaRPr lang="ko-KR" altLang="en-US"/>
           </a:p>
@@ -2684,7 +2691,7 @@
           <a:p>
             <a:fld id="{1AE649FE-7221-47BD-88A2-E39483B2D334}" type="datetimeFigureOut">
               <a:rPr lang="ko-KR" altLang="en-US" smtClean="0"/>
-              <a:t>2023-08-11</a:t>
+              <a:t>2023-08-12</a:t>
             </a:fld>
             <a:endParaRPr lang="ko-KR" altLang="en-US"/>
           </a:p>
@@ -2925,7 +2932,7 @@
           <a:p>
             <a:fld id="{1AE649FE-7221-47BD-88A2-E39483B2D334}" type="datetimeFigureOut">
               <a:rPr lang="ko-KR" altLang="en-US" smtClean="0"/>
-              <a:t>2023-08-11</a:t>
+              <a:t>2023-08-12</a:t>
             </a:fld>
             <a:endParaRPr lang="ko-KR" altLang="en-US"/>
           </a:p>
@@ -3450,7 +3457,7 @@
         <p:spPr>
           <a:xfrm>
             <a:off x="457200" y="328613"/>
-            <a:ext cx="2162772" cy="523220"/>
+            <a:ext cx="1620957" cy="523220"/>
           </a:xfrm>
           <a:prstGeom prst="rect">
             <a:avLst/>
@@ -3468,19 +3475,8 @@
                 <a:latin typeface="+mj-ea"/>
                 <a:ea typeface="+mj-ea"/>
               </a:rPr>
-              <a:t>해결방법</a:t>
-            </a:r>
-            <a:r>
-              <a:rPr lang="en-US" altLang="ko-KR" sz="2800" dirty="0">
-                <a:latin typeface="+mj-ea"/>
-                <a:ea typeface="+mj-ea"/>
-              </a:rPr>
-              <a:t>1-1</a:t>
-            </a:r>
-            <a:endParaRPr lang="ko-KR" altLang="en-US" sz="2800" dirty="0">
-              <a:latin typeface="+mj-ea"/>
-              <a:ea typeface="+mj-ea"/>
-            </a:endParaRPr>
+              <a:t>구현방법</a:t>
+            </a:r>
           </a:p>
         </p:txBody>
       </p:sp>
@@ -3498,8 +3494,8 @@
         </p:nvSpPr>
         <p:spPr>
           <a:xfrm>
-            <a:off x="2619972" y="328612"/>
-            <a:ext cx="7572375" cy="461665"/>
+            <a:off x="957262" y="1265038"/>
+            <a:ext cx="9537866" cy="3416320"/>
           </a:xfrm>
           <a:prstGeom prst="rect">
             <a:avLst/>
@@ -3513,24 +3509,62 @@
           <a:lstStyle/>
           <a:p>
             <a:r>
-              <a:rPr lang="ko-KR" altLang="en-US" sz="2400" dirty="0"/>
-              <a:t>경도</a:t>
-            </a:r>
-            <a:r>
-              <a:rPr lang="en-US" altLang="ko-KR" sz="2400" dirty="0"/>
-              <a:t>, </a:t>
-            </a:r>
-            <a:r>
-              <a:rPr lang="ko-KR" altLang="en-US" sz="2400" dirty="0"/>
-              <a:t>위도가 없음 </a:t>
-            </a:r>
-            <a:r>
-              <a:rPr lang="en-US" altLang="ko-KR" sz="2400" dirty="0"/>
-              <a:t>-&gt; </a:t>
-            </a:r>
+              <a:rPr lang="ko-KR" altLang="en-US" sz="2400" dirty="0" err="1"/>
+              <a:t>파이썬</a:t>
+            </a:r>
+            <a:r>
+              <a:rPr lang="ko-KR" altLang="en-US" sz="2400" dirty="0"/>
+              <a:t> 라이브러리</a:t>
+            </a:r>
+            <a:endParaRPr lang="en-US" altLang="ko-KR" sz="2400" dirty="0"/>
+          </a:p>
+          <a:p>
+            <a:pPr marL="342900" indent="-342900">
+              <a:buFontTx/>
+              <a:buChar char="-"/>
+            </a:pPr>
+            <a:r>
+              <a:rPr lang="en-US" altLang="ko-KR" sz="2400" dirty="0"/>
+              <a:t>folium </a:t>
+            </a:r>
+            <a:r>
+              <a:rPr lang="ko-KR" altLang="en-US" sz="2400" dirty="0"/>
+              <a:t>사용 </a:t>
+            </a:r>
+            <a:r>
+              <a:rPr lang="en-US" altLang="ko-KR" sz="2400" dirty="0"/>
+              <a:t>: </a:t>
+            </a:r>
+            <a:r>
+              <a:rPr lang="ko-KR" altLang="en-US" sz="2400" dirty="0"/>
+              <a:t>지도 시각화 라이브러리</a:t>
+            </a:r>
+            <a:br>
+              <a:rPr lang="en-US" altLang="ko-KR" sz="2400" dirty="0"/>
+            </a:br>
+            <a:r>
+              <a:rPr lang="en-US" altLang="ko-KR" sz="2400" dirty="0">
+                <a:hlinkClick r:id="rId2"/>
+              </a:rPr>
+              <a:t>https://python-visualization.github.io/folium/index.html</a:t>
+            </a:r>
+            <a:endParaRPr lang="en-US" altLang="ko-KR" sz="2400" dirty="0"/>
+          </a:p>
+          <a:p>
+            <a:pPr marL="342900" indent="-342900">
+              <a:buFontTx/>
+              <a:buChar char="-"/>
+            </a:pPr>
+            <a:endParaRPr lang="en-US" altLang="ko-KR" sz="2400" dirty="0"/>
+          </a:p>
+          <a:p>
+            <a:pPr marL="342900" indent="-342900">
+              <a:buFontTx/>
+              <a:buChar char="-"/>
+            </a:pPr>
             <a:r>
               <a:rPr lang="en-US" altLang="ko-KR" sz="2400" dirty="0" err="1"/>
-              <a:t>geopy</a:t>
+              <a:t>Geopy</a:t>
             </a:r>
             <a:r>
               <a:rPr lang="en-US" altLang="ko-KR" sz="2400" dirty="0"/>
@@ -3538,42 +3572,7 @@
             </a:r>
             <a:r>
               <a:rPr lang="ko-KR" altLang="en-US" sz="2400" dirty="0"/>
-              <a:t>라이브러리 사용</a:t>
-            </a:r>
-          </a:p>
-        </p:txBody>
-      </p:sp>
-      <p:sp>
-        <p:nvSpPr>
-          <p:cNvPr id="6" name="TextBox 5">
-            <a:extLst>
-              <a:ext uri="{FF2B5EF4-FFF2-40B4-BE49-F238E27FC236}">
-                <a16:creationId xmlns:a16="http://schemas.microsoft.com/office/drawing/2014/main" id="{56458959-87C9-4C9C-8C23-37B508CE8A9E}"/>
-              </a:ext>
-            </a:extLst>
-          </p:cNvPr>
-          <p:cNvSpPr txBox="1"/>
-          <p:nvPr/>
-        </p:nvSpPr>
-        <p:spPr>
-          <a:xfrm>
-            <a:off x="1346270" y="1370290"/>
-            <a:ext cx="8947009" cy="830997"/>
-          </a:xfrm>
-          <a:prstGeom prst="rect">
-            <a:avLst/>
-          </a:prstGeom>
-          <a:noFill/>
-        </p:spPr>
-        <p:txBody>
-          <a:bodyPr wrap="square" rtlCol="0">
-            <a:spAutoFit/>
-          </a:bodyPr>
-          <a:lstStyle/>
-          <a:p>
-            <a:r>
-              <a:rPr lang="ko-KR" altLang="en-US" sz="2400" dirty="0"/>
-              <a:t>해결 방법 </a:t>
+              <a:t>사용 </a:t>
             </a:r>
             <a:r>
               <a:rPr lang="en-US" altLang="ko-KR" sz="2400" dirty="0"/>
@@ -3581,79 +3580,66 @@
             </a:r>
             <a:r>
               <a:rPr lang="ko-KR" altLang="en-US" sz="2400" dirty="0"/>
-              <a:t>소재지도로명주소 사용하여</a:t>
+              <a:t>위도 경도 찾는 함수가 있는 라이브러리</a:t>
+            </a:r>
+            <a:endParaRPr lang="en-US" altLang="ko-KR" sz="2400" dirty="0"/>
+          </a:p>
+          <a:p>
+            <a:pPr lvl="1"/>
+            <a:r>
+              <a:rPr lang="en-US" altLang="ko-KR" sz="2400" dirty="0">
+                <a:hlinkClick r:id="rId3"/>
+              </a:rPr>
+              <a:t>https://geopy.readthedocs.io/en/stable/</a:t>
+            </a:r>
+            <a:endParaRPr lang="en-US" altLang="ko-KR" sz="2400" dirty="0"/>
+          </a:p>
+          <a:p>
+            <a:pPr lvl="1"/>
+            <a:endParaRPr lang="en-US" altLang="ko-KR" sz="2400" dirty="0"/>
+          </a:p>
+          <a:p>
+            <a:pPr marL="342900" indent="-342900">
+              <a:buFontTx/>
+              <a:buChar char="-"/>
+            </a:pPr>
+            <a:r>
+              <a:rPr lang="en-US" altLang="ko-KR" sz="2400" dirty="0"/>
+              <a:t>matplotlib </a:t>
+            </a:r>
+            <a:r>
+              <a:rPr lang="ko-KR" altLang="en-US" sz="2400" dirty="0"/>
+              <a:t>사용</a:t>
+            </a:r>
+            <a:r>
+              <a:rPr lang="en-US" altLang="ko-KR" sz="2400" dirty="0"/>
+              <a:t> : </a:t>
+            </a:r>
+            <a:r>
+              <a:rPr lang="ko-KR" altLang="en-US" sz="2400" dirty="0"/>
+              <a:t>시각화 라이브러리</a:t>
+            </a:r>
+            <a:endParaRPr lang="en-US" altLang="ko-KR" sz="2400" dirty="0"/>
+          </a:p>
+          <a:p>
+            <a:pPr lvl="1"/>
+            <a:r>
+              <a:rPr lang="en-US" altLang="ko-KR" sz="2400" dirty="0">
+                <a:hlinkClick r:id="rId4"/>
+              </a:rPr>
+              <a:t>https://matplotlib.org</a:t>
             </a:r>
             <a:r>
               <a:rPr lang="en-US" altLang="ko-KR" sz="2400" dirty="0"/>
               <a:t> </a:t>
             </a:r>
-            <a:r>
-              <a:rPr lang="ko-KR" altLang="en-US" sz="2400" dirty="0"/>
-              <a:t>경도</a:t>
-            </a:r>
-            <a:r>
-              <a:rPr lang="en-US" altLang="ko-KR" sz="2400" dirty="0"/>
-              <a:t>, </a:t>
-            </a:r>
-            <a:r>
-              <a:rPr lang="ko-KR" altLang="en-US" sz="2400" dirty="0"/>
-              <a:t>위도 를 찾는다</a:t>
-            </a:r>
-            <a:r>
-              <a:rPr lang="en-US" altLang="ko-KR" sz="2400" dirty="0"/>
-              <a:t>.</a:t>
-            </a:r>
-          </a:p>
-          <a:p>
-            <a:r>
-              <a:rPr lang="en-US" altLang="ko-KR" sz="2400" dirty="0" err="1"/>
-              <a:t>geopy</a:t>
-            </a:r>
-            <a:r>
-              <a:rPr lang="en-US" altLang="ko-KR" sz="2400" dirty="0"/>
-              <a:t> </a:t>
-            </a:r>
-            <a:r>
-              <a:rPr lang="ko-KR" altLang="en-US" sz="2400" dirty="0"/>
-              <a:t>라이브러리 사용</a:t>
-            </a:r>
-          </a:p>
-        </p:txBody>
-      </p:sp>
-      <p:pic>
-        <p:nvPicPr>
-          <p:cNvPr id="4" name="그림 3">
-            <a:extLst>
-              <a:ext uri="{FF2B5EF4-FFF2-40B4-BE49-F238E27FC236}">
-                <a16:creationId xmlns:a16="http://schemas.microsoft.com/office/drawing/2014/main" id="{99A965AD-725F-4E4E-A206-5B149C898E8D}"/>
-              </a:ext>
-            </a:extLst>
-          </p:cNvPr>
-          <p:cNvPicPr>
-            <a:picLocks noChangeAspect="1"/>
-          </p:cNvPicPr>
-          <p:nvPr/>
-        </p:nvPicPr>
-        <p:blipFill>
-          <a:blip r:embed="rId2"/>
-          <a:stretch>
-            <a:fillRect/>
-          </a:stretch>
-        </p:blipFill>
-        <p:spPr>
-          <a:xfrm>
-            <a:off x="1009650" y="2781300"/>
-            <a:ext cx="9620250" cy="3459914"/>
-          </a:xfrm>
-          <a:prstGeom prst="rect">
-            <a:avLst/>
-          </a:prstGeom>
-        </p:spPr>
-      </p:pic>
+          </a:p>
+        </p:txBody>
+      </p:sp>
     </p:spTree>
     <p:extLst>
       <p:ext uri="{BB962C8B-B14F-4D97-AF65-F5344CB8AC3E}">
-        <p14:creationId xmlns:p14="http://schemas.microsoft.com/office/powerpoint/2010/main" val="1503224183"/>
+        <p14:creationId xmlns:p14="http://schemas.microsoft.com/office/powerpoint/2010/main" val="2098755887"/>
       </p:ext>
     </p:extLst>
   </p:cSld>
@@ -3682,10 +3668,10 @@
       </p:grpSpPr>
       <p:sp>
         <p:nvSpPr>
-          <p:cNvPr id="2" name="TextBox 1">
-            <a:extLst>
-              <a:ext uri="{FF2B5EF4-FFF2-40B4-BE49-F238E27FC236}">
-                <a16:creationId xmlns:a16="http://schemas.microsoft.com/office/drawing/2014/main" id="{270137EC-62AB-4201-995D-9F199EDD573A}"/>
+          <p:cNvPr id="3" name="TextBox 2">
+            <a:extLst>
+              <a:ext uri="{FF2B5EF4-FFF2-40B4-BE49-F238E27FC236}">
+                <a16:creationId xmlns:a16="http://schemas.microsoft.com/office/drawing/2014/main" id="{BC1F6E87-EDFD-47A7-AFEA-9697696D7632}"/>
               </a:ext>
             </a:extLst>
           </p:cNvPr>
@@ -3694,8 +3680,8 @@
         </p:nvSpPr>
         <p:spPr>
           <a:xfrm>
-            <a:off x="457200" y="328613"/>
-            <a:ext cx="1803699" cy="523220"/>
+            <a:off x="2704176" y="2302268"/>
+            <a:ext cx="7026678" cy="1323439"/>
           </a:xfrm>
           <a:prstGeom prst="rect">
             <a:avLst/>
@@ -3703,162 +3689,27 @@
           <a:noFill/>
         </p:spPr>
         <p:txBody>
-          <a:bodyPr wrap="none" rtlCol="0">
-            <a:spAutoFit/>
-          </a:bodyPr>
-          <a:lstStyle/>
-          <a:p>
-            <a:r>
-              <a:rPr lang="ko-KR" altLang="en-US" sz="2800" dirty="0">
-                <a:latin typeface="+mj-ea"/>
-                <a:ea typeface="+mj-ea"/>
-              </a:rPr>
-              <a:t>문제점</a:t>
-            </a:r>
-            <a:r>
-              <a:rPr lang="en-US" altLang="ko-KR" sz="2800" dirty="0">
-                <a:latin typeface="+mj-ea"/>
-                <a:ea typeface="+mj-ea"/>
-              </a:rPr>
-              <a:t>1-2</a:t>
-            </a:r>
-            <a:endParaRPr lang="ko-KR" altLang="en-US" sz="2800" dirty="0">
-              <a:latin typeface="+mj-ea"/>
-              <a:ea typeface="+mj-ea"/>
-            </a:endParaRPr>
-          </a:p>
-        </p:txBody>
-      </p:sp>
-      <p:sp>
-        <p:nvSpPr>
-          <p:cNvPr id="3" name="TextBox 2">
-            <a:extLst>
-              <a:ext uri="{FF2B5EF4-FFF2-40B4-BE49-F238E27FC236}">
-                <a16:creationId xmlns:a16="http://schemas.microsoft.com/office/drawing/2014/main" id="{BC1F6E87-EDFD-47A7-AFEA-9697696D7632}"/>
-              </a:ext>
-            </a:extLst>
-          </p:cNvPr>
-          <p:cNvSpPr txBox="1"/>
-          <p:nvPr/>
-        </p:nvSpPr>
-        <p:spPr>
-          <a:xfrm>
-            <a:off x="2309812" y="328613"/>
-            <a:ext cx="7572375" cy="461665"/>
-          </a:xfrm>
-          <a:prstGeom prst="rect">
-            <a:avLst/>
-          </a:prstGeom>
-          <a:noFill/>
-        </p:spPr>
-        <p:txBody>
           <a:bodyPr wrap="square" rtlCol="0">
             <a:spAutoFit/>
           </a:bodyPr>
           <a:lstStyle/>
           <a:p>
             <a:r>
-              <a:rPr lang="ko-KR" altLang="en-US" sz="2400" dirty="0"/>
-              <a:t>가지고 있는 주소 데이터로 조회가 안됨</a:t>
-            </a:r>
-          </a:p>
-        </p:txBody>
-      </p:sp>
-      <p:sp>
-        <p:nvSpPr>
-          <p:cNvPr id="6" name="TextBox 5">
-            <a:extLst>
-              <a:ext uri="{FF2B5EF4-FFF2-40B4-BE49-F238E27FC236}">
-                <a16:creationId xmlns:a16="http://schemas.microsoft.com/office/drawing/2014/main" id="{56458959-87C9-4C9C-8C23-37B508CE8A9E}"/>
-              </a:ext>
-            </a:extLst>
-          </p:cNvPr>
-          <p:cNvSpPr txBox="1"/>
-          <p:nvPr/>
-        </p:nvSpPr>
-        <p:spPr>
-          <a:xfrm>
-            <a:off x="1366263" y="1021049"/>
-            <a:ext cx="8947009" cy="1200329"/>
-          </a:xfrm>
-          <a:prstGeom prst="rect">
-            <a:avLst/>
-          </a:prstGeom>
-          <a:noFill/>
-        </p:spPr>
-        <p:txBody>
-          <a:bodyPr wrap="square" rtlCol="0">
-            <a:spAutoFit/>
-          </a:bodyPr>
-          <a:lstStyle/>
-          <a:p>
-            <a:r>
-              <a:rPr lang="en-US" altLang="ko-KR" sz="2400" dirty="0"/>
-              <a:t>csv</a:t>
-            </a:r>
-            <a:r>
-              <a:rPr lang="ko-KR" altLang="en-US" sz="2400" dirty="0"/>
-              <a:t>파일로 제공해주는 주소 데이터로는 조회가 되지 않는 것이 있다</a:t>
-            </a:r>
-            <a:r>
-              <a:rPr lang="en-US" altLang="ko-KR" sz="2400" dirty="0"/>
-              <a:t>.</a:t>
-            </a:r>
-          </a:p>
-          <a:p>
-            <a:r>
-              <a:rPr lang="en-US" altLang="ko-KR" sz="2400" dirty="0"/>
-              <a:t>(</a:t>
-            </a:r>
-            <a:r>
-              <a:rPr lang="ko-KR" altLang="en-US" sz="2400" dirty="0">
-                <a:solidFill>
-                  <a:srgbClr val="FF0000"/>
-                </a:solidFill>
-              </a:rPr>
-              <a:t>문제점 발생</a:t>
-            </a:r>
-            <a:r>
-              <a:rPr lang="en-US" altLang="ko-KR" sz="2400" dirty="0"/>
-              <a:t>)</a:t>
-            </a:r>
-          </a:p>
-        </p:txBody>
-      </p:sp>
-      <p:pic>
-        <p:nvPicPr>
-          <p:cNvPr id="5" name="그림 4">
-            <a:extLst>
-              <a:ext uri="{FF2B5EF4-FFF2-40B4-BE49-F238E27FC236}">
-                <a16:creationId xmlns:a16="http://schemas.microsoft.com/office/drawing/2014/main" id="{18C4A93D-5000-4CD5-AD79-7C4A5B1F796C}"/>
-              </a:ext>
-            </a:extLst>
-          </p:cNvPr>
-          <p:cNvPicPr>
-            <a:picLocks noChangeAspect="1"/>
-          </p:cNvPicPr>
-          <p:nvPr/>
-        </p:nvPicPr>
-        <p:blipFill>
-          <a:blip r:embed="rId2"/>
-          <a:stretch>
-            <a:fillRect/>
-          </a:stretch>
-        </p:blipFill>
-        <p:spPr>
-          <a:xfrm>
-            <a:off x="4426822" y="1594870"/>
-            <a:ext cx="5886450" cy="4677341"/>
-          </a:xfrm>
-          <a:prstGeom prst="rect">
-            <a:avLst/>
-          </a:prstGeom>
-        </p:spPr>
-      </p:pic>
+              <a:rPr lang="ko-KR" altLang="en-US" sz="8000" dirty="0"/>
+              <a:t>데이터 </a:t>
+            </a:r>
+            <a:r>
+              <a:rPr lang="ko-KR" altLang="en-US" sz="8000" dirty="0" err="1"/>
+              <a:t>전처리</a:t>
+            </a:r>
+            <a:endParaRPr lang="en-US" altLang="ko-KR" sz="8000" dirty="0"/>
+          </a:p>
+        </p:txBody>
+      </p:sp>
     </p:spTree>
     <p:extLst>
       <p:ext uri="{BB962C8B-B14F-4D97-AF65-F5344CB8AC3E}">
-        <p14:creationId xmlns:p14="http://schemas.microsoft.com/office/powerpoint/2010/main" val="2822429027"/>
+        <p14:creationId xmlns:p14="http://schemas.microsoft.com/office/powerpoint/2010/main" val="801442374"/>
       </p:ext>
     </p:extLst>
   </p:cSld>
@@ -3900,7 +3751,7 @@
         <p:spPr>
           <a:xfrm>
             <a:off x="457200" y="328613"/>
-            <a:ext cx="2162772" cy="523220"/>
+            <a:ext cx="1459054" cy="523220"/>
           </a:xfrm>
           <a:prstGeom prst="rect">
             <a:avLst/>
@@ -3918,14 +3769,14 @@
                 <a:latin typeface="+mj-ea"/>
                 <a:ea typeface="+mj-ea"/>
               </a:rPr>
-              <a:t>해결방법</a:t>
+              <a:t>문제점</a:t>
             </a:r>
             <a:r>
               <a:rPr lang="en-US" altLang="ko-KR" sz="2800" dirty="0">
                 <a:latin typeface="+mj-ea"/>
                 <a:ea typeface="+mj-ea"/>
               </a:rPr>
-              <a:t>1-2</a:t>
+              <a:t>1</a:t>
             </a:r>
             <a:endParaRPr lang="ko-KR" altLang="en-US" sz="2800" dirty="0">
               <a:latin typeface="+mj-ea"/>
@@ -3948,8 +3799,8 @@
         </p:nvSpPr>
         <p:spPr>
           <a:xfrm>
-            <a:off x="2619972" y="328613"/>
-            <a:ext cx="8309966" cy="461665"/>
+            <a:off x="1916254" y="328613"/>
+            <a:ext cx="7572375" cy="461665"/>
           </a:xfrm>
           <a:prstGeom prst="rect">
             <a:avLst/>
@@ -3964,134 +3815,28 @@
           <a:p>
             <a:r>
               <a:rPr lang="ko-KR" altLang="en-US" sz="2400" dirty="0"/>
-              <a:t>가지고 있는 주소 데이터로 조회가 안됨 </a:t>
-            </a:r>
-            <a:r>
-              <a:rPr lang="en-US" altLang="ko-KR" sz="2400" dirty="0"/>
-              <a:t>-&gt; </a:t>
-            </a:r>
-            <a:r>
-              <a:rPr lang="ko-KR" altLang="en-US" sz="2400" dirty="0"/>
-              <a:t>가공해야 함</a:t>
-            </a:r>
-          </a:p>
-        </p:txBody>
-      </p:sp>
-      <p:sp>
-        <p:nvSpPr>
-          <p:cNvPr id="6" name="TextBox 5">
-            <a:extLst>
-              <a:ext uri="{FF2B5EF4-FFF2-40B4-BE49-F238E27FC236}">
-                <a16:creationId xmlns:a16="http://schemas.microsoft.com/office/drawing/2014/main" id="{56458959-87C9-4C9C-8C23-37B508CE8A9E}"/>
-              </a:ext>
-            </a:extLst>
-          </p:cNvPr>
-          <p:cNvSpPr txBox="1"/>
-          <p:nvPr/>
-        </p:nvSpPr>
-        <p:spPr>
-          <a:xfrm>
-            <a:off x="1366263" y="1021049"/>
-            <a:ext cx="8947009" cy="2308324"/>
-          </a:xfrm>
-          <a:prstGeom prst="rect">
-            <a:avLst/>
-          </a:prstGeom>
-          <a:noFill/>
-        </p:spPr>
-        <p:txBody>
-          <a:bodyPr wrap="square" rtlCol="0">
-            <a:spAutoFit/>
-          </a:bodyPr>
-          <a:lstStyle/>
-          <a:p>
-            <a:r>
-              <a:rPr lang="en-US" altLang="ko-KR" sz="2400" dirty="0"/>
-              <a:t>csv </a:t>
-            </a:r>
-            <a:r>
-              <a:rPr lang="ko-KR" altLang="en-US" sz="2400" dirty="0"/>
-              <a:t>데이터에 있는</a:t>
-            </a:r>
-            <a:endParaRPr lang="en-US" altLang="ko-KR" sz="2400" dirty="0"/>
-          </a:p>
-          <a:p>
-            <a:r>
-              <a:rPr lang="ko-KR" altLang="en-US" sz="2400" dirty="0"/>
-              <a:t>대전광역시 유성구 유성대로</a:t>
-            </a:r>
-            <a:r>
-              <a:rPr lang="en-US" altLang="ko-KR" sz="2400" dirty="0"/>
-              <a:t>626</a:t>
+              <a:t>경도</a:t>
+            </a:r>
+            <a:r>
+              <a:rPr lang="en-US" altLang="ko-KR" sz="2400" dirty="0"/>
+              <a:t>, </a:t>
+            </a:r>
+            <a:r>
+              <a:rPr lang="ko-KR" altLang="en-US" sz="2400" dirty="0"/>
+              <a:t>위도가 없음 </a:t>
+            </a:r>
+            <a:r>
+              <a:rPr lang="en-US" altLang="ko-KR" sz="2400" dirty="0"/>
+              <a:t>– </a:t>
             </a:r>
             <a:r>
               <a:rPr lang="ko-KR" altLang="en-US" sz="2400" dirty="0" err="1"/>
-              <a:t>번길</a:t>
-            </a:r>
-            <a:r>
-              <a:rPr lang="ko-KR" altLang="en-US" sz="2400" dirty="0"/>
-              <a:t> </a:t>
-            </a:r>
-            <a:r>
-              <a:rPr lang="en-US" altLang="ko-KR" sz="2400" dirty="0"/>
-              <a:t>57(</a:t>
-            </a:r>
-            <a:r>
-              <a:rPr lang="ko-KR" altLang="en-US" sz="2400" dirty="0" err="1"/>
-              <a:t>구암동</a:t>
-            </a:r>
-            <a:r>
-              <a:rPr lang="en-US" altLang="ko-KR" sz="2400" dirty="0"/>
-              <a:t>) – </a:t>
-            </a:r>
-            <a:r>
-              <a:rPr lang="ko-KR" altLang="en-US" sz="2400" dirty="0" err="1"/>
-              <a:t>조회안됨</a:t>
-            </a:r>
-            <a:endParaRPr lang="en-US" altLang="ko-KR" sz="2400" dirty="0"/>
-          </a:p>
-          <a:p>
-            <a:endParaRPr lang="en-US" altLang="ko-KR" sz="2400" dirty="0"/>
-          </a:p>
-          <a:p>
-            <a:endParaRPr lang="en-US" altLang="ko-KR" sz="2400" dirty="0"/>
-          </a:p>
-          <a:p>
-            <a:r>
-              <a:rPr lang="ko-KR" altLang="en-US" sz="2400" dirty="0"/>
-              <a:t>대전광역시 유성구 유성대로</a:t>
-            </a:r>
-            <a:r>
-              <a:rPr lang="en-US" altLang="ko-KR" sz="2400" dirty="0"/>
-              <a:t>626</a:t>
-            </a:r>
-            <a:r>
-              <a:rPr lang="ko-KR" altLang="en-US" sz="2400" dirty="0" err="1"/>
-              <a:t>번길</a:t>
-            </a:r>
-            <a:r>
-              <a:rPr lang="ko-KR" altLang="en-US" sz="2400" dirty="0"/>
-              <a:t> </a:t>
-            </a:r>
-            <a:r>
-              <a:rPr lang="en-US" altLang="ko-KR" sz="2400" dirty="0"/>
-              <a:t>57</a:t>
-            </a:r>
-          </a:p>
-          <a:p>
-            <a:r>
-              <a:rPr lang="en-US" altLang="ko-KR" sz="2400" dirty="0"/>
-              <a:t>-&gt; </a:t>
-            </a:r>
-            <a:r>
-              <a:rPr lang="ko-KR" altLang="en-US" sz="2400" dirty="0"/>
-              <a:t>가공 후 조회가 된다</a:t>
-            </a:r>
-            <a:r>
-              <a:rPr lang="en-US" altLang="ko-KR" sz="2400" dirty="0"/>
-              <a:t>.</a:t>
-            </a:r>
-            <a:endParaRPr lang="ko-KR" altLang="en-US" sz="2400" dirty="0"/>
+              <a:t>결측치</a:t>
+            </a:r>
+            <a:r>
+              <a:rPr lang="ko-KR" altLang="en-US" sz="2400" dirty="0"/>
+              <a:t> 처리</a:t>
+            </a:r>
           </a:p>
         </p:txBody>
       </p:sp>
@@ -4100,7 +3845,7 @@
           <p:cNvPr id="4" name="그림 3">
             <a:extLst>
               <a:ext uri="{FF2B5EF4-FFF2-40B4-BE49-F238E27FC236}">
-                <a16:creationId xmlns:a16="http://schemas.microsoft.com/office/drawing/2014/main" id="{1658E99C-1E63-4F2D-944C-99F113F4F17F}"/>
+                <a16:creationId xmlns:a16="http://schemas.microsoft.com/office/drawing/2014/main" id="{769BD7D7-7751-4BF5-A3C7-E8EBA3DECBFE}"/>
               </a:ext>
             </a:extLst>
           </p:cNvPr>
@@ -4109,16 +3854,15 @@
           </p:cNvPicPr>
           <p:nvPr/>
         </p:nvPicPr>
-        <p:blipFill>
+        <p:blipFill rotWithShape="1">
           <a:blip r:embed="rId2"/>
-          <a:stretch>
-            <a:fillRect/>
-          </a:stretch>
+          <a:srcRect l="39726"/>
+          <a:stretch/>
         </p:blipFill>
         <p:spPr>
           <a:xfrm>
-            <a:off x="1135406" y="3429000"/>
-            <a:ext cx="9921186" cy="2838450"/>
+            <a:off x="771561" y="1996651"/>
+            <a:ext cx="10648877" cy="1832399"/>
           </a:xfrm>
           <a:prstGeom prst="rect">
             <a:avLst/>
@@ -4128,7 +3872,7 @@
     </p:spTree>
     <p:extLst>
       <p:ext uri="{BB962C8B-B14F-4D97-AF65-F5344CB8AC3E}">
-        <p14:creationId xmlns:p14="http://schemas.microsoft.com/office/powerpoint/2010/main" val="4289577828"/>
+        <p14:creationId xmlns:p14="http://schemas.microsoft.com/office/powerpoint/2010/main" val="3306837330"/>
       </p:ext>
     </p:extLst>
   </p:cSld>
@@ -4170,7 +3914,7 @@
         <p:spPr>
           <a:xfrm>
             <a:off x="457200" y="328613"/>
-            <a:ext cx="2162772" cy="523220"/>
+            <a:ext cx="1803699" cy="523220"/>
           </a:xfrm>
           <a:prstGeom prst="rect">
             <a:avLst/>
@@ -4188,14 +3932,14 @@
                 <a:latin typeface="+mj-ea"/>
                 <a:ea typeface="+mj-ea"/>
               </a:rPr>
-              <a:t>해결방법</a:t>
+              <a:t>문제점</a:t>
             </a:r>
             <a:r>
               <a:rPr lang="en-US" altLang="ko-KR" sz="2800" dirty="0">
                 <a:latin typeface="+mj-ea"/>
                 <a:ea typeface="+mj-ea"/>
               </a:rPr>
-              <a:t>1-2</a:t>
+              <a:t>1-1</a:t>
             </a:r>
             <a:endParaRPr lang="ko-KR" altLang="en-US" sz="2800" dirty="0">
               <a:latin typeface="+mj-ea"/>
@@ -4218,8 +3962,8 @@
         </p:nvSpPr>
         <p:spPr>
           <a:xfrm>
-            <a:off x="2619972" y="359390"/>
-            <a:ext cx="7981353" cy="461665"/>
+            <a:off x="2260899" y="328613"/>
+            <a:ext cx="7572375" cy="461665"/>
           </a:xfrm>
           <a:prstGeom prst="rect">
             <a:avLst/>
@@ -4234,160 +3978,65 @@
           <a:p>
             <a:r>
               <a:rPr lang="ko-KR" altLang="en-US" sz="2400" dirty="0"/>
-              <a:t>주소 데이터를 조회가 되게끔 가공하자</a:t>
-            </a:r>
-            <a:r>
-              <a:rPr lang="en-US" altLang="ko-KR" sz="2400" dirty="0"/>
-              <a:t> – </a:t>
-            </a:r>
-            <a:r>
-              <a:rPr lang="ko-KR" altLang="en-US" sz="2400" dirty="0"/>
-              <a:t>정규표현식</a:t>
-            </a:r>
-          </a:p>
-        </p:txBody>
-      </p:sp>
-      <p:sp>
-        <p:nvSpPr>
-          <p:cNvPr id="6" name="TextBox 5">
-            <a:extLst>
-              <a:ext uri="{FF2B5EF4-FFF2-40B4-BE49-F238E27FC236}">
-                <a16:creationId xmlns:a16="http://schemas.microsoft.com/office/drawing/2014/main" id="{56458959-87C9-4C9C-8C23-37B508CE8A9E}"/>
-              </a:ext>
-            </a:extLst>
-          </p:cNvPr>
-          <p:cNvSpPr txBox="1"/>
+              <a:t>경도</a:t>
+            </a:r>
+            <a:r>
+              <a:rPr lang="en-US" altLang="ko-KR" sz="2400" dirty="0"/>
+              <a:t>, </a:t>
+            </a:r>
+            <a:r>
+              <a:rPr lang="ko-KR" altLang="en-US" sz="2400" dirty="0"/>
+              <a:t>위도가 없음 </a:t>
+            </a:r>
+            <a:r>
+              <a:rPr lang="en-US" altLang="ko-KR" sz="2400" dirty="0"/>
+              <a:t>– </a:t>
+            </a:r>
+            <a:r>
+              <a:rPr lang="ko-KR" altLang="en-US" sz="2400" dirty="0" err="1"/>
+              <a:t>결측치</a:t>
+            </a:r>
+            <a:r>
+              <a:rPr lang="ko-KR" altLang="en-US" sz="2400" dirty="0"/>
+              <a:t> 처리</a:t>
+            </a:r>
+          </a:p>
+        </p:txBody>
+      </p:sp>
+      <p:pic>
+        <p:nvPicPr>
+          <p:cNvPr id="5" name="그림 4">
+            <a:extLst>
+              <a:ext uri="{FF2B5EF4-FFF2-40B4-BE49-F238E27FC236}">
+                <a16:creationId xmlns:a16="http://schemas.microsoft.com/office/drawing/2014/main" id="{624427D1-56DF-494D-803C-601EF445C73C}"/>
+              </a:ext>
+            </a:extLst>
+          </p:cNvPr>
+          <p:cNvPicPr>
+            <a:picLocks noChangeAspect="1"/>
+          </p:cNvPicPr>
           <p:nvPr/>
-        </p:nvSpPr>
-        <p:spPr>
-          <a:xfrm>
-            <a:off x="1366263" y="1021049"/>
-            <a:ext cx="8947009" cy="4154984"/>
+        </p:nvPicPr>
+        <p:blipFill>
+          <a:blip r:embed="rId2"/>
+          <a:stretch>
+            <a:fillRect/>
+          </a:stretch>
+        </p:blipFill>
+        <p:spPr>
+          <a:xfrm>
+            <a:off x="2271712" y="851833"/>
+            <a:ext cx="7877175" cy="5629275"/>
           </a:xfrm>
           <a:prstGeom prst="rect">
             <a:avLst/>
           </a:prstGeom>
-          <a:noFill/>
-        </p:spPr>
-        <p:txBody>
-          <a:bodyPr wrap="square" rtlCol="0">
-            <a:spAutoFit/>
-          </a:bodyPr>
-          <a:lstStyle/>
-          <a:p>
-            <a:r>
-              <a:rPr lang="ko-KR" altLang="en-US" sz="2400" dirty="0"/>
-              <a:t>조회가 되게끔 적절하게 바꿔볼까</a:t>
-            </a:r>
-            <a:r>
-              <a:rPr lang="en-US" altLang="ko-KR" sz="2400" dirty="0"/>
-              <a:t>? =&gt; </a:t>
-            </a:r>
-            <a:r>
-              <a:rPr lang="ko-KR" altLang="en-US" sz="2400" dirty="0"/>
-              <a:t>정규표현식 사용</a:t>
-            </a:r>
-            <a:endParaRPr lang="en-US" altLang="ko-KR" sz="2400" dirty="0"/>
-          </a:p>
-          <a:p>
-            <a:endParaRPr lang="en-US" altLang="ko-KR" sz="2400" dirty="0"/>
-          </a:p>
-          <a:p>
-            <a:endParaRPr lang="en-US" altLang="ko-KR" sz="2400" dirty="0"/>
-          </a:p>
-          <a:p>
-            <a:r>
-              <a:rPr lang="ko-KR" altLang="en-US" sz="2400" dirty="0"/>
-              <a:t>데이터를 하나씩 대입해보면서 조회가 되는 경우의 규칙을 찾아본다</a:t>
-            </a:r>
-            <a:r>
-              <a:rPr lang="en-US" altLang="ko-KR" sz="2400" dirty="0"/>
-              <a:t>.</a:t>
-            </a:r>
-          </a:p>
-          <a:p>
-            <a:endParaRPr lang="en-US" altLang="ko-KR" sz="2400" dirty="0"/>
-          </a:p>
-          <a:p>
-            <a:pPr marL="457200" indent="-457200">
-              <a:buAutoNum type="arabicPeriod"/>
-            </a:pPr>
-            <a:r>
-              <a:rPr lang="ko-KR" altLang="en-US" sz="2400" dirty="0"/>
-              <a:t>뒤에 괄호가 있는 경우 조회가 안됨 </a:t>
-            </a:r>
-            <a:r>
-              <a:rPr lang="en-US" altLang="ko-KR" sz="2400" dirty="0"/>
-              <a:t>-&gt; </a:t>
-            </a:r>
-            <a:r>
-              <a:rPr lang="ko-KR" altLang="en-US" sz="2400" dirty="0"/>
-              <a:t>괄호를 지운다</a:t>
-            </a:r>
-            <a:r>
-              <a:rPr lang="en-US" altLang="ko-KR" sz="2400" dirty="0"/>
-              <a:t>.</a:t>
-            </a:r>
-            <a:endParaRPr lang="ko-KR" altLang="en-US" sz="2400" dirty="0"/>
-          </a:p>
-          <a:p>
-            <a:pPr marL="457200" indent="-457200">
-              <a:buAutoNum type="arabicPeriod" startAt="2"/>
-            </a:pPr>
-            <a:r>
-              <a:rPr lang="ko-KR" altLang="en-US" sz="2400" dirty="0"/>
-              <a:t>*</a:t>
-            </a:r>
-            <a:r>
-              <a:rPr lang="ko-KR" altLang="en-US" sz="2400" dirty="0" err="1"/>
-              <a:t>번길</a:t>
-            </a:r>
-            <a:r>
-              <a:rPr lang="ko-KR" altLang="en-US" sz="2400" dirty="0"/>
-              <a:t> 앞에는 띄어쓰기가 있으면 조회가 안됨 </a:t>
-            </a:r>
-            <a:r>
-              <a:rPr lang="en-US" altLang="ko-KR" sz="2400" dirty="0"/>
-              <a:t>-&gt; </a:t>
-            </a:r>
-            <a:r>
-              <a:rPr lang="ko-KR" altLang="en-US" sz="2400" dirty="0"/>
-              <a:t>띄어쓰기를 지운다</a:t>
-            </a:r>
-            <a:r>
-              <a:rPr lang="en-US" altLang="ko-KR" sz="2400" dirty="0"/>
-              <a:t>.</a:t>
-            </a:r>
-          </a:p>
-          <a:p>
-            <a:pPr marL="457200" indent="-457200">
-              <a:buAutoNum type="arabicPeriod" startAt="2"/>
-            </a:pPr>
-            <a:r>
-              <a:rPr lang="ko-KR" altLang="en-US" sz="2400" dirty="0" err="1"/>
-              <a:t>번길이</a:t>
-            </a:r>
-            <a:r>
-              <a:rPr lang="ko-KR" altLang="en-US" sz="2400" dirty="0"/>
-              <a:t> 붙지 않은 숫자는 앞에 띄어쓰기가 한 칸 있어야 한다</a:t>
-            </a:r>
-            <a:r>
-              <a:rPr lang="en-US" altLang="ko-KR" sz="2400" dirty="0"/>
-              <a:t>.</a:t>
-            </a:r>
-          </a:p>
-          <a:p>
-            <a:pPr marL="457200" indent="-457200">
-              <a:buAutoNum type="arabicPeriod" startAt="2"/>
-            </a:pPr>
-            <a:endParaRPr lang="ko-KR" altLang="en-US" sz="2400" dirty="0"/>
-          </a:p>
-        </p:txBody>
-      </p:sp>
+        </p:spPr>
+      </p:pic>
     </p:spTree>
     <p:extLst>
       <p:ext uri="{BB962C8B-B14F-4D97-AF65-F5344CB8AC3E}">
-        <p14:creationId xmlns:p14="http://schemas.microsoft.com/office/powerpoint/2010/main" val="4115026560"/>
+        <p14:creationId xmlns:p14="http://schemas.microsoft.com/office/powerpoint/2010/main" val="3946300319"/>
       </p:ext>
     </p:extLst>
   </p:cSld>
@@ -4454,7 +4103,7 @@
                 <a:latin typeface="+mj-ea"/>
                 <a:ea typeface="+mj-ea"/>
               </a:rPr>
-              <a:t>1-2</a:t>
+              <a:t>1-1</a:t>
             </a:r>
             <a:endParaRPr lang="ko-KR" altLang="en-US" sz="2800" dirty="0">
               <a:latin typeface="+mj-ea"/>
@@ -4477,8 +4126,8 @@
         </p:nvSpPr>
         <p:spPr>
           <a:xfrm>
-            <a:off x="2619972" y="359390"/>
-            <a:ext cx="7981353" cy="461665"/>
+            <a:off x="2619972" y="328612"/>
+            <a:ext cx="7572375" cy="461665"/>
           </a:xfrm>
           <a:prstGeom prst="rect">
             <a:avLst/>
@@ -4493,15 +4142,31 @@
           <a:p>
             <a:r>
               <a:rPr lang="ko-KR" altLang="en-US" sz="2400" dirty="0"/>
-              <a:t>주소 데이터를 조회가 되게끔 가공하자 </a:t>
-            </a:r>
-            <a:r>
-              <a:rPr lang="en-US" altLang="ko-KR" sz="2400" dirty="0"/>
-              <a:t>– </a:t>
-            </a:r>
-            <a:r>
-              <a:rPr lang="ko-KR" altLang="en-US" sz="2400" dirty="0"/>
-              <a:t>정규표현식</a:t>
+              <a:t>경도</a:t>
+            </a:r>
+            <a:r>
+              <a:rPr lang="en-US" altLang="ko-KR" sz="2400" dirty="0"/>
+              <a:t>, </a:t>
+            </a:r>
+            <a:r>
+              <a:rPr lang="ko-KR" altLang="en-US" sz="2400" dirty="0"/>
+              <a:t>위도가 없음 </a:t>
+            </a:r>
+            <a:r>
+              <a:rPr lang="en-US" altLang="ko-KR" sz="2400" dirty="0"/>
+              <a:t>-&gt; </a:t>
+            </a:r>
+            <a:r>
+              <a:rPr lang="en-US" altLang="ko-KR" sz="2400" dirty="0" err="1"/>
+              <a:t>geopy</a:t>
+            </a:r>
+            <a:r>
+              <a:rPr lang="en-US" altLang="ko-KR" sz="2400" dirty="0"/>
+              <a:t> </a:t>
+            </a:r>
+            <a:r>
+              <a:rPr lang="ko-KR" altLang="en-US" sz="2400" dirty="0"/>
+              <a:t>라이브러리 사용</a:t>
             </a:r>
           </a:p>
         </p:txBody>
@@ -4520,8 +4185,8 @@
         </p:nvSpPr>
         <p:spPr>
           <a:xfrm>
-            <a:off x="1366263" y="1021049"/>
-            <a:ext cx="8947009" cy="4154984"/>
+            <a:off x="1346270" y="1370290"/>
+            <a:ext cx="8947009" cy="830997"/>
           </a:xfrm>
           <a:prstGeom prst="rect">
             <a:avLst/>
@@ -4536,28 +4201,31 @@
           <a:p>
             <a:r>
               <a:rPr lang="ko-KR" altLang="en-US" sz="2400" dirty="0"/>
-              <a:t>조회가 되게끔 적절하게 바꿔볼까</a:t>
-            </a:r>
-            <a:r>
-              <a:rPr lang="en-US" altLang="ko-KR" sz="2400" dirty="0"/>
-              <a:t>? =&gt; </a:t>
-            </a:r>
-            <a:r>
-              <a:rPr lang="ko-KR" altLang="en-US" sz="2400" dirty="0"/>
-              <a:t>정규표현식 사용</a:t>
-            </a:r>
-            <a:endParaRPr lang="en-US" altLang="ko-KR" sz="2400" dirty="0"/>
-          </a:p>
-          <a:p>
-            <a:endParaRPr lang="en-US" altLang="ko-KR" sz="2400" dirty="0"/>
-          </a:p>
-          <a:p>
-            <a:endParaRPr lang="en-US" altLang="ko-KR" sz="2400" dirty="0"/>
-          </a:p>
-          <a:p>
-            <a:r>
-              <a:rPr lang="ko-KR" altLang="en-US" sz="2400" dirty="0"/>
-              <a:t>데이터를 하나씩 대입해보면서 조회가 되는 경우의 규칙을 찾아본다</a:t>
+              <a:t>해결 방법 </a:t>
+            </a:r>
+            <a:r>
+              <a:rPr lang="en-US" altLang="ko-KR" sz="2400" dirty="0"/>
+              <a:t>: </a:t>
+            </a:r>
+            <a:r>
+              <a:rPr lang="ko-KR" altLang="en-US" sz="2400" dirty="0"/>
+              <a:t>소재지도로명주소 사용하여</a:t>
+            </a:r>
+            <a:r>
+              <a:rPr lang="en-US" altLang="ko-KR" sz="2400" dirty="0"/>
+              <a:t> </a:t>
+            </a:r>
+            <a:r>
+              <a:rPr lang="ko-KR" altLang="en-US" sz="2400" dirty="0"/>
+              <a:t>경도</a:t>
+            </a:r>
+            <a:r>
+              <a:rPr lang="en-US" altLang="ko-KR" sz="2400" dirty="0"/>
+              <a:t>, </a:t>
+            </a:r>
+            <a:r>
+              <a:rPr lang="ko-KR" altLang="en-US" sz="2400" dirty="0"/>
+              <a:t>위도 를 찾는다</a:t>
             </a:r>
             <a:r>
               <a:rPr lang="en-US" altLang="ko-KR" sz="2400" dirty="0"/>
@@ -4565,88 +4233,55 @@
             </a:r>
           </a:p>
           <a:p>
-            <a:endParaRPr lang="en-US" altLang="ko-KR" sz="2400" dirty="0"/>
-          </a:p>
-          <a:p>
-            <a:pPr marL="457200" indent="-457200">
-              <a:buAutoNum type="arabicPeriod"/>
-            </a:pPr>
-            <a:r>
-              <a:rPr lang="ko-KR" altLang="en-US" sz="2400" dirty="0"/>
-              <a:t>뒤에 괄호가 있는 경우 조회가 안됨 </a:t>
-            </a:r>
-            <a:r>
-              <a:rPr lang="en-US" altLang="ko-KR" sz="2400" dirty="0"/>
-              <a:t>-&gt; </a:t>
-            </a:r>
-            <a:r>
-              <a:rPr lang="ko-KR" altLang="en-US" sz="2400" dirty="0"/>
-              <a:t>괄호를 지운다</a:t>
-            </a:r>
-            <a:r>
-              <a:rPr lang="en-US" altLang="ko-KR" sz="2400" dirty="0"/>
-              <a:t>.</a:t>
-            </a:r>
-            <a:endParaRPr lang="ko-KR" altLang="en-US" sz="2400" dirty="0"/>
-          </a:p>
-          <a:p>
-            <a:pPr marL="457200" indent="-457200">
-              <a:buAutoNum type="arabicPeriod" startAt="2"/>
-            </a:pPr>
-            <a:r>
-              <a:rPr lang="ko-KR" altLang="en-US" sz="2400" dirty="0"/>
-              <a:t>*</a:t>
-            </a:r>
-            <a:r>
-              <a:rPr lang="ko-KR" altLang="en-US" sz="2400" dirty="0" err="1"/>
-              <a:t>번길</a:t>
-            </a:r>
-            <a:r>
-              <a:rPr lang="ko-KR" altLang="en-US" sz="2400" dirty="0"/>
-              <a:t> 앞에는 띄어쓰기가 있으면 조회가 안됨 </a:t>
-            </a:r>
-            <a:r>
-              <a:rPr lang="en-US" altLang="ko-KR" sz="2400" dirty="0"/>
-              <a:t>-&gt; </a:t>
-            </a:r>
-            <a:r>
-              <a:rPr lang="ko-KR" altLang="en-US" sz="2400" dirty="0"/>
-              <a:t>띄어쓰기를 지운다</a:t>
-            </a:r>
-            <a:r>
-              <a:rPr lang="en-US" altLang="ko-KR" sz="2400" dirty="0"/>
-              <a:t>.</a:t>
-            </a:r>
-          </a:p>
-          <a:p>
-            <a:pPr marL="457200" indent="-457200">
-              <a:buAutoNum type="arabicPeriod" startAt="2"/>
-            </a:pPr>
-            <a:r>
-              <a:rPr lang="ko-KR" altLang="en-US" sz="2400" dirty="0" err="1"/>
-              <a:t>번길</a:t>
-            </a:r>
-            <a:r>
-              <a:rPr lang="ko-KR" altLang="en-US" sz="2400" dirty="0"/>
-              <a:t> 뒤에 숫자가 있을 경우 띄어쓰기를 한다</a:t>
-            </a:r>
-            <a:r>
-              <a:rPr lang="en-US" altLang="ko-KR" sz="2400" dirty="0"/>
-              <a:t>.</a:t>
-            </a:r>
-          </a:p>
-          <a:p>
-            <a:pPr marL="457200" indent="-457200">
-              <a:buAutoNum type="arabicPeriod" startAt="2"/>
-            </a:pPr>
-            <a:endParaRPr lang="ko-KR" altLang="en-US" sz="2400" dirty="0"/>
-          </a:p>
-        </p:txBody>
-      </p:sp>
+            <a:r>
+              <a:rPr lang="en-US" altLang="ko-KR" sz="2400" dirty="0" err="1"/>
+              <a:t>geopy</a:t>
+            </a:r>
+            <a:r>
+              <a:rPr lang="en-US" altLang="ko-KR" sz="2400" dirty="0"/>
+              <a:t> </a:t>
+            </a:r>
+            <a:r>
+              <a:rPr lang="ko-KR" altLang="en-US" sz="2400" dirty="0"/>
+              <a:t>라이브러리 사용</a:t>
+            </a:r>
+          </a:p>
+        </p:txBody>
+      </p:sp>
+      <p:pic>
+        <p:nvPicPr>
+          <p:cNvPr id="4" name="그림 3">
+            <a:extLst>
+              <a:ext uri="{FF2B5EF4-FFF2-40B4-BE49-F238E27FC236}">
+                <a16:creationId xmlns:a16="http://schemas.microsoft.com/office/drawing/2014/main" id="{99A965AD-725F-4E4E-A206-5B149C898E8D}"/>
+              </a:ext>
+            </a:extLst>
+          </p:cNvPr>
+          <p:cNvPicPr>
+            <a:picLocks noChangeAspect="1"/>
+          </p:cNvPicPr>
+          <p:nvPr/>
+        </p:nvPicPr>
+        <p:blipFill>
+          <a:blip r:embed="rId2"/>
+          <a:stretch>
+            <a:fillRect/>
+          </a:stretch>
+        </p:blipFill>
+        <p:spPr>
+          <a:xfrm>
+            <a:off x="1009650" y="2781300"/>
+            <a:ext cx="9620250" cy="3459914"/>
+          </a:xfrm>
+          <a:prstGeom prst="rect">
+            <a:avLst/>
+          </a:prstGeom>
+        </p:spPr>
+      </p:pic>
     </p:spTree>
     <p:extLst>
       <p:ext uri="{BB962C8B-B14F-4D97-AF65-F5344CB8AC3E}">
-        <p14:creationId xmlns:p14="http://schemas.microsoft.com/office/powerpoint/2010/main" val="723675154"/>
+        <p14:creationId xmlns:p14="http://schemas.microsoft.com/office/powerpoint/2010/main" val="1503224183"/>
       </p:ext>
     </p:extLst>
   </p:cSld>
@@ -4713,7 +4348,7 @@
                 <a:latin typeface="+mj-ea"/>
                 <a:ea typeface="+mj-ea"/>
               </a:rPr>
-              <a:t>1-3</a:t>
+              <a:t>1-2</a:t>
             </a:r>
             <a:endParaRPr lang="ko-KR" altLang="en-US" sz="2800" dirty="0">
               <a:latin typeface="+mj-ea"/>
@@ -4736,8 +4371,8 @@
         </p:nvSpPr>
         <p:spPr>
           <a:xfrm>
-            <a:off x="2619972" y="359390"/>
-            <a:ext cx="7981353" cy="461665"/>
+            <a:off x="2309812" y="328613"/>
+            <a:ext cx="7572375" cy="461665"/>
           </a:xfrm>
           <a:prstGeom prst="rect">
             <a:avLst/>
@@ -4752,7 +4387,7 @@
           <a:p>
             <a:r>
               <a:rPr lang="ko-KR" altLang="en-US" sz="2400" dirty="0"/>
-              <a:t>위경도 구하지 못함</a:t>
+              <a:t>가지고 있는 주소 데이터로 조회가 안됨</a:t>
             </a:r>
           </a:p>
         </p:txBody>
@@ -4772,7 +4407,7 @@
         <p:spPr>
           <a:xfrm>
             <a:off x="1366263" y="1021049"/>
-            <a:ext cx="8947009" cy="830997"/>
+            <a:ext cx="8947009" cy="1200329"/>
           </a:xfrm>
           <a:prstGeom prst="rect">
             <a:avLst/>
@@ -4786,19 +4421,44 @@
           <a:lstStyle/>
           <a:p>
             <a:r>
-              <a:rPr lang="ko-KR" altLang="en-US" sz="2400" dirty="0"/>
-              <a:t>정규표현식을 사용해 가공한 주소에 위경도 구하는 함수를 호출하여도 찾지 못하는 데이터가 있음</a:t>
-            </a:r>
-            <a:endParaRPr lang="en-US" altLang="ko-KR" sz="2400" dirty="0"/>
+              <a:rPr lang="en-US" altLang="ko-KR" sz="2400" dirty="0"/>
+              <a:t>csv</a:t>
+            </a:r>
+            <a:r>
+              <a:rPr lang="ko-KR" altLang="en-US" sz="2400" dirty="0"/>
+              <a:t>파일로 제공해주는 주소 데이터로는 조회가 되지 않는 것이 있다</a:t>
+            </a:r>
+            <a:r>
+              <a:rPr lang="en-US" altLang="ko-KR" sz="2400" dirty="0"/>
+              <a:t>.</a:t>
+            </a:r>
+          </a:p>
+          <a:p>
+            <a:r>
+              <a:rPr lang="en-US" altLang="ko-KR" sz="2400" dirty="0"/>
+              <a:t>(</a:t>
+            </a:r>
+            <a:r>
+              <a:rPr lang="ko-KR" altLang="en-US" sz="2400" dirty="0">
+                <a:solidFill>
+                  <a:srgbClr val="FF0000"/>
+                </a:solidFill>
+              </a:rPr>
+              <a:t>문제점 발생</a:t>
+            </a:r>
+            <a:r>
+              <a:rPr lang="en-US" altLang="ko-KR" sz="2400" dirty="0"/>
+              <a:t>)</a:t>
+            </a:r>
           </a:p>
         </p:txBody>
       </p:sp>
       <p:pic>
         <p:nvPicPr>
-          <p:cNvPr id="4" name="그림 3">
-            <a:extLst>
-              <a:ext uri="{FF2B5EF4-FFF2-40B4-BE49-F238E27FC236}">
-                <a16:creationId xmlns:a16="http://schemas.microsoft.com/office/drawing/2014/main" id="{C15C0EBA-613C-4574-85AB-794AB234B014}"/>
+          <p:cNvPr id="5" name="그림 4">
+            <a:extLst>
+              <a:ext uri="{FF2B5EF4-FFF2-40B4-BE49-F238E27FC236}">
+                <a16:creationId xmlns:a16="http://schemas.microsoft.com/office/drawing/2014/main" id="{18C4A93D-5000-4CD5-AD79-7C4A5B1F796C}"/>
               </a:ext>
             </a:extLst>
           </p:cNvPr>
@@ -4815,82 +4475,18 @@
         </p:blipFill>
         <p:spPr>
           <a:xfrm>
-            <a:off x="816124" y="2267157"/>
-            <a:ext cx="9670244" cy="2793626"/>
+            <a:off x="4426822" y="1594870"/>
+            <a:ext cx="5886450" cy="4677341"/>
           </a:xfrm>
           <a:prstGeom prst="rect">
             <a:avLst/>
           </a:prstGeom>
         </p:spPr>
       </p:pic>
-      <p:sp>
-        <p:nvSpPr>
-          <p:cNvPr id="7" name="TextBox 6">
-            <a:extLst>
-              <a:ext uri="{FF2B5EF4-FFF2-40B4-BE49-F238E27FC236}">
-                <a16:creationId xmlns:a16="http://schemas.microsoft.com/office/drawing/2014/main" id="{50398F00-51B9-4DFB-90C4-D3DAAF2A0349}"/>
-              </a:ext>
-            </a:extLst>
-          </p:cNvPr>
-          <p:cNvSpPr txBox="1"/>
-          <p:nvPr/>
-        </p:nvSpPr>
-        <p:spPr>
-          <a:xfrm>
-            <a:off x="704275" y="5433652"/>
-            <a:ext cx="8947009" cy="369332"/>
-          </a:xfrm>
-          <a:prstGeom prst="rect">
-            <a:avLst/>
-          </a:prstGeom>
-          <a:noFill/>
-        </p:spPr>
-        <p:txBody>
-          <a:bodyPr wrap="square" rtlCol="0">
-            <a:spAutoFit/>
-          </a:bodyPr>
-          <a:lstStyle/>
-          <a:p>
-            <a:r>
-              <a:rPr lang="ko-KR" altLang="en-US" dirty="0"/>
-              <a:t>예시 </a:t>
-            </a:r>
-            <a:r>
-              <a:rPr lang="en-US" altLang="ko-KR" dirty="0"/>
-              <a:t>: </a:t>
-            </a:r>
-            <a:r>
-              <a:rPr lang="ko-KR" altLang="en-US" dirty="0"/>
-              <a:t>경상남도 사천시 </a:t>
-            </a:r>
-            <a:r>
-              <a:rPr lang="ko-KR" altLang="en-US" dirty="0" err="1"/>
-              <a:t>사남면</a:t>
-            </a:r>
-            <a:r>
-              <a:rPr lang="ko-KR" altLang="en-US" dirty="0"/>
-              <a:t> </a:t>
-            </a:r>
-            <a:r>
-              <a:rPr lang="ko-KR" altLang="en-US" dirty="0" err="1"/>
-              <a:t>조동길</a:t>
-            </a:r>
-            <a:r>
-              <a:rPr lang="ko-KR" altLang="en-US" dirty="0"/>
-              <a:t> </a:t>
-            </a:r>
-            <a:r>
-              <a:rPr lang="en-US" altLang="ko-KR" dirty="0"/>
-              <a:t>49-30</a:t>
-            </a:r>
-            <a:endParaRPr lang="ko-KR" altLang="en-US" sz="2400" dirty="0"/>
-          </a:p>
-        </p:txBody>
-      </p:sp>
     </p:spTree>
     <p:extLst>
       <p:ext uri="{BB962C8B-B14F-4D97-AF65-F5344CB8AC3E}">
-        <p14:creationId xmlns:p14="http://schemas.microsoft.com/office/powerpoint/2010/main" val="30577446"/>
+        <p14:creationId xmlns:p14="http://schemas.microsoft.com/office/powerpoint/2010/main" val="2822429027"/>
       </p:ext>
     </p:extLst>
   </p:cSld>
@@ -4932,7 +4528,7 @@
         <p:spPr>
           <a:xfrm>
             <a:off x="457200" y="328613"/>
-            <a:ext cx="1803699" cy="523220"/>
+            <a:ext cx="2162772" cy="523220"/>
           </a:xfrm>
           <a:prstGeom prst="rect">
             <a:avLst/>
@@ -4950,14 +4546,14 @@
                 <a:latin typeface="+mj-ea"/>
                 <a:ea typeface="+mj-ea"/>
               </a:rPr>
-              <a:t>문제점</a:t>
+              <a:t>해결방법</a:t>
             </a:r>
             <a:r>
               <a:rPr lang="en-US" altLang="ko-KR" sz="2800" dirty="0">
                 <a:latin typeface="+mj-ea"/>
                 <a:ea typeface="+mj-ea"/>
               </a:rPr>
-              <a:t>1-3</a:t>
+              <a:t>1-2</a:t>
             </a:r>
             <a:endParaRPr lang="ko-KR" altLang="en-US" sz="2800" dirty="0">
               <a:latin typeface="+mj-ea"/>
@@ -4980,8 +4576,8 @@
         </p:nvSpPr>
         <p:spPr>
           <a:xfrm>
-            <a:off x="2619972" y="359390"/>
-            <a:ext cx="7981353" cy="461665"/>
+            <a:off x="2619972" y="328613"/>
+            <a:ext cx="8309966" cy="461665"/>
           </a:xfrm>
           <a:prstGeom prst="rect">
             <a:avLst/>
@@ -4996,7 +4592,15 @@
           <a:p>
             <a:r>
               <a:rPr lang="ko-KR" altLang="en-US" sz="2400" dirty="0"/>
-              <a:t>위경도 구하지 못함</a:t>
+              <a:t>가지고 있는 주소 데이터로 조회가 안됨 </a:t>
+            </a:r>
+            <a:r>
+              <a:rPr lang="en-US" altLang="ko-KR" sz="2400" dirty="0"/>
+              <a:t>-&gt; </a:t>
+            </a:r>
+            <a:r>
+              <a:rPr lang="ko-KR" altLang="en-US" sz="2400" dirty="0"/>
+              <a:t>가공해야 함</a:t>
             </a:r>
           </a:p>
         </p:txBody>
@@ -5016,7 +4620,7 @@
         <p:spPr>
           <a:xfrm>
             <a:off x="1366263" y="1021049"/>
-            <a:ext cx="8947009" cy="1200329"/>
+            <a:ext cx="8947009" cy="2308324"/>
           </a:xfrm>
           <a:prstGeom prst="rect">
             <a:avLst/>
@@ -5030,92 +4634,90 @@
           <a:lstStyle/>
           <a:p>
             <a:r>
+              <a:rPr lang="en-US" altLang="ko-KR" sz="2400" dirty="0"/>
+              <a:t>csv </a:t>
+            </a:r>
+            <a:r>
+              <a:rPr lang="ko-KR" altLang="en-US" sz="2400" dirty="0"/>
+              <a:t>데이터에 있는</a:t>
+            </a:r>
+            <a:endParaRPr lang="en-US" altLang="ko-KR" sz="2400" dirty="0"/>
+          </a:p>
+          <a:p>
+            <a:r>
+              <a:rPr lang="ko-KR" altLang="en-US" sz="2400" dirty="0"/>
+              <a:t>대전광역시 유성구 유성대로</a:t>
+            </a:r>
+            <a:r>
+              <a:rPr lang="en-US" altLang="ko-KR" sz="2400" dirty="0"/>
+              <a:t>626</a:t>
+            </a:r>
+            <a:r>
               <a:rPr lang="ko-KR" altLang="en-US" sz="2400" dirty="0" err="1"/>
-              <a:t>못찾는</a:t>
-            </a:r>
-            <a:r>
-              <a:rPr lang="ko-KR" altLang="en-US" sz="2400" dirty="0"/>
-              <a:t> 예시 </a:t>
-            </a:r>
-            <a:r>
-              <a:rPr lang="en-US" altLang="ko-KR" sz="2400" dirty="0"/>
-              <a:t>: </a:t>
-            </a:r>
-          </a:p>
-          <a:p>
-            <a:r>
-              <a:rPr lang="en-US" altLang="ko-KR" sz="2400" dirty="0"/>
-              <a:t>	- </a:t>
-            </a:r>
-            <a:r>
-              <a:rPr lang="ko-KR" altLang="en-US" sz="2400" dirty="0"/>
-              <a:t>경상남도 사천시 </a:t>
+              <a:t>번길</a:t>
+            </a:r>
+            <a:r>
+              <a:rPr lang="ko-KR" altLang="en-US" sz="2400" dirty="0"/>
+              <a:t> </a:t>
+            </a:r>
+            <a:r>
+              <a:rPr lang="en-US" altLang="ko-KR" sz="2400" dirty="0"/>
+              <a:t>57(</a:t>
             </a:r>
             <a:r>
               <a:rPr lang="ko-KR" altLang="en-US" sz="2400" dirty="0" err="1"/>
-              <a:t>사남면</a:t>
+              <a:t>구암동</a:t>
+            </a:r>
+            <a:r>
+              <a:rPr lang="en-US" altLang="ko-KR" sz="2400" dirty="0"/>
+              <a:t>) – </a:t>
+            </a:r>
+            <a:r>
+              <a:rPr lang="ko-KR" altLang="en-US" sz="2400" dirty="0" err="1"/>
+              <a:t>조회안됨</a:t>
+            </a:r>
+            <a:endParaRPr lang="en-US" altLang="ko-KR" sz="2400" dirty="0"/>
+          </a:p>
+          <a:p>
+            <a:endParaRPr lang="en-US" altLang="ko-KR" sz="2400" dirty="0"/>
+          </a:p>
+          <a:p>
+            <a:endParaRPr lang="en-US" altLang="ko-KR" sz="2400" dirty="0"/>
+          </a:p>
+          <a:p>
+            <a:r>
+              <a:rPr lang="ko-KR" altLang="en-US" sz="2400" dirty="0"/>
+              <a:t>대전광역시 유성구 유성대로</a:t>
+            </a:r>
+            <a:r>
+              <a:rPr lang="en-US" altLang="ko-KR" sz="2400" dirty="0"/>
+              <a:t>626</a:t>
+            </a:r>
+            <a:r>
+              <a:rPr lang="ko-KR" altLang="en-US" sz="2400" dirty="0" err="1"/>
+              <a:t>번길</a:t>
             </a:r>
             <a:r>
               <a:rPr lang="ko-KR" altLang="en-US" sz="2400" dirty="0"/>
               <a:t> </a:t>
             </a:r>
             <a:r>
-              <a:rPr lang="ko-KR" altLang="en-US" sz="2400" dirty="0" err="1"/>
-              <a:t>조동길</a:t>
-            </a:r>
-            <a:r>
-              <a:rPr lang="ko-KR" altLang="en-US" sz="2400" dirty="0"/>
-              <a:t> </a:t>
-            </a:r>
-            <a:r>
-              <a:rPr lang="en-US" altLang="ko-KR" sz="2400" dirty="0"/>
-              <a:t>49-30,</a:t>
-            </a:r>
-          </a:p>
-          <a:p>
-            <a:r>
-              <a:rPr lang="en-US" altLang="ko-KR" sz="2400" dirty="0"/>
-              <a:t>	- </a:t>
-            </a:r>
-            <a:r>
-              <a:rPr lang="ko-KR" altLang="en-US" sz="2400" dirty="0"/>
-              <a:t>경기도 </a:t>
-            </a:r>
-            <a:r>
-              <a:rPr lang="ko-KR" altLang="en-US" sz="2400" dirty="0" err="1"/>
-              <a:t>여주시</a:t>
-            </a:r>
-            <a:r>
-              <a:rPr lang="ko-KR" altLang="en-US" sz="2400" dirty="0"/>
-              <a:t> </a:t>
-            </a:r>
-            <a:r>
-              <a:rPr lang="ko-KR" altLang="en-US" sz="2400" dirty="0" err="1"/>
-              <a:t>흥천면</a:t>
-            </a:r>
-            <a:r>
-              <a:rPr lang="ko-KR" altLang="en-US" sz="2400" dirty="0"/>
-              <a:t> </a:t>
-            </a:r>
-            <a:r>
-              <a:rPr lang="ko-KR" altLang="en-US" sz="2400" dirty="0" err="1"/>
-              <a:t>이여로</a:t>
-            </a:r>
-            <a:r>
-              <a:rPr lang="ko-KR" altLang="en-US" sz="2400" dirty="0"/>
-              <a:t> </a:t>
-            </a:r>
-            <a:r>
-              <a:rPr lang="en-US" altLang="ko-KR" sz="2400"/>
-              <a:t>1278-2 </a:t>
-            </a:r>
-            <a:r>
-              <a:rPr lang="ko-KR" altLang="en-US" sz="2400"/>
-              <a:t>등</a:t>
-            </a:r>
-            <a:r>
-              <a:rPr lang="en-US" altLang="ko-KR" sz="2400"/>
-              <a:t>..</a:t>
+              <a:rPr lang="en-US" altLang="ko-KR" sz="2400" dirty="0"/>
+              <a:t>57</a:t>
+            </a:r>
+          </a:p>
+          <a:p>
+            <a:r>
+              <a:rPr lang="en-US" altLang="ko-KR" sz="2400" dirty="0"/>
+              <a:t>-&gt; </a:t>
+            </a:r>
+            <a:r>
+              <a:rPr lang="ko-KR" altLang="en-US" sz="2400" dirty="0"/>
+              <a:t>가공 후 조회가 된다</a:t>
+            </a:r>
+            <a:r>
+              <a:rPr lang="en-US" altLang="ko-KR" sz="2400" dirty="0"/>
+              <a:t>.</a:t>
             </a:r>
             <a:endParaRPr lang="ko-KR" altLang="en-US" sz="2400" dirty="0"/>
           </a:p>
@@ -5123,10 +4725,10 @@
       </p:sp>
       <p:pic>
         <p:nvPicPr>
-          <p:cNvPr id="5" name="그림 4">
-            <a:extLst>
-              <a:ext uri="{FF2B5EF4-FFF2-40B4-BE49-F238E27FC236}">
-                <a16:creationId xmlns:a16="http://schemas.microsoft.com/office/drawing/2014/main" id="{4CFA3194-B866-41B2-A16F-ECA9C0E04F14}"/>
+          <p:cNvPr id="4" name="그림 3">
+            <a:extLst>
+              <a:ext uri="{FF2B5EF4-FFF2-40B4-BE49-F238E27FC236}">
+                <a16:creationId xmlns:a16="http://schemas.microsoft.com/office/drawing/2014/main" id="{1658E99C-1E63-4F2D-944C-99F113F4F17F}"/>
               </a:ext>
             </a:extLst>
           </p:cNvPr>
@@ -5143,8 +4745,8 @@
         </p:blipFill>
         <p:spPr>
           <a:xfrm>
-            <a:off x="870795" y="2588268"/>
-            <a:ext cx="10450409" cy="3248683"/>
+            <a:off x="1135406" y="3429000"/>
+            <a:ext cx="9921186" cy="2838450"/>
           </a:xfrm>
           <a:prstGeom prst="rect">
             <a:avLst/>
@@ -5154,7 +4756,7 @@
     </p:spTree>
     <p:extLst>
       <p:ext uri="{BB962C8B-B14F-4D97-AF65-F5344CB8AC3E}">
-        <p14:creationId xmlns:p14="http://schemas.microsoft.com/office/powerpoint/2010/main" val="338909735"/>
+        <p14:creationId xmlns:p14="http://schemas.microsoft.com/office/powerpoint/2010/main" val="4289577828"/>
       </p:ext>
     </p:extLst>
   </p:cSld>
@@ -5196,7 +4798,7 @@
         <p:spPr>
           <a:xfrm>
             <a:off x="457200" y="328613"/>
-            <a:ext cx="2106667" cy="523220"/>
+            <a:ext cx="2162772" cy="523220"/>
           </a:xfrm>
           <a:prstGeom prst="rect">
             <a:avLst/>
@@ -5214,17 +4816,28 @@
                 <a:latin typeface="+mj-ea"/>
                 <a:ea typeface="+mj-ea"/>
               </a:rPr>
-              <a:t>참고 사이트</a:t>
-            </a:r>
-          </a:p>
-        </p:txBody>
-      </p:sp>
-      <p:sp>
-        <p:nvSpPr>
-          <p:cNvPr id="6" name="TextBox 5">
-            <a:extLst>
-              <a:ext uri="{FF2B5EF4-FFF2-40B4-BE49-F238E27FC236}">
-                <a16:creationId xmlns:a16="http://schemas.microsoft.com/office/drawing/2014/main" id="{56458959-87C9-4C9C-8C23-37B508CE8A9E}"/>
+              <a:t>해결방법</a:t>
+            </a:r>
+            <a:r>
+              <a:rPr lang="en-US" altLang="ko-KR" sz="2800" dirty="0">
+                <a:latin typeface="+mj-ea"/>
+                <a:ea typeface="+mj-ea"/>
+              </a:rPr>
+              <a:t>1-2</a:t>
+            </a:r>
+            <a:endParaRPr lang="ko-KR" altLang="en-US" sz="2800" dirty="0">
+              <a:latin typeface="+mj-ea"/>
+              <a:ea typeface="+mj-ea"/>
+            </a:endParaRPr>
+          </a:p>
+        </p:txBody>
+      </p:sp>
+      <p:sp>
+        <p:nvSpPr>
+          <p:cNvPr id="3" name="TextBox 2">
+            <a:extLst>
+              <a:ext uri="{FF2B5EF4-FFF2-40B4-BE49-F238E27FC236}">
+                <a16:creationId xmlns:a16="http://schemas.microsoft.com/office/drawing/2014/main" id="{BC1F6E87-EDFD-47A7-AFEA-9697696D7632}"/>
               </a:ext>
             </a:extLst>
           </p:cNvPr>
@@ -5233,8 +4846,8 @@
         </p:nvSpPr>
         <p:spPr>
           <a:xfrm>
-            <a:off x="1366263" y="1021049"/>
-            <a:ext cx="8947009" cy="1569660"/>
+            <a:off x="2619972" y="359390"/>
+            <a:ext cx="7981353" cy="461665"/>
           </a:xfrm>
           <a:prstGeom prst="rect">
             <a:avLst/>
@@ -5247,58 +4860,777 @@
           </a:bodyPr>
           <a:lstStyle/>
           <a:p>
-            <a:pPr marL="457200" indent="-457200">
-              <a:buAutoNum type="arabicPeriod"/>
-            </a:pPr>
-            <a:r>
-              <a:rPr lang="ko-KR" altLang="en-US" sz="2400" dirty="0"/>
-              <a:t>정규표현식 예제 </a:t>
-            </a:r>
-            <a:r>
-              <a:rPr lang="en-US" altLang="ko-KR" sz="2400" dirty="0"/>
-              <a:t>- </a:t>
-            </a:r>
-            <a:r>
-              <a:rPr lang="en-US" altLang="ko-KR" sz="2400" dirty="0">
-                <a:hlinkClick r:id="rId2"/>
-              </a:rPr>
-              <a:t>https://nachwon.github.io/regular-expressions/</a:t>
+            <a:r>
+              <a:rPr lang="ko-KR" altLang="en-US" sz="2400" dirty="0"/>
+              <a:t>주소 데이터를 조회가 되게끔 가공하자</a:t>
+            </a:r>
+            <a:r>
+              <a:rPr lang="en-US" altLang="ko-KR" sz="2400" dirty="0"/>
+              <a:t> – </a:t>
+            </a:r>
+            <a:r>
+              <a:rPr lang="ko-KR" altLang="en-US" sz="2400" dirty="0"/>
+              <a:t>정규표현식</a:t>
+            </a:r>
+          </a:p>
+        </p:txBody>
+      </p:sp>
+      <p:sp>
+        <p:nvSpPr>
+          <p:cNvPr id="6" name="TextBox 5">
+            <a:extLst>
+              <a:ext uri="{FF2B5EF4-FFF2-40B4-BE49-F238E27FC236}">
+                <a16:creationId xmlns:a16="http://schemas.microsoft.com/office/drawing/2014/main" id="{56458959-87C9-4C9C-8C23-37B508CE8A9E}"/>
+              </a:ext>
+            </a:extLst>
+          </p:cNvPr>
+          <p:cNvSpPr txBox="1"/>
+          <p:nvPr/>
+        </p:nvSpPr>
+        <p:spPr>
+          <a:xfrm>
+            <a:off x="1366263" y="1021049"/>
+            <a:ext cx="8947009" cy="6001643"/>
+          </a:xfrm>
+          <a:prstGeom prst="rect">
+            <a:avLst/>
+          </a:prstGeom>
+          <a:noFill/>
+        </p:spPr>
+        <p:txBody>
+          <a:bodyPr wrap="square" rtlCol="0">
+            <a:spAutoFit/>
+          </a:bodyPr>
+          <a:lstStyle/>
+          <a:p>
+            <a:r>
+              <a:rPr lang="ko-KR" altLang="en-US" sz="2400" dirty="0"/>
+              <a:t>조회가 되게끔 적절하게 바꿔볼까</a:t>
+            </a:r>
+            <a:r>
+              <a:rPr lang="en-US" altLang="ko-KR" sz="2400" dirty="0"/>
+              <a:t>? =&gt; </a:t>
+            </a:r>
+            <a:r>
+              <a:rPr lang="ko-KR" altLang="en-US" sz="2400" dirty="0"/>
+              <a:t>정규표현식 사용</a:t>
             </a:r>
             <a:endParaRPr lang="en-US" altLang="ko-KR" sz="2400" dirty="0"/>
           </a:p>
           <a:p>
-            <a:pPr marL="457200" indent="-457200">
-              <a:buAutoNum type="arabicPeriod"/>
-            </a:pPr>
-            <a:r>
-              <a:rPr lang="ko-KR" altLang="en-US" sz="2400" dirty="0"/>
-              <a:t>정규표현식 테스트 </a:t>
-            </a:r>
-            <a:r>
-              <a:rPr lang="en-US" altLang="ko-KR" sz="2400" dirty="0"/>
-              <a:t>- </a:t>
-            </a:r>
-            <a:r>
-              <a:rPr lang="en-US" altLang="ko-KR" sz="2400" dirty="0">
-                <a:hlinkClick r:id="rId3"/>
-              </a:rPr>
-              <a:t>https://regex101.com/r/uufrWr/1</a:t>
-            </a:r>
-            <a:r>
-              <a:rPr lang="en-US" altLang="ko-KR" sz="2400" dirty="0"/>
-              <a:t> </a:t>
+            <a:endParaRPr lang="en-US" altLang="ko-KR" sz="2400" dirty="0"/>
+          </a:p>
+          <a:p>
+            <a:endParaRPr lang="en-US" altLang="ko-KR" sz="2400" dirty="0"/>
+          </a:p>
+          <a:p>
+            <a:r>
+              <a:rPr lang="ko-KR" altLang="en-US" sz="2400" dirty="0"/>
+              <a:t>데이터를 하나씩 대입해보면서 조회가 되는 경우의 규칙을 찾아본다</a:t>
+            </a:r>
+            <a:r>
+              <a:rPr lang="en-US" altLang="ko-KR" sz="2400" dirty="0"/>
+              <a:t>.</a:t>
+            </a:r>
+          </a:p>
+          <a:p>
+            <a:endParaRPr lang="en-US" altLang="ko-KR" sz="2400" dirty="0"/>
+          </a:p>
+          <a:p>
+            <a:r>
+              <a:rPr lang="en-US" altLang="ko-KR" sz="2400" dirty="0"/>
+              <a:t>========= </a:t>
+            </a:r>
+            <a:r>
+              <a:rPr lang="ko-KR" altLang="en-US" sz="2400" dirty="0"/>
+              <a:t>찾은 규칙 </a:t>
+            </a:r>
+            <a:r>
+              <a:rPr lang="en-US" altLang="ko-KR" sz="2400" dirty="0"/>
+              <a:t>=========</a:t>
+            </a:r>
+          </a:p>
+          <a:p>
+            <a:r>
+              <a:rPr lang="en-US" altLang="ko-KR" sz="2400" dirty="0"/>
+              <a:t>1. </a:t>
+            </a:r>
+            <a:r>
+              <a:rPr lang="ko-KR" altLang="en-US" sz="2400" dirty="0"/>
+              <a:t>괄호와 괄호 뒷부분 다 지우기</a:t>
+            </a:r>
+            <a:endParaRPr lang="en-US" altLang="ko-KR" sz="2400" dirty="0"/>
+          </a:p>
+          <a:p>
+            <a:r>
+              <a:rPr lang="en-US" altLang="ko-KR" sz="2400" dirty="0"/>
+              <a:t>2. '(</a:t>
+            </a:r>
+            <a:r>
+              <a:rPr lang="ko-KR" altLang="en-US" sz="2400" dirty="0"/>
+              <a:t>숫자</a:t>
+            </a:r>
+            <a:r>
+              <a:rPr lang="en-US" altLang="ko-KR" sz="2400" dirty="0"/>
+              <a:t>)</a:t>
+            </a:r>
+            <a:r>
+              <a:rPr lang="ko-KR" altLang="en-US" sz="2400" dirty="0" err="1"/>
+              <a:t>번길</a:t>
+            </a:r>
+            <a:r>
+              <a:rPr lang="en-US" altLang="ko-KR" sz="2400" dirty="0"/>
+              <a:t>', '(</a:t>
+            </a:r>
+            <a:r>
+              <a:rPr lang="ko-KR" altLang="en-US" sz="2400" dirty="0"/>
+              <a:t>숫자</a:t>
+            </a:r>
+            <a:r>
+              <a:rPr lang="en-US" altLang="ko-KR" sz="2400" dirty="0"/>
+              <a:t>)</a:t>
+            </a:r>
+            <a:r>
+              <a:rPr lang="ko-KR" altLang="en-US" sz="2400" dirty="0"/>
+              <a:t>길</a:t>
+            </a:r>
+            <a:r>
+              <a:rPr lang="en-US" altLang="ko-KR" sz="2400" dirty="0"/>
+              <a:t>' </a:t>
+            </a:r>
+            <a:r>
+              <a:rPr lang="ko-KR" altLang="en-US" sz="2400" dirty="0"/>
+              <a:t>앞에 띄어쓰기를 지운다</a:t>
+            </a:r>
+            <a:r>
+              <a:rPr lang="en-US" altLang="ko-KR" sz="2400" dirty="0"/>
+              <a:t>.</a:t>
             </a:r>
             <a:endParaRPr lang="ko-KR" altLang="en-US" sz="2400" dirty="0"/>
           </a:p>
           <a:p>
-            <a:endParaRPr lang="ko-KR" altLang="en-US" sz="2400" dirty="0"/>
+            <a:r>
+              <a:rPr lang="en-US" altLang="ko-KR" sz="2400" dirty="0"/>
+              <a:t>3. </a:t>
+            </a:r>
+            <a:r>
+              <a:rPr lang="ko-KR" altLang="en-US" sz="2400" dirty="0" err="1"/>
+              <a:t>번길</a:t>
+            </a:r>
+            <a:r>
+              <a:rPr lang="ko-KR" altLang="en-US" sz="2400" dirty="0"/>
+              <a:t> 뒤에 숫자가 있을 경우 띄어쓰기를 한다</a:t>
+            </a:r>
+            <a:endParaRPr lang="en-US" altLang="ko-KR" sz="2400" dirty="0"/>
+          </a:p>
+          <a:p>
+            <a:r>
+              <a:rPr lang="en-US" altLang="ko-KR" sz="2400" dirty="0"/>
+              <a:t>4. </a:t>
+            </a:r>
+            <a:r>
+              <a:rPr lang="ko-KR" altLang="en-US" sz="2400" dirty="0"/>
+              <a:t>쉼표</a:t>
+            </a:r>
+            <a:r>
+              <a:rPr lang="en-US" altLang="ko-KR" sz="2400" dirty="0"/>
+              <a:t>(,)</a:t>
+            </a:r>
+            <a:r>
+              <a:rPr lang="ko-KR" altLang="en-US" sz="2400" dirty="0"/>
+              <a:t>와 쉼표 뒷부분 다 지우기</a:t>
+            </a:r>
+          </a:p>
+          <a:p>
+            <a:r>
+              <a:rPr lang="en-US" altLang="ko-KR" sz="2400" dirty="0"/>
+              <a:t>5. (</a:t>
+            </a:r>
+            <a:r>
+              <a:rPr lang="ko-KR" altLang="en-US" sz="2400" dirty="0"/>
+              <a:t>숫자</a:t>
+            </a:r>
+            <a:r>
+              <a:rPr lang="en-US" altLang="ko-KR" sz="2400" dirty="0"/>
+              <a:t>)</a:t>
+            </a:r>
+            <a:r>
+              <a:rPr lang="ko-KR" altLang="en-US" sz="2400" dirty="0"/>
+              <a:t>층</a:t>
+            </a:r>
+            <a:r>
+              <a:rPr lang="en-US" altLang="ko-KR" sz="2400" dirty="0"/>
+              <a:t>, (</a:t>
+            </a:r>
+            <a:r>
+              <a:rPr lang="ko-KR" altLang="en-US" sz="2400" dirty="0"/>
+              <a:t>숫자</a:t>
+            </a:r>
+            <a:r>
+              <a:rPr lang="en-US" altLang="ko-KR" sz="2400" dirty="0"/>
+              <a:t>)</a:t>
+            </a:r>
+            <a:r>
+              <a:rPr lang="ko-KR" altLang="en-US" sz="2400" dirty="0"/>
+              <a:t>동 </a:t>
+            </a:r>
+            <a:r>
+              <a:rPr lang="ko-KR" altLang="en-US" sz="2400" dirty="0" err="1"/>
+              <a:t>붙은거</a:t>
+            </a:r>
+            <a:r>
+              <a:rPr lang="ko-KR" altLang="en-US" sz="2400" dirty="0"/>
+              <a:t> 뒷부분은 다 지우기</a:t>
+            </a:r>
+          </a:p>
+          <a:p>
+            <a:r>
+              <a:rPr lang="en-US" altLang="ko-KR" sz="2400" dirty="0"/>
+              <a:t>6. </a:t>
+            </a:r>
+            <a:r>
+              <a:rPr lang="ko-KR" altLang="en-US" sz="2400" dirty="0"/>
+              <a:t>아파트</a:t>
+            </a:r>
+            <a:r>
+              <a:rPr lang="en-US" altLang="ko-KR" sz="2400" dirty="0"/>
+              <a:t>, </a:t>
+            </a:r>
+            <a:r>
+              <a:rPr lang="ko-KR" altLang="en-US" sz="2400" dirty="0"/>
+              <a:t>복지관이 붙은 단어와 단어의 뒷부분 지우기</a:t>
+            </a:r>
+          </a:p>
+          <a:p>
+            <a:r>
+              <a:rPr lang="en-US" altLang="ko-KR" sz="2400" dirty="0"/>
+              <a:t>7. </a:t>
+            </a:r>
+            <a:r>
+              <a:rPr lang="ko-KR" altLang="en-US" sz="2400" dirty="0"/>
+              <a:t>숫자 앞에 띄어쓰기 없으면</a:t>
+            </a:r>
+            <a:endParaRPr lang="en-US" altLang="ko-KR" sz="2400" dirty="0"/>
+          </a:p>
+          <a:p>
+            <a:r>
+              <a:rPr lang="en-US" altLang="ko-KR" sz="2400" dirty="0"/>
+              <a:t>8. </a:t>
+            </a:r>
+            <a:r>
+              <a:rPr lang="ko-KR" altLang="en-US" sz="2400" dirty="0"/>
+              <a:t>앞뒤에 </a:t>
+            </a:r>
+            <a:r>
+              <a:rPr lang="en-US" altLang="ko-KR" sz="2400" dirty="0"/>
+              <a:t>strip()</a:t>
+            </a:r>
+            <a:r>
+              <a:rPr lang="ko-KR" altLang="en-US" sz="2400" dirty="0"/>
+              <a:t>함수 써서 띄어쓰기 제거하기</a:t>
+            </a:r>
+            <a:endParaRPr lang="en-US" altLang="ko-KR" sz="2400" dirty="0"/>
+          </a:p>
+          <a:p>
+            <a:endParaRPr lang="en-US" altLang="ko-KR" sz="2400" dirty="0"/>
           </a:p>
         </p:txBody>
       </p:sp>
     </p:spTree>
     <p:extLst>
       <p:ext uri="{BB962C8B-B14F-4D97-AF65-F5344CB8AC3E}">
-        <p14:creationId xmlns:p14="http://schemas.microsoft.com/office/powerpoint/2010/main" val="1592175736"/>
+        <p14:creationId xmlns:p14="http://schemas.microsoft.com/office/powerpoint/2010/main" val="4115026560"/>
+      </p:ext>
+    </p:extLst>
+  </p:cSld>
+  <p:clrMapOvr>
+    <a:masterClrMapping/>
+  </p:clrMapOvr>
+</p:sld>
+</file>
+
+<file path=ppt/slides/slide18.xml><?xml version="1.0" encoding="utf-8"?>
+<p:sld xmlns:a="http://schemas.openxmlformats.org/drawingml/2006/main" xmlns:r="http://schemas.openxmlformats.org/officeDocument/2006/relationships" xmlns:p="http://schemas.openxmlformats.org/presentationml/2006/main">
+  <p:cSld>
+    <p:spTree>
+      <p:nvGrpSpPr>
+        <p:cNvPr id="1" name=""/>
+        <p:cNvGrpSpPr/>
+        <p:nvPr/>
+      </p:nvGrpSpPr>
+      <p:grpSpPr>
+        <a:xfrm>
+          <a:off x="0" y="0"/>
+          <a:ext cx="0" cy="0"/>
+          <a:chOff x="0" y="0"/>
+          <a:chExt cx="0" cy="0"/>
+        </a:xfrm>
+      </p:grpSpPr>
+      <p:sp>
+        <p:nvSpPr>
+          <p:cNvPr id="2" name="TextBox 1">
+            <a:extLst>
+              <a:ext uri="{FF2B5EF4-FFF2-40B4-BE49-F238E27FC236}">
+                <a16:creationId xmlns:a16="http://schemas.microsoft.com/office/drawing/2014/main" id="{270137EC-62AB-4201-995D-9F199EDD573A}"/>
+              </a:ext>
+            </a:extLst>
+          </p:cNvPr>
+          <p:cNvSpPr txBox="1"/>
+          <p:nvPr/>
+        </p:nvSpPr>
+        <p:spPr>
+          <a:xfrm>
+            <a:off x="457200" y="328613"/>
+            <a:ext cx="1803699" cy="523220"/>
+          </a:xfrm>
+          <a:prstGeom prst="rect">
+            <a:avLst/>
+          </a:prstGeom>
+          <a:noFill/>
+        </p:spPr>
+        <p:txBody>
+          <a:bodyPr wrap="none" rtlCol="0">
+            <a:spAutoFit/>
+          </a:bodyPr>
+          <a:lstStyle/>
+          <a:p>
+            <a:r>
+              <a:rPr lang="ko-KR" altLang="en-US" sz="2800" dirty="0">
+                <a:latin typeface="+mj-ea"/>
+                <a:ea typeface="+mj-ea"/>
+              </a:rPr>
+              <a:t>문제점</a:t>
+            </a:r>
+            <a:r>
+              <a:rPr lang="en-US" altLang="ko-KR" sz="2800" dirty="0">
+                <a:latin typeface="+mj-ea"/>
+                <a:ea typeface="+mj-ea"/>
+              </a:rPr>
+              <a:t>1-3</a:t>
+            </a:r>
+            <a:endParaRPr lang="ko-KR" altLang="en-US" sz="2800" dirty="0">
+              <a:latin typeface="+mj-ea"/>
+              <a:ea typeface="+mj-ea"/>
+            </a:endParaRPr>
+          </a:p>
+        </p:txBody>
+      </p:sp>
+      <p:sp>
+        <p:nvSpPr>
+          <p:cNvPr id="3" name="TextBox 2">
+            <a:extLst>
+              <a:ext uri="{FF2B5EF4-FFF2-40B4-BE49-F238E27FC236}">
+                <a16:creationId xmlns:a16="http://schemas.microsoft.com/office/drawing/2014/main" id="{BC1F6E87-EDFD-47A7-AFEA-9697696D7632}"/>
+              </a:ext>
+            </a:extLst>
+          </p:cNvPr>
+          <p:cNvSpPr txBox="1"/>
+          <p:nvPr/>
+        </p:nvSpPr>
+        <p:spPr>
+          <a:xfrm>
+            <a:off x="2619972" y="359390"/>
+            <a:ext cx="7981353" cy="461665"/>
+          </a:xfrm>
+          <a:prstGeom prst="rect">
+            <a:avLst/>
+          </a:prstGeom>
+          <a:noFill/>
+        </p:spPr>
+        <p:txBody>
+          <a:bodyPr wrap="square" rtlCol="0">
+            <a:spAutoFit/>
+          </a:bodyPr>
+          <a:lstStyle/>
+          <a:p>
+            <a:r>
+              <a:rPr lang="ko-KR" altLang="en-US" sz="2400" dirty="0"/>
+              <a:t>위경도 구하지 못함</a:t>
+            </a:r>
+          </a:p>
+        </p:txBody>
+      </p:sp>
+      <p:sp>
+        <p:nvSpPr>
+          <p:cNvPr id="6" name="TextBox 5">
+            <a:extLst>
+              <a:ext uri="{FF2B5EF4-FFF2-40B4-BE49-F238E27FC236}">
+                <a16:creationId xmlns:a16="http://schemas.microsoft.com/office/drawing/2014/main" id="{56458959-87C9-4C9C-8C23-37B508CE8A9E}"/>
+              </a:ext>
+            </a:extLst>
+          </p:cNvPr>
+          <p:cNvSpPr txBox="1"/>
+          <p:nvPr/>
+        </p:nvSpPr>
+        <p:spPr>
+          <a:xfrm>
+            <a:off x="1366263" y="1021049"/>
+            <a:ext cx="8947009" cy="830997"/>
+          </a:xfrm>
+          <a:prstGeom prst="rect">
+            <a:avLst/>
+          </a:prstGeom>
+          <a:noFill/>
+        </p:spPr>
+        <p:txBody>
+          <a:bodyPr wrap="square" rtlCol="0">
+            <a:spAutoFit/>
+          </a:bodyPr>
+          <a:lstStyle/>
+          <a:p>
+            <a:r>
+              <a:rPr lang="ko-KR" altLang="en-US" sz="2400" dirty="0"/>
+              <a:t>정규표현식을 사용해 가공하여도 위경도를 찾지 못하는 데이터가 있음</a:t>
+            </a:r>
+            <a:endParaRPr lang="en-US" altLang="ko-KR" sz="2400" dirty="0"/>
+          </a:p>
+        </p:txBody>
+      </p:sp>
+      <p:sp>
+        <p:nvSpPr>
+          <p:cNvPr id="7" name="TextBox 6">
+            <a:extLst>
+              <a:ext uri="{FF2B5EF4-FFF2-40B4-BE49-F238E27FC236}">
+                <a16:creationId xmlns:a16="http://schemas.microsoft.com/office/drawing/2014/main" id="{50398F00-51B9-4DFB-90C4-D3DAAF2A0349}"/>
+              </a:ext>
+            </a:extLst>
+          </p:cNvPr>
+          <p:cNvSpPr txBox="1"/>
+          <p:nvPr/>
+        </p:nvSpPr>
+        <p:spPr>
+          <a:xfrm>
+            <a:off x="704275" y="5433652"/>
+            <a:ext cx="8947009" cy="369332"/>
+          </a:xfrm>
+          <a:prstGeom prst="rect">
+            <a:avLst/>
+          </a:prstGeom>
+          <a:noFill/>
+        </p:spPr>
+        <p:txBody>
+          <a:bodyPr wrap="square" rtlCol="0">
+            <a:spAutoFit/>
+          </a:bodyPr>
+          <a:lstStyle/>
+          <a:p>
+            <a:r>
+              <a:rPr lang="ko-KR" altLang="en-US" dirty="0"/>
+              <a:t>나오지 않는 예시 </a:t>
+            </a:r>
+            <a:r>
+              <a:rPr lang="en-US" altLang="ko-KR" dirty="0"/>
+              <a:t>: </a:t>
+            </a:r>
+            <a:r>
+              <a:rPr lang="ko-KR" altLang="en-US" dirty="0"/>
+              <a:t>경상남도 사천시 </a:t>
+            </a:r>
+            <a:r>
+              <a:rPr lang="ko-KR" altLang="en-US" dirty="0" err="1"/>
+              <a:t>사남면</a:t>
+            </a:r>
+            <a:r>
+              <a:rPr lang="ko-KR" altLang="en-US" dirty="0"/>
+              <a:t> </a:t>
+            </a:r>
+            <a:r>
+              <a:rPr lang="ko-KR" altLang="en-US" dirty="0" err="1"/>
+              <a:t>조동길</a:t>
+            </a:r>
+            <a:r>
+              <a:rPr lang="ko-KR" altLang="en-US" dirty="0"/>
+              <a:t> </a:t>
+            </a:r>
+            <a:r>
+              <a:rPr lang="en-US" altLang="ko-KR" dirty="0"/>
+              <a:t>49-30</a:t>
+            </a:r>
+            <a:endParaRPr lang="ko-KR" altLang="en-US" sz="2400" dirty="0"/>
+          </a:p>
+        </p:txBody>
+      </p:sp>
+      <p:pic>
+        <p:nvPicPr>
+          <p:cNvPr id="8" name="그림 7">
+            <a:extLst>
+              <a:ext uri="{FF2B5EF4-FFF2-40B4-BE49-F238E27FC236}">
+                <a16:creationId xmlns:a16="http://schemas.microsoft.com/office/drawing/2014/main" id="{95E6A4A8-B157-9E22-4F49-DAECE1572529}"/>
+              </a:ext>
+            </a:extLst>
+          </p:cNvPr>
+          <p:cNvPicPr>
+            <a:picLocks noChangeAspect="1"/>
+          </p:cNvPicPr>
+          <p:nvPr/>
+        </p:nvPicPr>
+        <p:blipFill rotWithShape="1">
+          <a:blip r:embed="rId2"/>
+          <a:srcRect r="15495"/>
+          <a:stretch/>
+        </p:blipFill>
+        <p:spPr>
+          <a:xfrm>
+            <a:off x="704275" y="2052040"/>
+            <a:ext cx="10871869" cy="3286739"/>
+          </a:xfrm>
+          <a:prstGeom prst="rect">
+            <a:avLst/>
+          </a:prstGeom>
+        </p:spPr>
+      </p:pic>
+    </p:spTree>
+    <p:extLst>
+      <p:ext uri="{BB962C8B-B14F-4D97-AF65-F5344CB8AC3E}">
+        <p14:creationId xmlns:p14="http://schemas.microsoft.com/office/powerpoint/2010/main" val="30577446"/>
+      </p:ext>
+    </p:extLst>
+  </p:cSld>
+  <p:clrMapOvr>
+    <a:masterClrMapping/>
+  </p:clrMapOvr>
+</p:sld>
+</file>
+
+<file path=ppt/slides/slide19.xml><?xml version="1.0" encoding="utf-8"?>
+<p:sld xmlns:a="http://schemas.openxmlformats.org/drawingml/2006/main" xmlns:r="http://schemas.openxmlformats.org/officeDocument/2006/relationships" xmlns:p="http://schemas.openxmlformats.org/presentationml/2006/main">
+  <p:cSld>
+    <p:spTree>
+      <p:nvGrpSpPr>
+        <p:cNvPr id="1" name=""/>
+        <p:cNvGrpSpPr/>
+        <p:nvPr/>
+      </p:nvGrpSpPr>
+      <p:grpSpPr>
+        <a:xfrm>
+          <a:off x="0" y="0"/>
+          <a:ext cx="0" cy="0"/>
+          <a:chOff x="0" y="0"/>
+          <a:chExt cx="0" cy="0"/>
+        </a:xfrm>
+      </p:grpSpPr>
+      <p:sp>
+        <p:nvSpPr>
+          <p:cNvPr id="2" name="TextBox 1">
+            <a:extLst>
+              <a:ext uri="{FF2B5EF4-FFF2-40B4-BE49-F238E27FC236}">
+                <a16:creationId xmlns:a16="http://schemas.microsoft.com/office/drawing/2014/main" id="{270137EC-62AB-4201-995D-9F199EDD573A}"/>
+              </a:ext>
+            </a:extLst>
+          </p:cNvPr>
+          <p:cNvSpPr txBox="1"/>
+          <p:nvPr/>
+        </p:nvSpPr>
+        <p:spPr>
+          <a:xfrm>
+            <a:off x="457200" y="328613"/>
+            <a:ext cx="1803699" cy="523220"/>
+          </a:xfrm>
+          <a:prstGeom prst="rect">
+            <a:avLst/>
+          </a:prstGeom>
+          <a:noFill/>
+        </p:spPr>
+        <p:txBody>
+          <a:bodyPr wrap="none" rtlCol="0">
+            <a:spAutoFit/>
+          </a:bodyPr>
+          <a:lstStyle/>
+          <a:p>
+            <a:r>
+              <a:rPr lang="ko-KR" altLang="en-US" sz="2800" dirty="0">
+                <a:latin typeface="+mj-ea"/>
+                <a:ea typeface="+mj-ea"/>
+              </a:rPr>
+              <a:t>문제점</a:t>
+            </a:r>
+            <a:r>
+              <a:rPr lang="en-US" altLang="ko-KR" sz="2800" dirty="0">
+                <a:latin typeface="+mj-ea"/>
+                <a:ea typeface="+mj-ea"/>
+              </a:rPr>
+              <a:t>1-3</a:t>
+            </a:r>
+            <a:endParaRPr lang="ko-KR" altLang="en-US" sz="2800" dirty="0">
+              <a:latin typeface="+mj-ea"/>
+              <a:ea typeface="+mj-ea"/>
+            </a:endParaRPr>
+          </a:p>
+        </p:txBody>
+      </p:sp>
+      <p:sp>
+        <p:nvSpPr>
+          <p:cNvPr id="3" name="TextBox 2">
+            <a:extLst>
+              <a:ext uri="{FF2B5EF4-FFF2-40B4-BE49-F238E27FC236}">
+                <a16:creationId xmlns:a16="http://schemas.microsoft.com/office/drawing/2014/main" id="{BC1F6E87-EDFD-47A7-AFEA-9697696D7632}"/>
+              </a:ext>
+            </a:extLst>
+          </p:cNvPr>
+          <p:cNvSpPr txBox="1"/>
+          <p:nvPr/>
+        </p:nvSpPr>
+        <p:spPr>
+          <a:xfrm>
+            <a:off x="2619972" y="359390"/>
+            <a:ext cx="7981353" cy="461665"/>
+          </a:xfrm>
+          <a:prstGeom prst="rect">
+            <a:avLst/>
+          </a:prstGeom>
+          <a:noFill/>
+        </p:spPr>
+        <p:txBody>
+          <a:bodyPr wrap="square" rtlCol="0">
+            <a:spAutoFit/>
+          </a:bodyPr>
+          <a:lstStyle/>
+          <a:p>
+            <a:r>
+              <a:rPr lang="ko-KR" altLang="en-US" sz="2400" dirty="0"/>
+              <a:t>위경도 구하지 못함</a:t>
+            </a:r>
+          </a:p>
+        </p:txBody>
+      </p:sp>
+      <p:sp>
+        <p:nvSpPr>
+          <p:cNvPr id="6" name="TextBox 5">
+            <a:extLst>
+              <a:ext uri="{FF2B5EF4-FFF2-40B4-BE49-F238E27FC236}">
+                <a16:creationId xmlns:a16="http://schemas.microsoft.com/office/drawing/2014/main" id="{56458959-87C9-4C9C-8C23-37B508CE8A9E}"/>
+              </a:ext>
+            </a:extLst>
+          </p:cNvPr>
+          <p:cNvSpPr txBox="1"/>
+          <p:nvPr/>
+        </p:nvSpPr>
+        <p:spPr>
+          <a:xfrm>
+            <a:off x="1366263" y="1021049"/>
+            <a:ext cx="8947009" cy="1200329"/>
+          </a:xfrm>
+          <a:prstGeom prst="rect">
+            <a:avLst/>
+          </a:prstGeom>
+          <a:noFill/>
+        </p:spPr>
+        <p:txBody>
+          <a:bodyPr wrap="square" rtlCol="0">
+            <a:spAutoFit/>
+          </a:bodyPr>
+          <a:lstStyle/>
+          <a:p>
+            <a:r>
+              <a:rPr lang="ko-KR" altLang="en-US" sz="2400" dirty="0" err="1"/>
+              <a:t>못찾는</a:t>
+            </a:r>
+            <a:r>
+              <a:rPr lang="ko-KR" altLang="en-US" sz="2400" dirty="0"/>
+              <a:t> 예시 </a:t>
+            </a:r>
+            <a:r>
+              <a:rPr lang="en-US" altLang="ko-KR" sz="2400" dirty="0"/>
+              <a:t>: </a:t>
+            </a:r>
+          </a:p>
+          <a:p>
+            <a:r>
+              <a:rPr lang="en-US" altLang="ko-KR" sz="2400" dirty="0"/>
+              <a:t>	- </a:t>
+            </a:r>
+            <a:r>
+              <a:rPr lang="ko-KR" altLang="en-US" sz="2400" dirty="0"/>
+              <a:t>경상남도 사천시 </a:t>
+            </a:r>
+            <a:r>
+              <a:rPr lang="ko-KR" altLang="en-US" sz="2400" dirty="0" err="1"/>
+              <a:t>사남면</a:t>
+            </a:r>
+            <a:r>
+              <a:rPr lang="ko-KR" altLang="en-US" sz="2400" dirty="0"/>
+              <a:t> </a:t>
+            </a:r>
+            <a:r>
+              <a:rPr lang="ko-KR" altLang="en-US" sz="2400" dirty="0" err="1"/>
+              <a:t>조동길</a:t>
+            </a:r>
+            <a:r>
+              <a:rPr lang="ko-KR" altLang="en-US" sz="2400" dirty="0"/>
+              <a:t> </a:t>
+            </a:r>
+            <a:r>
+              <a:rPr lang="en-US" altLang="ko-KR" sz="2400" dirty="0"/>
+              <a:t>49-30,</a:t>
+            </a:r>
+          </a:p>
+          <a:p>
+            <a:r>
+              <a:rPr lang="en-US" altLang="ko-KR" sz="2400" dirty="0"/>
+              <a:t>	- </a:t>
+            </a:r>
+            <a:r>
+              <a:rPr lang="ko-KR" altLang="en-US" sz="2400" dirty="0"/>
+              <a:t>경기도 안성시 </a:t>
+            </a:r>
+            <a:r>
+              <a:rPr lang="ko-KR" altLang="en-US" sz="2400" dirty="0" err="1"/>
+              <a:t>공도읍</a:t>
+            </a:r>
+            <a:r>
+              <a:rPr lang="ko-KR" altLang="en-US" sz="2400" dirty="0"/>
+              <a:t> 대림동산길 </a:t>
+            </a:r>
+            <a:r>
+              <a:rPr lang="en-US" altLang="ko-KR" sz="2400" dirty="0"/>
+              <a:t>38 </a:t>
+            </a:r>
+            <a:r>
+              <a:rPr lang="ko-KR" altLang="en-US" sz="2400" dirty="0"/>
+              <a:t>등</a:t>
+            </a:r>
+            <a:r>
+              <a:rPr lang="en-US" altLang="ko-KR" sz="2400" dirty="0"/>
+              <a:t>..</a:t>
+            </a:r>
+            <a:endParaRPr lang="ko-KR" altLang="en-US" sz="2400" dirty="0"/>
+          </a:p>
+        </p:txBody>
+      </p:sp>
+      <p:pic>
+        <p:nvPicPr>
+          <p:cNvPr id="5" name="그림 4">
+            <a:extLst>
+              <a:ext uri="{FF2B5EF4-FFF2-40B4-BE49-F238E27FC236}">
+                <a16:creationId xmlns:a16="http://schemas.microsoft.com/office/drawing/2014/main" id="{4CFA3194-B866-41B2-A16F-ECA9C0E04F14}"/>
+              </a:ext>
+            </a:extLst>
+          </p:cNvPr>
+          <p:cNvPicPr>
+            <a:picLocks noChangeAspect="1"/>
+          </p:cNvPicPr>
+          <p:nvPr/>
+        </p:nvPicPr>
+        <p:blipFill>
+          <a:blip r:embed="rId2"/>
+          <a:stretch>
+            <a:fillRect/>
+          </a:stretch>
+        </p:blipFill>
+        <p:spPr>
+          <a:xfrm>
+            <a:off x="870795" y="2588268"/>
+            <a:ext cx="10450409" cy="3248683"/>
+          </a:xfrm>
+          <a:prstGeom prst="rect">
+            <a:avLst/>
+          </a:prstGeom>
+        </p:spPr>
+      </p:pic>
+    </p:spTree>
+    <p:extLst>
+      <p:ext uri="{BB962C8B-B14F-4D97-AF65-F5344CB8AC3E}">
+        <p14:creationId xmlns:p14="http://schemas.microsoft.com/office/powerpoint/2010/main" val="338909735"/>
       </p:ext>
     </p:extLst>
   </p:cSld>
@@ -5403,7 +5735,7 @@
         <p:spPr>
           <a:xfrm>
             <a:off x="957262" y="1265039"/>
-            <a:ext cx="7572375" cy="2677656"/>
+            <a:ext cx="9401389" cy="3785652"/>
           </a:xfrm>
           <a:prstGeom prst="rect">
             <a:avLst/>
@@ -5421,6 +5753,54 @@
             </a:pPr>
             <a:r>
               <a:rPr lang="ko-KR" altLang="en-US" sz="2400" dirty="0"/>
+              <a:t>주제 선정의 이유</a:t>
+            </a:r>
+            <a:endParaRPr lang="en-US" altLang="ko-KR" sz="2400" dirty="0"/>
+          </a:p>
+          <a:p>
+            <a:pPr marL="457200" indent="-457200">
+              <a:buAutoNum type="arabicPeriod"/>
+            </a:pPr>
+            <a:r>
+              <a:rPr lang="ko-KR" altLang="en-US" sz="2400" dirty="0"/>
+              <a:t>역할 소개</a:t>
+            </a:r>
+            <a:endParaRPr lang="en-US" altLang="ko-KR" sz="2400" dirty="0"/>
+          </a:p>
+          <a:p>
+            <a:pPr marL="457200" indent="-457200">
+              <a:buAutoNum type="arabicPeriod"/>
+            </a:pPr>
+            <a:r>
+              <a:rPr lang="ko-KR" altLang="en-US" sz="2400" dirty="0"/>
+              <a:t>데이터 소스</a:t>
+            </a:r>
+            <a:endParaRPr lang="en-US" altLang="ko-KR" sz="2400" dirty="0"/>
+          </a:p>
+          <a:p>
+            <a:pPr marL="457200" indent="-457200">
+              <a:buAutoNum type="arabicPeriod"/>
+            </a:pPr>
+            <a:r>
+              <a:rPr lang="ko-KR" altLang="en-US" sz="2400" dirty="0"/>
+              <a:t>데이터 </a:t>
+            </a:r>
+            <a:r>
+              <a:rPr lang="ko-KR" altLang="en-US" sz="2400" dirty="0" err="1"/>
+              <a:t>전처리</a:t>
+            </a:r>
+            <a:endParaRPr lang="en-US" altLang="ko-KR" sz="2400" dirty="0"/>
+          </a:p>
+          <a:p>
+            <a:pPr marL="457200" indent="-457200">
+              <a:buAutoNum type="arabicPeriod"/>
+            </a:pPr>
+            <a:r>
+              <a:rPr lang="en-US" altLang="ko-KR" sz="2400" dirty="0"/>
+              <a:t>((</a:t>
+            </a:r>
+            <a:r>
+              <a:rPr lang="ko-KR" altLang="en-US" sz="2400" dirty="0"/>
               <a:t>도서관이 어디에 많이 분포 되어있는지</a:t>
             </a:r>
             <a:r>
@@ -5544,6 +5924,931 @@
     <p:extLst>
       <p:ext uri="{BB962C8B-B14F-4D97-AF65-F5344CB8AC3E}">
         <p14:creationId xmlns:p14="http://schemas.microsoft.com/office/powerpoint/2010/main" val="1559580867"/>
+      </p:ext>
+    </p:extLst>
+  </p:cSld>
+  <p:clrMapOvr>
+    <a:masterClrMapping/>
+  </p:clrMapOvr>
+</p:sld>
+</file>
+
+<file path=ppt/slides/slide20.xml><?xml version="1.0" encoding="utf-8"?>
+<p:sld xmlns:a="http://schemas.openxmlformats.org/drawingml/2006/main" xmlns:r="http://schemas.openxmlformats.org/officeDocument/2006/relationships" xmlns:p="http://schemas.openxmlformats.org/presentationml/2006/main">
+  <p:cSld>
+    <p:spTree>
+      <p:nvGrpSpPr>
+        <p:cNvPr id="1" name=""/>
+        <p:cNvGrpSpPr/>
+        <p:nvPr/>
+      </p:nvGrpSpPr>
+      <p:grpSpPr>
+        <a:xfrm>
+          <a:off x="0" y="0"/>
+          <a:ext cx="0" cy="0"/>
+          <a:chOff x="0" y="0"/>
+          <a:chExt cx="0" cy="0"/>
+        </a:xfrm>
+      </p:grpSpPr>
+      <p:sp>
+        <p:nvSpPr>
+          <p:cNvPr id="2" name="TextBox 1">
+            <a:extLst>
+              <a:ext uri="{FF2B5EF4-FFF2-40B4-BE49-F238E27FC236}">
+                <a16:creationId xmlns:a16="http://schemas.microsoft.com/office/drawing/2014/main" id="{270137EC-62AB-4201-995D-9F199EDD573A}"/>
+              </a:ext>
+            </a:extLst>
+          </p:cNvPr>
+          <p:cNvSpPr txBox="1"/>
+          <p:nvPr/>
+        </p:nvSpPr>
+        <p:spPr>
+          <a:xfrm>
+            <a:off x="457200" y="328613"/>
+            <a:ext cx="2162772" cy="523220"/>
+          </a:xfrm>
+          <a:prstGeom prst="rect">
+            <a:avLst/>
+          </a:prstGeom>
+          <a:noFill/>
+        </p:spPr>
+        <p:txBody>
+          <a:bodyPr wrap="none" rtlCol="0">
+            <a:spAutoFit/>
+          </a:bodyPr>
+          <a:lstStyle/>
+          <a:p>
+            <a:r>
+              <a:rPr lang="ko-KR" altLang="en-US" sz="2800" dirty="0">
+                <a:latin typeface="+mj-ea"/>
+                <a:ea typeface="+mj-ea"/>
+              </a:rPr>
+              <a:t>해결방법</a:t>
+            </a:r>
+            <a:r>
+              <a:rPr lang="en-US" altLang="ko-KR" sz="2800" dirty="0">
+                <a:latin typeface="+mj-ea"/>
+                <a:ea typeface="+mj-ea"/>
+              </a:rPr>
+              <a:t>1-3</a:t>
+            </a:r>
+            <a:endParaRPr lang="ko-KR" altLang="en-US" sz="2800" dirty="0">
+              <a:latin typeface="+mj-ea"/>
+              <a:ea typeface="+mj-ea"/>
+            </a:endParaRPr>
+          </a:p>
+        </p:txBody>
+      </p:sp>
+      <p:sp>
+        <p:nvSpPr>
+          <p:cNvPr id="3" name="TextBox 2">
+            <a:extLst>
+              <a:ext uri="{FF2B5EF4-FFF2-40B4-BE49-F238E27FC236}">
+                <a16:creationId xmlns:a16="http://schemas.microsoft.com/office/drawing/2014/main" id="{BC1F6E87-EDFD-47A7-AFEA-9697696D7632}"/>
+              </a:ext>
+            </a:extLst>
+          </p:cNvPr>
+          <p:cNvSpPr txBox="1"/>
+          <p:nvPr/>
+        </p:nvSpPr>
+        <p:spPr>
+          <a:xfrm>
+            <a:off x="2619972" y="359390"/>
+            <a:ext cx="7981353" cy="461665"/>
+          </a:xfrm>
+          <a:prstGeom prst="rect">
+            <a:avLst/>
+          </a:prstGeom>
+          <a:noFill/>
+        </p:spPr>
+        <p:txBody>
+          <a:bodyPr wrap="square" rtlCol="0">
+            <a:spAutoFit/>
+          </a:bodyPr>
+          <a:lstStyle/>
+          <a:p>
+            <a:r>
+              <a:rPr lang="ko-KR" altLang="en-US" sz="2400" dirty="0"/>
+              <a:t>수작업</a:t>
+            </a:r>
+          </a:p>
+        </p:txBody>
+      </p:sp>
+      <p:sp>
+        <p:nvSpPr>
+          <p:cNvPr id="6" name="TextBox 5">
+            <a:extLst>
+              <a:ext uri="{FF2B5EF4-FFF2-40B4-BE49-F238E27FC236}">
+                <a16:creationId xmlns:a16="http://schemas.microsoft.com/office/drawing/2014/main" id="{56458959-87C9-4C9C-8C23-37B508CE8A9E}"/>
+              </a:ext>
+            </a:extLst>
+          </p:cNvPr>
+          <p:cNvSpPr txBox="1"/>
+          <p:nvPr/>
+        </p:nvSpPr>
+        <p:spPr>
+          <a:xfrm>
+            <a:off x="1366263" y="1021049"/>
+            <a:ext cx="8947009" cy="1200329"/>
+          </a:xfrm>
+          <a:prstGeom prst="rect">
+            <a:avLst/>
+          </a:prstGeom>
+          <a:noFill/>
+        </p:spPr>
+        <p:txBody>
+          <a:bodyPr wrap="square" rtlCol="0">
+            <a:spAutoFit/>
+          </a:bodyPr>
+          <a:lstStyle/>
+          <a:p>
+            <a:r>
+              <a:rPr lang="ko-KR" altLang="en-US" sz="2400" dirty="0"/>
+              <a:t>찾지 못하는 데이터 </a:t>
+            </a:r>
+            <a:r>
+              <a:rPr lang="en-US" altLang="ko-KR" sz="2400" dirty="0"/>
+              <a:t>46</a:t>
+            </a:r>
+            <a:r>
+              <a:rPr lang="ko-KR" altLang="en-US" sz="2400" dirty="0"/>
+              <a:t>개를 엑셀 파일로 다운받은 후</a:t>
+            </a:r>
+            <a:r>
+              <a:rPr lang="en-US" altLang="ko-KR" sz="2400" dirty="0"/>
+              <a:t>, </a:t>
+            </a:r>
+          </a:p>
+          <a:p>
+            <a:r>
+              <a:rPr lang="ko-KR" altLang="en-US" sz="2400" dirty="0"/>
+              <a:t>수작업으로 찾고 다운받은 엑셀에 값을 </a:t>
+            </a:r>
+            <a:r>
+              <a:rPr lang="ko-KR" altLang="en-US" sz="2400" dirty="0" err="1"/>
+              <a:t>채워넣은</a:t>
+            </a:r>
+            <a:r>
+              <a:rPr lang="ko-KR" altLang="en-US" sz="2400" dirty="0"/>
+              <a:t> 후 읽어와서</a:t>
+            </a:r>
+            <a:endParaRPr lang="en-US" altLang="ko-KR" sz="2400" dirty="0"/>
+          </a:p>
+          <a:p>
+            <a:r>
+              <a:rPr lang="ko-KR" altLang="en-US" sz="2400" dirty="0"/>
+              <a:t>데이터프레임에 값 채우기</a:t>
+            </a:r>
+          </a:p>
+        </p:txBody>
+      </p:sp>
+      <p:pic>
+        <p:nvPicPr>
+          <p:cNvPr id="7" name="그림 6">
+            <a:extLst>
+              <a:ext uri="{FF2B5EF4-FFF2-40B4-BE49-F238E27FC236}">
+                <a16:creationId xmlns:a16="http://schemas.microsoft.com/office/drawing/2014/main" id="{53C681B1-1437-4057-1699-20C431BB15F0}"/>
+              </a:ext>
+            </a:extLst>
+          </p:cNvPr>
+          <p:cNvPicPr>
+            <a:picLocks noChangeAspect="1"/>
+          </p:cNvPicPr>
+          <p:nvPr/>
+        </p:nvPicPr>
+        <p:blipFill>
+          <a:blip r:embed="rId2"/>
+          <a:stretch>
+            <a:fillRect/>
+          </a:stretch>
+        </p:blipFill>
+        <p:spPr>
+          <a:xfrm>
+            <a:off x="861728" y="2390594"/>
+            <a:ext cx="10277475" cy="4086225"/>
+          </a:xfrm>
+          <a:prstGeom prst="rect">
+            <a:avLst/>
+          </a:prstGeom>
+        </p:spPr>
+      </p:pic>
+    </p:spTree>
+    <p:extLst>
+      <p:ext uri="{BB962C8B-B14F-4D97-AF65-F5344CB8AC3E}">
+        <p14:creationId xmlns:p14="http://schemas.microsoft.com/office/powerpoint/2010/main" val="1839185070"/>
+      </p:ext>
+    </p:extLst>
+  </p:cSld>
+  <p:clrMapOvr>
+    <a:masterClrMapping/>
+  </p:clrMapOvr>
+</p:sld>
+</file>
+
+<file path=ppt/slides/slide21.xml><?xml version="1.0" encoding="utf-8"?>
+<p:sld xmlns:a="http://schemas.openxmlformats.org/drawingml/2006/main" xmlns:r="http://schemas.openxmlformats.org/officeDocument/2006/relationships" xmlns:p="http://schemas.openxmlformats.org/presentationml/2006/main">
+  <p:cSld>
+    <p:spTree>
+      <p:nvGrpSpPr>
+        <p:cNvPr id="1" name=""/>
+        <p:cNvGrpSpPr/>
+        <p:nvPr/>
+      </p:nvGrpSpPr>
+      <p:grpSpPr>
+        <a:xfrm>
+          <a:off x="0" y="0"/>
+          <a:ext cx="0" cy="0"/>
+          <a:chOff x="0" y="0"/>
+          <a:chExt cx="0" cy="0"/>
+        </a:xfrm>
+      </p:grpSpPr>
+      <p:sp>
+        <p:nvSpPr>
+          <p:cNvPr id="2" name="TextBox 1">
+            <a:extLst>
+              <a:ext uri="{FF2B5EF4-FFF2-40B4-BE49-F238E27FC236}">
+                <a16:creationId xmlns:a16="http://schemas.microsoft.com/office/drawing/2014/main" id="{270137EC-62AB-4201-995D-9F199EDD573A}"/>
+              </a:ext>
+            </a:extLst>
+          </p:cNvPr>
+          <p:cNvSpPr txBox="1"/>
+          <p:nvPr/>
+        </p:nvSpPr>
+        <p:spPr>
+          <a:xfrm>
+            <a:off x="457200" y="328613"/>
+            <a:ext cx="2162772" cy="523220"/>
+          </a:xfrm>
+          <a:prstGeom prst="rect">
+            <a:avLst/>
+          </a:prstGeom>
+          <a:noFill/>
+        </p:spPr>
+        <p:txBody>
+          <a:bodyPr wrap="none" rtlCol="0">
+            <a:spAutoFit/>
+          </a:bodyPr>
+          <a:lstStyle/>
+          <a:p>
+            <a:r>
+              <a:rPr lang="ko-KR" altLang="en-US" sz="2800" dirty="0">
+                <a:latin typeface="+mj-ea"/>
+                <a:ea typeface="+mj-ea"/>
+              </a:rPr>
+              <a:t>해결방법</a:t>
+            </a:r>
+            <a:r>
+              <a:rPr lang="en-US" altLang="ko-KR" sz="2800" dirty="0">
+                <a:latin typeface="+mj-ea"/>
+                <a:ea typeface="+mj-ea"/>
+              </a:rPr>
+              <a:t>1-3</a:t>
+            </a:r>
+            <a:endParaRPr lang="ko-KR" altLang="en-US" sz="2800" dirty="0">
+              <a:latin typeface="+mj-ea"/>
+              <a:ea typeface="+mj-ea"/>
+            </a:endParaRPr>
+          </a:p>
+        </p:txBody>
+      </p:sp>
+      <p:sp>
+        <p:nvSpPr>
+          <p:cNvPr id="3" name="TextBox 2">
+            <a:extLst>
+              <a:ext uri="{FF2B5EF4-FFF2-40B4-BE49-F238E27FC236}">
+                <a16:creationId xmlns:a16="http://schemas.microsoft.com/office/drawing/2014/main" id="{BC1F6E87-EDFD-47A7-AFEA-9697696D7632}"/>
+              </a:ext>
+            </a:extLst>
+          </p:cNvPr>
+          <p:cNvSpPr txBox="1"/>
+          <p:nvPr/>
+        </p:nvSpPr>
+        <p:spPr>
+          <a:xfrm>
+            <a:off x="2619972" y="359390"/>
+            <a:ext cx="7981353" cy="461665"/>
+          </a:xfrm>
+          <a:prstGeom prst="rect">
+            <a:avLst/>
+          </a:prstGeom>
+          <a:noFill/>
+        </p:spPr>
+        <p:txBody>
+          <a:bodyPr wrap="square" rtlCol="0">
+            <a:spAutoFit/>
+          </a:bodyPr>
+          <a:lstStyle/>
+          <a:p>
+            <a:r>
+              <a:rPr lang="ko-KR" altLang="en-US" sz="2400" dirty="0"/>
+              <a:t>수작업</a:t>
+            </a:r>
+          </a:p>
+        </p:txBody>
+      </p:sp>
+      <p:sp>
+        <p:nvSpPr>
+          <p:cNvPr id="6" name="TextBox 5">
+            <a:extLst>
+              <a:ext uri="{FF2B5EF4-FFF2-40B4-BE49-F238E27FC236}">
+                <a16:creationId xmlns:a16="http://schemas.microsoft.com/office/drawing/2014/main" id="{56458959-87C9-4C9C-8C23-37B508CE8A9E}"/>
+              </a:ext>
+            </a:extLst>
+          </p:cNvPr>
+          <p:cNvSpPr txBox="1"/>
+          <p:nvPr/>
+        </p:nvSpPr>
+        <p:spPr>
+          <a:xfrm>
+            <a:off x="1366263" y="1021049"/>
+            <a:ext cx="8947009" cy="1200329"/>
+          </a:xfrm>
+          <a:prstGeom prst="rect">
+            <a:avLst/>
+          </a:prstGeom>
+          <a:noFill/>
+        </p:spPr>
+        <p:txBody>
+          <a:bodyPr wrap="square" rtlCol="0">
+            <a:spAutoFit/>
+          </a:bodyPr>
+          <a:lstStyle/>
+          <a:p>
+            <a:r>
+              <a:rPr lang="ko-KR" altLang="en-US" sz="2400" dirty="0"/>
+              <a:t>찾지 못하는 데이터 </a:t>
+            </a:r>
+            <a:r>
+              <a:rPr lang="en-US" altLang="ko-KR" sz="2400" dirty="0"/>
+              <a:t>46</a:t>
+            </a:r>
+            <a:r>
+              <a:rPr lang="ko-KR" altLang="en-US" sz="2400" dirty="0"/>
+              <a:t>개를 엑셀 파일로 다운받은 후</a:t>
+            </a:r>
+            <a:r>
+              <a:rPr lang="en-US" altLang="ko-KR" sz="2400" dirty="0"/>
+              <a:t>, </a:t>
+            </a:r>
+          </a:p>
+          <a:p>
+            <a:r>
+              <a:rPr lang="ko-KR" altLang="en-US" sz="2400" dirty="0"/>
+              <a:t>수작업으로 찾고 다운받은 엑셀에 값을 </a:t>
+            </a:r>
+            <a:r>
+              <a:rPr lang="ko-KR" altLang="en-US" sz="2400" dirty="0" err="1"/>
+              <a:t>채워넣은</a:t>
+            </a:r>
+            <a:r>
+              <a:rPr lang="ko-KR" altLang="en-US" sz="2400" dirty="0"/>
+              <a:t> 후 읽어와서</a:t>
+            </a:r>
+            <a:endParaRPr lang="en-US" altLang="ko-KR" sz="2400" dirty="0"/>
+          </a:p>
+          <a:p>
+            <a:r>
+              <a:rPr lang="ko-KR" altLang="en-US" sz="2400" dirty="0"/>
+              <a:t>데이터프레임에 값 채우기</a:t>
+            </a:r>
+          </a:p>
+        </p:txBody>
+      </p:sp>
+      <p:pic>
+        <p:nvPicPr>
+          <p:cNvPr id="5" name="그림 4">
+            <a:extLst>
+              <a:ext uri="{FF2B5EF4-FFF2-40B4-BE49-F238E27FC236}">
+                <a16:creationId xmlns:a16="http://schemas.microsoft.com/office/drawing/2014/main" id="{BFE63F88-316A-A7EE-D705-E5393020307E}"/>
+              </a:ext>
+            </a:extLst>
+          </p:cNvPr>
+          <p:cNvPicPr>
+            <a:picLocks noChangeAspect="1"/>
+          </p:cNvPicPr>
+          <p:nvPr/>
+        </p:nvPicPr>
+        <p:blipFill rotWithShape="1">
+          <a:blip r:embed="rId2"/>
+          <a:srcRect r="23785"/>
+          <a:stretch/>
+        </p:blipFill>
+        <p:spPr>
+          <a:xfrm>
+            <a:off x="1121287" y="3028423"/>
+            <a:ext cx="9949425" cy="1884771"/>
+          </a:xfrm>
+          <a:prstGeom prst="rect">
+            <a:avLst/>
+          </a:prstGeom>
+        </p:spPr>
+      </p:pic>
+    </p:spTree>
+    <p:extLst>
+      <p:ext uri="{BB962C8B-B14F-4D97-AF65-F5344CB8AC3E}">
+        <p14:creationId xmlns:p14="http://schemas.microsoft.com/office/powerpoint/2010/main" val="1849904783"/>
+      </p:ext>
+    </p:extLst>
+  </p:cSld>
+  <p:clrMapOvr>
+    <a:masterClrMapping/>
+  </p:clrMapOvr>
+</p:sld>
+</file>
+
+<file path=ppt/slides/slide22.xml><?xml version="1.0" encoding="utf-8"?>
+<p:sld xmlns:a="http://schemas.openxmlformats.org/drawingml/2006/main" xmlns:r="http://schemas.openxmlformats.org/officeDocument/2006/relationships" xmlns:p="http://schemas.openxmlformats.org/presentationml/2006/main">
+  <p:cSld>
+    <p:spTree>
+      <p:nvGrpSpPr>
+        <p:cNvPr id="1" name=""/>
+        <p:cNvGrpSpPr/>
+        <p:nvPr/>
+      </p:nvGrpSpPr>
+      <p:grpSpPr>
+        <a:xfrm>
+          <a:off x="0" y="0"/>
+          <a:ext cx="0" cy="0"/>
+          <a:chOff x="0" y="0"/>
+          <a:chExt cx="0" cy="0"/>
+        </a:xfrm>
+      </p:grpSpPr>
+      <p:sp>
+        <p:nvSpPr>
+          <p:cNvPr id="2" name="TextBox 1">
+            <a:extLst>
+              <a:ext uri="{FF2B5EF4-FFF2-40B4-BE49-F238E27FC236}">
+                <a16:creationId xmlns:a16="http://schemas.microsoft.com/office/drawing/2014/main" id="{270137EC-62AB-4201-995D-9F199EDD573A}"/>
+              </a:ext>
+            </a:extLst>
+          </p:cNvPr>
+          <p:cNvSpPr txBox="1"/>
+          <p:nvPr/>
+        </p:nvSpPr>
+        <p:spPr>
+          <a:xfrm>
+            <a:off x="457200" y="328613"/>
+            <a:ext cx="2162772" cy="523220"/>
+          </a:xfrm>
+          <a:prstGeom prst="rect">
+            <a:avLst/>
+          </a:prstGeom>
+          <a:noFill/>
+        </p:spPr>
+        <p:txBody>
+          <a:bodyPr wrap="none" rtlCol="0">
+            <a:spAutoFit/>
+          </a:bodyPr>
+          <a:lstStyle/>
+          <a:p>
+            <a:r>
+              <a:rPr lang="ko-KR" altLang="en-US" sz="2800" dirty="0">
+                <a:latin typeface="+mj-ea"/>
+                <a:ea typeface="+mj-ea"/>
+              </a:rPr>
+              <a:t>해결방법</a:t>
+            </a:r>
+            <a:r>
+              <a:rPr lang="en-US" altLang="ko-KR" sz="2800" dirty="0">
+                <a:latin typeface="+mj-ea"/>
+                <a:ea typeface="+mj-ea"/>
+              </a:rPr>
+              <a:t>1-3</a:t>
+            </a:r>
+            <a:endParaRPr lang="ko-KR" altLang="en-US" sz="2800" dirty="0">
+              <a:latin typeface="+mj-ea"/>
+              <a:ea typeface="+mj-ea"/>
+            </a:endParaRPr>
+          </a:p>
+        </p:txBody>
+      </p:sp>
+      <p:sp>
+        <p:nvSpPr>
+          <p:cNvPr id="3" name="TextBox 2">
+            <a:extLst>
+              <a:ext uri="{FF2B5EF4-FFF2-40B4-BE49-F238E27FC236}">
+                <a16:creationId xmlns:a16="http://schemas.microsoft.com/office/drawing/2014/main" id="{BC1F6E87-EDFD-47A7-AFEA-9697696D7632}"/>
+              </a:ext>
+            </a:extLst>
+          </p:cNvPr>
+          <p:cNvSpPr txBox="1"/>
+          <p:nvPr/>
+        </p:nvSpPr>
+        <p:spPr>
+          <a:xfrm>
+            <a:off x="2619972" y="359390"/>
+            <a:ext cx="7981353" cy="461665"/>
+          </a:xfrm>
+          <a:prstGeom prst="rect">
+            <a:avLst/>
+          </a:prstGeom>
+          <a:noFill/>
+        </p:spPr>
+        <p:txBody>
+          <a:bodyPr wrap="square" rtlCol="0">
+            <a:spAutoFit/>
+          </a:bodyPr>
+          <a:lstStyle/>
+          <a:p>
+            <a:r>
+              <a:rPr lang="ko-KR" altLang="en-US" sz="2400" dirty="0"/>
+              <a:t>수작업</a:t>
+            </a:r>
+          </a:p>
+        </p:txBody>
+      </p:sp>
+      <p:pic>
+        <p:nvPicPr>
+          <p:cNvPr id="9" name="그림 8">
+            <a:extLst>
+              <a:ext uri="{FF2B5EF4-FFF2-40B4-BE49-F238E27FC236}">
+                <a16:creationId xmlns:a16="http://schemas.microsoft.com/office/drawing/2014/main" id="{9A995289-6E90-F234-D825-6D7C54C71FBA}"/>
+              </a:ext>
+            </a:extLst>
+          </p:cNvPr>
+          <p:cNvPicPr>
+            <a:picLocks noChangeAspect="1"/>
+          </p:cNvPicPr>
+          <p:nvPr/>
+        </p:nvPicPr>
+        <p:blipFill>
+          <a:blip r:embed="rId2"/>
+          <a:stretch>
+            <a:fillRect/>
+          </a:stretch>
+        </p:blipFill>
+        <p:spPr>
+          <a:xfrm>
+            <a:off x="1060829" y="1278482"/>
+            <a:ext cx="9715500" cy="4819650"/>
+          </a:xfrm>
+          <a:prstGeom prst="rect">
+            <a:avLst/>
+          </a:prstGeom>
+        </p:spPr>
+      </p:pic>
+    </p:spTree>
+    <p:extLst>
+      <p:ext uri="{BB962C8B-B14F-4D97-AF65-F5344CB8AC3E}">
+        <p14:creationId xmlns:p14="http://schemas.microsoft.com/office/powerpoint/2010/main" val="1309868641"/>
+      </p:ext>
+    </p:extLst>
+  </p:cSld>
+  <p:clrMapOvr>
+    <a:masterClrMapping/>
+  </p:clrMapOvr>
+</p:sld>
+</file>
+
+<file path=ppt/slides/slide23.xml><?xml version="1.0" encoding="utf-8"?>
+<p:sld xmlns:a="http://schemas.openxmlformats.org/drawingml/2006/main" xmlns:r="http://schemas.openxmlformats.org/officeDocument/2006/relationships" xmlns:p="http://schemas.openxmlformats.org/presentationml/2006/main">
+  <p:cSld>
+    <p:spTree>
+      <p:nvGrpSpPr>
+        <p:cNvPr id="1" name=""/>
+        <p:cNvGrpSpPr/>
+        <p:nvPr/>
+      </p:nvGrpSpPr>
+      <p:grpSpPr>
+        <a:xfrm>
+          <a:off x="0" y="0"/>
+          <a:ext cx="0" cy="0"/>
+          <a:chOff x="0" y="0"/>
+          <a:chExt cx="0" cy="0"/>
+        </a:xfrm>
+      </p:grpSpPr>
+      <p:sp>
+        <p:nvSpPr>
+          <p:cNvPr id="2" name="TextBox 1">
+            <a:extLst>
+              <a:ext uri="{FF2B5EF4-FFF2-40B4-BE49-F238E27FC236}">
+                <a16:creationId xmlns:a16="http://schemas.microsoft.com/office/drawing/2014/main" id="{270137EC-62AB-4201-995D-9F199EDD573A}"/>
+              </a:ext>
+            </a:extLst>
+          </p:cNvPr>
+          <p:cNvSpPr txBox="1"/>
+          <p:nvPr/>
+        </p:nvSpPr>
+        <p:spPr>
+          <a:xfrm>
+            <a:off x="457200" y="328613"/>
+            <a:ext cx="2162772" cy="523220"/>
+          </a:xfrm>
+          <a:prstGeom prst="rect">
+            <a:avLst/>
+          </a:prstGeom>
+          <a:noFill/>
+        </p:spPr>
+        <p:txBody>
+          <a:bodyPr wrap="none" rtlCol="0">
+            <a:spAutoFit/>
+          </a:bodyPr>
+          <a:lstStyle/>
+          <a:p>
+            <a:r>
+              <a:rPr lang="ko-KR" altLang="en-US" sz="2800" dirty="0">
+                <a:latin typeface="+mj-ea"/>
+                <a:ea typeface="+mj-ea"/>
+              </a:rPr>
+              <a:t>해결방법</a:t>
+            </a:r>
+            <a:r>
+              <a:rPr lang="en-US" altLang="ko-KR" sz="2800" dirty="0">
+                <a:latin typeface="+mj-ea"/>
+                <a:ea typeface="+mj-ea"/>
+              </a:rPr>
+              <a:t>1-3</a:t>
+            </a:r>
+            <a:endParaRPr lang="ko-KR" altLang="en-US" sz="2800" dirty="0">
+              <a:latin typeface="+mj-ea"/>
+              <a:ea typeface="+mj-ea"/>
+            </a:endParaRPr>
+          </a:p>
+        </p:txBody>
+      </p:sp>
+      <p:sp>
+        <p:nvSpPr>
+          <p:cNvPr id="3" name="TextBox 2">
+            <a:extLst>
+              <a:ext uri="{FF2B5EF4-FFF2-40B4-BE49-F238E27FC236}">
+                <a16:creationId xmlns:a16="http://schemas.microsoft.com/office/drawing/2014/main" id="{BC1F6E87-EDFD-47A7-AFEA-9697696D7632}"/>
+              </a:ext>
+            </a:extLst>
+          </p:cNvPr>
+          <p:cNvSpPr txBox="1"/>
+          <p:nvPr/>
+        </p:nvSpPr>
+        <p:spPr>
+          <a:xfrm>
+            <a:off x="2619972" y="359390"/>
+            <a:ext cx="7981353" cy="461665"/>
+          </a:xfrm>
+          <a:prstGeom prst="rect">
+            <a:avLst/>
+          </a:prstGeom>
+          <a:noFill/>
+        </p:spPr>
+        <p:txBody>
+          <a:bodyPr wrap="square" rtlCol="0">
+            <a:spAutoFit/>
+          </a:bodyPr>
+          <a:lstStyle/>
+          <a:p>
+            <a:r>
+              <a:rPr lang="ko-KR" altLang="en-US" sz="2400" dirty="0"/>
+              <a:t>수작업</a:t>
+            </a:r>
+          </a:p>
+        </p:txBody>
+      </p:sp>
+      <p:pic>
+        <p:nvPicPr>
+          <p:cNvPr id="5" name="그림 4">
+            <a:extLst>
+              <a:ext uri="{FF2B5EF4-FFF2-40B4-BE49-F238E27FC236}">
+                <a16:creationId xmlns:a16="http://schemas.microsoft.com/office/drawing/2014/main" id="{D1B81719-E378-2009-20F7-FACB7A3EEA45}"/>
+              </a:ext>
+            </a:extLst>
+          </p:cNvPr>
+          <p:cNvPicPr>
+            <a:picLocks noChangeAspect="1"/>
+          </p:cNvPicPr>
+          <p:nvPr/>
+        </p:nvPicPr>
+        <p:blipFill>
+          <a:blip r:embed="rId2"/>
+          <a:stretch>
+            <a:fillRect/>
+          </a:stretch>
+        </p:blipFill>
+        <p:spPr>
+          <a:xfrm>
+            <a:off x="1288541" y="973733"/>
+            <a:ext cx="9614918" cy="5555654"/>
+          </a:xfrm>
+          <a:prstGeom prst="rect">
+            <a:avLst/>
+          </a:prstGeom>
+        </p:spPr>
+      </p:pic>
+    </p:spTree>
+    <p:extLst>
+      <p:ext uri="{BB962C8B-B14F-4D97-AF65-F5344CB8AC3E}">
+        <p14:creationId xmlns:p14="http://schemas.microsoft.com/office/powerpoint/2010/main" val="2368722473"/>
+      </p:ext>
+    </p:extLst>
+  </p:cSld>
+  <p:clrMapOvr>
+    <a:masterClrMapping/>
+  </p:clrMapOvr>
+</p:sld>
+</file>
+
+<file path=ppt/slides/slide24.xml><?xml version="1.0" encoding="utf-8"?>
+<p:sld xmlns:a="http://schemas.openxmlformats.org/drawingml/2006/main" xmlns:r="http://schemas.openxmlformats.org/officeDocument/2006/relationships" xmlns:p="http://schemas.openxmlformats.org/presentationml/2006/main">
+  <p:cSld>
+    <p:spTree>
+      <p:nvGrpSpPr>
+        <p:cNvPr id="1" name=""/>
+        <p:cNvGrpSpPr/>
+        <p:nvPr/>
+      </p:nvGrpSpPr>
+      <p:grpSpPr>
+        <a:xfrm>
+          <a:off x="0" y="0"/>
+          <a:ext cx="0" cy="0"/>
+          <a:chOff x="0" y="0"/>
+          <a:chExt cx="0" cy="0"/>
+        </a:xfrm>
+      </p:grpSpPr>
+      <p:sp>
+        <p:nvSpPr>
+          <p:cNvPr id="2" name="TextBox 1">
+            <a:extLst>
+              <a:ext uri="{FF2B5EF4-FFF2-40B4-BE49-F238E27FC236}">
+                <a16:creationId xmlns:a16="http://schemas.microsoft.com/office/drawing/2014/main" id="{270137EC-62AB-4201-995D-9F199EDD573A}"/>
+              </a:ext>
+            </a:extLst>
+          </p:cNvPr>
+          <p:cNvSpPr txBox="1"/>
+          <p:nvPr/>
+        </p:nvSpPr>
+        <p:spPr>
+          <a:xfrm>
+            <a:off x="457200" y="328613"/>
+            <a:ext cx="2106667" cy="523220"/>
+          </a:xfrm>
+          <a:prstGeom prst="rect">
+            <a:avLst/>
+          </a:prstGeom>
+          <a:noFill/>
+        </p:spPr>
+        <p:txBody>
+          <a:bodyPr wrap="none" rtlCol="0">
+            <a:spAutoFit/>
+          </a:bodyPr>
+          <a:lstStyle/>
+          <a:p>
+            <a:r>
+              <a:rPr lang="ko-KR" altLang="en-US" sz="2800" dirty="0">
+                <a:latin typeface="+mj-ea"/>
+                <a:ea typeface="+mj-ea"/>
+              </a:rPr>
+              <a:t>참고 사이트</a:t>
+            </a:r>
+          </a:p>
+        </p:txBody>
+      </p:sp>
+      <p:sp>
+        <p:nvSpPr>
+          <p:cNvPr id="6" name="TextBox 5">
+            <a:extLst>
+              <a:ext uri="{FF2B5EF4-FFF2-40B4-BE49-F238E27FC236}">
+                <a16:creationId xmlns:a16="http://schemas.microsoft.com/office/drawing/2014/main" id="{56458959-87C9-4C9C-8C23-37B508CE8A9E}"/>
+              </a:ext>
+            </a:extLst>
+          </p:cNvPr>
+          <p:cNvSpPr txBox="1"/>
+          <p:nvPr/>
+        </p:nvSpPr>
+        <p:spPr>
+          <a:xfrm>
+            <a:off x="1366263" y="1021049"/>
+            <a:ext cx="10056913" cy="2308324"/>
+          </a:xfrm>
+          <a:prstGeom prst="rect">
+            <a:avLst/>
+          </a:prstGeom>
+          <a:noFill/>
+        </p:spPr>
+        <p:txBody>
+          <a:bodyPr wrap="square" rtlCol="0">
+            <a:spAutoFit/>
+          </a:bodyPr>
+          <a:lstStyle/>
+          <a:p>
+            <a:pPr marL="457200" indent="-457200">
+              <a:buAutoNum type="arabicPeriod"/>
+            </a:pPr>
+            <a:r>
+              <a:rPr lang="ko-KR" altLang="en-US" sz="2400" dirty="0"/>
+              <a:t>정규표현식 예제 </a:t>
+            </a:r>
+            <a:r>
+              <a:rPr lang="en-US" altLang="ko-KR" sz="2400" dirty="0"/>
+              <a:t>- </a:t>
+            </a:r>
+            <a:r>
+              <a:rPr lang="en-US" altLang="ko-KR" sz="2400" dirty="0">
+                <a:hlinkClick r:id="rId2"/>
+              </a:rPr>
+              <a:t>https://nachwon.github.io/regular-expressions/</a:t>
+            </a:r>
+            <a:endParaRPr lang="en-US" altLang="ko-KR" sz="2400" dirty="0"/>
+          </a:p>
+          <a:p>
+            <a:pPr marL="457200" indent="-457200">
+              <a:buAutoNum type="arabicPeriod"/>
+            </a:pPr>
+            <a:r>
+              <a:rPr lang="ko-KR" altLang="en-US" sz="2400" dirty="0"/>
+              <a:t>정규표현식 테스트 </a:t>
+            </a:r>
+            <a:r>
+              <a:rPr lang="en-US" altLang="ko-KR" sz="2400" dirty="0"/>
+              <a:t>- </a:t>
+            </a:r>
+            <a:r>
+              <a:rPr lang="en-US" altLang="ko-KR" sz="2400" dirty="0">
+                <a:hlinkClick r:id="rId3"/>
+              </a:rPr>
+              <a:t>https://regex101.com/r/uufrWr/1</a:t>
+            </a:r>
+            <a:r>
+              <a:rPr lang="en-US" altLang="ko-KR" sz="2400" dirty="0"/>
+              <a:t> </a:t>
+            </a:r>
+          </a:p>
+          <a:p>
+            <a:pPr marL="457200" indent="-457200">
+              <a:buAutoNum type="arabicPeriod"/>
+            </a:pPr>
+            <a:r>
+              <a:rPr lang="ko-KR" altLang="en-US" sz="2400" dirty="0"/>
+              <a:t>주소 경위도 확인 </a:t>
+            </a:r>
+            <a:r>
+              <a:rPr lang="en-US" altLang="ko-KR" sz="2400" dirty="0"/>
+              <a:t>- </a:t>
+            </a:r>
+            <a:r>
+              <a:rPr lang="en-US" altLang="ko-KR" sz="2400" dirty="0">
+                <a:hlinkClick r:id="rId4"/>
+              </a:rPr>
+              <a:t>https://address.dawul.co.kr/index.php</a:t>
+            </a:r>
+            <a:r>
+              <a:rPr lang="en-US" altLang="ko-KR" sz="2400" dirty="0"/>
+              <a:t> </a:t>
+            </a:r>
+          </a:p>
+          <a:p>
+            <a:pPr marL="457200" indent="-457200">
+              <a:buAutoNum type="arabicPeriod"/>
+            </a:pPr>
+            <a:r>
+              <a:rPr lang="ko-KR" altLang="en-US" sz="2400" dirty="0"/>
+              <a:t>주소 경위도 확인 </a:t>
+            </a:r>
+            <a:r>
+              <a:rPr lang="en-US" altLang="ko-KR" sz="2400" dirty="0"/>
+              <a:t>- </a:t>
+            </a:r>
+            <a:r>
+              <a:rPr lang="en-US" altLang="ko-KR" sz="2400" dirty="0">
+                <a:hlinkClick r:id="rId5"/>
+              </a:rPr>
+              <a:t>https://www.google.co.kr/maps</a:t>
+            </a:r>
+            <a:r>
+              <a:rPr lang="en-US" altLang="ko-KR" sz="2400" dirty="0"/>
+              <a:t> </a:t>
+            </a:r>
+          </a:p>
+          <a:p>
+            <a:pPr marL="457200" indent="-457200">
+              <a:buAutoNum type="arabicPeriod"/>
+            </a:pPr>
+            <a:r>
+              <a:rPr lang="en-US" altLang="ko-KR" sz="2400" dirty="0"/>
+              <a:t>matplotlib </a:t>
+            </a:r>
+            <a:r>
+              <a:rPr lang="ko-KR" altLang="en-US" sz="2400" dirty="0" err="1"/>
+              <a:t>한글깨짐</a:t>
+            </a:r>
+            <a:r>
+              <a:rPr lang="ko-KR" altLang="en-US" sz="2400" dirty="0"/>
+              <a:t> 이슈 </a:t>
+            </a:r>
+            <a:r>
+              <a:rPr lang="en-US" altLang="ko-KR" sz="2400" dirty="0"/>
+              <a:t>- </a:t>
+            </a:r>
+            <a:r>
+              <a:rPr lang="en-US" altLang="ko-KR" sz="2400" dirty="0">
+                <a:hlinkClick r:id="rId6"/>
+              </a:rPr>
+              <a:t>https://www.whatwant.com/entry/matplotlib-hangul-colab-local</a:t>
+            </a:r>
+            <a:endParaRPr lang="ko-KR" altLang="en-US" sz="2400" dirty="0"/>
+          </a:p>
+        </p:txBody>
+      </p:sp>
+    </p:spTree>
+    <p:extLst>
+      <p:ext uri="{BB962C8B-B14F-4D97-AF65-F5344CB8AC3E}">
+        <p14:creationId xmlns:p14="http://schemas.microsoft.com/office/powerpoint/2010/main" val="1592175736"/>
       </p:ext>
     </p:extLst>
   </p:cSld>
@@ -5599,12 +6904,13 @@
           <a:lstStyle/>
           <a:p>
             <a:r>
-              <a:rPr lang="ko-KR" altLang="en-US" sz="2800" dirty="0">
-                <a:latin typeface="+mj-ea"/>
-                <a:ea typeface="+mj-ea"/>
-              </a:rPr>
-              <a:t>데이터 수집 방법</a:t>
-            </a:r>
+              <a:rPr lang="ko-KR" altLang="en-US" sz="2800" dirty="0"/>
+              <a:t>주제 선정의 이유</a:t>
+            </a:r>
+            <a:endParaRPr lang="ko-KR" altLang="en-US" sz="2800" dirty="0">
+              <a:latin typeface="+mj-ea"/>
+              <a:ea typeface="+mj-ea"/>
+            </a:endParaRPr>
           </a:p>
         </p:txBody>
       </p:sp>
@@ -5622,8 +6928,8 @@
         </p:nvSpPr>
         <p:spPr>
           <a:xfrm>
-            <a:off x="957262" y="1265039"/>
-            <a:ext cx="7572375" cy="830997"/>
+            <a:off x="957262" y="1265038"/>
+            <a:ext cx="10288493" cy="3416320"/>
           </a:xfrm>
           <a:prstGeom prst="rect">
             <a:avLst/>
@@ -5638,23 +6944,109 @@
           <a:p>
             <a:r>
               <a:rPr lang="ko-KR" altLang="en-US" sz="2400" dirty="0"/>
-              <a:t>공공데이터 포털 데이터셋 활용</a:t>
-            </a:r>
+              <a:t>도서관이 많은 곳 근처에 </a:t>
+            </a:r>
+            <a:r>
+              <a:rPr lang="ko-KR" altLang="en-US" sz="2400" dirty="0" err="1"/>
+              <a:t>살고싶다</a:t>
+            </a:r>
+            <a:r>
+              <a:rPr lang="en-US" altLang="ko-KR" sz="2400" dirty="0"/>
+              <a:t>!</a:t>
+            </a:r>
+          </a:p>
+          <a:p>
+            <a:r>
+              <a:rPr lang="ko-KR" altLang="en-US" sz="2400" dirty="0"/>
+              <a:t>얼마나 </a:t>
+            </a:r>
+            <a:r>
+              <a:rPr lang="ko-KR" altLang="en-US" sz="2400" dirty="0" err="1"/>
+              <a:t>분포되어있는지</a:t>
+            </a:r>
+            <a:r>
+              <a:rPr lang="ko-KR" altLang="en-US" sz="2400" dirty="0"/>
+              <a:t> 잘 </a:t>
+            </a:r>
+            <a:r>
+              <a:rPr lang="ko-KR" altLang="en-US" sz="2400" dirty="0" err="1"/>
+              <a:t>시각화된</a:t>
+            </a:r>
+            <a:r>
+              <a:rPr lang="ko-KR" altLang="en-US" sz="2400" dirty="0"/>
+              <a:t> 자료가 없는 것 같다</a:t>
+            </a:r>
+            <a:r>
+              <a:rPr lang="en-US" altLang="ko-KR" sz="2400" dirty="0"/>
+              <a:t>.</a:t>
+            </a:r>
+          </a:p>
+          <a:p>
             <a:endParaRPr lang="en-US" altLang="ko-KR" sz="2400" dirty="0"/>
           </a:p>
           <a:p>
             <a:r>
-              <a:rPr lang="en-US" altLang="ko-KR" sz="2400" dirty="0"/>
-              <a:t>https://www.data.go.kr/data/15013109/standard.do</a:t>
-            </a:r>
-            <a:endParaRPr lang="ko-KR" altLang="en-US" sz="2400" dirty="0"/>
+              <a:rPr lang="ko-KR" altLang="en-US" sz="2400" dirty="0"/>
+              <a:t>도서관이 많이 있는 곳의 특징은 </a:t>
+            </a:r>
+            <a:r>
+              <a:rPr lang="ko-KR" altLang="en-US" sz="2400" dirty="0" err="1"/>
+              <a:t>뭘까</a:t>
+            </a:r>
+            <a:r>
+              <a:rPr lang="en-US" altLang="ko-KR" sz="2400" dirty="0"/>
+              <a:t>?</a:t>
+            </a:r>
+          </a:p>
+          <a:p>
+            <a:r>
+              <a:rPr lang="ko-KR" altLang="en-US" sz="2400" dirty="0"/>
+              <a:t>도서관이 많이 있는 지역은 어디일까</a:t>
+            </a:r>
+            <a:r>
+              <a:rPr lang="en-US" altLang="ko-KR" sz="2400" dirty="0"/>
+              <a:t>?</a:t>
+            </a:r>
+          </a:p>
+          <a:p>
+            <a:r>
+              <a:rPr lang="ko-KR" altLang="en-US" sz="2400" dirty="0"/>
+              <a:t>제일 규모가 큰 도서관은 어디일까</a:t>
+            </a:r>
+            <a:r>
+              <a:rPr lang="en-US" altLang="ko-KR" sz="2400" dirty="0"/>
+              <a:t>?</a:t>
+            </a:r>
+          </a:p>
+          <a:p>
+            <a:endParaRPr lang="en-US" altLang="ko-KR" sz="2400" dirty="0"/>
+          </a:p>
+          <a:p>
+            <a:r>
+              <a:rPr lang="ko-KR" altLang="en-US" sz="2400" dirty="0"/>
+              <a:t>사람들이 많이 가는 도서관은 어떤 특징을 가지고 있을까</a:t>
+            </a:r>
+            <a:r>
+              <a:rPr lang="en-US" altLang="ko-KR" sz="2400" dirty="0"/>
+              <a:t>?</a:t>
+            </a:r>
+          </a:p>
+          <a:p>
+            <a:r>
+              <a:rPr lang="ko-KR" altLang="en-US" sz="2400" dirty="0"/>
+              <a:t>도서관에 관한 궁금증을 통계수치와 시각화를 통해 확인해보고 싶다</a:t>
+            </a:r>
+            <a:r>
+              <a:rPr lang="en-US" altLang="ko-KR" sz="2400" dirty="0"/>
+              <a:t>.</a:t>
+            </a:r>
           </a:p>
         </p:txBody>
       </p:sp>
     </p:spTree>
     <p:extLst>
       <p:ext uri="{BB962C8B-B14F-4D97-AF65-F5344CB8AC3E}">
-        <p14:creationId xmlns:p14="http://schemas.microsoft.com/office/powerpoint/2010/main" val="3077346075"/>
+        <p14:creationId xmlns:p14="http://schemas.microsoft.com/office/powerpoint/2010/main" val="1826318089"/>
       </p:ext>
     </p:extLst>
   </p:cSld>
@@ -5696,7 +7088,7 @@
         <p:spPr>
           <a:xfrm>
             <a:off x="457200" y="328613"/>
-            <a:ext cx="2951449" cy="523220"/>
+            <a:ext cx="1747594" cy="523220"/>
           </a:xfrm>
           <a:prstGeom prst="rect">
             <a:avLst/>
@@ -5710,48 +7102,130 @@
           <a:lstStyle/>
           <a:p>
             <a:r>
-              <a:rPr lang="ko-KR" altLang="en-US" sz="2800" dirty="0">
-                <a:latin typeface="+mj-ea"/>
-                <a:ea typeface="+mj-ea"/>
-              </a:rPr>
-              <a:t>데이터 수집 방법</a:t>
-            </a:r>
-          </a:p>
-        </p:txBody>
-      </p:sp>
-      <p:pic>
-        <p:nvPicPr>
-          <p:cNvPr id="5" name="그림 4">
-            <a:extLst>
-              <a:ext uri="{FF2B5EF4-FFF2-40B4-BE49-F238E27FC236}">
-                <a16:creationId xmlns:a16="http://schemas.microsoft.com/office/drawing/2014/main" id="{CC36680B-63EF-4580-A34E-369AAC72D073}"/>
-              </a:ext>
-            </a:extLst>
-          </p:cNvPr>
-          <p:cNvPicPr>
-            <a:picLocks noChangeAspect="1"/>
-          </p:cNvPicPr>
+              <a:rPr lang="ko-KR" altLang="en-US" sz="2800" dirty="0"/>
+              <a:t>역할 소개</a:t>
+            </a:r>
+            <a:endParaRPr lang="ko-KR" altLang="en-US" sz="2800" dirty="0">
+              <a:latin typeface="+mj-ea"/>
+              <a:ea typeface="+mj-ea"/>
+            </a:endParaRPr>
+          </a:p>
+        </p:txBody>
+      </p:sp>
+      <p:sp>
+        <p:nvSpPr>
+          <p:cNvPr id="3" name="TextBox 2">
+            <a:extLst>
+              <a:ext uri="{FF2B5EF4-FFF2-40B4-BE49-F238E27FC236}">
+                <a16:creationId xmlns:a16="http://schemas.microsoft.com/office/drawing/2014/main" id="{BC1F6E87-EDFD-47A7-AFEA-9697696D7632}"/>
+              </a:ext>
+            </a:extLst>
+          </p:cNvPr>
+          <p:cNvSpPr txBox="1"/>
           <p:nvPr/>
-        </p:nvPicPr>
-        <p:blipFill rotWithShape="1">
-          <a:blip r:embed="rId2"/>
-          <a:srcRect t="9716"/>
-          <a:stretch/>
-        </p:blipFill>
-        <p:spPr>
-          <a:xfrm>
-            <a:off x="1250260" y="820254"/>
-            <a:ext cx="9265340" cy="5709133"/>
+        </p:nvSpPr>
+        <p:spPr>
+          <a:xfrm>
+            <a:off x="957262" y="1265039"/>
+            <a:ext cx="9401389" cy="2677656"/>
           </a:xfrm>
           <a:prstGeom prst="rect">
             <a:avLst/>
           </a:prstGeom>
-        </p:spPr>
-      </p:pic>
+          <a:noFill/>
+        </p:spPr>
+        <p:txBody>
+          <a:bodyPr wrap="square" rtlCol="0">
+            <a:spAutoFit/>
+          </a:bodyPr>
+          <a:lstStyle/>
+          <a:p>
+            <a:r>
+              <a:rPr lang="ko-KR" altLang="en-US" sz="2400" dirty="0"/>
+              <a:t>이혜원 </a:t>
+            </a:r>
+            <a:endParaRPr lang="en-US" altLang="ko-KR" sz="2400" dirty="0"/>
+          </a:p>
+          <a:p>
+            <a:pPr marL="342900" indent="-342900">
+              <a:buFontTx/>
+              <a:buChar char="-"/>
+            </a:pPr>
+            <a:r>
+              <a:rPr lang="ko-KR" altLang="en-US" sz="2400" dirty="0"/>
+              <a:t>기획</a:t>
+            </a:r>
+            <a:endParaRPr lang="en-US" altLang="ko-KR" sz="2400" dirty="0"/>
+          </a:p>
+          <a:p>
+            <a:pPr marL="342900" indent="-342900">
+              <a:buFontTx/>
+              <a:buChar char="-"/>
+            </a:pPr>
+            <a:r>
+              <a:rPr lang="ko-KR" altLang="en-US" sz="2400" dirty="0"/>
+              <a:t>데이터 수집</a:t>
+            </a:r>
+            <a:endParaRPr lang="en-US" altLang="ko-KR" sz="2400" dirty="0"/>
+          </a:p>
+          <a:p>
+            <a:pPr marL="342900" indent="-342900">
+              <a:buFontTx/>
+              <a:buChar char="-"/>
+            </a:pPr>
+            <a:r>
+              <a:rPr lang="ko-KR" altLang="en-US" sz="2400" dirty="0"/>
+              <a:t>데이터 </a:t>
+            </a:r>
+            <a:r>
+              <a:rPr lang="ko-KR" altLang="en-US" sz="2400" dirty="0" err="1"/>
+              <a:t>전처리</a:t>
+            </a:r>
+            <a:endParaRPr lang="en-US" altLang="ko-KR" sz="2400" dirty="0"/>
+          </a:p>
+          <a:p>
+            <a:pPr marL="342900" indent="-342900">
+              <a:buFontTx/>
+              <a:buChar char="-"/>
+            </a:pPr>
+            <a:r>
+              <a:rPr lang="ko-KR" altLang="en-US" sz="2400" dirty="0"/>
+              <a:t>데이터 시각화</a:t>
+            </a:r>
+            <a:endParaRPr lang="en-US" altLang="ko-KR" sz="2400" dirty="0"/>
+          </a:p>
+          <a:p>
+            <a:pPr marL="342900" indent="-342900">
+              <a:buFontTx/>
+              <a:buChar char="-"/>
+            </a:pPr>
+            <a:r>
+              <a:rPr lang="en-US" altLang="ko-KR" sz="2400" dirty="0"/>
+              <a:t>PPT </a:t>
+            </a:r>
+            <a:r>
+              <a:rPr lang="ko-KR" altLang="en-US" sz="2400" dirty="0"/>
+              <a:t>작성</a:t>
+            </a:r>
+            <a:endParaRPr lang="en-US" altLang="ko-KR" sz="2400" dirty="0"/>
+          </a:p>
+          <a:p>
+            <a:pPr marL="342900" indent="-342900">
+              <a:buFontTx/>
+              <a:buChar char="-"/>
+            </a:pPr>
+            <a:r>
+              <a:rPr lang="ko-KR" altLang="en-US" sz="2400" dirty="0"/>
+              <a:t>발표</a:t>
+            </a:r>
+            <a:endParaRPr lang="en-US" altLang="ko-KR" sz="2400" dirty="0"/>
+          </a:p>
+        </p:txBody>
+      </p:sp>
     </p:spTree>
     <p:extLst>
       <p:ext uri="{BB962C8B-B14F-4D97-AF65-F5344CB8AC3E}">
-        <p14:creationId xmlns:p14="http://schemas.microsoft.com/office/powerpoint/2010/main" val="3628413313"/>
+        <p14:creationId xmlns:p14="http://schemas.microsoft.com/office/powerpoint/2010/main" val="3764360260"/>
       </p:ext>
     </p:extLst>
   </p:cSld>
@@ -5816,40 +7290,53 @@
           </a:p>
         </p:txBody>
       </p:sp>
-      <p:pic>
-        <p:nvPicPr>
-          <p:cNvPr id="4" name="그림 3">
-            <a:extLst>
-              <a:ext uri="{FF2B5EF4-FFF2-40B4-BE49-F238E27FC236}">
-                <a16:creationId xmlns:a16="http://schemas.microsoft.com/office/drawing/2014/main" id="{5F5A87A6-11ED-4216-8550-047250710CE3}"/>
-              </a:ext>
-            </a:extLst>
-          </p:cNvPr>
-          <p:cNvPicPr>
-            <a:picLocks noChangeAspect="1"/>
-          </p:cNvPicPr>
+      <p:sp>
+        <p:nvSpPr>
+          <p:cNvPr id="3" name="TextBox 2">
+            <a:extLst>
+              <a:ext uri="{FF2B5EF4-FFF2-40B4-BE49-F238E27FC236}">
+                <a16:creationId xmlns:a16="http://schemas.microsoft.com/office/drawing/2014/main" id="{BC1F6E87-EDFD-47A7-AFEA-9697696D7632}"/>
+              </a:ext>
+            </a:extLst>
+          </p:cNvPr>
+          <p:cNvSpPr txBox="1"/>
           <p:nvPr/>
-        </p:nvPicPr>
-        <p:blipFill>
-          <a:blip r:embed="rId2"/>
-          <a:stretch>
-            <a:fillRect/>
-          </a:stretch>
-        </p:blipFill>
-        <p:spPr>
-          <a:xfrm>
-            <a:off x="52387" y="1547812"/>
-            <a:ext cx="12087225" cy="3762375"/>
+        </p:nvSpPr>
+        <p:spPr>
+          <a:xfrm>
+            <a:off x="957262" y="1265039"/>
+            <a:ext cx="7572375" cy="830997"/>
           </a:xfrm>
           <a:prstGeom prst="rect">
             <a:avLst/>
           </a:prstGeom>
-        </p:spPr>
-      </p:pic>
+          <a:noFill/>
+        </p:spPr>
+        <p:txBody>
+          <a:bodyPr wrap="square" rtlCol="0">
+            <a:spAutoFit/>
+          </a:bodyPr>
+          <a:lstStyle/>
+          <a:p>
+            <a:r>
+              <a:rPr lang="ko-KR" altLang="en-US" sz="2400" dirty="0"/>
+              <a:t>공공데이터 포털 데이터셋 활용</a:t>
+            </a:r>
+            <a:endParaRPr lang="en-US" altLang="ko-KR" sz="2400" dirty="0"/>
+          </a:p>
+          <a:p>
+            <a:r>
+              <a:rPr lang="en-US" altLang="ko-KR" sz="2400" dirty="0"/>
+              <a:t>https://www.data.go.kr/data/15013109/standard.do</a:t>
+            </a:r>
+            <a:endParaRPr lang="ko-KR" altLang="en-US" sz="2400" dirty="0"/>
+          </a:p>
+        </p:txBody>
+      </p:sp>
     </p:spTree>
     <p:extLst>
       <p:ext uri="{BB962C8B-B14F-4D97-AF65-F5344CB8AC3E}">
-        <p14:creationId xmlns:p14="http://schemas.microsoft.com/office/powerpoint/2010/main" val="1868717910"/>
+        <p14:creationId xmlns:p14="http://schemas.microsoft.com/office/powerpoint/2010/main" val="3077346075"/>
       </p:ext>
     </p:extLst>
   </p:cSld>
@@ -5916,10 +7403,10 @@
       </p:sp>
       <p:pic>
         <p:nvPicPr>
-          <p:cNvPr id="4" name="그림 3">
-            <a:extLst>
-              <a:ext uri="{FF2B5EF4-FFF2-40B4-BE49-F238E27FC236}">
-                <a16:creationId xmlns:a16="http://schemas.microsoft.com/office/drawing/2014/main" id="{2677955A-6125-4DF7-B2B4-1825AF894A0B}"/>
+          <p:cNvPr id="5" name="그림 4">
+            <a:extLst>
+              <a:ext uri="{FF2B5EF4-FFF2-40B4-BE49-F238E27FC236}">
+                <a16:creationId xmlns:a16="http://schemas.microsoft.com/office/drawing/2014/main" id="{CC36680B-63EF-4580-A34E-369AAC72D073}"/>
               </a:ext>
             </a:extLst>
           </p:cNvPr>
@@ -5928,16 +7415,15 @@
           </p:cNvPicPr>
           <p:nvPr/>
         </p:nvPicPr>
-        <p:blipFill>
+        <p:blipFill rotWithShape="1">
           <a:blip r:embed="rId2"/>
-          <a:stretch>
-            <a:fillRect/>
-          </a:stretch>
+          <a:srcRect t="9716"/>
+          <a:stretch/>
         </p:blipFill>
         <p:spPr>
           <a:xfrm>
-            <a:off x="1169194" y="851833"/>
-            <a:ext cx="9853612" cy="5422093"/>
+            <a:off x="1250260" y="820254"/>
+            <a:ext cx="9265340" cy="5709133"/>
           </a:xfrm>
           <a:prstGeom prst="rect">
             <a:avLst/>
@@ -5947,7 +7433,7 @@
     </p:spTree>
     <p:extLst>
       <p:ext uri="{BB962C8B-B14F-4D97-AF65-F5344CB8AC3E}">
-        <p14:creationId xmlns:p14="http://schemas.microsoft.com/office/powerpoint/2010/main" val="828825766"/>
+        <p14:creationId xmlns:p14="http://schemas.microsoft.com/office/powerpoint/2010/main" val="3628413313"/>
       </p:ext>
     </p:extLst>
   </p:cSld>
@@ -5989,7 +7475,7 @@
         <p:spPr>
           <a:xfrm>
             <a:off x="457200" y="328613"/>
-            <a:ext cx="1620957" cy="523220"/>
+            <a:ext cx="2951449" cy="523220"/>
           </a:xfrm>
           <a:prstGeom prst="rect">
             <a:avLst/>
@@ -6007,114 +7493,45 @@
                 <a:latin typeface="+mj-ea"/>
                 <a:ea typeface="+mj-ea"/>
               </a:rPr>
-              <a:t>구현방법</a:t>
-            </a:r>
-          </a:p>
-        </p:txBody>
-      </p:sp>
-      <p:sp>
-        <p:nvSpPr>
-          <p:cNvPr id="3" name="TextBox 2">
-            <a:extLst>
-              <a:ext uri="{FF2B5EF4-FFF2-40B4-BE49-F238E27FC236}">
-                <a16:creationId xmlns:a16="http://schemas.microsoft.com/office/drawing/2014/main" id="{BC1F6E87-EDFD-47A7-AFEA-9697696D7632}"/>
-              </a:ext>
-            </a:extLst>
-          </p:cNvPr>
-          <p:cNvSpPr txBox="1"/>
+              <a:t>데이터 수집 방법</a:t>
+            </a:r>
+          </a:p>
+        </p:txBody>
+      </p:sp>
+      <p:pic>
+        <p:nvPicPr>
+          <p:cNvPr id="4" name="그림 3">
+            <a:extLst>
+              <a:ext uri="{FF2B5EF4-FFF2-40B4-BE49-F238E27FC236}">
+                <a16:creationId xmlns:a16="http://schemas.microsoft.com/office/drawing/2014/main" id="{5F5A87A6-11ED-4216-8550-047250710CE3}"/>
+              </a:ext>
+            </a:extLst>
+          </p:cNvPr>
+          <p:cNvPicPr>
+            <a:picLocks noChangeAspect="1"/>
+          </p:cNvPicPr>
           <p:nvPr/>
-        </p:nvSpPr>
-        <p:spPr>
-          <a:xfrm>
-            <a:off x="957262" y="1265039"/>
-            <a:ext cx="7572375" cy="2308324"/>
+        </p:nvPicPr>
+        <p:blipFill>
+          <a:blip r:embed="rId2"/>
+          <a:stretch>
+            <a:fillRect/>
+          </a:stretch>
+        </p:blipFill>
+        <p:spPr>
+          <a:xfrm>
+            <a:off x="52387" y="1547812"/>
+            <a:ext cx="12087225" cy="3762375"/>
           </a:xfrm>
           <a:prstGeom prst="rect">
             <a:avLst/>
           </a:prstGeom>
-          <a:noFill/>
-        </p:spPr>
-        <p:txBody>
-          <a:bodyPr wrap="square" rtlCol="0">
-            <a:spAutoFit/>
-          </a:bodyPr>
-          <a:lstStyle/>
-          <a:p>
-            <a:r>
-              <a:rPr lang="ko-KR" altLang="en-US" sz="2400" dirty="0" err="1"/>
-              <a:t>파이썬</a:t>
-            </a:r>
-            <a:r>
-              <a:rPr lang="ko-KR" altLang="en-US" sz="2400" dirty="0"/>
-              <a:t> 라이브러리</a:t>
-            </a:r>
-            <a:endParaRPr lang="en-US" altLang="ko-KR" sz="2400" dirty="0"/>
-          </a:p>
-          <a:p>
-            <a:pPr marL="342900" indent="-342900">
-              <a:buFontTx/>
-              <a:buChar char="-"/>
-            </a:pPr>
-            <a:r>
-              <a:rPr lang="en-US" altLang="ko-KR" sz="2400" dirty="0"/>
-              <a:t>folium </a:t>
-            </a:r>
-            <a:r>
-              <a:rPr lang="ko-KR" altLang="en-US" sz="2400" dirty="0"/>
-              <a:t>사용 </a:t>
-            </a:r>
-            <a:r>
-              <a:rPr lang="en-US" altLang="ko-KR" sz="2400" dirty="0"/>
-              <a:t>: </a:t>
-            </a:r>
-            <a:br>
-              <a:rPr lang="en-US" altLang="ko-KR" sz="2400" dirty="0"/>
-            </a:br>
-            <a:r>
-              <a:rPr lang="en-US" altLang="ko-KR" sz="2400" dirty="0">
-                <a:hlinkClick r:id="rId2"/>
-              </a:rPr>
-              <a:t>https://python-visualization.github.io/folium/index.html</a:t>
-            </a:r>
-            <a:endParaRPr lang="en-US" altLang="ko-KR" sz="2400" dirty="0"/>
-          </a:p>
-          <a:p>
-            <a:pPr marL="342900" indent="-342900">
-              <a:buFontTx/>
-              <a:buChar char="-"/>
-            </a:pPr>
-            <a:r>
-              <a:rPr lang="en-US" altLang="ko-KR" sz="2400" dirty="0" err="1"/>
-              <a:t>geopy</a:t>
-            </a:r>
-            <a:r>
-              <a:rPr lang="en-US" altLang="ko-KR" sz="2400" dirty="0"/>
-              <a:t> </a:t>
-            </a:r>
-            <a:r>
-              <a:rPr lang="ko-KR" altLang="en-US" sz="2400" dirty="0"/>
-              <a:t>사용 </a:t>
-            </a:r>
-            <a:r>
-              <a:rPr lang="en-US" altLang="ko-KR" sz="2400" dirty="0"/>
-              <a:t>:</a:t>
-            </a:r>
-          </a:p>
-          <a:p>
-            <a:r>
-              <a:rPr lang="en-US" altLang="ko-KR" sz="2400" dirty="0">
-                <a:hlinkClick r:id="rId3"/>
-              </a:rPr>
-              <a:t>https://geopy.readthedocs.io/en/stable/</a:t>
-            </a:r>
-            <a:endParaRPr lang="en-US" altLang="ko-KR" sz="2400" dirty="0"/>
-          </a:p>
-        </p:txBody>
-      </p:sp>
+        </p:spPr>
+      </p:pic>
     </p:spTree>
     <p:extLst>
       <p:ext uri="{BB962C8B-B14F-4D97-AF65-F5344CB8AC3E}">
-        <p14:creationId xmlns:p14="http://schemas.microsoft.com/office/powerpoint/2010/main" val="2098755887"/>
+        <p14:creationId xmlns:p14="http://schemas.microsoft.com/office/powerpoint/2010/main" val="1868717910"/>
       </p:ext>
     </p:extLst>
   </p:cSld>
@@ -6156,7 +7573,7 @@
         <p:spPr>
           <a:xfrm>
             <a:off x="457200" y="328613"/>
-            <a:ext cx="1459054" cy="523220"/>
+            <a:ext cx="2951449" cy="523220"/>
           </a:xfrm>
           <a:prstGeom prst="rect">
             <a:avLst/>
@@ -6174,73 +7591,7 @@
                 <a:latin typeface="+mj-ea"/>
                 <a:ea typeface="+mj-ea"/>
               </a:rPr>
-              <a:t>문제점</a:t>
-            </a:r>
-            <a:r>
-              <a:rPr lang="en-US" altLang="ko-KR" sz="2800" dirty="0">
-                <a:latin typeface="+mj-ea"/>
-                <a:ea typeface="+mj-ea"/>
-              </a:rPr>
-              <a:t>1</a:t>
-            </a:r>
-            <a:endParaRPr lang="ko-KR" altLang="en-US" sz="2800" dirty="0">
-              <a:latin typeface="+mj-ea"/>
-              <a:ea typeface="+mj-ea"/>
-            </a:endParaRPr>
-          </a:p>
-        </p:txBody>
-      </p:sp>
-      <p:sp>
-        <p:nvSpPr>
-          <p:cNvPr id="3" name="TextBox 2">
-            <a:extLst>
-              <a:ext uri="{FF2B5EF4-FFF2-40B4-BE49-F238E27FC236}">
-                <a16:creationId xmlns:a16="http://schemas.microsoft.com/office/drawing/2014/main" id="{BC1F6E87-EDFD-47A7-AFEA-9697696D7632}"/>
-              </a:ext>
-            </a:extLst>
-          </p:cNvPr>
-          <p:cNvSpPr txBox="1"/>
-          <p:nvPr/>
-        </p:nvSpPr>
-        <p:spPr>
-          <a:xfrm>
-            <a:off x="1916254" y="328613"/>
-            <a:ext cx="7572375" cy="461665"/>
-          </a:xfrm>
-          <a:prstGeom prst="rect">
-            <a:avLst/>
-          </a:prstGeom>
-          <a:noFill/>
-        </p:spPr>
-        <p:txBody>
-          <a:bodyPr wrap="square" rtlCol="0">
-            <a:spAutoFit/>
-          </a:bodyPr>
-          <a:lstStyle/>
-          <a:p>
-            <a:r>
-              <a:rPr lang="ko-KR" altLang="en-US" sz="2400" dirty="0"/>
-              <a:t>경도</a:t>
-            </a:r>
-            <a:r>
-              <a:rPr lang="en-US" altLang="ko-KR" sz="2400" dirty="0"/>
-              <a:t>, </a:t>
-            </a:r>
-            <a:r>
-              <a:rPr lang="ko-KR" altLang="en-US" sz="2400" dirty="0"/>
-              <a:t>위도가 없음 </a:t>
-            </a:r>
-            <a:r>
-              <a:rPr lang="en-US" altLang="ko-KR" sz="2400" dirty="0"/>
-              <a:t>– </a:t>
-            </a:r>
-            <a:r>
-              <a:rPr lang="ko-KR" altLang="en-US" sz="2400" dirty="0" err="1"/>
-              <a:t>결측치</a:t>
-            </a:r>
-            <a:r>
-              <a:rPr lang="ko-KR" altLang="en-US" sz="2400" dirty="0"/>
-              <a:t> 처리</a:t>
+              <a:t>데이터 수집 방법</a:t>
             </a:r>
           </a:p>
         </p:txBody>
@@ -6250,7 +7601,7 @@
           <p:cNvPr id="4" name="그림 3">
             <a:extLst>
               <a:ext uri="{FF2B5EF4-FFF2-40B4-BE49-F238E27FC236}">
-                <a16:creationId xmlns:a16="http://schemas.microsoft.com/office/drawing/2014/main" id="{769BD7D7-7751-4BF5-A3C7-E8EBA3DECBFE}"/>
+                <a16:creationId xmlns:a16="http://schemas.microsoft.com/office/drawing/2014/main" id="{2677955A-6125-4DF7-B2B4-1825AF894A0B}"/>
               </a:ext>
             </a:extLst>
           </p:cNvPr>
@@ -6259,15 +7610,16 @@
           </p:cNvPicPr>
           <p:nvPr/>
         </p:nvPicPr>
-        <p:blipFill rotWithShape="1">
+        <p:blipFill>
           <a:blip r:embed="rId2"/>
-          <a:srcRect l="39726"/>
-          <a:stretch/>
+          <a:stretch>
+            <a:fillRect/>
+          </a:stretch>
         </p:blipFill>
         <p:spPr>
           <a:xfrm>
-            <a:off x="771561" y="1996651"/>
-            <a:ext cx="10648877" cy="1832399"/>
+            <a:off x="1169194" y="851833"/>
+            <a:ext cx="9853612" cy="5422093"/>
           </a:xfrm>
           <a:prstGeom prst="rect">
             <a:avLst/>
@@ -6277,7 +7629,7 @@
     </p:spTree>
     <p:extLst>
       <p:ext uri="{BB962C8B-B14F-4D97-AF65-F5344CB8AC3E}">
-        <p14:creationId xmlns:p14="http://schemas.microsoft.com/office/powerpoint/2010/main" val="3306837330"/>
+        <p14:creationId xmlns:p14="http://schemas.microsoft.com/office/powerpoint/2010/main" val="828825766"/>
       </p:ext>
     </p:extLst>
   </p:cSld>
@@ -6319,7 +7671,7 @@
         <p:spPr>
           <a:xfrm>
             <a:off x="457200" y="328613"/>
-            <a:ext cx="1803699" cy="523220"/>
+            <a:ext cx="2951449" cy="523220"/>
           </a:xfrm>
           <a:prstGeom prst="rect">
             <a:avLst/>
@@ -6337,83 +7689,17 @@
                 <a:latin typeface="+mj-ea"/>
                 <a:ea typeface="+mj-ea"/>
               </a:rPr>
-              <a:t>문제점</a:t>
-            </a:r>
-            <a:r>
-              <a:rPr lang="en-US" altLang="ko-KR" sz="2800" dirty="0">
-                <a:latin typeface="+mj-ea"/>
-                <a:ea typeface="+mj-ea"/>
-              </a:rPr>
-              <a:t>1-1</a:t>
-            </a:r>
-            <a:endParaRPr lang="ko-KR" altLang="en-US" sz="2800" dirty="0">
-              <a:latin typeface="+mj-ea"/>
-              <a:ea typeface="+mj-ea"/>
-            </a:endParaRPr>
-          </a:p>
-        </p:txBody>
-      </p:sp>
-      <p:sp>
-        <p:nvSpPr>
-          <p:cNvPr id="3" name="TextBox 2">
-            <a:extLst>
-              <a:ext uri="{FF2B5EF4-FFF2-40B4-BE49-F238E27FC236}">
-                <a16:creationId xmlns:a16="http://schemas.microsoft.com/office/drawing/2014/main" id="{BC1F6E87-EDFD-47A7-AFEA-9697696D7632}"/>
-              </a:ext>
-            </a:extLst>
-          </p:cNvPr>
-          <p:cNvSpPr txBox="1"/>
-          <p:nvPr/>
-        </p:nvSpPr>
-        <p:spPr>
-          <a:xfrm>
-            <a:off x="2260899" y="328613"/>
-            <a:ext cx="7572375" cy="461665"/>
-          </a:xfrm>
-          <a:prstGeom prst="rect">
-            <a:avLst/>
-          </a:prstGeom>
-          <a:noFill/>
-        </p:spPr>
-        <p:txBody>
-          <a:bodyPr wrap="square" rtlCol="0">
-            <a:spAutoFit/>
-          </a:bodyPr>
-          <a:lstStyle/>
-          <a:p>
-            <a:r>
-              <a:rPr lang="ko-KR" altLang="en-US" sz="2400" dirty="0"/>
-              <a:t>경도</a:t>
-            </a:r>
-            <a:r>
-              <a:rPr lang="en-US" altLang="ko-KR" sz="2400" dirty="0"/>
-              <a:t>, </a:t>
-            </a:r>
-            <a:r>
-              <a:rPr lang="ko-KR" altLang="en-US" sz="2400" dirty="0"/>
-              <a:t>위도가 없음 </a:t>
-            </a:r>
-            <a:r>
-              <a:rPr lang="en-US" altLang="ko-KR" sz="2400" dirty="0"/>
-              <a:t>– </a:t>
-            </a:r>
-            <a:r>
-              <a:rPr lang="ko-KR" altLang="en-US" sz="2400" dirty="0" err="1"/>
-              <a:t>결측치</a:t>
-            </a:r>
-            <a:r>
-              <a:rPr lang="ko-KR" altLang="en-US" sz="2400" dirty="0"/>
-              <a:t> 처리</a:t>
+              <a:t>데이터 수집 방법</a:t>
             </a:r>
           </a:p>
         </p:txBody>
       </p:sp>
       <p:pic>
         <p:nvPicPr>
-          <p:cNvPr id="5" name="그림 4">
-            <a:extLst>
-              <a:ext uri="{FF2B5EF4-FFF2-40B4-BE49-F238E27FC236}">
-                <a16:creationId xmlns:a16="http://schemas.microsoft.com/office/drawing/2014/main" id="{624427D1-56DF-494D-803C-601EF445C73C}"/>
+          <p:cNvPr id="4" name="그림 3">
+            <a:extLst>
+              <a:ext uri="{FF2B5EF4-FFF2-40B4-BE49-F238E27FC236}">
+                <a16:creationId xmlns:a16="http://schemas.microsoft.com/office/drawing/2014/main" id="{2677955A-6125-4DF7-B2B4-1825AF894A0B}"/>
               </a:ext>
             </a:extLst>
           </p:cNvPr>
@@ -6422,16 +7708,15 @@
           </p:cNvPicPr>
           <p:nvPr/>
         </p:nvPicPr>
-        <p:blipFill>
+        <p:blipFill rotWithShape="1">
           <a:blip r:embed="rId2"/>
-          <a:stretch>
-            <a:fillRect/>
-          </a:stretch>
+          <a:srcRect l="2678" t="68879" r="56193" b="14524"/>
+          <a:stretch/>
         </p:blipFill>
         <p:spPr>
           <a:xfrm>
-            <a:off x="2271712" y="851833"/>
-            <a:ext cx="7877175" cy="5629275"/>
+            <a:off x="921225" y="2047164"/>
+            <a:ext cx="9696734" cy="2153223"/>
           </a:xfrm>
           <a:prstGeom prst="rect">
             <a:avLst/>
@@ -6441,7 +7726,7 @@
     </p:spTree>
     <p:extLst>
       <p:ext uri="{BB962C8B-B14F-4D97-AF65-F5344CB8AC3E}">
-        <p14:creationId xmlns:p14="http://schemas.microsoft.com/office/powerpoint/2010/main" val="3946300319"/>
+        <p14:creationId xmlns:p14="http://schemas.microsoft.com/office/powerpoint/2010/main" val="907026759"/>
       </p:ext>
     </p:extLst>
   </p:cSld>

--- a/230810.pptx
+++ b/230810.pptx
@@ -28,7 +28,11 @@
     <p:sldId id="275" r:id="rId22"/>
     <p:sldId id="276" r:id="rId23"/>
     <p:sldId id="277" r:id="rId24"/>
-    <p:sldId id="271" r:id="rId25"/>
+    <p:sldId id="285" r:id="rId25"/>
+    <p:sldId id="282" r:id="rId26"/>
+    <p:sldId id="283" r:id="rId27"/>
+    <p:sldId id="284" r:id="rId28"/>
+    <p:sldId id="271" r:id="rId29"/>
   </p:sldIdLst>
   <p:sldSz cx="12192000" cy="6858000"/>
   <p:notesSz cx="6858000" cy="9144000"/>
@@ -282,7 +286,7 @@
           <a:p>
             <a:fld id="{1AE649FE-7221-47BD-88A2-E39483B2D334}" type="datetimeFigureOut">
               <a:rPr lang="ko-KR" altLang="en-US" smtClean="0"/>
-              <a:t>2023-08-12</a:t>
+              <a:t>2023-08-13</a:t>
             </a:fld>
             <a:endParaRPr lang="ko-KR" altLang="en-US"/>
           </a:p>
@@ -480,7 +484,7 @@
           <a:p>
             <a:fld id="{1AE649FE-7221-47BD-88A2-E39483B2D334}" type="datetimeFigureOut">
               <a:rPr lang="ko-KR" altLang="en-US" smtClean="0"/>
-              <a:t>2023-08-12</a:t>
+              <a:t>2023-08-13</a:t>
             </a:fld>
             <a:endParaRPr lang="ko-KR" altLang="en-US"/>
           </a:p>
@@ -688,7 +692,7 @@
           <a:p>
             <a:fld id="{1AE649FE-7221-47BD-88A2-E39483B2D334}" type="datetimeFigureOut">
               <a:rPr lang="ko-KR" altLang="en-US" smtClean="0"/>
-              <a:t>2023-08-12</a:t>
+              <a:t>2023-08-13</a:t>
             </a:fld>
             <a:endParaRPr lang="ko-KR" altLang="en-US"/>
           </a:p>
@@ -886,7 +890,7 @@
           <a:p>
             <a:fld id="{1AE649FE-7221-47BD-88A2-E39483B2D334}" type="datetimeFigureOut">
               <a:rPr lang="ko-KR" altLang="en-US" smtClean="0"/>
-              <a:t>2023-08-12</a:t>
+              <a:t>2023-08-13</a:t>
             </a:fld>
             <a:endParaRPr lang="ko-KR" altLang="en-US"/>
           </a:p>
@@ -1161,7 +1165,7 @@
           <a:p>
             <a:fld id="{1AE649FE-7221-47BD-88A2-E39483B2D334}" type="datetimeFigureOut">
               <a:rPr lang="ko-KR" altLang="en-US" smtClean="0"/>
-              <a:t>2023-08-12</a:t>
+              <a:t>2023-08-13</a:t>
             </a:fld>
             <a:endParaRPr lang="ko-KR" altLang="en-US"/>
           </a:p>
@@ -1426,7 +1430,7 @@
           <a:p>
             <a:fld id="{1AE649FE-7221-47BD-88A2-E39483B2D334}" type="datetimeFigureOut">
               <a:rPr lang="ko-KR" altLang="en-US" smtClean="0"/>
-              <a:t>2023-08-12</a:t>
+              <a:t>2023-08-13</a:t>
             </a:fld>
             <a:endParaRPr lang="ko-KR" altLang="en-US"/>
           </a:p>
@@ -1838,7 +1842,7 @@
           <a:p>
             <a:fld id="{1AE649FE-7221-47BD-88A2-E39483B2D334}" type="datetimeFigureOut">
               <a:rPr lang="ko-KR" altLang="en-US" smtClean="0"/>
-              <a:t>2023-08-12</a:t>
+              <a:t>2023-08-13</a:t>
             </a:fld>
             <a:endParaRPr lang="ko-KR" altLang="en-US"/>
           </a:p>
@@ -1979,7 +1983,7 @@
           <a:p>
             <a:fld id="{1AE649FE-7221-47BD-88A2-E39483B2D334}" type="datetimeFigureOut">
               <a:rPr lang="ko-KR" altLang="en-US" smtClean="0"/>
-              <a:t>2023-08-12</a:t>
+              <a:t>2023-08-13</a:t>
             </a:fld>
             <a:endParaRPr lang="ko-KR" altLang="en-US"/>
           </a:p>
@@ -2092,7 +2096,7 @@
           <a:p>
             <a:fld id="{1AE649FE-7221-47BD-88A2-E39483B2D334}" type="datetimeFigureOut">
               <a:rPr lang="ko-KR" altLang="en-US" smtClean="0"/>
-              <a:t>2023-08-12</a:t>
+              <a:t>2023-08-13</a:t>
             </a:fld>
             <a:endParaRPr lang="ko-KR" altLang="en-US"/>
           </a:p>
@@ -2403,7 +2407,7 @@
           <a:p>
             <a:fld id="{1AE649FE-7221-47BD-88A2-E39483B2D334}" type="datetimeFigureOut">
               <a:rPr lang="ko-KR" altLang="en-US" smtClean="0"/>
-              <a:t>2023-08-12</a:t>
+              <a:t>2023-08-13</a:t>
             </a:fld>
             <a:endParaRPr lang="ko-KR" altLang="en-US"/>
           </a:p>
@@ -2691,7 +2695,7 @@
           <a:p>
             <a:fld id="{1AE649FE-7221-47BD-88A2-E39483B2D334}" type="datetimeFigureOut">
               <a:rPr lang="ko-KR" altLang="en-US" smtClean="0"/>
-              <a:t>2023-08-12</a:t>
+              <a:t>2023-08-13</a:t>
             </a:fld>
             <a:endParaRPr lang="ko-KR" altLang="en-US"/>
           </a:p>
@@ -2932,7 +2936,7 @@
           <a:p>
             <a:fld id="{1AE649FE-7221-47BD-88A2-E39483B2D334}" type="datetimeFigureOut">
               <a:rPr lang="ko-KR" altLang="en-US" smtClean="0"/>
-              <a:t>2023-08-12</a:t>
+              <a:t>2023-08-13</a:t>
             </a:fld>
             <a:endParaRPr lang="ko-KR" altLang="en-US"/>
           </a:p>
@@ -3539,6 +3543,10 @@
               <a:rPr lang="ko-KR" altLang="en-US" sz="2400" dirty="0"/>
               <a:t>지도 시각화 라이브러리</a:t>
             </a:r>
+            <a:r>
+              <a:rPr lang="en-US" altLang="ko-KR" sz="2400" dirty="0"/>
+              <a:t/>
+            </a:r>
             <a:br>
               <a:rPr lang="en-US" altLang="ko-KR" sz="2400" dirty="0"/>
             </a:br>
@@ -3680,7 +3688,7 @@
         </p:nvSpPr>
         <p:spPr>
           <a:xfrm>
-            <a:off x="2704176" y="2302268"/>
+            <a:off x="2208876" y="2162568"/>
             <a:ext cx="7026678" cy="1323439"/>
           </a:xfrm>
           <a:prstGeom prst="rect">
@@ -3694,6 +3702,7 @@
           </a:bodyPr>
           <a:lstStyle/>
           <a:p>
+            <a:pPr algn="ctr"/>
             <a:r>
               <a:rPr lang="ko-KR" altLang="en-US" sz="8000" dirty="0"/>
               <a:t>데이터 </a:t>
@@ -3703,6 +3712,40 @@
               <a:t>전처리</a:t>
             </a:r>
             <a:endParaRPr lang="en-US" altLang="ko-KR" sz="8000" dirty="0"/>
+          </a:p>
+        </p:txBody>
+      </p:sp>
+      <p:sp>
+        <p:nvSpPr>
+          <p:cNvPr id="2" name="TextBox 1"/>
+          <p:cNvSpPr txBox="1"/>
+          <p:nvPr/>
+        </p:nvSpPr>
+        <p:spPr>
+          <a:xfrm>
+            <a:off x="4531825" y="3892407"/>
+            <a:ext cx="2380780" cy="584775"/>
+          </a:xfrm>
+          <a:prstGeom prst="rect">
+            <a:avLst/>
+          </a:prstGeom>
+          <a:noFill/>
+        </p:spPr>
+        <p:txBody>
+          <a:bodyPr wrap="none" rtlCol="0">
+            <a:spAutoFit/>
+          </a:bodyPr>
+          <a:lstStyle/>
+          <a:p>
+            <a:r>
+              <a:rPr lang="ko-KR" altLang="en-US" sz="3200" dirty="0" err="1" smtClean="0"/>
+              <a:t>결측치</a:t>
+            </a:r>
+            <a:r>
+              <a:rPr lang="ko-KR" altLang="en-US" sz="3200" dirty="0" smtClean="0"/>
+              <a:t> 처리</a:t>
+            </a:r>
+            <a:endParaRPr lang="ko-KR" altLang="en-US" sz="3200" dirty="0"/>
           </a:p>
         </p:txBody>
       </p:sp>
@@ -6645,6 +6688,723 @@
 </file>
 
 <file path=ppt/slides/slide24.xml><?xml version="1.0" encoding="utf-8"?>
+<p:sld xmlns:a="http://schemas.openxmlformats.org/drawingml/2006/main" xmlns:r="http://schemas.openxmlformats.org/officeDocument/2006/relationships" xmlns:p="http://schemas.openxmlformats.org/presentationml/2006/main">
+  <p:cSld>
+    <p:spTree>
+      <p:nvGrpSpPr>
+        <p:cNvPr id="1" name=""/>
+        <p:cNvGrpSpPr/>
+        <p:nvPr/>
+      </p:nvGrpSpPr>
+      <p:grpSpPr>
+        <a:xfrm>
+          <a:off x="0" y="0"/>
+          <a:ext cx="0" cy="0"/>
+          <a:chOff x="0" y="0"/>
+          <a:chExt cx="0" cy="0"/>
+        </a:xfrm>
+      </p:grpSpPr>
+      <p:sp>
+        <p:nvSpPr>
+          <p:cNvPr id="3" name="TextBox 2">
+            <a:extLst>
+              <a:ext uri="{FF2B5EF4-FFF2-40B4-BE49-F238E27FC236}">
+                <a16:creationId xmlns:a16="http://schemas.microsoft.com/office/drawing/2014/main" id="{BC1F6E87-EDFD-47A7-AFEA-9697696D7632}"/>
+              </a:ext>
+            </a:extLst>
+          </p:cNvPr>
+          <p:cNvSpPr txBox="1"/>
+          <p:nvPr/>
+        </p:nvSpPr>
+        <p:spPr>
+          <a:xfrm>
+            <a:off x="2208876" y="2162568"/>
+            <a:ext cx="7026678" cy="1323439"/>
+          </a:xfrm>
+          <a:prstGeom prst="rect">
+            <a:avLst/>
+          </a:prstGeom>
+          <a:noFill/>
+        </p:spPr>
+        <p:txBody>
+          <a:bodyPr wrap="square" rtlCol="0">
+            <a:spAutoFit/>
+          </a:bodyPr>
+          <a:lstStyle/>
+          <a:p>
+            <a:pPr algn="ctr"/>
+            <a:r>
+              <a:rPr lang="ko-KR" altLang="en-US" sz="8000" dirty="0"/>
+              <a:t>데이터 </a:t>
+            </a:r>
+            <a:r>
+              <a:rPr lang="ko-KR" altLang="en-US" sz="8000" dirty="0" err="1"/>
+              <a:t>전처리</a:t>
+            </a:r>
+            <a:endParaRPr lang="en-US" altLang="ko-KR" sz="8000" dirty="0"/>
+          </a:p>
+        </p:txBody>
+      </p:sp>
+      <p:sp>
+        <p:nvSpPr>
+          <p:cNvPr id="2" name="TextBox 1"/>
+          <p:cNvSpPr txBox="1"/>
+          <p:nvPr/>
+        </p:nvSpPr>
+        <p:spPr>
+          <a:xfrm>
+            <a:off x="3896234" y="3740007"/>
+            <a:ext cx="3651962" cy="584775"/>
+          </a:xfrm>
+          <a:prstGeom prst="rect">
+            <a:avLst/>
+          </a:prstGeom>
+          <a:noFill/>
+        </p:spPr>
+        <p:txBody>
+          <a:bodyPr wrap="none" rtlCol="0">
+            <a:spAutoFit/>
+          </a:bodyPr>
+          <a:lstStyle/>
+          <a:p>
+            <a:r>
+              <a:rPr lang="ko-KR" altLang="en-US" sz="3200" dirty="0" smtClean="0"/>
+              <a:t>이상치 확인 </a:t>
+            </a:r>
+            <a:r>
+              <a:rPr lang="en-US" altLang="ko-KR" sz="3200" dirty="0" smtClean="0"/>
+              <a:t>/</a:t>
+            </a:r>
+            <a:r>
+              <a:rPr lang="ko-KR" altLang="en-US" sz="3200" dirty="0" smtClean="0"/>
+              <a:t> 처리</a:t>
+            </a:r>
+            <a:endParaRPr lang="ko-KR" altLang="en-US" sz="3200" dirty="0"/>
+          </a:p>
+        </p:txBody>
+      </p:sp>
+    </p:spTree>
+    <p:extLst>
+      <p:ext uri="{BB962C8B-B14F-4D97-AF65-F5344CB8AC3E}">
+        <p14:creationId xmlns:p14="http://schemas.microsoft.com/office/powerpoint/2010/main" val="466255946"/>
+      </p:ext>
+    </p:extLst>
+  </p:cSld>
+  <p:clrMapOvr>
+    <a:masterClrMapping/>
+  </p:clrMapOvr>
+</p:sld>
+</file>
+
+<file path=ppt/slides/slide25.xml><?xml version="1.0" encoding="utf-8"?>
+<p:sld xmlns:a="http://schemas.openxmlformats.org/drawingml/2006/main" xmlns:r="http://schemas.openxmlformats.org/officeDocument/2006/relationships" xmlns:p="http://schemas.openxmlformats.org/presentationml/2006/main">
+  <p:cSld>
+    <p:spTree>
+      <p:nvGrpSpPr>
+        <p:cNvPr id="1" name=""/>
+        <p:cNvGrpSpPr/>
+        <p:nvPr/>
+      </p:nvGrpSpPr>
+      <p:grpSpPr>
+        <a:xfrm>
+          <a:off x="0" y="0"/>
+          <a:ext cx="0" cy="0"/>
+          <a:chOff x="0" y="0"/>
+          <a:chExt cx="0" cy="0"/>
+        </a:xfrm>
+      </p:grpSpPr>
+      <p:sp>
+        <p:nvSpPr>
+          <p:cNvPr id="2" name="TextBox 1">
+            <a:extLst>
+              <a:ext uri="{FF2B5EF4-FFF2-40B4-BE49-F238E27FC236}">
+                <a16:creationId xmlns:a16="http://schemas.microsoft.com/office/drawing/2014/main" id="{270137EC-62AB-4201-995D-9F199EDD573A}"/>
+              </a:ext>
+            </a:extLst>
+          </p:cNvPr>
+          <p:cNvSpPr txBox="1"/>
+          <p:nvPr/>
+        </p:nvSpPr>
+        <p:spPr>
+          <a:xfrm>
+            <a:off x="457200" y="328613"/>
+            <a:ext cx="1459054" cy="523220"/>
+          </a:xfrm>
+          <a:prstGeom prst="rect">
+            <a:avLst/>
+          </a:prstGeom>
+          <a:noFill/>
+        </p:spPr>
+        <p:txBody>
+          <a:bodyPr wrap="none" rtlCol="0">
+            <a:spAutoFit/>
+          </a:bodyPr>
+          <a:lstStyle/>
+          <a:p>
+            <a:r>
+              <a:rPr lang="ko-KR" altLang="en-US" sz="2800" dirty="0" smtClean="0">
+                <a:latin typeface="+mj-ea"/>
+                <a:ea typeface="+mj-ea"/>
+              </a:rPr>
+              <a:t>문제점</a:t>
+            </a:r>
+            <a:r>
+              <a:rPr lang="en-US" altLang="ko-KR" sz="2800" dirty="0" smtClean="0">
+                <a:latin typeface="+mj-ea"/>
+                <a:ea typeface="+mj-ea"/>
+              </a:rPr>
+              <a:t>2</a:t>
+            </a:r>
+            <a:endParaRPr lang="ko-KR" altLang="en-US" sz="2800" dirty="0">
+              <a:latin typeface="+mj-ea"/>
+              <a:ea typeface="+mj-ea"/>
+            </a:endParaRPr>
+          </a:p>
+        </p:txBody>
+      </p:sp>
+      <p:sp>
+        <p:nvSpPr>
+          <p:cNvPr id="3" name="TextBox 2">
+            <a:extLst>
+              <a:ext uri="{FF2B5EF4-FFF2-40B4-BE49-F238E27FC236}">
+                <a16:creationId xmlns:a16="http://schemas.microsoft.com/office/drawing/2014/main" id="{BC1F6E87-EDFD-47A7-AFEA-9697696D7632}"/>
+              </a:ext>
+            </a:extLst>
+          </p:cNvPr>
+          <p:cNvSpPr txBox="1"/>
+          <p:nvPr/>
+        </p:nvSpPr>
+        <p:spPr>
+          <a:xfrm>
+            <a:off x="1916254" y="328613"/>
+            <a:ext cx="7572375" cy="461665"/>
+          </a:xfrm>
+          <a:prstGeom prst="rect">
+            <a:avLst/>
+          </a:prstGeom>
+          <a:noFill/>
+        </p:spPr>
+        <p:txBody>
+          <a:bodyPr wrap="square" rtlCol="0">
+            <a:spAutoFit/>
+          </a:bodyPr>
+          <a:lstStyle/>
+          <a:p>
+            <a:r>
+              <a:rPr lang="en-US" altLang="ko-KR" sz="2400" dirty="0" err="1" smtClean="0"/>
+              <a:t>matplotlib</a:t>
+            </a:r>
+            <a:r>
+              <a:rPr lang="en-US" altLang="ko-KR" sz="2400" dirty="0" smtClean="0"/>
+              <a:t> </a:t>
+            </a:r>
+            <a:r>
+              <a:rPr lang="ko-KR" altLang="en-US" sz="2400" dirty="0" smtClean="0"/>
+              <a:t>한글 깨짐</a:t>
+            </a:r>
+            <a:endParaRPr lang="ko-KR" altLang="en-US" sz="2400" dirty="0"/>
+          </a:p>
+        </p:txBody>
+      </p:sp>
+      <p:sp>
+        <p:nvSpPr>
+          <p:cNvPr id="5" name="TextBox 4">
+            <a:extLst>
+              <a:ext uri="{FF2B5EF4-FFF2-40B4-BE49-F238E27FC236}">
+                <a16:creationId xmlns:a16="http://schemas.microsoft.com/office/drawing/2014/main" id="{56458959-87C9-4C9C-8C23-37B508CE8A9E}"/>
+              </a:ext>
+            </a:extLst>
+          </p:cNvPr>
+          <p:cNvSpPr txBox="1"/>
+          <p:nvPr/>
+        </p:nvSpPr>
+        <p:spPr>
+          <a:xfrm>
+            <a:off x="1366263" y="1021049"/>
+            <a:ext cx="8947009" cy="1569660"/>
+          </a:xfrm>
+          <a:prstGeom prst="rect">
+            <a:avLst/>
+          </a:prstGeom>
+          <a:noFill/>
+        </p:spPr>
+        <p:txBody>
+          <a:bodyPr wrap="square" rtlCol="0">
+            <a:spAutoFit/>
+          </a:bodyPr>
+          <a:lstStyle/>
+          <a:p>
+            <a:r>
+              <a:rPr lang="ko-KR" altLang="en-US" sz="2400" dirty="0" smtClean="0"/>
+              <a:t>해결방법 </a:t>
+            </a:r>
+            <a:r>
+              <a:rPr lang="en-US" altLang="ko-KR" sz="2400" dirty="0" smtClean="0"/>
+              <a:t>: </a:t>
+            </a:r>
+            <a:r>
+              <a:rPr lang="ko-KR" altLang="en-US" sz="2400" dirty="0" err="1" smtClean="0"/>
+              <a:t>구글링하여</a:t>
+            </a:r>
+            <a:r>
+              <a:rPr lang="ko-KR" altLang="en-US" sz="2400" dirty="0" smtClean="0"/>
+              <a:t> 해결함 </a:t>
+            </a:r>
+            <a:endParaRPr lang="en-US" altLang="ko-KR" sz="2400" dirty="0" smtClean="0"/>
+          </a:p>
+          <a:p>
+            <a:r>
+              <a:rPr lang="en-US" altLang="ko-KR" sz="2400" dirty="0">
+                <a:hlinkClick r:id="rId2"/>
+              </a:rPr>
+              <a:t>https://www.whatwant.com/entry/matplotlib-hangul-colab-local</a:t>
+            </a:r>
+            <a:endParaRPr lang="ko-KR" altLang="en-US" sz="2400" dirty="0"/>
+          </a:p>
+          <a:p>
+            <a:endParaRPr lang="ko-KR" altLang="en-US" sz="2400" dirty="0"/>
+          </a:p>
+        </p:txBody>
+      </p:sp>
+    </p:spTree>
+    <p:extLst>
+      <p:ext uri="{BB962C8B-B14F-4D97-AF65-F5344CB8AC3E}">
+        <p14:creationId xmlns:p14="http://schemas.microsoft.com/office/powerpoint/2010/main" val="4228372963"/>
+      </p:ext>
+    </p:extLst>
+  </p:cSld>
+  <p:clrMapOvr>
+    <a:masterClrMapping/>
+  </p:clrMapOvr>
+</p:sld>
+</file>
+
+<file path=ppt/slides/slide26.xml><?xml version="1.0" encoding="utf-8"?>
+<p:sld xmlns:a="http://schemas.openxmlformats.org/drawingml/2006/main" xmlns:r="http://schemas.openxmlformats.org/officeDocument/2006/relationships" xmlns:p="http://schemas.openxmlformats.org/presentationml/2006/main">
+  <p:cSld>
+    <p:spTree>
+      <p:nvGrpSpPr>
+        <p:cNvPr id="1" name=""/>
+        <p:cNvGrpSpPr/>
+        <p:nvPr/>
+      </p:nvGrpSpPr>
+      <p:grpSpPr>
+        <a:xfrm>
+          <a:off x="0" y="0"/>
+          <a:ext cx="0" cy="0"/>
+          <a:chOff x="0" y="0"/>
+          <a:chExt cx="0" cy="0"/>
+        </a:xfrm>
+      </p:grpSpPr>
+      <p:sp>
+        <p:nvSpPr>
+          <p:cNvPr id="2" name="TextBox 1">
+            <a:extLst>
+              <a:ext uri="{FF2B5EF4-FFF2-40B4-BE49-F238E27FC236}">
+                <a16:creationId xmlns:a16="http://schemas.microsoft.com/office/drawing/2014/main" id="{270137EC-62AB-4201-995D-9F199EDD573A}"/>
+              </a:ext>
+            </a:extLst>
+          </p:cNvPr>
+          <p:cNvSpPr txBox="1"/>
+          <p:nvPr/>
+        </p:nvSpPr>
+        <p:spPr>
+          <a:xfrm>
+            <a:off x="457200" y="328613"/>
+            <a:ext cx="2106667" cy="523220"/>
+          </a:xfrm>
+          <a:prstGeom prst="rect">
+            <a:avLst/>
+          </a:prstGeom>
+          <a:noFill/>
+        </p:spPr>
+        <p:txBody>
+          <a:bodyPr wrap="none" rtlCol="0">
+            <a:spAutoFit/>
+          </a:bodyPr>
+          <a:lstStyle/>
+          <a:p>
+            <a:r>
+              <a:rPr lang="ko-KR" altLang="en-US" sz="2800" dirty="0" smtClean="0">
+                <a:latin typeface="+mj-ea"/>
+                <a:ea typeface="+mj-ea"/>
+              </a:rPr>
+              <a:t>이상치 확인</a:t>
+            </a:r>
+            <a:endParaRPr lang="ko-KR" altLang="en-US" sz="2800" dirty="0">
+              <a:latin typeface="+mj-ea"/>
+              <a:ea typeface="+mj-ea"/>
+            </a:endParaRPr>
+          </a:p>
+        </p:txBody>
+      </p:sp>
+      <p:sp>
+        <p:nvSpPr>
+          <p:cNvPr id="3" name="TextBox 2">
+            <a:extLst>
+              <a:ext uri="{FF2B5EF4-FFF2-40B4-BE49-F238E27FC236}">
+                <a16:creationId xmlns:a16="http://schemas.microsoft.com/office/drawing/2014/main" id="{BC1F6E87-EDFD-47A7-AFEA-9697696D7632}"/>
+              </a:ext>
+            </a:extLst>
+          </p:cNvPr>
+          <p:cNvSpPr txBox="1"/>
+          <p:nvPr/>
+        </p:nvSpPr>
+        <p:spPr>
+          <a:xfrm>
+            <a:off x="2563867" y="328613"/>
+            <a:ext cx="7572375" cy="461665"/>
+          </a:xfrm>
+          <a:prstGeom prst="rect">
+            <a:avLst/>
+          </a:prstGeom>
+          <a:noFill/>
+        </p:spPr>
+        <p:txBody>
+          <a:bodyPr wrap="square" rtlCol="0">
+            <a:spAutoFit/>
+          </a:bodyPr>
+          <a:lstStyle/>
+          <a:p>
+            <a:r>
+              <a:rPr lang="ko-KR" altLang="en-US" sz="2400" dirty="0" smtClean="0"/>
+              <a:t>상자그림으로 확인 </a:t>
+            </a:r>
+            <a:r>
+              <a:rPr lang="en-US" altLang="ko-KR" sz="2400" dirty="0" smtClean="0"/>
+              <a:t>- </a:t>
+            </a:r>
+            <a:r>
+              <a:rPr lang="ko-KR" altLang="en-US" sz="2400" dirty="0" smtClean="0"/>
+              <a:t>너무 많은 </a:t>
+            </a:r>
+            <a:r>
+              <a:rPr lang="ko-KR" altLang="en-US" sz="2400" dirty="0" err="1" smtClean="0"/>
+              <a:t>이상치가</a:t>
+            </a:r>
+            <a:r>
+              <a:rPr lang="ko-KR" altLang="en-US" sz="2400" dirty="0" smtClean="0"/>
+              <a:t> 있다</a:t>
+            </a:r>
+            <a:r>
+              <a:rPr lang="en-US" altLang="ko-KR" sz="2400" dirty="0" smtClean="0"/>
+              <a:t>..</a:t>
+            </a:r>
+            <a:endParaRPr lang="ko-KR" altLang="en-US" sz="2400" dirty="0"/>
+          </a:p>
+        </p:txBody>
+      </p:sp>
+      <p:pic>
+        <p:nvPicPr>
+          <p:cNvPr id="6" name="그림 5"/>
+          <p:cNvPicPr>
+            <a:picLocks noChangeAspect="1"/>
+          </p:cNvPicPr>
+          <p:nvPr/>
+        </p:nvPicPr>
+        <p:blipFill>
+          <a:blip r:embed="rId2">
+            <a:extLst>
+              <a:ext uri="{28A0092B-C50C-407E-A947-70E740481C1C}">
+                <a14:useLocalDpi xmlns:a14="http://schemas.microsoft.com/office/drawing/2010/main" val="0"/>
+              </a:ext>
+            </a:extLst>
+          </a:blip>
+          <a:stretch>
+            <a:fillRect/>
+          </a:stretch>
+        </p:blipFill>
+        <p:spPr>
+          <a:xfrm>
+            <a:off x="1413470" y="790278"/>
+            <a:ext cx="9314260" cy="5905500"/>
+          </a:xfrm>
+          <a:prstGeom prst="rect">
+            <a:avLst/>
+          </a:prstGeom>
+        </p:spPr>
+      </p:pic>
+    </p:spTree>
+    <p:extLst>
+      <p:ext uri="{BB962C8B-B14F-4D97-AF65-F5344CB8AC3E}">
+        <p14:creationId xmlns:p14="http://schemas.microsoft.com/office/powerpoint/2010/main" val="3152432578"/>
+      </p:ext>
+    </p:extLst>
+  </p:cSld>
+  <p:clrMapOvr>
+    <a:masterClrMapping/>
+  </p:clrMapOvr>
+</p:sld>
+</file>
+
+<file path=ppt/slides/slide27.xml><?xml version="1.0" encoding="utf-8"?>
+<p:sld xmlns:a="http://schemas.openxmlformats.org/drawingml/2006/main" xmlns:r="http://schemas.openxmlformats.org/officeDocument/2006/relationships" xmlns:p="http://schemas.openxmlformats.org/presentationml/2006/main">
+  <p:cSld>
+    <p:spTree>
+      <p:nvGrpSpPr>
+        <p:cNvPr id="1" name=""/>
+        <p:cNvGrpSpPr/>
+        <p:nvPr/>
+      </p:nvGrpSpPr>
+      <p:grpSpPr>
+        <a:xfrm>
+          <a:off x="0" y="0"/>
+          <a:ext cx="0" cy="0"/>
+          <a:chOff x="0" y="0"/>
+          <a:chExt cx="0" cy="0"/>
+        </a:xfrm>
+      </p:grpSpPr>
+      <p:sp>
+        <p:nvSpPr>
+          <p:cNvPr id="2" name="TextBox 1">
+            <a:extLst>
+              <a:ext uri="{FF2B5EF4-FFF2-40B4-BE49-F238E27FC236}">
+                <a16:creationId xmlns:a16="http://schemas.microsoft.com/office/drawing/2014/main" id="{270137EC-62AB-4201-995D-9F199EDD573A}"/>
+              </a:ext>
+            </a:extLst>
+          </p:cNvPr>
+          <p:cNvSpPr txBox="1"/>
+          <p:nvPr/>
+        </p:nvSpPr>
+        <p:spPr>
+          <a:xfrm>
+            <a:off x="457200" y="328613"/>
+            <a:ext cx="2106667" cy="523220"/>
+          </a:xfrm>
+          <a:prstGeom prst="rect">
+            <a:avLst/>
+          </a:prstGeom>
+          <a:noFill/>
+        </p:spPr>
+        <p:txBody>
+          <a:bodyPr wrap="none" rtlCol="0">
+            <a:spAutoFit/>
+          </a:bodyPr>
+          <a:lstStyle/>
+          <a:p>
+            <a:r>
+              <a:rPr lang="ko-KR" altLang="en-US" sz="2800" dirty="0" smtClean="0">
+                <a:latin typeface="+mj-ea"/>
+                <a:ea typeface="+mj-ea"/>
+              </a:rPr>
+              <a:t>이상치 확인</a:t>
+            </a:r>
+            <a:endParaRPr lang="ko-KR" altLang="en-US" sz="2800" dirty="0">
+              <a:latin typeface="+mj-ea"/>
+              <a:ea typeface="+mj-ea"/>
+            </a:endParaRPr>
+          </a:p>
+        </p:txBody>
+      </p:sp>
+      <p:sp>
+        <p:nvSpPr>
+          <p:cNvPr id="3" name="TextBox 2">
+            <a:extLst>
+              <a:ext uri="{FF2B5EF4-FFF2-40B4-BE49-F238E27FC236}">
+                <a16:creationId xmlns:a16="http://schemas.microsoft.com/office/drawing/2014/main" id="{BC1F6E87-EDFD-47A7-AFEA-9697696D7632}"/>
+              </a:ext>
+            </a:extLst>
+          </p:cNvPr>
+          <p:cNvSpPr txBox="1"/>
+          <p:nvPr/>
+        </p:nvSpPr>
+        <p:spPr>
+          <a:xfrm>
+            <a:off x="2563867" y="328613"/>
+            <a:ext cx="7572375" cy="461665"/>
+          </a:xfrm>
+          <a:prstGeom prst="rect">
+            <a:avLst/>
+          </a:prstGeom>
+          <a:noFill/>
+        </p:spPr>
+        <p:txBody>
+          <a:bodyPr wrap="square" rtlCol="0">
+            <a:spAutoFit/>
+          </a:bodyPr>
+          <a:lstStyle/>
+          <a:p>
+            <a:r>
+              <a:rPr lang="ko-KR" altLang="en-US" sz="2400" dirty="0" err="1" smtClean="0"/>
+              <a:t>자료수</a:t>
+            </a:r>
+            <a:r>
+              <a:rPr lang="en-US" altLang="ko-KR" sz="2400" dirty="0" smtClean="0"/>
+              <a:t>(</a:t>
+            </a:r>
+            <a:r>
+              <a:rPr lang="ko-KR" altLang="en-US" sz="2400" dirty="0" err="1" smtClean="0"/>
+              <a:t>도서수</a:t>
+            </a:r>
+            <a:r>
+              <a:rPr lang="en-US" altLang="ko-KR" sz="2400" dirty="0" smtClean="0"/>
+              <a:t>)</a:t>
+            </a:r>
+            <a:endParaRPr lang="ko-KR" altLang="en-US" sz="2400" dirty="0"/>
+          </a:p>
+        </p:txBody>
+      </p:sp>
+      <p:pic>
+        <p:nvPicPr>
+          <p:cNvPr id="5" name="그림 4"/>
+          <p:cNvPicPr>
+            <a:picLocks noChangeAspect="1"/>
+          </p:cNvPicPr>
+          <p:nvPr/>
+        </p:nvPicPr>
+        <p:blipFill>
+          <a:blip r:embed="rId2"/>
+          <a:stretch>
+            <a:fillRect/>
+          </a:stretch>
+        </p:blipFill>
+        <p:spPr>
+          <a:xfrm>
+            <a:off x="1071562" y="3498589"/>
+            <a:ext cx="9812810" cy="2178050"/>
+          </a:xfrm>
+          <a:prstGeom prst="rect">
+            <a:avLst/>
+          </a:prstGeom>
+        </p:spPr>
+      </p:pic>
+      <p:sp>
+        <p:nvSpPr>
+          <p:cNvPr id="6" name="TextBox 5">
+            <a:extLst>
+              <a:ext uri="{FF2B5EF4-FFF2-40B4-BE49-F238E27FC236}">
+                <a16:creationId xmlns:a16="http://schemas.microsoft.com/office/drawing/2014/main" id="{56458959-87C9-4C9C-8C23-37B508CE8A9E}"/>
+              </a:ext>
+            </a:extLst>
+          </p:cNvPr>
+          <p:cNvSpPr txBox="1"/>
+          <p:nvPr/>
+        </p:nvSpPr>
+        <p:spPr>
+          <a:xfrm>
+            <a:off x="1366263" y="1021049"/>
+            <a:ext cx="8947009" cy="2308324"/>
+          </a:xfrm>
+          <a:prstGeom prst="rect">
+            <a:avLst/>
+          </a:prstGeom>
+          <a:noFill/>
+        </p:spPr>
+        <p:txBody>
+          <a:bodyPr wrap="square" rtlCol="0">
+            <a:spAutoFit/>
+          </a:bodyPr>
+          <a:lstStyle/>
+          <a:p>
+            <a:r>
+              <a:rPr lang="ko-KR" altLang="en-US" sz="2400" dirty="0" err="1" smtClean="0"/>
+              <a:t>자료수</a:t>
+            </a:r>
+            <a:r>
+              <a:rPr lang="en-US" altLang="ko-KR" sz="2400" dirty="0" smtClean="0"/>
+              <a:t>(</a:t>
+            </a:r>
+            <a:r>
+              <a:rPr lang="ko-KR" altLang="en-US" sz="2400" dirty="0" err="1" smtClean="0"/>
+              <a:t>도서수</a:t>
+            </a:r>
+            <a:r>
+              <a:rPr lang="en-US" altLang="ko-KR" sz="2400" dirty="0" smtClean="0"/>
+              <a:t>) &lt; 100 </a:t>
+            </a:r>
+            <a:r>
+              <a:rPr lang="ko-KR" altLang="en-US" sz="2400" dirty="0" smtClean="0"/>
+              <a:t>을 찾아 엑셀로 다운로드 받아서 확인하였더니</a:t>
+            </a:r>
+            <a:r>
+              <a:rPr lang="en-US" altLang="ko-KR" sz="2400" dirty="0" smtClean="0"/>
+              <a:t>…</a:t>
+            </a:r>
+          </a:p>
+          <a:p>
+            <a:endParaRPr lang="en-US" altLang="ko-KR" sz="2400" dirty="0" smtClean="0"/>
+          </a:p>
+          <a:p>
+            <a:r>
+              <a:rPr lang="ko-KR" altLang="en-US" sz="2400" dirty="0" err="1" smtClean="0"/>
+              <a:t>학습실과</a:t>
+            </a:r>
+            <a:r>
+              <a:rPr lang="ko-KR" altLang="en-US" sz="2400" dirty="0" smtClean="0"/>
+              <a:t> 디지털 도서관</a:t>
+            </a:r>
+            <a:r>
+              <a:rPr lang="en-US" altLang="ko-KR" sz="2400" dirty="0" smtClean="0"/>
+              <a:t>(</a:t>
+            </a:r>
+            <a:r>
+              <a:rPr lang="ko-KR" altLang="en-US" sz="2400" dirty="0" smtClean="0"/>
+              <a:t>자료실</a:t>
+            </a:r>
+            <a:r>
+              <a:rPr lang="en-US" altLang="ko-KR" sz="2400" dirty="0" smtClean="0"/>
+              <a:t>)</a:t>
+            </a:r>
+            <a:r>
+              <a:rPr lang="ko-KR" altLang="en-US" sz="2400" dirty="0" smtClean="0"/>
+              <a:t>의 경우 </a:t>
+            </a:r>
+            <a:r>
+              <a:rPr lang="ko-KR" altLang="en-US" sz="2400" dirty="0" err="1" smtClean="0"/>
+              <a:t>자료수가</a:t>
+            </a:r>
+            <a:r>
+              <a:rPr lang="ko-KR" altLang="en-US" sz="2400" dirty="0" smtClean="0"/>
+              <a:t> 나오지 않는다</a:t>
+            </a:r>
+            <a:endParaRPr lang="en-US" altLang="ko-KR" sz="2400" dirty="0" smtClean="0"/>
+          </a:p>
+          <a:p>
+            <a:r>
+              <a:rPr lang="en-US" altLang="ko-KR" sz="2400" dirty="0" smtClean="0"/>
+              <a:t>-&gt; </a:t>
+            </a:r>
+            <a:r>
+              <a:rPr lang="ko-KR" altLang="en-US" sz="2400" dirty="0" smtClean="0"/>
+              <a:t>도서관 </a:t>
+            </a:r>
+            <a:r>
+              <a:rPr lang="ko-KR" altLang="en-US" sz="2400" dirty="0"/>
+              <a:t>유형별로 </a:t>
+            </a:r>
+            <a:r>
+              <a:rPr lang="ko-KR" altLang="en-US" sz="2400" dirty="0" smtClean="0"/>
+              <a:t>확인할 필요가 있음</a:t>
+            </a:r>
+            <a:endParaRPr lang="en-US" altLang="ko-KR" sz="2400" dirty="0" smtClean="0"/>
+          </a:p>
+          <a:p>
+            <a:r>
+              <a:rPr lang="en-US" altLang="ko-KR" sz="2400" dirty="0" smtClean="0"/>
+              <a:t>-&gt; </a:t>
+            </a:r>
+            <a:r>
+              <a:rPr lang="ko-KR" altLang="en-US" sz="2400" dirty="0" smtClean="0"/>
+              <a:t>도서관 유형에 따라서 다르게 분포되어 있을 수 있음</a:t>
+            </a:r>
+            <a:endParaRPr lang="en-US" altLang="ko-KR" sz="2400" dirty="0"/>
+          </a:p>
+        </p:txBody>
+      </p:sp>
+    </p:spTree>
+    <p:extLst>
+      <p:ext uri="{BB962C8B-B14F-4D97-AF65-F5344CB8AC3E}">
+        <p14:creationId xmlns:p14="http://schemas.microsoft.com/office/powerpoint/2010/main" val="24496194"/>
+      </p:ext>
+    </p:extLst>
+  </p:cSld>
+  <p:clrMapOvr>
+    <a:masterClrMapping/>
+  </p:clrMapOvr>
+</p:sld>
+</file>
+
+<file path=ppt/slides/slide28.xml><?xml version="1.0" encoding="utf-8"?>
 <p:sld xmlns:a="http://schemas.openxmlformats.org/drawingml/2006/main" xmlns:r="http://schemas.openxmlformats.org/officeDocument/2006/relationships" xmlns:p="http://schemas.openxmlformats.org/presentationml/2006/main">
   <p:cSld>
     <p:spTree>

--- a/230810.pptx
+++ b/230810.pptx
@@ -30,9 +30,12 @@
     <p:sldId id="277" r:id="rId24"/>
     <p:sldId id="285" r:id="rId25"/>
     <p:sldId id="282" r:id="rId26"/>
-    <p:sldId id="283" r:id="rId27"/>
-    <p:sldId id="284" r:id="rId28"/>
-    <p:sldId id="271" r:id="rId29"/>
+    <p:sldId id="287" r:id="rId27"/>
+    <p:sldId id="283" r:id="rId28"/>
+    <p:sldId id="284" r:id="rId29"/>
+    <p:sldId id="288" r:id="rId30"/>
+    <p:sldId id="289" r:id="rId31"/>
+    <p:sldId id="271" r:id="rId32"/>
   </p:sldIdLst>
   <p:sldSz cx="12192000" cy="6858000"/>
   <p:notesSz cx="6858000" cy="9144000"/>
@@ -3543,10 +3546,6 @@
               <a:rPr lang="ko-KR" altLang="en-US" sz="2400" dirty="0"/>
               <a:t>지도 시각화 라이브러리</a:t>
             </a:r>
-            <a:r>
-              <a:rPr lang="en-US" altLang="ko-KR" sz="2400" dirty="0"/>
-              <a:t/>
-            </a:r>
             <a:br>
               <a:rPr lang="en-US" altLang="ko-KR" sz="2400" dirty="0"/>
             </a:br>
@@ -3738,14 +3737,13 @@
           <a:lstStyle/>
           <a:p>
             <a:r>
-              <a:rPr lang="ko-KR" altLang="en-US" sz="3200" dirty="0" err="1" smtClean="0"/>
+              <a:rPr lang="ko-KR" altLang="en-US" sz="3200" dirty="0" err="1"/>
               <a:t>결측치</a:t>
             </a:r>
             <a:r>
-              <a:rPr lang="ko-KR" altLang="en-US" sz="3200" dirty="0" smtClean="0"/>
+              <a:rPr lang="ko-KR" altLang="en-US" sz="3200" dirty="0"/>
               <a:t> 처리</a:t>
             </a:r>
-            <a:endParaRPr lang="ko-KR" altLang="en-US" sz="3200" dirty="0"/>
           </a:p>
         </p:txBody>
       </p:sp>
@@ -6768,18 +6766,17 @@
           <a:lstStyle/>
           <a:p>
             <a:r>
-              <a:rPr lang="ko-KR" altLang="en-US" sz="3200" dirty="0" smtClean="0"/>
+              <a:rPr lang="ko-KR" altLang="en-US" sz="3200" dirty="0"/>
               <a:t>이상치 확인 </a:t>
             </a:r>
             <a:r>
-              <a:rPr lang="en-US" altLang="ko-KR" sz="3200" dirty="0" smtClean="0"/>
+              <a:rPr lang="en-US" altLang="ko-KR" sz="3200" dirty="0"/>
               <a:t>/</a:t>
             </a:r>
             <a:r>
-              <a:rPr lang="ko-KR" altLang="en-US" sz="3200" dirty="0" smtClean="0"/>
+              <a:rPr lang="ko-KR" altLang="en-US" sz="3200" dirty="0"/>
               <a:t> 처리</a:t>
             </a:r>
-            <a:endParaRPr lang="ko-KR" altLang="en-US" sz="3200" dirty="0"/>
           </a:p>
         </p:txBody>
       </p:sp>
@@ -6842,14 +6839,14 @@
           <a:lstStyle/>
           <a:p>
             <a:r>
-              <a:rPr lang="ko-KR" altLang="en-US" sz="2800" dirty="0" smtClean="0">
+              <a:rPr lang="ko-KR" altLang="en-US" sz="2800" dirty="0">
                 <a:latin typeface="+mj-ea"/>
                 <a:ea typeface="+mj-ea"/>
               </a:rPr>
               <a:t>문제점</a:t>
             </a:r>
             <a:r>
-              <a:rPr lang="en-US" altLang="ko-KR" sz="2800" dirty="0" smtClean="0">
+              <a:rPr lang="en-US" altLang="ko-KR" sz="2800" dirty="0">
                 <a:latin typeface="+mj-ea"/>
                 <a:ea typeface="+mj-ea"/>
               </a:rPr>
@@ -6891,18 +6888,17 @@
           <a:lstStyle/>
           <a:p>
             <a:r>
-              <a:rPr lang="en-US" altLang="ko-KR" sz="2400" dirty="0" err="1" smtClean="0"/>
+              <a:rPr lang="en-US" altLang="ko-KR" sz="2400" dirty="0" err="1"/>
               <a:t>matplotlib</a:t>
             </a:r>
             <a:r>
-              <a:rPr lang="en-US" altLang="ko-KR" sz="2400" dirty="0" smtClean="0"/>
+              <a:rPr lang="en-US" altLang="ko-KR" sz="2400" dirty="0"/>
               <a:t> </a:t>
             </a:r>
             <a:r>
-              <a:rPr lang="ko-KR" altLang="en-US" sz="2400" dirty="0" smtClean="0"/>
+              <a:rPr lang="ko-KR" altLang="en-US" sz="2400" dirty="0"/>
               <a:t>한글 깨짐</a:t>
             </a:r>
-            <a:endParaRPr lang="ko-KR" altLang="en-US" sz="2400" dirty="0"/>
           </a:p>
         </p:txBody>
       </p:sp>
@@ -6935,22 +6931,22 @@
           <a:lstStyle/>
           <a:p>
             <a:r>
-              <a:rPr lang="ko-KR" altLang="en-US" sz="2400" dirty="0" smtClean="0"/>
+              <a:rPr lang="ko-KR" altLang="en-US" sz="2400" dirty="0"/>
               <a:t>해결방법 </a:t>
             </a:r>
             <a:r>
-              <a:rPr lang="en-US" altLang="ko-KR" sz="2400" dirty="0" smtClean="0"/>
+              <a:rPr lang="en-US" altLang="ko-KR" sz="2400" dirty="0"/>
               <a:t>: </a:t>
             </a:r>
             <a:r>
-              <a:rPr lang="ko-KR" altLang="en-US" sz="2400" dirty="0" err="1" smtClean="0"/>
+              <a:rPr lang="ko-KR" altLang="en-US" sz="2400" dirty="0" err="1"/>
               <a:t>구글링하여</a:t>
             </a:r>
             <a:r>
-              <a:rPr lang="ko-KR" altLang="en-US" sz="2400" dirty="0" smtClean="0"/>
+              <a:rPr lang="ko-KR" altLang="en-US" sz="2400" dirty="0"/>
               <a:t> 해결함 </a:t>
             </a:r>
-            <a:endParaRPr lang="en-US" altLang="ko-KR" sz="2400" dirty="0" smtClean="0"/>
+            <a:endParaRPr lang="en-US" altLang="ko-KR" sz="2400" dirty="0"/>
           </a:p>
           <a:p>
             <a:r>
@@ -7011,7 +7007,7 @@
         <p:spPr>
           <a:xfrm>
             <a:off x="457200" y="328613"/>
-            <a:ext cx="2106667" cy="523220"/>
+            <a:ext cx="2465740" cy="523220"/>
           </a:xfrm>
           <a:prstGeom prst="rect">
             <a:avLst/>
@@ -7025,99 +7021,39 @@
           <a:lstStyle/>
           <a:p>
             <a:r>
-              <a:rPr lang="ko-KR" altLang="en-US" sz="2800" dirty="0" smtClean="0">
+              <a:rPr lang="ko-KR" altLang="en-US" sz="2800" dirty="0">
                 <a:latin typeface="+mj-ea"/>
                 <a:ea typeface="+mj-ea"/>
               </a:rPr>
-              <a:t>이상치 확인</a:t>
-            </a:r>
-            <a:endParaRPr lang="ko-KR" altLang="en-US" sz="2800" dirty="0">
-              <a:latin typeface="+mj-ea"/>
-              <a:ea typeface="+mj-ea"/>
-            </a:endParaRPr>
-          </a:p>
-        </p:txBody>
-      </p:sp>
-      <p:sp>
-        <p:nvSpPr>
-          <p:cNvPr id="3" name="TextBox 2">
-            <a:extLst>
-              <a:ext uri="{FF2B5EF4-FFF2-40B4-BE49-F238E27FC236}">
-                <a16:creationId xmlns:a16="http://schemas.microsoft.com/office/drawing/2014/main" id="{BC1F6E87-EDFD-47A7-AFEA-9697696D7632}"/>
-              </a:ext>
-            </a:extLst>
-          </p:cNvPr>
-          <p:cNvSpPr txBox="1"/>
-          <p:nvPr/>
-        </p:nvSpPr>
-        <p:spPr>
-          <a:xfrm>
-            <a:off x="2563867" y="328613"/>
-            <a:ext cx="7572375" cy="461665"/>
-          </a:xfrm>
-          <a:prstGeom prst="rect">
-            <a:avLst/>
-          </a:prstGeom>
-          <a:noFill/>
-        </p:spPr>
-        <p:txBody>
-          <a:bodyPr wrap="square" rtlCol="0">
-            <a:spAutoFit/>
-          </a:bodyPr>
-          <a:lstStyle/>
-          <a:p>
-            <a:r>
-              <a:rPr lang="ko-KR" altLang="en-US" sz="2400" dirty="0" smtClean="0"/>
-              <a:t>상자그림으로 확인 </a:t>
-            </a:r>
-            <a:r>
-              <a:rPr lang="en-US" altLang="ko-KR" sz="2400" dirty="0" smtClean="0"/>
-              <a:t>- </a:t>
-            </a:r>
-            <a:r>
-              <a:rPr lang="ko-KR" altLang="en-US" sz="2400" dirty="0" smtClean="0"/>
-              <a:t>너무 많은 </a:t>
-            </a:r>
-            <a:r>
-              <a:rPr lang="ko-KR" altLang="en-US" sz="2400" dirty="0" err="1" smtClean="0"/>
-              <a:t>이상치가</a:t>
-            </a:r>
-            <a:r>
-              <a:rPr lang="ko-KR" altLang="en-US" sz="2400" dirty="0" smtClean="0"/>
-              <a:t> 있다</a:t>
-            </a:r>
-            <a:r>
-              <a:rPr lang="en-US" altLang="ko-KR" sz="2400" dirty="0" smtClean="0"/>
-              <a:t>..</a:t>
-            </a:r>
-            <a:endParaRPr lang="ko-KR" altLang="en-US" sz="2400" dirty="0"/>
+              <a:t>통계수치 확인</a:t>
+            </a:r>
           </a:p>
         </p:txBody>
       </p:sp>
       <p:pic>
         <p:nvPicPr>
-          <p:cNvPr id="6" name="그림 5"/>
+          <p:cNvPr id="6" name="그림 5">
+            <a:extLst>
+              <a:ext uri="{FF2B5EF4-FFF2-40B4-BE49-F238E27FC236}">
+                <a16:creationId xmlns:a16="http://schemas.microsoft.com/office/drawing/2014/main" id="{E86B65CF-1FF1-7634-7A65-A573C8E3EAD7}"/>
+              </a:ext>
+            </a:extLst>
+          </p:cNvPr>
           <p:cNvPicPr>
             <a:picLocks noChangeAspect="1"/>
           </p:cNvPicPr>
           <p:nvPr/>
         </p:nvPicPr>
         <p:blipFill>
-          <a:blip r:embed="rId2">
-            <a:extLst>
-              <a:ext uri="{28A0092B-C50C-407E-A947-70E740481C1C}">
-                <a14:useLocalDpi xmlns:a14="http://schemas.microsoft.com/office/drawing/2010/main" val="0"/>
-              </a:ext>
-            </a:extLst>
-          </a:blip>
+          <a:blip r:embed="rId2"/>
           <a:stretch>
             <a:fillRect/>
           </a:stretch>
         </p:blipFill>
         <p:spPr>
           <a:xfrm>
-            <a:off x="1413470" y="790278"/>
-            <a:ext cx="9314260" cy="5905500"/>
+            <a:off x="257380" y="1165414"/>
+            <a:ext cx="11677239" cy="4698432"/>
           </a:xfrm>
           <a:prstGeom prst="rect">
             <a:avLst/>
@@ -7127,7 +7063,7 @@
     </p:spTree>
     <p:extLst>
       <p:ext uri="{BB962C8B-B14F-4D97-AF65-F5344CB8AC3E}">
-        <p14:creationId xmlns:p14="http://schemas.microsoft.com/office/powerpoint/2010/main" val="3152432578"/>
+        <p14:creationId xmlns:p14="http://schemas.microsoft.com/office/powerpoint/2010/main" val="2929779312"/>
       </p:ext>
     </p:extLst>
   </p:cSld>
@@ -7183,16 +7119,12 @@
           <a:lstStyle/>
           <a:p>
             <a:r>
-              <a:rPr lang="ko-KR" altLang="en-US" sz="2800" dirty="0" smtClean="0">
+              <a:rPr lang="ko-KR" altLang="en-US" sz="2800" dirty="0">
                 <a:latin typeface="+mj-ea"/>
                 <a:ea typeface="+mj-ea"/>
               </a:rPr>
               <a:t>이상치 확인</a:t>
             </a:r>
-            <a:endParaRPr lang="ko-KR" altLang="en-US" sz="2800" dirty="0">
-              <a:latin typeface="+mj-ea"/>
-              <a:ea typeface="+mj-ea"/>
-            </a:endParaRPr>
           </a:p>
         </p:txBody>
       </p:sp>
@@ -7225,20 +7157,28 @@
           <a:lstStyle/>
           <a:p>
             <a:r>
-              <a:rPr lang="ko-KR" altLang="en-US" sz="2400" dirty="0" err="1" smtClean="0"/>
-              <a:t>자료수</a:t>
-            </a:r>
-            <a:r>
-              <a:rPr lang="en-US" altLang="ko-KR" sz="2400" dirty="0" smtClean="0"/>
-              <a:t>(</a:t>
-            </a:r>
-            <a:r>
-              <a:rPr lang="ko-KR" altLang="en-US" sz="2400" dirty="0" err="1" smtClean="0"/>
-              <a:t>도서수</a:t>
-            </a:r>
-            <a:r>
-              <a:rPr lang="en-US" altLang="ko-KR" sz="2400" dirty="0" smtClean="0"/>
-              <a:t>)</a:t>
+              <a:rPr lang="ko-KR" altLang="en-US" sz="2400" dirty="0"/>
+              <a:t>상자그림으로 확인 </a:t>
+            </a:r>
+            <a:r>
+              <a:rPr lang="en-US" altLang="ko-KR" sz="2400" dirty="0"/>
+              <a:t>- </a:t>
+            </a:r>
+            <a:r>
+              <a:rPr lang="ko-KR" altLang="en-US" sz="2400" dirty="0"/>
+              <a:t>너무 많은 </a:t>
+            </a:r>
+            <a:r>
+              <a:rPr lang="ko-KR" altLang="en-US" sz="2400" dirty="0" err="1"/>
+              <a:t>이상치가</a:t>
+            </a:r>
+            <a:r>
+              <a:rPr lang="ko-KR" altLang="en-US" sz="2400" dirty="0"/>
+              <a:t> 있다</a:t>
+            </a:r>
+            <a:r>
+              <a:rPr lang="en-US" altLang="ko-KR" sz="2400" dirty="0"/>
+              <a:t>..</a:t>
             </a:r>
             <a:endParaRPr lang="ko-KR" altLang="en-US" sz="2400" dirty="0"/>
           </a:p>
@@ -7246,155 +7186,38 @@
       </p:sp>
       <p:pic>
         <p:nvPicPr>
-          <p:cNvPr id="5" name="그림 4"/>
+          <p:cNvPr id="6" name="그림 5"/>
           <p:cNvPicPr>
             <a:picLocks noChangeAspect="1"/>
           </p:cNvPicPr>
           <p:nvPr/>
         </p:nvPicPr>
         <p:blipFill>
-          <a:blip r:embed="rId2"/>
+          <a:blip r:embed="rId2">
+            <a:extLst>
+              <a:ext uri="{28A0092B-C50C-407E-A947-70E740481C1C}">
+                <a14:useLocalDpi xmlns:a14="http://schemas.microsoft.com/office/drawing/2010/main" val="0"/>
+              </a:ext>
+            </a:extLst>
+          </a:blip>
           <a:stretch>
             <a:fillRect/>
           </a:stretch>
         </p:blipFill>
         <p:spPr>
           <a:xfrm>
-            <a:off x="1071562" y="3498589"/>
-            <a:ext cx="9812810" cy="2178050"/>
+            <a:off x="1413470" y="790278"/>
+            <a:ext cx="9314260" cy="5905500"/>
           </a:xfrm>
           <a:prstGeom prst="rect">
             <a:avLst/>
           </a:prstGeom>
         </p:spPr>
       </p:pic>
-      <p:sp>
-        <p:nvSpPr>
-          <p:cNvPr id="6" name="TextBox 5">
-            <a:extLst>
-              <a:ext uri="{FF2B5EF4-FFF2-40B4-BE49-F238E27FC236}">
-                <a16:creationId xmlns:a16="http://schemas.microsoft.com/office/drawing/2014/main" id="{56458959-87C9-4C9C-8C23-37B508CE8A9E}"/>
-              </a:ext>
-            </a:extLst>
-          </p:cNvPr>
-          <p:cNvSpPr txBox="1"/>
-          <p:nvPr/>
-        </p:nvSpPr>
-        <p:spPr>
-          <a:xfrm>
-            <a:off x="1366263" y="1021049"/>
-            <a:ext cx="8947009" cy="2308324"/>
-          </a:xfrm>
-          <a:prstGeom prst="rect">
-            <a:avLst/>
-          </a:prstGeom>
-          <a:noFill/>
-        </p:spPr>
-        <p:txBody>
-          <a:bodyPr wrap="square" rtlCol="0">
-            <a:spAutoFit/>
-          </a:bodyPr>
-          <a:lstStyle/>
-          <a:p>
-            <a:r>
-              <a:rPr lang="ko-KR" altLang="en-US" sz="2400" dirty="0" err="1" smtClean="0"/>
-              <a:t>자료수</a:t>
-            </a:r>
-            <a:r>
-              <a:rPr lang="en-US" altLang="ko-KR" sz="2400" dirty="0" smtClean="0"/>
-              <a:t>(</a:t>
-            </a:r>
-            <a:r>
-              <a:rPr lang="ko-KR" altLang="en-US" sz="2400" dirty="0" err="1" smtClean="0"/>
-              <a:t>도서수</a:t>
-            </a:r>
-            <a:r>
-              <a:rPr lang="en-US" altLang="ko-KR" sz="2400" dirty="0" smtClean="0"/>
-              <a:t>) &lt; 100 </a:t>
-            </a:r>
-            <a:r>
-              <a:rPr lang="ko-KR" altLang="en-US" sz="2400" dirty="0" smtClean="0"/>
-              <a:t>을 찾아 엑셀로 다운로드 받아서 확인하였더니</a:t>
-            </a:r>
-            <a:r>
-              <a:rPr lang="en-US" altLang="ko-KR" sz="2400" dirty="0" smtClean="0"/>
-              <a:t>…</a:t>
-            </a:r>
-          </a:p>
-          <a:p>
-            <a:endParaRPr lang="en-US" altLang="ko-KR" sz="2400" dirty="0" smtClean="0"/>
-          </a:p>
-          <a:p>
-            <a:r>
-              <a:rPr lang="ko-KR" altLang="en-US" sz="2400" dirty="0" err="1" smtClean="0"/>
-              <a:t>학습실과</a:t>
-            </a:r>
-            <a:r>
-              <a:rPr lang="ko-KR" altLang="en-US" sz="2400" dirty="0" smtClean="0"/>
-              <a:t> 디지털 도서관</a:t>
-            </a:r>
-            <a:r>
-              <a:rPr lang="en-US" altLang="ko-KR" sz="2400" dirty="0" smtClean="0"/>
-              <a:t>(</a:t>
-            </a:r>
-            <a:r>
-              <a:rPr lang="ko-KR" altLang="en-US" sz="2400" dirty="0" smtClean="0"/>
-              <a:t>자료실</a:t>
-            </a:r>
-            <a:r>
-              <a:rPr lang="en-US" altLang="ko-KR" sz="2400" dirty="0" smtClean="0"/>
-              <a:t>)</a:t>
-            </a:r>
-            <a:r>
-              <a:rPr lang="ko-KR" altLang="en-US" sz="2400" dirty="0" smtClean="0"/>
-              <a:t>의 경우 </a:t>
-            </a:r>
-            <a:r>
-              <a:rPr lang="ko-KR" altLang="en-US" sz="2400" dirty="0" err="1" smtClean="0"/>
-              <a:t>자료수가</a:t>
-            </a:r>
-            <a:r>
-              <a:rPr lang="ko-KR" altLang="en-US" sz="2400" dirty="0" smtClean="0"/>
-              <a:t> 나오지 않는다</a:t>
-            </a:r>
-            <a:endParaRPr lang="en-US" altLang="ko-KR" sz="2400" dirty="0" smtClean="0"/>
-          </a:p>
-          <a:p>
-            <a:r>
-              <a:rPr lang="en-US" altLang="ko-KR" sz="2400" dirty="0" smtClean="0"/>
-              <a:t>-&gt; </a:t>
-            </a:r>
-            <a:r>
-              <a:rPr lang="ko-KR" altLang="en-US" sz="2400" dirty="0" smtClean="0"/>
-              <a:t>도서관 </a:t>
-            </a:r>
-            <a:r>
-              <a:rPr lang="ko-KR" altLang="en-US" sz="2400" dirty="0"/>
-              <a:t>유형별로 </a:t>
-            </a:r>
-            <a:r>
-              <a:rPr lang="ko-KR" altLang="en-US" sz="2400" dirty="0" smtClean="0"/>
-              <a:t>확인할 필요가 있음</a:t>
-            </a:r>
-            <a:endParaRPr lang="en-US" altLang="ko-KR" sz="2400" dirty="0" smtClean="0"/>
-          </a:p>
-          <a:p>
-            <a:r>
-              <a:rPr lang="en-US" altLang="ko-KR" sz="2400" dirty="0" smtClean="0"/>
-              <a:t>-&gt; </a:t>
-            </a:r>
-            <a:r>
-              <a:rPr lang="ko-KR" altLang="en-US" sz="2400" dirty="0" smtClean="0"/>
-              <a:t>도서관 유형에 따라서 다르게 분포되어 있을 수 있음</a:t>
-            </a:r>
-            <a:endParaRPr lang="en-US" altLang="ko-KR" sz="2400" dirty="0"/>
-          </a:p>
-        </p:txBody>
-      </p:sp>
     </p:spTree>
     <p:extLst>
       <p:ext uri="{BB962C8B-B14F-4D97-AF65-F5344CB8AC3E}">
-        <p14:creationId xmlns:p14="http://schemas.microsoft.com/office/powerpoint/2010/main" val="24496194"/>
+        <p14:creationId xmlns:p14="http://schemas.microsoft.com/office/powerpoint/2010/main" val="3152432578"/>
       </p:ext>
     </p:extLst>
   </p:cSld>
@@ -7454,17 +7277,17 @@
                 <a:latin typeface="+mj-ea"/>
                 <a:ea typeface="+mj-ea"/>
               </a:rPr>
-              <a:t>참고 사이트</a:t>
-            </a:r>
-          </a:p>
-        </p:txBody>
-      </p:sp>
-      <p:sp>
-        <p:nvSpPr>
-          <p:cNvPr id="6" name="TextBox 5">
-            <a:extLst>
-              <a:ext uri="{FF2B5EF4-FFF2-40B4-BE49-F238E27FC236}">
-                <a16:creationId xmlns:a16="http://schemas.microsoft.com/office/drawing/2014/main" id="{56458959-87C9-4C9C-8C23-37B508CE8A9E}"/>
+              <a:t>이상치 확인</a:t>
+            </a:r>
+          </a:p>
+        </p:txBody>
+      </p:sp>
+      <p:sp>
+        <p:nvSpPr>
+          <p:cNvPr id="3" name="TextBox 2">
+            <a:extLst>
+              <a:ext uri="{FF2B5EF4-FFF2-40B4-BE49-F238E27FC236}">
+                <a16:creationId xmlns:a16="http://schemas.microsoft.com/office/drawing/2014/main" id="{BC1F6E87-EDFD-47A7-AFEA-9697696D7632}"/>
               </a:ext>
             </a:extLst>
           </p:cNvPr>
@@ -7473,8 +7296,8 @@
         </p:nvSpPr>
         <p:spPr>
           <a:xfrm>
-            <a:off x="1366263" y="1021049"/>
-            <a:ext cx="10056913" cy="2308324"/>
+            <a:off x="2563867" y="328613"/>
+            <a:ext cx="7572375" cy="461665"/>
           </a:xfrm>
           <a:prstGeom prst="rect">
             <a:avLst/>
@@ -7487,128 +7310,365 @@
           </a:bodyPr>
           <a:lstStyle/>
           <a:p>
-            <a:pPr marL="457200" indent="-457200">
-              <a:buAutoNum type="arabicPeriod"/>
-            </a:pPr>
-            <a:r>
-              <a:rPr lang="ko-KR" altLang="en-US" sz="2400" dirty="0"/>
-              <a:t>정규표현식 예제 </a:t>
-            </a:r>
-            <a:r>
-              <a:rPr lang="en-US" altLang="ko-KR" sz="2400" dirty="0"/>
-              <a:t>- </a:t>
-            </a:r>
-            <a:r>
-              <a:rPr lang="en-US" altLang="ko-KR" sz="2400" dirty="0">
-                <a:hlinkClick r:id="rId2"/>
-              </a:rPr>
-              <a:t>https://nachwon.github.io/regular-expressions/</a:t>
-            </a:r>
+            <a:r>
+              <a:rPr lang="ko-KR" altLang="en-US" sz="2400" dirty="0" err="1"/>
+              <a:t>자료수</a:t>
+            </a:r>
+            <a:r>
+              <a:rPr lang="en-US" altLang="ko-KR" sz="2400" dirty="0"/>
+              <a:t>(</a:t>
+            </a:r>
+            <a:r>
+              <a:rPr lang="ko-KR" altLang="en-US" sz="2400" dirty="0" err="1"/>
+              <a:t>도서수</a:t>
+            </a:r>
+            <a:r>
+              <a:rPr lang="en-US" altLang="ko-KR" sz="2400" dirty="0"/>
+              <a:t>)</a:t>
+            </a:r>
+            <a:endParaRPr lang="ko-KR" altLang="en-US" sz="2400" dirty="0"/>
+          </a:p>
+        </p:txBody>
+      </p:sp>
+      <p:pic>
+        <p:nvPicPr>
+          <p:cNvPr id="5" name="그림 4"/>
+          <p:cNvPicPr>
+            <a:picLocks noChangeAspect="1"/>
+          </p:cNvPicPr>
+          <p:nvPr/>
+        </p:nvPicPr>
+        <p:blipFill>
+          <a:blip r:embed="rId2"/>
+          <a:stretch>
+            <a:fillRect/>
+          </a:stretch>
+        </p:blipFill>
+        <p:spPr>
+          <a:xfrm>
+            <a:off x="1071562" y="3498589"/>
+            <a:ext cx="9812810" cy="2178050"/>
+          </a:xfrm>
+          <a:prstGeom prst="rect">
+            <a:avLst/>
+          </a:prstGeom>
+        </p:spPr>
+      </p:pic>
+      <p:sp>
+        <p:nvSpPr>
+          <p:cNvPr id="6" name="TextBox 5">
+            <a:extLst>
+              <a:ext uri="{FF2B5EF4-FFF2-40B4-BE49-F238E27FC236}">
+                <a16:creationId xmlns:a16="http://schemas.microsoft.com/office/drawing/2014/main" id="{56458959-87C9-4C9C-8C23-37B508CE8A9E}"/>
+              </a:ext>
+            </a:extLst>
+          </p:cNvPr>
+          <p:cNvSpPr txBox="1"/>
+          <p:nvPr/>
+        </p:nvSpPr>
+        <p:spPr>
+          <a:xfrm>
+            <a:off x="1366263" y="1021049"/>
+            <a:ext cx="8947009" cy="2308324"/>
+          </a:xfrm>
+          <a:prstGeom prst="rect">
+            <a:avLst/>
+          </a:prstGeom>
+          <a:noFill/>
+        </p:spPr>
+        <p:txBody>
+          <a:bodyPr wrap="square" rtlCol="0">
+            <a:spAutoFit/>
+          </a:bodyPr>
+          <a:lstStyle/>
+          <a:p>
+            <a:r>
+              <a:rPr lang="ko-KR" altLang="en-US" sz="2400" dirty="0" err="1"/>
+              <a:t>자료수</a:t>
+            </a:r>
+            <a:r>
+              <a:rPr lang="en-US" altLang="ko-KR" sz="2400" dirty="0"/>
+              <a:t>(</a:t>
+            </a:r>
+            <a:r>
+              <a:rPr lang="ko-KR" altLang="en-US" sz="2400" dirty="0" err="1"/>
+              <a:t>도서수</a:t>
+            </a:r>
+            <a:r>
+              <a:rPr lang="en-US" altLang="ko-KR" sz="2400" dirty="0"/>
+              <a:t>) &lt; 100 </a:t>
+            </a:r>
+            <a:r>
+              <a:rPr lang="ko-KR" altLang="en-US" sz="2400" dirty="0"/>
+              <a:t>을 찾아 엑셀로 다운로드 받아서 확인하였더니</a:t>
+            </a:r>
+            <a:r>
+              <a:rPr lang="en-US" altLang="ko-KR" sz="2400" dirty="0"/>
+              <a:t>…</a:t>
+            </a:r>
+          </a:p>
+          <a:p>
             <a:endParaRPr lang="en-US" altLang="ko-KR" sz="2400" dirty="0"/>
           </a:p>
           <a:p>
-            <a:pPr marL="457200" indent="-457200">
-              <a:buAutoNum type="arabicPeriod"/>
-            </a:pPr>
-            <a:r>
-              <a:rPr lang="ko-KR" altLang="en-US" sz="2400" dirty="0"/>
-              <a:t>정규표현식 테스트 </a:t>
-            </a:r>
-            <a:r>
-              <a:rPr lang="en-US" altLang="ko-KR" sz="2400" dirty="0"/>
-              <a:t>- </a:t>
-            </a:r>
-            <a:r>
-              <a:rPr lang="en-US" altLang="ko-KR" sz="2400" dirty="0">
-                <a:hlinkClick r:id="rId3"/>
-              </a:rPr>
-              <a:t>https://regex101.com/r/uufrWr/1</a:t>
-            </a:r>
-            <a:r>
-              <a:rPr lang="en-US" altLang="ko-KR" sz="2400" dirty="0"/>
-              <a:t> </a:t>
-            </a:r>
-          </a:p>
-          <a:p>
-            <a:pPr marL="457200" indent="-457200">
-              <a:buAutoNum type="arabicPeriod"/>
-            </a:pPr>
-            <a:r>
-              <a:rPr lang="ko-KR" altLang="en-US" sz="2400" dirty="0"/>
-              <a:t>주소 경위도 확인 </a:t>
-            </a:r>
-            <a:r>
-              <a:rPr lang="en-US" altLang="ko-KR" sz="2400" dirty="0"/>
-              <a:t>- </a:t>
-            </a:r>
-            <a:r>
-              <a:rPr lang="en-US" altLang="ko-KR" sz="2400" dirty="0">
-                <a:hlinkClick r:id="rId4"/>
-              </a:rPr>
-              <a:t>https://address.dawul.co.kr/index.php</a:t>
-            </a:r>
-            <a:r>
-              <a:rPr lang="en-US" altLang="ko-KR" sz="2400" dirty="0"/>
-              <a:t> </a:t>
-            </a:r>
-          </a:p>
-          <a:p>
-            <a:pPr marL="457200" indent="-457200">
-              <a:buAutoNum type="arabicPeriod"/>
-            </a:pPr>
-            <a:r>
-              <a:rPr lang="ko-KR" altLang="en-US" sz="2400" dirty="0"/>
-              <a:t>주소 경위도 확인 </a:t>
-            </a:r>
-            <a:r>
-              <a:rPr lang="en-US" altLang="ko-KR" sz="2400" dirty="0"/>
-              <a:t>- </a:t>
-            </a:r>
-            <a:r>
-              <a:rPr lang="en-US" altLang="ko-KR" sz="2400" dirty="0">
-                <a:hlinkClick r:id="rId5"/>
-              </a:rPr>
-              <a:t>https://www.google.co.kr/maps</a:t>
-            </a:r>
-            <a:r>
-              <a:rPr lang="en-US" altLang="ko-KR" sz="2400" dirty="0"/>
-              <a:t> </a:t>
-            </a:r>
-          </a:p>
-          <a:p>
-            <a:pPr marL="457200" indent="-457200">
-              <a:buAutoNum type="arabicPeriod"/>
-            </a:pPr>
-            <a:r>
-              <a:rPr lang="en-US" altLang="ko-KR" sz="2400" dirty="0"/>
-              <a:t>matplotlib </a:t>
-            </a:r>
             <a:r>
               <a:rPr lang="ko-KR" altLang="en-US" sz="2400" dirty="0" err="1"/>
-              <a:t>한글깨짐</a:t>
-            </a:r>
-            <a:r>
-              <a:rPr lang="ko-KR" altLang="en-US" sz="2400" dirty="0"/>
-              <a:t> 이슈 </a:t>
-            </a:r>
-            <a:r>
-              <a:rPr lang="en-US" altLang="ko-KR" sz="2400" dirty="0"/>
-              <a:t>- </a:t>
-            </a:r>
-            <a:r>
-              <a:rPr lang="en-US" altLang="ko-KR" sz="2400" dirty="0">
-                <a:hlinkClick r:id="rId6"/>
-              </a:rPr>
-              <a:t>https://www.whatwant.com/entry/matplotlib-hangul-colab-local</a:t>
-            </a:r>
-            <a:endParaRPr lang="ko-KR" altLang="en-US" sz="2400" dirty="0"/>
+              <a:t>학습실과</a:t>
+            </a:r>
+            <a:r>
+              <a:rPr lang="ko-KR" altLang="en-US" sz="2400" dirty="0"/>
+              <a:t> 디지털 도서관</a:t>
+            </a:r>
+            <a:r>
+              <a:rPr lang="en-US" altLang="ko-KR" sz="2400" dirty="0"/>
+              <a:t>(</a:t>
+            </a:r>
+            <a:r>
+              <a:rPr lang="ko-KR" altLang="en-US" sz="2400" dirty="0"/>
+              <a:t>자료실</a:t>
+            </a:r>
+            <a:r>
+              <a:rPr lang="en-US" altLang="ko-KR" sz="2400" dirty="0"/>
+              <a:t>)</a:t>
+            </a:r>
+            <a:r>
+              <a:rPr lang="ko-KR" altLang="en-US" sz="2400" dirty="0"/>
+              <a:t>의 경우 </a:t>
+            </a:r>
+            <a:r>
+              <a:rPr lang="ko-KR" altLang="en-US" sz="2400" dirty="0" err="1"/>
+              <a:t>자료수가</a:t>
+            </a:r>
+            <a:r>
+              <a:rPr lang="ko-KR" altLang="en-US" sz="2400" dirty="0"/>
+              <a:t> 나오지 않는다</a:t>
+            </a:r>
+            <a:endParaRPr lang="en-US" altLang="ko-KR" sz="2400" dirty="0"/>
+          </a:p>
+          <a:p>
+            <a:r>
+              <a:rPr lang="en-US" altLang="ko-KR" sz="2400" dirty="0"/>
+              <a:t>-&gt; </a:t>
+            </a:r>
+            <a:r>
+              <a:rPr lang="ko-KR" altLang="en-US" sz="2400" dirty="0"/>
+              <a:t>도서관 유형별로 확인할 필요가 있음</a:t>
+            </a:r>
+            <a:endParaRPr lang="en-US" altLang="ko-KR" sz="2400" dirty="0"/>
+          </a:p>
+          <a:p>
+            <a:r>
+              <a:rPr lang="en-US" altLang="ko-KR" sz="2400" dirty="0"/>
+              <a:t>-&gt; </a:t>
+            </a:r>
+            <a:r>
+              <a:rPr lang="ko-KR" altLang="en-US" sz="2400" dirty="0"/>
+              <a:t>도서관 유형에 따라서 다르게 분포되어 있을 수 있음</a:t>
+            </a:r>
+            <a:endParaRPr lang="en-US" altLang="ko-KR" sz="2400" dirty="0"/>
           </a:p>
         </p:txBody>
       </p:sp>
     </p:spTree>
     <p:extLst>
       <p:ext uri="{BB962C8B-B14F-4D97-AF65-F5344CB8AC3E}">
-        <p14:creationId xmlns:p14="http://schemas.microsoft.com/office/powerpoint/2010/main" val="1592175736"/>
+        <p14:creationId xmlns:p14="http://schemas.microsoft.com/office/powerpoint/2010/main" val="24496194"/>
+      </p:ext>
+    </p:extLst>
+  </p:cSld>
+  <p:clrMapOvr>
+    <a:masterClrMapping/>
+  </p:clrMapOvr>
+</p:sld>
+</file>
+
+<file path=ppt/slides/slide29.xml><?xml version="1.0" encoding="utf-8"?>
+<p:sld xmlns:a="http://schemas.openxmlformats.org/drawingml/2006/main" xmlns:r="http://schemas.openxmlformats.org/officeDocument/2006/relationships" xmlns:p="http://schemas.openxmlformats.org/presentationml/2006/main">
+  <p:cSld>
+    <p:spTree>
+      <p:nvGrpSpPr>
+        <p:cNvPr id="1" name=""/>
+        <p:cNvGrpSpPr/>
+        <p:nvPr/>
+      </p:nvGrpSpPr>
+      <p:grpSpPr>
+        <a:xfrm>
+          <a:off x="0" y="0"/>
+          <a:ext cx="0" cy="0"/>
+          <a:chOff x="0" y="0"/>
+          <a:chExt cx="0" cy="0"/>
+        </a:xfrm>
+      </p:grpSpPr>
+      <p:sp>
+        <p:nvSpPr>
+          <p:cNvPr id="2" name="TextBox 1">
+            <a:extLst>
+              <a:ext uri="{FF2B5EF4-FFF2-40B4-BE49-F238E27FC236}">
+                <a16:creationId xmlns:a16="http://schemas.microsoft.com/office/drawing/2014/main" id="{270137EC-62AB-4201-995D-9F199EDD573A}"/>
+              </a:ext>
+            </a:extLst>
+          </p:cNvPr>
+          <p:cNvSpPr txBox="1"/>
+          <p:nvPr/>
+        </p:nvSpPr>
+        <p:spPr>
+          <a:xfrm>
+            <a:off x="457200" y="328613"/>
+            <a:ext cx="2106667" cy="523220"/>
+          </a:xfrm>
+          <a:prstGeom prst="rect">
+            <a:avLst/>
+          </a:prstGeom>
+          <a:noFill/>
+        </p:spPr>
+        <p:txBody>
+          <a:bodyPr wrap="none" rtlCol="0">
+            <a:spAutoFit/>
+          </a:bodyPr>
+          <a:lstStyle/>
+          <a:p>
+            <a:r>
+              <a:rPr lang="ko-KR" altLang="en-US" sz="2800" dirty="0">
+                <a:latin typeface="+mj-ea"/>
+                <a:ea typeface="+mj-ea"/>
+              </a:rPr>
+              <a:t>이상치 확인</a:t>
+            </a:r>
+          </a:p>
+        </p:txBody>
+      </p:sp>
+      <p:sp>
+        <p:nvSpPr>
+          <p:cNvPr id="3" name="TextBox 2">
+            <a:extLst>
+              <a:ext uri="{FF2B5EF4-FFF2-40B4-BE49-F238E27FC236}">
+                <a16:creationId xmlns:a16="http://schemas.microsoft.com/office/drawing/2014/main" id="{BC1F6E87-EDFD-47A7-AFEA-9697696D7632}"/>
+              </a:ext>
+            </a:extLst>
+          </p:cNvPr>
+          <p:cNvSpPr txBox="1"/>
+          <p:nvPr/>
+        </p:nvSpPr>
+        <p:spPr>
+          <a:xfrm>
+            <a:off x="2563867" y="328613"/>
+            <a:ext cx="7572375" cy="461665"/>
+          </a:xfrm>
+          <a:prstGeom prst="rect">
+            <a:avLst/>
+          </a:prstGeom>
+          <a:noFill/>
+        </p:spPr>
+        <p:txBody>
+          <a:bodyPr wrap="square" rtlCol="0">
+            <a:spAutoFit/>
+          </a:bodyPr>
+          <a:lstStyle/>
+          <a:p>
+            <a:r>
+              <a:rPr lang="ko-KR" altLang="en-US" sz="2400" dirty="0"/>
+              <a:t>같은 도서관 중복</a:t>
+            </a:r>
+          </a:p>
+        </p:txBody>
+      </p:sp>
+      <p:sp>
+        <p:nvSpPr>
+          <p:cNvPr id="6" name="TextBox 5">
+            <a:extLst>
+              <a:ext uri="{FF2B5EF4-FFF2-40B4-BE49-F238E27FC236}">
+                <a16:creationId xmlns:a16="http://schemas.microsoft.com/office/drawing/2014/main" id="{56458959-87C9-4C9C-8C23-37B508CE8A9E}"/>
+              </a:ext>
+            </a:extLst>
+          </p:cNvPr>
+          <p:cNvSpPr txBox="1"/>
+          <p:nvPr/>
+        </p:nvSpPr>
+        <p:spPr>
+          <a:xfrm>
+            <a:off x="1366263" y="1021049"/>
+            <a:ext cx="8947009" cy="1200329"/>
+          </a:xfrm>
+          <a:prstGeom prst="rect">
+            <a:avLst/>
+          </a:prstGeom>
+          <a:noFill/>
+        </p:spPr>
+        <p:txBody>
+          <a:bodyPr wrap="square" rtlCol="0">
+            <a:spAutoFit/>
+          </a:bodyPr>
+          <a:lstStyle/>
+          <a:p>
+            <a:r>
+              <a:rPr lang="ko-KR" altLang="en-US" sz="2400" dirty="0"/>
+              <a:t>데이터기준일자가 달라서 같은 도서관이 </a:t>
+            </a:r>
+            <a:r>
+              <a:rPr lang="en-US" altLang="ko-KR" sz="2400" dirty="0"/>
+              <a:t>2</a:t>
+            </a:r>
+            <a:r>
+              <a:rPr lang="ko-KR" altLang="en-US" sz="2400" dirty="0"/>
+              <a:t>개 이상 뜨는 경우가 있음</a:t>
+            </a:r>
+            <a:endParaRPr lang="en-US" altLang="ko-KR" sz="2400" dirty="0"/>
+          </a:p>
+          <a:p>
+            <a:r>
+              <a:rPr lang="en-US" altLang="ko-KR" sz="2400" dirty="0"/>
+              <a:t>-&gt; </a:t>
+            </a:r>
+            <a:r>
+              <a:rPr lang="en-US" altLang="ko-KR" sz="2400" dirty="0" err="1"/>
+              <a:t>groupby</a:t>
+            </a:r>
+            <a:r>
+              <a:rPr lang="en-US" altLang="ko-KR" sz="2400" dirty="0"/>
+              <a:t> </a:t>
+            </a:r>
+            <a:r>
+              <a:rPr lang="ko-KR" altLang="en-US" sz="2400" dirty="0"/>
+              <a:t>로 중복 건수 확인</a:t>
+            </a:r>
+            <a:endParaRPr lang="en-US" altLang="ko-KR" sz="2400" dirty="0"/>
+          </a:p>
+        </p:txBody>
+      </p:sp>
+      <p:pic>
+        <p:nvPicPr>
+          <p:cNvPr id="7" name="그림 6">
+            <a:extLst>
+              <a:ext uri="{FF2B5EF4-FFF2-40B4-BE49-F238E27FC236}">
+                <a16:creationId xmlns:a16="http://schemas.microsoft.com/office/drawing/2014/main" id="{225F28B6-421E-A4D0-2D82-29CAAE79C484}"/>
+              </a:ext>
+            </a:extLst>
+          </p:cNvPr>
+          <p:cNvPicPr>
+            <a:picLocks noChangeAspect="1"/>
+          </p:cNvPicPr>
+          <p:nvPr/>
+        </p:nvPicPr>
+        <p:blipFill>
+          <a:blip r:embed="rId2"/>
+          <a:stretch>
+            <a:fillRect/>
+          </a:stretch>
+        </p:blipFill>
+        <p:spPr>
+          <a:xfrm>
+            <a:off x="906275" y="2655601"/>
+            <a:ext cx="10182225" cy="3181350"/>
+          </a:xfrm>
+          <a:prstGeom prst="rect">
+            <a:avLst/>
+          </a:prstGeom>
+        </p:spPr>
+      </p:pic>
+    </p:spTree>
+    <p:extLst>
+      <p:ext uri="{BB962C8B-B14F-4D97-AF65-F5344CB8AC3E}">
+        <p14:creationId xmlns:p14="http://schemas.microsoft.com/office/powerpoint/2010/main" val="4054317707"/>
       </p:ext>
     </p:extLst>
   </p:cSld>
@@ -7807,6 +7867,443 @@
     <p:extLst>
       <p:ext uri="{BB962C8B-B14F-4D97-AF65-F5344CB8AC3E}">
         <p14:creationId xmlns:p14="http://schemas.microsoft.com/office/powerpoint/2010/main" val="1826318089"/>
+      </p:ext>
+    </p:extLst>
+  </p:cSld>
+  <p:clrMapOvr>
+    <a:masterClrMapping/>
+  </p:clrMapOvr>
+</p:sld>
+</file>
+
+<file path=ppt/slides/slide30.xml><?xml version="1.0" encoding="utf-8"?>
+<p:sld xmlns:a="http://schemas.openxmlformats.org/drawingml/2006/main" xmlns:r="http://schemas.openxmlformats.org/officeDocument/2006/relationships" xmlns:p="http://schemas.openxmlformats.org/presentationml/2006/main">
+  <p:cSld>
+    <p:spTree>
+      <p:nvGrpSpPr>
+        <p:cNvPr id="1" name=""/>
+        <p:cNvGrpSpPr/>
+        <p:nvPr/>
+      </p:nvGrpSpPr>
+      <p:grpSpPr>
+        <a:xfrm>
+          <a:off x="0" y="0"/>
+          <a:ext cx="0" cy="0"/>
+          <a:chOff x="0" y="0"/>
+          <a:chExt cx="0" cy="0"/>
+        </a:xfrm>
+      </p:grpSpPr>
+      <p:sp>
+        <p:nvSpPr>
+          <p:cNvPr id="2" name="TextBox 1">
+            <a:extLst>
+              <a:ext uri="{FF2B5EF4-FFF2-40B4-BE49-F238E27FC236}">
+                <a16:creationId xmlns:a16="http://schemas.microsoft.com/office/drawing/2014/main" id="{270137EC-62AB-4201-995D-9F199EDD573A}"/>
+              </a:ext>
+            </a:extLst>
+          </p:cNvPr>
+          <p:cNvSpPr txBox="1"/>
+          <p:nvPr/>
+        </p:nvSpPr>
+        <p:spPr>
+          <a:xfrm>
+            <a:off x="457200" y="328613"/>
+            <a:ext cx="2106667" cy="523220"/>
+          </a:xfrm>
+          <a:prstGeom prst="rect">
+            <a:avLst/>
+          </a:prstGeom>
+          <a:noFill/>
+        </p:spPr>
+        <p:txBody>
+          <a:bodyPr wrap="none" rtlCol="0">
+            <a:spAutoFit/>
+          </a:bodyPr>
+          <a:lstStyle/>
+          <a:p>
+            <a:r>
+              <a:rPr lang="ko-KR" altLang="en-US" sz="2800" dirty="0">
+                <a:latin typeface="+mj-ea"/>
+                <a:ea typeface="+mj-ea"/>
+              </a:rPr>
+              <a:t>이상치 확인</a:t>
+            </a:r>
+          </a:p>
+        </p:txBody>
+      </p:sp>
+      <p:sp>
+        <p:nvSpPr>
+          <p:cNvPr id="3" name="TextBox 2">
+            <a:extLst>
+              <a:ext uri="{FF2B5EF4-FFF2-40B4-BE49-F238E27FC236}">
+                <a16:creationId xmlns:a16="http://schemas.microsoft.com/office/drawing/2014/main" id="{BC1F6E87-EDFD-47A7-AFEA-9697696D7632}"/>
+              </a:ext>
+            </a:extLst>
+          </p:cNvPr>
+          <p:cNvSpPr txBox="1"/>
+          <p:nvPr/>
+        </p:nvSpPr>
+        <p:spPr>
+          <a:xfrm>
+            <a:off x="2563867" y="328613"/>
+            <a:ext cx="7572375" cy="461665"/>
+          </a:xfrm>
+          <a:prstGeom prst="rect">
+            <a:avLst/>
+          </a:prstGeom>
+          <a:noFill/>
+        </p:spPr>
+        <p:txBody>
+          <a:bodyPr wrap="square" rtlCol="0">
+            <a:spAutoFit/>
+          </a:bodyPr>
+          <a:lstStyle/>
+          <a:p>
+            <a:r>
+              <a:rPr lang="ko-KR" altLang="en-US" sz="2400" dirty="0"/>
+              <a:t>같은 도서관 중복</a:t>
+            </a:r>
+          </a:p>
+        </p:txBody>
+      </p:sp>
+      <p:sp>
+        <p:nvSpPr>
+          <p:cNvPr id="6" name="TextBox 5">
+            <a:extLst>
+              <a:ext uri="{FF2B5EF4-FFF2-40B4-BE49-F238E27FC236}">
+                <a16:creationId xmlns:a16="http://schemas.microsoft.com/office/drawing/2014/main" id="{56458959-87C9-4C9C-8C23-37B508CE8A9E}"/>
+              </a:ext>
+            </a:extLst>
+          </p:cNvPr>
+          <p:cNvSpPr txBox="1"/>
+          <p:nvPr/>
+        </p:nvSpPr>
+        <p:spPr>
+          <a:xfrm>
+            <a:off x="1366263" y="1021049"/>
+            <a:ext cx="8947009" cy="1200329"/>
+          </a:xfrm>
+          <a:prstGeom prst="rect">
+            <a:avLst/>
+          </a:prstGeom>
+          <a:noFill/>
+        </p:spPr>
+        <p:txBody>
+          <a:bodyPr wrap="square" rtlCol="0">
+            <a:spAutoFit/>
+          </a:bodyPr>
+          <a:lstStyle/>
+          <a:p>
+            <a:r>
+              <a:rPr lang="ko-KR" altLang="en-US" sz="2400" dirty="0"/>
+              <a:t>데이터기준일자가 달라서 같은 도서관이 </a:t>
+            </a:r>
+            <a:r>
+              <a:rPr lang="en-US" altLang="ko-KR" sz="2400" dirty="0"/>
+              <a:t>2</a:t>
+            </a:r>
+            <a:r>
+              <a:rPr lang="ko-KR" altLang="en-US" sz="2400" dirty="0"/>
+              <a:t>개 이상 뜨는 경우가 있음</a:t>
+            </a:r>
+            <a:endParaRPr lang="en-US" altLang="ko-KR" sz="2400" dirty="0"/>
+          </a:p>
+          <a:p>
+            <a:r>
+              <a:rPr lang="en-US" altLang="ko-KR" sz="2400" dirty="0"/>
+              <a:t>-&gt; </a:t>
+            </a:r>
+            <a:r>
+              <a:rPr lang="en-US" altLang="ko-KR" sz="2400" dirty="0" err="1"/>
+              <a:t>groupby</a:t>
+            </a:r>
+            <a:r>
+              <a:rPr lang="en-US" altLang="ko-KR" sz="2400" dirty="0"/>
+              <a:t> </a:t>
+            </a:r>
+            <a:r>
+              <a:rPr lang="ko-KR" altLang="en-US" sz="2400" dirty="0"/>
+              <a:t>로 중복 건수 확인</a:t>
+            </a:r>
+            <a:endParaRPr lang="en-US" altLang="ko-KR" sz="2400" dirty="0"/>
+          </a:p>
+        </p:txBody>
+      </p:sp>
+      <p:pic>
+        <p:nvPicPr>
+          <p:cNvPr id="5" name="그림 4">
+            <a:extLst>
+              <a:ext uri="{FF2B5EF4-FFF2-40B4-BE49-F238E27FC236}">
+                <a16:creationId xmlns:a16="http://schemas.microsoft.com/office/drawing/2014/main" id="{C705D5B6-066C-2DD7-D59B-380DB78FC58C}"/>
+              </a:ext>
+            </a:extLst>
+          </p:cNvPr>
+          <p:cNvPicPr>
+            <a:picLocks noChangeAspect="1"/>
+          </p:cNvPicPr>
+          <p:nvPr/>
+        </p:nvPicPr>
+        <p:blipFill>
+          <a:blip r:embed="rId2"/>
+          <a:stretch>
+            <a:fillRect/>
+          </a:stretch>
+        </p:blipFill>
+        <p:spPr>
+          <a:xfrm>
+            <a:off x="881062" y="2306450"/>
+            <a:ext cx="10429875" cy="3267075"/>
+          </a:xfrm>
+          <a:prstGeom prst="rect">
+            <a:avLst/>
+          </a:prstGeom>
+        </p:spPr>
+      </p:pic>
+    </p:spTree>
+    <p:extLst>
+      <p:ext uri="{BB962C8B-B14F-4D97-AF65-F5344CB8AC3E}">
+        <p14:creationId xmlns:p14="http://schemas.microsoft.com/office/powerpoint/2010/main" val="435844891"/>
+      </p:ext>
+    </p:extLst>
+  </p:cSld>
+  <p:clrMapOvr>
+    <a:masterClrMapping/>
+  </p:clrMapOvr>
+</p:sld>
+</file>
+
+<file path=ppt/slides/slide31.xml><?xml version="1.0" encoding="utf-8"?>
+<p:sld xmlns:a="http://schemas.openxmlformats.org/drawingml/2006/main" xmlns:r="http://schemas.openxmlformats.org/officeDocument/2006/relationships" xmlns:p="http://schemas.openxmlformats.org/presentationml/2006/main">
+  <p:cSld>
+    <p:spTree>
+      <p:nvGrpSpPr>
+        <p:cNvPr id="1" name=""/>
+        <p:cNvGrpSpPr/>
+        <p:nvPr/>
+      </p:nvGrpSpPr>
+      <p:grpSpPr>
+        <a:xfrm>
+          <a:off x="0" y="0"/>
+          <a:ext cx="0" cy="0"/>
+          <a:chOff x="0" y="0"/>
+          <a:chExt cx="0" cy="0"/>
+        </a:xfrm>
+      </p:grpSpPr>
+      <p:sp>
+        <p:nvSpPr>
+          <p:cNvPr id="2" name="TextBox 1">
+            <a:extLst>
+              <a:ext uri="{FF2B5EF4-FFF2-40B4-BE49-F238E27FC236}">
+                <a16:creationId xmlns:a16="http://schemas.microsoft.com/office/drawing/2014/main" id="{270137EC-62AB-4201-995D-9F199EDD573A}"/>
+              </a:ext>
+            </a:extLst>
+          </p:cNvPr>
+          <p:cNvSpPr txBox="1"/>
+          <p:nvPr/>
+        </p:nvSpPr>
+        <p:spPr>
+          <a:xfrm>
+            <a:off x="457200" y="328613"/>
+            <a:ext cx="2106667" cy="523220"/>
+          </a:xfrm>
+          <a:prstGeom prst="rect">
+            <a:avLst/>
+          </a:prstGeom>
+          <a:noFill/>
+        </p:spPr>
+        <p:txBody>
+          <a:bodyPr wrap="none" rtlCol="0">
+            <a:spAutoFit/>
+          </a:bodyPr>
+          <a:lstStyle/>
+          <a:p>
+            <a:r>
+              <a:rPr lang="ko-KR" altLang="en-US" sz="2800" dirty="0">
+                <a:latin typeface="+mj-ea"/>
+                <a:ea typeface="+mj-ea"/>
+              </a:rPr>
+              <a:t>참고 사이트</a:t>
+            </a:r>
+          </a:p>
+        </p:txBody>
+      </p:sp>
+      <p:sp>
+        <p:nvSpPr>
+          <p:cNvPr id="6" name="TextBox 5">
+            <a:extLst>
+              <a:ext uri="{FF2B5EF4-FFF2-40B4-BE49-F238E27FC236}">
+                <a16:creationId xmlns:a16="http://schemas.microsoft.com/office/drawing/2014/main" id="{56458959-87C9-4C9C-8C23-37B508CE8A9E}"/>
+              </a:ext>
+            </a:extLst>
+          </p:cNvPr>
+          <p:cNvSpPr txBox="1"/>
+          <p:nvPr/>
+        </p:nvSpPr>
+        <p:spPr>
+          <a:xfrm>
+            <a:off x="1366263" y="1021049"/>
+            <a:ext cx="10056913" cy="2677656"/>
+          </a:xfrm>
+          <a:prstGeom prst="rect">
+            <a:avLst/>
+          </a:prstGeom>
+          <a:noFill/>
+        </p:spPr>
+        <p:txBody>
+          <a:bodyPr wrap="square" rtlCol="0">
+            <a:spAutoFit/>
+          </a:bodyPr>
+          <a:lstStyle/>
+          <a:p>
+            <a:pPr marL="457200" indent="-457200">
+              <a:buAutoNum type="arabicPeriod"/>
+            </a:pPr>
+            <a:r>
+              <a:rPr lang="ko-KR" altLang="en-US" sz="2400" dirty="0"/>
+              <a:t>정규표현식 예제 </a:t>
+            </a:r>
+            <a:r>
+              <a:rPr lang="en-US" altLang="ko-KR" sz="2400" dirty="0"/>
+              <a:t>- </a:t>
+            </a:r>
+            <a:r>
+              <a:rPr lang="en-US" altLang="ko-KR" sz="2400" dirty="0">
+                <a:hlinkClick r:id="rId2"/>
+              </a:rPr>
+              <a:t>https://nachwon.github.io/regular-expressions/</a:t>
+            </a:r>
+            <a:endParaRPr lang="en-US" altLang="ko-KR" sz="2400" dirty="0"/>
+          </a:p>
+          <a:p>
+            <a:pPr marL="457200" indent="-457200">
+              <a:buAutoNum type="arabicPeriod"/>
+            </a:pPr>
+            <a:r>
+              <a:rPr lang="ko-KR" altLang="en-US" sz="2400" dirty="0"/>
+              <a:t>정규표현식 테스트 </a:t>
+            </a:r>
+            <a:r>
+              <a:rPr lang="en-US" altLang="ko-KR" sz="2400" dirty="0"/>
+              <a:t>- </a:t>
+            </a:r>
+            <a:r>
+              <a:rPr lang="en-US" altLang="ko-KR" sz="2400" dirty="0">
+                <a:hlinkClick r:id="rId3"/>
+              </a:rPr>
+              <a:t>https://regex101.com/r/uufrWr/1</a:t>
+            </a:r>
+            <a:r>
+              <a:rPr lang="en-US" altLang="ko-KR" sz="2400" dirty="0"/>
+              <a:t> </a:t>
+            </a:r>
+          </a:p>
+          <a:p>
+            <a:pPr marL="457200" indent="-457200">
+              <a:buAutoNum type="arabicPeriod"/>
+            </a:pPr>
+            <a:r>
+              <a:rPr lang="ko-KR" altLang="en-US" sz="2400" dirty="0"/>
+              <a:t>주소 경위도 확인 </a:t>
+            </a:r>
+            <a:r>
+              <a:rPr lang="en-US" altLang="ko-KR" sz="2400" dirty="0"/>
+              <a:t>- </a:t>
+            </a:r>
+            <a:r>
+              <a:rPr lang="en-US" altLang="ko-KR" sz="2400" dirty="0">
+                <a:hlinkClick r:id="rId4"/>
+              </a:rPr>
+              <a:t>https://address.dawul.co.kr/index.php</a:t>
+            </a:r>
+            <a:r>
+              <a:rPr lang="en-US" altLang="ko-KR" sz="2400" dirty="0"/>
+              <a:t> </a:t>
+            </a:r>
+          </a:p>
+          <a:p>
+            <a:pPr marL="457200" indent="-457200">
+              <a:buAutoNum type="arabicPeriod"/>
+            </a:pPr>
+            <a:r>
+              <a:rPr lang="ko-KR" altLang="en-US" sz="2400" dirty="0"/>
+              <a:t>주소 경위도 확인 </a:t>
+            </a:r>
+            <a:r>
+              <a:rPr lang="en-US" altLang="ko-KR" sz="2400" dirty="0"/>
+              <a:t>- </a:t>
+            </a:r>
+            <a:r>
+              <a:rPr lang="en-US" altLang="ko-KR" sz="2400" dirty="0">
+                <a:hlinkClick r:id="rId5"/>
+              </a:rPr>
+              <a:t>https://www.google.co.kr/maps</a:t>
+            </a:r>
+            <a:r>
+              <a:rPr lang="en-US" altLang="ko-KR" sz="2400" dirty="0"/>
+              <a:t> </a:t>
+            </a:r>
+          </a:p>
+          <a:p>
+            <a:pPr marL="457200" indent="-457200">
+              <a:buAutoNum type="arabicPeriod"/>
+            </a:pPr>
+            <a:r>
+              <a:rPr lang="en-US" altLang="ko-KR" sz="2400" dirty="0"/>
+              <a:t>matplotlib </a:t>
+            </a:r>
+            <a:r>
+              <a:rPr lang="ko-KR" altLang="en-US" sz="2400" dirty="0" err="1"/>
+              <a:t>한글깨짐</a:t>
+            </a:r>
+            <a:r>
+              <a:rPr lang="ko-KR" altLang="en-US" sz="2400" dirty="0"/>
+              <a:t> 이슈 </a:t>
+            </a:r>
+            <a:r>
+              <a:rPr lang="en-US" altLang="ko-KR" sz="2400" dirty="0"/>
+              <a:t>- </a:t>
+            </a:r>
+            <a:r>
+              <a:rPr lang="en-US" altLang="ko-KR" sz="2400" dirty="0">
+                <a:hlinkClick r:id="rId6"/>
+              </a:rPr>
+              <a:t>https://www.whatwant.com/entry/matplotlib-hangul-colab-local</a:t>
+            </a:r>
+            <a:endParaRPr lang="en-US" altLang="ko-KR" sz="2400" dirty="0"/>
+          </a:p>
+          <a:p>
+            <a:pPr marL="457200" indent="-457200">
+              <a:buAutoNum type="arabicPeriod"/>
+            </a:pPr>
+            <a:r>
+              <a:rPr lang="en-US" altLang="ko-KR" sz="2400" dirty="0"/>
+              <a:t>folium </a:t>
+            </a:r>
+            <a:r>
+              <a:rPr lang="ko-KR" altLang="en-US" sz="2400" dirty="0"/>
+              <a:t>사용 </a:t>
+            </a:r>
+            <a:r>
+              <a:rPr lang="en-US" altLang="ko-KR" sz="2400" dirty="0"/>
+              <a:t>- </a:t>
+            </a:r>
+            <a:r>
+              <a:rPr lang="en-US" altLang="ko-KR" sz="2400" dirty="0">
+                <a:hlinkClick r:id="rId7"/>
+              </a:rPr>
+              <a:t>https://teddylee777.github.io/visualization/folium/</a:t>
+            </a:r>
+            <a:r>
+              <a:rPr lang="en-US" altLang="ko-KR" sz="2400" dirty="0"/>
+              <a:t> </a:t>
+            </a:r>
+          </a:p>
+        </p:txBody>
+      </p:sp>
+    </p:spTree>
+    <p:extLst>
+      <p:ext uri="{BB962C8B-B14F-4D97-AF65-F5344CB8AC3E}">
+        <p14:creationId xmlns:p14="http://schemas.microsoft.com/office/powerpoint/2010/main" val="1592175736"/>
       </p:ext>
     </p:extLst>
   </p:cSld>

--- a/230810.pptx
+++ b/230810.pptx
@@ -35,7 +35,14 @@
     <p:sldId id="284" r:id="rId29"/>
     <p:sldId id="288" r:id="rId30"/>
     <p:sldId id="289" r:id="rId31"/>
-    <p:sldId id="271" r:id="rId32"/>
+    <p:sldId id="290" r:id="rId32"/>
+    <p:sldId id="291" r:id="rId33"/>
+    <p:sldId id="294" r:id="rId34"/>
+    <p:sldId id="292" r:id="rId35"/>
+    <p:sldId id="296" r:id="rId36"/>
+    <p:sldId id="295" r:id="rId37"/>
+    <p:sldId id="293" r:id="rId38"/>
+    <p:sldId id="271" r:id="rId39"/>
   </p:sldIdLst>
   <p:sldSz cx="12192000" cy="6858000"/>
   <p:notesSz cx="6858000" cy="9144000"/>
@@ -289,7 +296,7 @@
           <a:p>
             <a:fld id="{1AE649FE-7221-47BD-88A2-E39483B2D334}" type="datetimeFigureOut">
               <a:rPr lang="ko-KR" altLang="en-US" smtClean="0"/>
-              <a:t>2023-08-13</a:t>
+              <a:t>2023-08-14</a:t>
             </a:fld>
             <a:endParaRPr lang="ko-KR" altLang="en-US"/>
           </a:p>
@@ -487,7 +494,7 @@
           <a:p>
             <a:fld id="{1AE649FE-7221-47BD-88A2-E39483B2D334}" type="datetimeFigureOut">
               <a:rPr lang="ko-KR" altLang="en-US" smtClean="0"/>
-              <a:t>2023-08-13</a:t>
+              <a:t>2023-08-14</a:t>
             </a:fld>
             <a:endParaRPr lang="ko-KR" altLang="en-US"/>
           </a:p>
@@ -695,7 +702,7 @@
           <a:p>
             <a:fld id="{1AE649FE-7221-47BD-88A2-E39483B2D334}" type="datetimeFigureOut">
               <a:rPr lang="ko-KR" altLang="en-US" smtClean="0"/>
-              <a:t>2023-08-13</a:t>
+              <a:t>2023-08-14</a:t>
             </a:fld>
             <a:endParaRPr lang="ko-KR" altLang="en-US"/>
           </a:p>
@@ -893,7 +900,7 @@
           <a:p>
             <a:fld id="{1AE649FE-7221-47BD-88A2-E39483B2D334}" type="datetimeFigureOut">
               <a:rPr lang="ko-KR" altLang="en-US" smtClean="0"/>
-              <a:t>2023-08-13</a:t>
+              <a:t>2023-08-14</a:t>
             </a:fld>
             <a:endParaRPr lang="ko-KR" altLang="en-US"/>
           </a:p>
@@ -1168,7 +1175,7 @@
           <a:p>
             <a:fld id="{1AE649FE-7221-47BD-88A2-E39483B2D334}" type="datetimeFigureOut">
               <a:rPr lang="ko-KR" altLang="en-US" smtClean="0"/>
-              <a:t>2023-08-13</a:t>
+              <a:t>2023-08-14</a:t>
             </a:fld>
             <a:endParaRPr lang="ko-KR" altLang="en-US"/>
           </a:p>
@@ -1433,7 +1440,7 @@
           <a:p>
             <a:fld id="{1AE649FE-7221-47BD-88A2-E39483B2D334}" type="datetimeFigureOut">
               <a:rPr lang="ko-KR" altLang="en-US" smtClean="0"/>
-              <a:t>2023-08-13</a:t>
+              <a:t>2023-08-14</a:t>
             </a:fld>
             <a:endParaRPr lang="ko-KR" altLang="en-US"/>
           </a:p>
@@ -1845,7 +1852,7 @@
           <a:p>
             <a:fld id="{1AE649FE-7221-47BD-88A2-E39483B2D334}" type="datetimeFigureOut">
               <a:rPr lang="ko-KR" altLang="en-US" smtClean="0"/>
-              <a:t>2023-08-13</a:t>
+              <a:t>2023-08-14</a:t>
             </a:fld>
             <a:endParaRPr lang="ko-KR" altLang="en-US"/>
           </a:p>
@@ -1986,7 +1993,7 @@
           <a:p>
             <a:fld id="{1AE649FE-7221-47BD-88A2-E39483B2D334}" type="datetimeFigureOut">
               <a:rPr lang="ko-KR" altLang="en-US" smtClean="0"/>
-              <a:t>2023-08-13</a:t>
+              <a:t>2023-08-14</a:t>
             </a:fld>
             <a:endParaRPr lang="ko-KR" altLang="en-US"/>
           </a:p>
@@ -2099,7 +2106,7 @@
           <a:p>
             <a:fld id="{1AE649FE-7221-47BD-88A2-E39483B2D334}" type="datetimeFigureOut">
               <a:rPr lang="ko-KR" altLang="en-US" smtClean="0"/>
-              <a:t>2023-08-13</a:t>
+              <a:t>2023-08-14</a:t>
             </a:fld>
             <a:endParaRPr lang="ko-KR" altLang="en-US"/>
           </a:p>
@@ -2410,7 +2417,7 @@
           <a:p>
             <a:fld id="{1AE649FE-7221-47BD-88A2-E39483B2D334}" type="datetimeFigureOut">
               <a:rPr lang="ko-KR" altLang="en-US" smtClean="0"/>
-              <a:t>2023-08-13</a:t>
+              <a:t>2023-08-14</a:t>
             </a:fld>
             <a:endParaRPr lang="ko-KR" altLang="en-US"/>
           </a:p>
@@ -2698,7 +2705,7 @@
           <a:p>
             <a:fld id="{1AE649FE-7221-47BD-88A2-E39483B2D334}" type="datetimeFigureOut">
               <a:rPr lang="ko-KR" altLang="en-US" smtClean="0"/>
-              <a:t>2023-08-13</a:t>
+              <a:t>2023-08-14</a:t>
             </a:fld>
             <a:endParaRPr lang="ko-KR" altLang="en-US"/>
           </a:p>
@@ -2939,7 +2946,7 @@
           <a:p>
             <a:fld id="{1AE649FE-7221-47BD-88A2-E39483B2D334}" type="datetimeFigureOut">
               <a:rPr lang="ko-KR" altLang="en-US" smtClean="0"/>
-              <a:t>2023-08-13</a:t>
+              <a:t>2023-08-14</a:t>
             </a:fld>
             <a:endParaRPr lang="ko-KR" altLang="en-US"/>
           </a:p>
@@ -8122,6 +8129,983 @@
                 <a:latin typeface="+mj-ea"/>
                 <a:ea typeface="+mj-ea"/>
               </a:rPr>
+              <a:t>이상치 확인</a:t>
+            </a:r>
+          </a:p>
+        </p:txBody>
+      </p:sp>
+      <p:sp>
+        <p:nvSpPr>
+          <p:cNvPr id="3" name="TextBox 2">
+            <a:extLst>
+              <a:ext uri="{FF2B5EF4-FFF2-40B4-BE49-F238E27FC236}">
+                <a16:creationId xmlns:a16="http://schemas.microsoft.com/office/drawing/2014/main" id="{BC1F6E87-EDFD-47A7-AFEA-9697696D7632}"/>
+              </a:ext>
+            </a:extLst>
+          </p:cNvPr>
+          <p:cNvSpPr txBox="1"/>
+          <p:nvPr/>
+        </p:nvSpPr>
+        <p:spPr>
+          <a:xfrm>
+            <a:off x="2563867" y="328613"/>
+            <a:ext cx="7572375" cy="461665"/>
+          </a:xfrm>
+          <a:prstGeom prst="rect">
+            <a:avLst/>
+          </a:prstGeom>
+          <a:noFill/>
+        </p:spPr>
+        <p:txBody>
+          <a:bodyPr wrap="square" rtlCol="0">
+            <a:spAutoFit/>
+          </a:bodyPr>
+          <a:lstStyle/>
+          <a:p>
+            <a:r>
+              <a:rPr lang="ko-KR" altLang="en-US" sz="2400" dirty="0"/>
+              <a:t>같은 도서관 중복</a:t>
+            </a:r>
+          </a:p>
+        </p:txBody>
+      </p:sp>
+      <p:sp>
+        <p:nvSpPr>
+          <p:cNvPr id="6" name="TextBox 5">
+            <a:extLst>
+              <a:ext uri="{FF2B5EF4-FFF2-40B4-BE49-F238E27FC236}">
+                <a16:creationId xmlns:a16="http://schemas.microsoft.com/office/drawing/2014/main" id="{56458959-87C9-4C9C-8C23-37B508CE8A9E}"/>
+              </a:ext>
+            </a:extLst>
+          </p:cNvPr>
+          <p:cNvSpPr txBox="1"/>
+          <p:nvPr/>
+        </p:nvSpPr>
+        <p:spPr>
+          <a:xfrm>
+            <a:off x="1366263" y="1021049"/>
+            <a:ext cx="8947009" cy="830997"/>
+          </a:xfrm>
+          <a:prstGeom prst="rect">
+            <a:avLst/>
+          </a:prstGeom>
+          <a:noFill/>
+        </p:spPr>
+        <p:txBody>
+          <a:bodyPr wrap="square" rtlCol="0">
+            <a:spAutoFit/>
+          </a:bodyPr>
+          <a:lstStyle/>
+          <a:p>
+            <a:r>
+              <a:rPr lang="en-US" altLang="ko-KR" sz="2400" dirty="0" err="1"/>
+              <a:t>drop_duplicates</a:t>
+            </a:r>
+            <a:r>
+              <a:rPr lang="en-US" altLang="ko-KR" sz="2400" dirty="0"/>
+              <a:t> </a:t>
+            </a:r>
+            <a:r>
+              <a:rPr lang="ko-KR" altLang="en-US" sz="2400" dirty="0"/>
+              <a:t>사용해서 날림</a:t>
+            </a:r>
+            <a:endParaRPr lang="en-US" altLang="ko-KR" sz="2400" dirty="0"/>
+          </a:p>
+          <a:p>
+            <a:endParaRPr lang="en-US" altLang="ko-KR" sz="2400" dirty="0"/>
+          </a:p>
+        </p:txBody>
+      </p:sp>
+      <p:pic>
+        <p:nvPicPr>
+          <p:cNvPr id="4" name="그림 3">
+            <a:extLst>
+              <a:ext uri="{FF2B5EF4-FFF2-40B4-BE49-F238E27FC236}">
+                <a16:creationId xmlns:a16="http://schemas.microsoft.com/office/drawing/2014/main" id="{A5B315D2-EF1A-4D8E-80DE-7B33471DFF4E}"/>
+              </a:ext>
+            </a:extLst>
+          </p:cNvPr>
+          <p:cNvPicPr>
+            <a:picLocks noChangeAspect="1"/>
+          </p:cNvPicPr>
+          <p:nvPr/>
+        </p:nvPicPr>
+        <p:blipFill>
+          <a:blip r:embed="rId2"/>
+          <a:stretch>
+            <a:fillRect/>
+          </a:stretch>
+        </p:blipFill>
+        <p:spPr>
+          <a:xfrm>
+            <a:off x="1920229" y="1704975"/>
+            <a:ext cx="7839075" cy="4824412"/>
+          </a:xfrm>
+          <a:prstGeom prst="rect">
+            <a:avLst/>
+          </a:prstGeom>
+        </p:spPr>
+      </p:pic>
+    </p:spTree>
+    <p:extLst>
+      <p:ext uri="{BB962C8B-B14F-4D97-AF65-F5344CB8AC3E}">
+        <p14:creationId xmlns:p14="http://schemas.microsoft.com/office/powerpoint/2010/main" val="638122535"/>
+      </p:ext>
+    </p:extLst>
+  </p:cSld>
+  <p:clrMapOvr>
+    <a:masterClrMapping/>
+  </p:clrMapOvr>
+</p:sld>
+</file>
+
+<file path=ppt/slides/slide32.xml><?xml version="1.0" encoding="utf-8"?>
+<p:sld xmlns:a="http://schemas.openxmlformats.org/drawingml/2006/main" xmlns:r="http://schemas.openxmlformats.org/officeDocument/2006/relationships" xmlns:p="http://schemas.openxmlformats.org/presentationml/2006/main">
+  <p:cSld>
+    <p:spTree>
+      <p:nvGrpSpPr>
+        <p:cNvPr id="1" name=""/>
+        <p:cNvGrpSpPr/>
+        <p:nvPr/>
+      </p:nvGrpSpPr>
+      <p:grpSpPr>
+        <a:xfrm>
+          <a:off x="0" y="0"/>
+          <a:ext cx="0" cy="0"/>
+          <a:chOff x="0" y="0"/>
+          <a:chExt cx="0" cy="0"/>
+        </a:xfrm>
+      </p:grpSpPr>
+      <p:sp>
+        <p:nvSpPr>
+          <p:cNvPr id="2" name="TextBox 1">
+            <a:extLst>
+              <a:ext uri="{FF2B5EF4-FFF2-40B4-BE49-F238E27FC236}">
+                <a16:creationId xmlns:a16="http://schemas.microsoft.com/office/drawing/2014/main" id="{270137EC-62AB-4201-995D-9F199EDD573A}"/>
+              </a:ext>
+            </a:extLst>
+          </p:cNvPr>
+          <p:cNvSpPr txBox="1"/>
+          <p:nvPr/>
+        </p:nvSpPr>
+        <p:spPr>
+          <a:xfrm>
+            <a:off x="457200" y="328613"/>
+            <a:ext cx="2106667" cy="523220"/>
+          </a:xfrm>
+          <a:prstGeom prst="rect">
+            <a:avLst/>
+          </a:prstGeom>
+          <a:noFill/>
+        </p:spPr>
+        <p:txBody>
+          <a:bodyPr wrap="none" rtlCol="0">
+            <a:spAutoFit/>
+          </a:bodyPr>
+          <a:lstStyle/>
+          <a:p>
+            <a:r>
+              <a:rPr lang="ko-KR" altLang="en-US" sz="2800" dirty="0">
+                <a:latin typeface="+mj-ea"/>
+                <a:ea typeface="+mj-ea"/>
+              </a:rPr>
+              <a:t>이상치 확인</a:t>
+            </a:r>
+          </a:p>
+        </p:txBody>
+      </p:sp>
+      <p:sp>
+        <p:nvSpPr>
+          <p:cNvPr id="3" name="TextBox 2">
+            <a:extLst>
+              <a:ext uri="{FF2B5EF4-FFF2-40B4-BE49-F238E27FC236}">
+                <a16:creationId xmlns:a16="http://schemas.microsoft.com/office/drawing/2014/main" id="{BC1F6E87-EDFD-47A7-AFEA-9697696D7632}"/>
+              </a:ext>
+            </a:extLst>
+          </p:cNvPr>
+          <p:cNvSpPr txBox="1"/>
+          <p:nvPr/>
+        </p:nvSpPr>
+        <p:spPr>
+          <a:xfrm>
+            <a:off x="2563867" y="328613"/>
+            <a:ext cx="7572375" cy="461665"/>
+          </a:xfrm>
+          <a:prstGeom prst="rect">
+            <a:avLst/>
+          </a:prstGeom>
+          <a:noFill/>
+        </p:spPr>
+        <p:txBody>
+          <a:bodyPr wrap="square" rtlCol="0">
+            <a:spAutoFit/>
+          </a:bodyPr>
+          <a:lstStyle/>
+          <a:p>
+            <a:r>
+              <a:rPr lang="en-US" altLang="ko-KR" sz="2400" dirty="0"/>
+              <a:t>……………….. </a:t>
+            </a:r>
+            <a:r>
+              <a:rPr lang="ko-KR" altLang="en-US" sz="2400" dirty="0"/>
+              <a:t>서로 위치가 </a:t>
+            </a:r>
+            <a:r>
+              <a:rPr lang="ko-KR" altLang="en-US" sz="2400" dirty="0" err="1"/>
+              <a:t>바뀌어있었어서</a:t>
+            </a:r>
+            <a:r>
+              <a:rPr lang="ko-KR" altLang="en-US" sz="2400" dirty="0"/>
+              <a:t> </a:t>
+            </a:r>
+            <a:r>
+              <a:rPr lang="ko-KR" altLang="en-US" sz="2400" dirty="0" err="1"/>
+              <a:t>바꿔줌</a:t>
+            </a:r>
+            <a:r>
+              <a:rPr lang="ko-KR" altLang="en-US" sz="2400" dirty="0"/>
+              <a:t> </a:t>
+            </a:r>
+          </a:p>
+        </p:txBody>
+      </p:sp>
+      <p:pic>
+        <p:nvPicPr>
+          <p:cNvPr id="5" name="그림 4">
+            <a:extLst>
+              <a:ext uri="{FF2B5EF4-FFF2-40B4-BE49-F238E27FC236}">
+                <a16:creationId xmlns:a16="http://schemas.microsoft.com/office/drawing/2014/main" id="{61AC7975-6433-4CE3-A05B-CA954CF89AAE}"/>
+              </a:ext>
+            </a:extLst>
+          </p:cNvPr>
+          <p:cNvPicPr>
+            <a:picLocks noChangeAspect="1"/>
+          </p:cNvPicPr>
+          <p:nvPr/>
+        </p:nvPicPr>
+        <p:blipFill>
+          <a:blip r:embed="rId2"/>
+          <a:stretch>
+            <a:fillRect/>
+          </a:stretch>
+        </p:blipFill>
+        <p:spPr>
+          <a:xfrm>
+            <a:off x="3838575" y="981075"/>
+            <a:ext cx="4514850" cy="4895850"/>
+          </a:xfrm>
+          <a:prstGeom prst="rect">
+            <a:avLst/>
+          </a:prstGeom>
+        </p:spPr>
+      </p:pic>
+    </p:spTree>
+    <p:extLst>
+      <p:ext uri="{BB962C8B-B14F-4D97-AF65-F5344CB8AC3E}">
+        <p14:creationId xmlns:p14="http://schemas.microsoft.com/office/powerpoint/2010/main" val="3060395458"/>
+      </p:ext>
+    </p:extLst>
+  </p:cSld>
+  <p:clrMapOvr>
+    <a:masterClrMapping/>
+  </p:clrMapOvr>
+</p:sld>
+</file>
+
+<file path=ppt/slides/slide33.xml><?xml version="1.0" encoding="utf-8"?>
+<p:sld xmlns:a="http://schemas.openxmlformats.org/drawingml/2006/main" xmlns:r="http://schemas.openxmlformats.org/officeDocument/2006/relationships" xmlns:p="http://schemas.openxmlformats.org/presentationml/2006/main">
+  <p:cSld>
+    <p:spTree>
+      <p:nvGrpSpPr>
+        <p:cNvPr id="1" name=""/>
+        <p:cNvGrpSpPr/>
+        <p:nvPr/>
+      </p:nvGrpSpPr>
+      <p:grpSpPr>
+        <a:xfrm>
+          <a:off x="0" y="0"/>
+          <a:ext cx="0" cy="0"/>
+          <a:chOff x="0" y="0"/>
+          <a:chExt cx="0" cy="0"/>
+        </a:xfrm>
+      </p:grpSpPr>
+      <p:sp>
+        <p:nvSpPr>
+          <p:cNvPr id="3" name="TextBox 2">
+            <a:extLst>
+              <a:ext uri="{FF2B5EF4-FFF2-40B4-BE49-F238E27FC236}">
+                <a16:creationId xmlns:a16="http://schemas.microsoft.com/office/drawing/2014/main" id="{BC1F6E87-EDFD-47A7-AFEA-9697696D7632}"/>
+              </a:ext>
+            </a:extLst>
+          </p:cNvPr>
+          <p:cNvSpPr txBox="1"/>
+          <p:nvPr/>
+        </p:nvSpPr>
+        <p:spPr>
+          <a:xfrm>
+            <a:off x="1549731" y="2303873"/>
+            <a:ext cx="9092537" cy="1323439"/>
+          </a:xfrm>
+          <a:prstGeom prst="rect">
+            <a:avLst/>
+          </a:prstGeom>
+          <a:noFill/>
+        </p:spPr>
+        <p:txBody>
+          <a:bodyPr wrap="square" rtlCol="0">
+            <a:spAutoFit/>
+          </a:bodyPr>
+          <a:lstStyle/>
+          <a:p>
+            <a:pPr algn="ctr"/>
+            <a:r>
+              <a:rPr lang="ko-KR" altLang="en-US" sz="8000"/>
+              <a:t>탐색적 데이터 분석</a:t>
+            </a:r>
+            <a:endParaRPr lang="en-US" altLang="ko-KR" sz="8000" dirty="0"/>
+          </a:p>
+        </p:txBody>
+      </p:sp>
+      <p:sp>
+        <p:nvSpPr>
+          <p:cNvPr id="2" name="TextBox 1"/>
+          <p:cNvSpPr txBox="1"/>
+          <p:nvPr/>
+        </p:nvSpPr>
+        <p:spPr>
+          <a:xfrm>
+            <a:off x="5618560" y="3627312"/>
+            <a:ext cx="954877" cy="584775"/>
+          </a:xfrm>
+          <a:prstGeom prst="rect">
+            <a:avLst/>
+          </a:prstGeom>
+          <a:noFill/>
+        </p:spPr>
+        <p:txBody>
+          <a:bodyPr wrap="none" rtlCol="0">
+            <a:spAutoFit/>
+          </a:bodyPr>
+          <a:lstStyle/>
+          <a:p>
+            <a:pPr algn="ctr"/>
+            <a:r>
+              <a:rPr lang="en-US" altLang="ko-KR" sz="3200" dirty="0"/>
+              <a:t>EDA</a:t>
+            </a:r>
+            <a:endParaRPr lang="ko-KR" altLang="en-US" sz="3200" dirty="0"/>
+          </a:p>
+        </p:txBody>
+      </p:sp>
+    </p:spTree>
+    <p:extLst>
+      <p:ext uri="{BB962C8B-B14F-4D97-AF65-F5344CB8AC3E}">
+        <p14:creationId xmlns:p14="http://schemas.microsoft.com/office/powerpoint/2010/main" val="2180189245"/>
+      </p:ext>
+    </p:extLst>
+  </p:cSld>
+  <p:clrMapOvr>
+    <a:masterClrMapping/>
+  </p:clrMapOvr>
+</p:sld>
+</file>
+
+<file path=ppt/slides/slide34.xml><?xml version="1.0" encoding="utf-8"?>
+<p:sld xmlns:a="http://schemas.openxmlformats.org/drawingml/2006/main" xmlns:r="http://schemas.openxmlformats.org/officeDocument/2006/relationships" xmlns:p="http://schemas.openxmlformats.org/presentationml/2006/main">
+  <p:cSld>
+    <p:spTree>
+      <p:nvGrpSpPr>
+        <p:cNvPr id="1" name=""/>
+        <p:cNvGrpSpPr/>
+        <p:nvPr/>
+      </p:nvGrpSpPr>
+      <p:grpSpPr>
+        <a:xfrm>
+          <a:off x="0" y="0"/>
+          <a:ext cx="0" cy="0"/>
+          <a:chOff x="0" y="0"/>
+          <a:chExt cx="0" cy="0"/>
+        </a:xfrm>
+      </p:grpSpPr>
+      <p:sp>
+        <p:nvSpPr>
+          <p:cNvPr id="2" name="TextBox 1">
+            <a:extLst>
+              <a:ext uri="{FF2B5EF4-FFF2-40B4-BE49-F238E27FC236}">
+                <a16:creationId xmlns:a16="http://schemas.microsoft.com/office/drawing/2014/main" id="{270137EC-62AB-4201-995D-9F199EDD573A}"/>
+              </a:ext>
+            </a:extLst>
+          </p:cNvPr>
+          <p:cNvSpPr txBox="1"/>
+          <p:nvPr/>
+        </p:nvSpPr>
+        <p:spPr>
+          <a:xfrm>
+            <a:off x="457200" y="328613"/>
+            <a:ext cx="2106667" cy="523220"/>
+          </a:xfrm>
+          <a:prstGeom prst="rect">
+            <a:avLst/>
+          </a:prstGeom>
+          <a:noFill/>
+        </p:spPr>
+        <p:txBody>
+          <a:bodyPr wrap="none" rtlCol="0">
+            <a:spAutoFit/>
+          </a:bodyPr>
+          <a:lstStyle/>
+          <a:p>
+            <a:r>
+              <a:rPr lang="ko-KR" altLang="en-US" sz="2800" dirty="0">
+                <a:latin typeface="+mj-ea"/>
+                <a:ea typeface="+mj-ea"/>
+              </a:rPr>
+              <a:t>기본 통계량</a:t>
+            </a:r>
+          </a:p>
+        </p:txBody>
+      </p:sp>
+      <p:sp>
+        <p:nvSpPr>
+          <p:cNvPr id="3" name="TextBox 2">
+            <a:extLst>
+              <a:ext uri="{FF2B5EF4-FFF2-40B4-BE49-F238E27FC236}">
+                <a16:creationId xmlns:a16="http://schemas.microsoft.com/office/drawing/2014/main" id="{BC1F6E87-EDFD-47A7-AFEA-9697696D7632}"/>
+              </a:ext>
+            </a:extLst>
+          </p:cNvPr>
+          <p:cNvSpPr txBox="1"/>
+          <p:nvPr/>
+        </p:nvSpPr>
+        <p:spPr>
+          <a:xfrm>
+            <a:off x="2563867" y="328613"/>
+            <a:ext cx="7572375" cy="461665"/>
+          </a:xfrm>
+          <a:prstGeom prst="rect">
+            <a:avLst/>
+          </a:prstGeom>
+          <a:noFill/>
+        </p:spPr>
+        <p:txBody>
+          <a:bodyPr wrap="square" rtlCol="0">
+            <a:spAutoFit/>
+          </a:bodyPr>
+          <a:lstStyle/>
+          <a:p>
+            <a:r>
+              <a:rPr lang="en-US" altLang="ko-KR" sz="2400" dirty="0"/>
+              <a:t>describe() </a:t>
+            </a:r>
+            <a:r>
+              <a:rPr lang="ko-KR" altLang="en-US" sz="2400" dirty="0"/>
+              <a:t>함수 사용</a:t>
+            </a:r>
+          </a:p>
+        </p:txBody>
+      </p:sp>
+      <p:pic>
+        <p:nvPicPr>
+          <p:cNvPr id="7" name="그림 6">
+            <a:extLst>
+              <a:ext uri="{FF2B5EF4-FFF2-40B4-BE49-F238E27FC236}">
+                <a16:creationId xmlns:a16="http://schemas.microsoft.com/office/drawing/2014/main" id="{AFEA6DAE-5566-4657-B249-02ECB63C283C}"/>
+              </a:ext>
+            </a:extLst>
+          </p:cNvPr>
+          <p:cNvPicPr>
+            <a:picLocks noChangeAspect="1"/>
+          </p:cNvPicPr>
+          <p:nvPr/>
+        </p:nvPicPr>
+        <p:blipFill>
+          <a:blip r:embed="rId2"/>
+          <a:stretch>
+            <a:fillRect/>
+          </a:stretch>
+        </p:blipFill>
+        <p:spPr>
+          <a:xfrm>
+            <a:off x="1149524" y="1637644"/>
+            <a:ext cx="9892952" cy="3814763"/>
+          </a:xfrm>
+          <a:prstGeom prst="rect">
+            <a:avLst/>
+          </a:prstGeom>
+        </p:spPr>
+      </p:pic>
+    </p:spTree>
+    <p:extLst>
+      <p:ext uri="{BB962C8B-B14F-4D97-AF65-F5344CB8AC3E}">
+        <p14:creationId xmlns:p14="http://schemas.microsoft.com/office/powerpoint/2010/main" val="1095692129"/>
+      </p:ext>
+    </p:extLst>
+  </p:cSld>
+  <p:clrMapOvr>
+    <a:masterClrMapping/>
+  </p:clrMapOvr>
+</p:sld>
+</file>
+
+<file path=ppt/slides/slide35.xml><?xml version="1.0" encoding="utf-8"?>
+<p:sld xmlns:a="http://schemas.openxmlformats.org/drawingml/2006/main" xmlns:r="http://schemas.openxmlformats.org/officeDocument/2006/relationships" xmlns:p="http://schemas.openxmlformats.org/presentationml/2006/main">
+  <p:cSld>
+    <p:spTree>
+      <p:nvGrpSpPr>
+        <p:cNvPr id="1" name=""/>
+        <p:cNvGrpSpPr/>
+        <p:nvPr/>
+      </p:nvGrpSpPr>
+      <p:grpSpPr>
+        <a:xfrm>
+          <a:off x="0" y="0"/>
+          <a:ext cx="0" cy="0"/>
+          <a:chOff x="0" y="0"/>
+          <a:chExt cx="0" cy="0"/>
+        </a:xfrm>
+      </p:grpSpPr>
+      <p:sp>
+        <p:nvSpPr>
+          <p:cNvPr id="2" name="TextBox 1">
+            <a:extLst>
+              <a:ext uri="{FF2B5EF4-FFF2-40B4-BE49-F238E27FC236}">
+                <a16:creationId xmlns:a16="http://schemas.microsoft.com/office/drawing/2014/main" id="{270137EC-62AB-4201-995D-9F199EDD573A}"/>
+              </a:ext>
+            </a:extLst>
+          </p:cNvPr>
+          <p:cNvSpPr txBox="1"/>
+          <p:nvPr/>
+        </p:nvSpPr>
+        <p:spPr>
+          <a:xfrm>
+            <a:off x="457200" y="328613"/>
+            <a:ext cx="1261884" cy="523220"/>
+          </a:xfrm>
+          <a:prstGeom prst="rect">
+            <a:avLst/>
+          </a:prstGeom>
+          <a:noFill/>
+        </p:spPr>
+        <p:txBody>
+          <a:bodyPr wrap="none" rtlCol="0">
+            <a:spAutoFit/>
+          </a:bodyPr>
+          <a:lstStyle/>
+          <a:p>
+            <a:r>
+              <a:rPr lang="ko-KR" altLang="en-US" sz="2800" dirty="0">
+                <a:latin typeface="+mj-ea"/>
+                <a:ea typeface="+mj-ea"/>
+              </a:rPr>
+              <a:t>시각화</a:t>
+            </a:r>
+          </a:p>
+        </p:txBody>
+      </p:sp>
+      <p:sp>
+        <p:nvSpPr>
+          <p:cNvPr id="3" name="TextBox 2">
+            <a:extLst>
+              <a:ext uri="{FF2B5EF4-FFF2-40B4-BE49-F238E27FC236}">
+                <a16:creationId xmlns:a16="http://schemas.microsoft.com/office/drawing/2014/main" id="{BC1F6E87-EDFD-47A7-AFEA-9697696D7632}"/>
+              </a:ext>
+            </a:extLst>
+          </p:cNvPr>
+          <p:cNvSpPr txBox="1"/>
+          <p:nvPr/>
+        </p:nvSpPr>
+        <p:spPr>
+          <a:xfrm>
+            <a:off x="2563867" y="328613"/>
+            <a:ext cx="7572375" cy="461665"/>
+          </a:xfrm>
+          <a:prstGeom prst="rect">
+            <a:avLst/>
+          </a:prstGeom>
+          <a:noFill/>
+        </p:spPr>
+        <p:txBody>
+          <a:bodyPr wrap="square" rtlCol="0">
+            <a:spAutoFit/>
+          </a:bodyPr>
+          <a:lstStyle/>
+          <a:p>
+            <a:r>
+              <a:rPr lang="ko-KR" altLang="en-US" sz="2400" dirty="0" err="1"/>
+              <a:t>히트맵으로</a:t>
+            </a:r>
+            <a:r>
+              <a:rPr lang="ko-KR" altLang="en-US" sz="2400" dirty="0"/>
+              <a:t> 데이터의 분포 확인</a:t>
+            </a:r>
+          </a:p>
+        </p:txBody>
+      </p:sp>
+      <p:pic>
+        <p:nvPicPr>
+          <p:cNvPr id="1026" name="Picture 2">
+            <a:extLst>
+              <a:ext uri="{FF2B5EF4-FFF2-40B4-BE49-F238E27FC236}">
+                <a16:creationId xmlns:a16="http://schemas.microsoft.com/office/drawing/2014/main" id="{86D40D81-207F-4F31-8155-20374D814B88}"/>
+              </a:ext>
+            </a:extLst>
+          </p:cNvPr>
+          <p:cNvPicPr>
+            <a:picLocks noChangeAspect="1" noChangeArrowheads="1"/>
+          </p:cNvPicPr>
+          <p:nvPr/>
+        </p:nvPicPr>
+        <p:blipFill>
+          <a:blip r:embed="rId2">
+            <a:extLst>
+              <a:ext uri="{28A0092B-C50C-407E-A947-70E740481C1C}">
+                <a14:useLocalDpi xmlns:a14="http://schemas.microsoft.com/office/drawing/2010/main" val="0"/>
+              </a:ext>
+            </a:extLst>
+          </a:blip>
+          <a:srcRect/>
+          <a:stretch>
+            <a:fillRect/>
+          </a:stretch>
+        </p:blipFill>
+        <p:spPr bwMode="auto">
+          <a:xfrm>
+            <a:off x="2855118" y="1067704"/>
+            <a:ext cx="6481764" cy="5461683"/>
+          </a:xfrm>
+          <a:prstGeom prst="rect">
+            <a:avLst/>
+          </a:prstGeom>
+          <a:noFill/>
+          <a:ln>
+            <a:solidFill>
+              <a:schemeClr val="accent1"/>
+            </a:solidFill>
+          </a:ln>
+          <a:extLst>
+            <a:ext uri="{909E8E84-426E-40DD-AFC4-6F175D3DCCD1}">
+              <a14:hiddenFill xmlns:a14="http://schemas.microsoft.com/office/drawing/2010/main">
+                <a:solidFill>
+                  <a:srgbClr val="FFFFFF"/>
+                </a:solidFill>
+              </a14:hiddenFill>
+            </a:ext>
+          </a:extLst>
+        </p:spPr>
+      </p:pic>
+    </p:spTree>
+    <p:extLst>
+      <p:ext uri="{BB962C8B-B14F-4D97-AF65-F5344CB8AC3E}">
+        <p14:creationId xmlns:p14="http://schemas.microsoft.com/office/powerpoint/2010/main" val="1951624791"/>
+      </p:ext>
+    </p:extLst>
+  </p:cSld>
+  <p:clrMapOvr>
+    <a:masterClrMapping/>
+  </p:clrMapOvr>
+</p:sld>
+</file>
+
+<file path=ppt/slides/slide36.xml><?xml version="1.0" encoding="utf-8"?>
+<p:sld xmlns:a="http://schemas.openxmlformats.org/drawingml/2006/main" xmlns:r="http://schemas.openxmlformats.org/officeDocument/2006/relationships" xmlns:p="http://schemas.openxmlformats.org/presentationml/2006/main">
+  <p:cSld>
+    <p:spTree>
+      <p:nvGrpSpPr>
+        <p:cNvPr id="1" name=""/>
+        <p:cNvGrpSpPr/>
+        <p:nvPr/>
+      </p:nvGrpSpPr>
+      <p:grpSpPr>
+        <a:xfrm>
+          <a:off x="0" y="0"/>
+          <a:ext cx="0" cy="0"/>
+          <a:chOff x="0" y="0"/>
+          <a:chExt cx="0" cy="0"/>
+        </a:xfrm>
+      </p:grpSpPr>
+      <p:sp>
+        <p:nvSpPr>
+          <p:cNvPr id="3" name="TextBox 2">
+            <a:extLst>
+              <a:ext uri="{FF2B5EF4-FFF2-40B4-BE49-F238E27FC236}">
+                <a16:creationId xmlns:a16="http://schemas.microsoft.com/office/drawing/2014/main" id="{BC1F6E87-EDFD-47A7-AFEA-9697696D7632}"/>
+              </a:ext>
+            </a:extLst>
+          </p:cNvPr>
+          <p:cNvSpPr txBox="1"/>
+          <p:nvPr/>
+        </p:nvSpPr>
+        <p:spPr>
+          <a:xfrm>
+            <a:off x="2208876" y="2162568"/>
+            <a:ext cx="7026678" cy="1323439"/>
+          </a:xfrm>
+          <a:prstGeom prst="rect">
+            <a:avLst/>
+          </a:prstGeom>
+          <a:noFill/>
+        </p:spPr>
+        <p:txBody>
+          <a:bodyPr wrap="square" rtlCol="0">
+            <a:spAutoFit/>
+          </a:bodyPr>
+          <a:lstStyle/>
+          <a:p>
+            <a:pPr algn="ctr"/>
+            <a:r>
+              <a:rPr lang="ko-KR" altLang="en-US" sz="8000" dirty="0"/>
+              <a:t>시각화</a:t>
+            </a:r>
+            <a:endParaRPr lang="en-US" altLang="ko-KR" sz="8000" dirty="0"/>
+          </a:p>
+        </p:txBody>
+      </p:sp>
+      <p:sp>
+        <p:nvSpPr>
+          <p:cNvPr id="2" name="TextBox 1"/>
+          <p:cNvSpPr txBox="1"/>
+          <p:nvPr/>
+        </p:nvSpPr>
+        <p:spPr>
+          <a:xfrm>
+            <a:off x="3456661" y="3878120"/>
+            <a:ext cx="4931158" cy="584775"/>
+          </a:xfrm>
+          <a:prstGeom prst="rect">
+            <a:avLst/>
+          </a:prstGeom>
+          <a:noFill/>
+        </p:spPr>
+        <p:txBody>
+          <a:bodyPr wrap="none" rtlCol="0">
+            <a:spAutoFit/>
+          </a:bodyPr>
+          <a:lstStyle/>
+          <a:p>
+            <a:r>
+              <a:rPr lang="en-US" altLang="ko-KR" sz="3200" dirty="0"/>
+              <a:t>folium </a:t>
+            </a:r>
+            <a:r>
+              <a:rPr lang="ko-KR" altLang="en-US" sz="3200" dirty="0"/>
+              <a:t>라이브러리를 이용</a:t>
+            </a:r>
+          </a:p>
+        </p:txBody>
+      </p:sp>
+    </p:spTree>
+    <p:extLst>
+      <p:ext uri="{BB962C8B-B14F-4D97-AF65-F5344CB8AC3E}">
+        <p14:creationId xmlns:p14="http://schemas.microsoft.com/office/powerpoint/2010/main" val="1900762214"/>
+      </p:ext>
+    </p:extLst>
+  </p:cSld>
+  <p:clrMapOvr>
+    <a:masterClrMapping/>
+  </p:clrMapOvr>
+</p:sld>
+</file>
+
+<file path=ppt/slides/slide37.xml><?xml version="1.0" encoding="utf-8"?>
+<p:sld xmlns:a="http://schemas.openxmlformats.org/drawingml/2006/main" xmlns:r="http://schemas.openxmlformats.org/officeDocument/2006/relationships" xmlns:p="http://schemas.openxmlformats.org/presentationml/2006/main">
+  <p:cSld>
+    <p:spTree>
+      <p:nvGrpSpPr>
+        <p:cNvPr id="1" name=""/>
+        <p:cNvGrpSpPr/>
+        <p:nvPr/>
+      </p:nvGrpSpPr>
+      <p:grpSpPr>
+        <a:xfrm>
+          <a:off x="0" y="0"/>
+          <a:ext cx="0" cy="0"/>
+          <a:chOff x="0" y="0"/>
+          <a:chExt cx="0" cy="0"/>
+        </a:xfrm>
+      </p:grpSpPr>
+      <p:sp>
+        <p:nvSpPr>
+          <p:cNvPr id="2" name="TextBox 1">
+            <a:extLst>
+              <a:ext uri="{FF2B5EF4-FFF2-40B4-BE49-F238E27FC236}">
+                <a16:creationId xmlns:a16="http://schemas.microsoft.com/office/drawing/2014/main" id="{270137EC-62AB-4201-995D-9F199EDD573A}"/>
+              </a:ext>
+            </a:extLst>
+          </p:cNvPr>
+          <p:cNvSpPr txBox="1"/>
+          <p:nvPr/>
+        </p:nvSpPr>
+        <p:spPr>
+          <a:xfrm>
+            <a:off x="457200" y="328613"/>
+            <a:ext cx="1261884" cy="523220"/>
+          </a:xfrm>
+          <a:prstGeom prst="rect">
+            <a:avLst/>
+          </a:prstGeom>
+          <a:noFill/>
+        </p:spPr>
+        <p:txBody>
+          <a:bodyPr wrap="none" rtlCol="0">
+            <a:spAutoFit/>
+          </a:bodyPr>
+          <a:lstStyle/>
+          <a:p>
+            <a:r>
+              <a:rPr lang="ko-KR" altLang="en-US" sz="2800" dirty="0">
+                <a:latin typeface="+mj-ea"/>
+                <a:ea typeface="+mj-ea"/>
+              </a:rPr>
+              <a:t>시각화</a:t>
+            </a:r>
+          </a:p>
+        </p:txBody>
+      </p:sp>
+      <p:sp>
+        <p:nvSpPr>
+          <p:cNvPr id="3" name="TextBox 2">
+            <a:extLst>
+              <a:ext uri="{FF2B5EF4-FFF2-40B4-BE49-F238E27FC236}">
+                <a16:creationId xmlns:a16="http://schemas.microsoft.com/office/drawing/2014/main" id="{BC1F6E87-EDFD-47A7-AFEA-9697696D7632}"/>
+              </a:ext>
+            </a:extLst>
+          </p:cNvPr>
+          <p:cNvSpPr txBox="1"/>
+          <p:nvPr/>
+        </p:nvSpPr>
+        <p:spPr>
+          <a:xfrm>
+            <a:off x="2563867" y="328613"/>
+            <a:ext cx="7572375" cy="461665"/>
+          </a:xfrm>
+          <a:prstGeom prst="rect">
+            <a:avLst/>
+          </a:prstGeom>
+          <a:noFill/>
+        </p:spPr>
+        <p:txBody>
+          <a:bodyPr wrap="square" rtlCol="0">
+            <a:spAutoFit/>
+          </a:bodyPr>
+          <a:lstStyle/>
+          <a:p>
+            <a:r>
+              <a:rPr lang="en-US" altLang="ko-KR" sz="2400" dirty="0"/>
+              <a:t>(  html</a:t>
+            </a:r>
+            <a:r>
+              <a:rPr lang="ko-KR" altLang="en-US" sz="2400" dirty="0"/>
+              <a:t>로 배포하면 그 </a:t>
+            </a:r>
+            <a:r>
+              <a:rPr lang="en-US" altLang="ko-KR" sz="2400" dirty="0" err="1"/>
+              <a:t>url</a:t>
+            </a:r>
+            <a:r>
+              <a:rPr lang="ko-KR" altLang="en-US" sz="2400" dirty="0"/>
+              <a:t> 적기   </a:t>
+            </a:r>
+            <a:r>
+              <a:rPr lang="en-US" altLang="ko-KR" sz="2400" dirty="0"/>
+              <a:t>)</a:t>
+            </a:r>
+            <a:endParaRPr lang="ko-KR" altLang="en-US" sz="2400" dirty="0"/>
+          </a:p>
+        </p:txBody>
+      </p:sp>
+      <p:pic>
+        <p:nvPicPr>
+          <p:cNvPr id="6" name="그림 5">
+            <a:extLst>
+              <a:ext uri="{FF2B5EF4-FFF2-40B4-BE49-F238E27FC236}">
+                <a16:creationId xmlns:a16="http://schemas.microsoft.com/office/drawing/2014/main" id="{78B7043F-C8B9-463C-A8EC-EE54861DFEA2}"/>
+              </a:ext>
+            </a:extLst>
+          </p:cNvPr>
+          <p:cNvPicPr>
+            <a:picLocks noChangeAspect="1"/>
+          </p:cNvPicPr>
+          <p:nvPr/>
+        </p:nvPicPr>
+        <p:blipFill>
+          <a:blip r:embed="rId2"/>
+          <a:stretch>
+            <a:fillRect/>
+          </a:stretch>
+        </p:blipFill>
+        <p:spPr>
+          <a:xfrm>
+            <a:off x="2397465" y="851833"/>
+            <a:ext cx="7738777" cy="5453062"/>
+          </a:xfrm>
+          <a:prstGeom prst="rect">
+            <a:avLst/>
+          </a:prstGeom>
+        </p:spPr>
+      </p:pic>
+    </p:spTree>
+    <p:extLst>
+      <p:ext uri="{BB962C8B-B14F-4D97-AF65-F5344CB8AC3E}">
+        <p14:creationId xmlns:p14="http://schemas.microsoft.com/office/powerpoint/2010/main" val="3873820452"/>
+      </p:ext>
+    </p:extLst>
+  </p:cSld>
+  <p:clrMapOvr>
+    <a:masterClrMapping/>
+  </p:clrMapOvr>
+</p:sld>
+</file>
+
+<file path=ppt/slides/slide38.xml><?xml version="1.0" encoding="utf-8"?>
+<p:sld xmlns:a="http://schemas.openxmlformats.org/drawingml/2006/main" xmlns:r="http://schemas.openxmlformats.org/officeDocument/2006/relationships" xmlns:p="http://schemas.openxmlformats.org/presentationml/2006/main">
+  <p:cSld>
+    <p:spTree>
+      <p:nvGrpSpPr>
+        <p:cNvPr id="1" name=""/>
+        <p:cNvGrpSpPr/>
+        <p:nvPr/>
+      </p:nvGrpSpPr>
+      <p:grpSpPr>
+        <a:xfrm>
+          <a:off x="0" y="0"/>
+          <a:ext cx="0" cy="0"/>
+          <a:chOff x="0" y="0"/>
+          <a:chExt cx="0" cy="0"/>
+        </a:xfrm>
+      </p:grpSpPr>
+      <p:sp>
+        <p:nvSpPr>
+          <p:cNvPr id="2" name="TextBox 1">
+            <a:extLst>
+              <a:ext uri="{FF2B5EF4-FFF2-40B4-BE49-F238E27FC236}">
+                <a16:creationId xmlns:a16="http://schemas.microsoft.com/office/drawing/2014/main" id="{270137EC-62AB-4201-995D-9F199EDD573A}"/>
+              </a:ext>
+            </a:extLst>
+          </p:cNvPr>
+          <p:cNvSpPr txBox="1"/>
+          <p:nvPr/>
+        </p:nvSpPr>
+        <p:spPr>
+          <a:xfrm>
+            <a:off x="457200" y="328613"/>
+            <a:ext cx="2106667" cy="523220"/>
+          </a:xfrm>
+          <a:prstGeom prst="rect">
+            <a:avLst/>
+          </a:prstGeom>
+          <a:noFill/>
+        </p:spPr>
+        <p:txBody>
+          <a:bodyPr wrap="none" rtlCol="0">
+            <a:spAutoFit/>
+          </a:bodyPr>
+          <a:lstStyle/>
+          <a:p>
+            <a:r>
+              <a:rPr lang="ko-KR" altLang="en-US" sz="2800" dirty="0">
+                <a:latin typeface="+mj-ea"/>
+                <a:ea typeface="+mj-ea"/>
+              </a:rPr>
               <a:t>참고 사이트</a:t>
             </a:r>
           </a:p>
@@ -8142,7 +9126,7 @@
         <p:spPr>
           <a:xfrm>
             <a:off x="1366263" y="1021049"/>
-            <a:ext cx="10056913" cy="2677656"/>
+            <a:ext cx="10056913" cy="3416320"/>
           </a:xfrm>
           <a:prstGeom prst="rect">
             <a:avLst/>
@@ -8292,6 +9276,33 @@
                 <a:hlinkClick r:id="rId7"/>
               </a:rPr>
               <a:t>https://teddylee777.github.io/visualization/folium/</a:t>
+            </a:r>
+            <a:r>
+              <a:rPr lang="en-US" altLang="ko-KR" sz="2400" dirty="0"/>
+              <a:t> </a:t>
+            </a:r>
+          </a:p>
+          <a:p>
+            <a:pPr marL="457200" indent="-457200">
+              <a:buAutoNum type="arabicPeriod"/>
+            </a:pPr>
+            <a:r>
+              <a:rPr lang="en-US" altLang="ko-KR" sz="2400" dirty="0"/>
+              <a:t>matplotlib </a:t>
+            </a:r>
+            <a:r>
+              <a:rPr lang="ko-KR" altLang="en-US" sz="2400" dirty="0"/>
+              <a:t>색 </a:t>
+            </a:r>
+            <a:r>
+              <a:rPr lang="en-US" altLang="ko-KR" sz="2400" dirty="0"/>
+              <a:t>- </a:t>
+            </a:r>
+            <a:r>
+              <a:rPr lang="en-US" altLang="ko-KR" sz="2400" dirty="0">
+                <a:hlinkClick r:id="rId8"/>
+              </a:rPr>
+              <a:t>https://matplotlib.org/stable/tutorials/colors/colormaps.html</a:t>
             </a:r>
             <a:r>
               <a:rPr lang="en-US" altLang="ko-KR" sz="2400" dirty="0"/>

--- a/230810.pptx
+++ b/230810.pptx
@@ -30,19 +30,22 @@
     <p:sldId id="277" r:id="rId24"/>
     <p:sldId id="285" r:id="rId25"/>
     <p:sldId id="282" r:id="rId26"/>
-    <p:sldId id="287" r:id="rId27"/>
-    <p:sldId id="283" r:id="rId28"/>
-    <p:sldId id="284" r:id="rId29"/>
-    <p:sldId id="288" r:id="rId30"/>
-    <p:sldId id="289" r:id="rId31"/>
-    <p:sldId id="290" r:id="rId32"/>
-    <p:sldId id="291" r:id="rId33"/>
-    <p:sldId id="294" r:id="rId34"/>
-    <p:sldId id="292" r:id="rId35"/>
-    <p:sldId id="296" r:id="rId36"/>
-    <p:sldId id="295" r:id="rId37"/>
-    <p:sldId id="293" r:id="rId38"/>
-    <p:sldId id="271" r:id="rId39"/>
+    <p:sldId id="283" r:id="rId27"/>
+    <p:sldId id="284" r:id="rId28"/>
+    <p:sldId id="288" r:id="rId29"/>
+    <p:sldId id="289" r:id="rId30"/>
+    <p:sldId id="290" r:id="rId31"/>
+    <p:sldId id="291" r:id="rId32"/>
+    <p:sldId id="294" r:id="rId33"/>
+    <p:sldId id="292" r:id="rId34"/>
+    <p:sldId id="296" r:id="rId35"/>
+    <p:sldId id="297" r:id="rId36"/>
+    <p:sldId id="300" r:id="rId37"/>
+    <p:sldId id="299" r:id="rId38"/>
+    <p:sldId id="298" r:id="rId39"/>
+    <p:sldId id="295" r:id="rId40"/>
+    <p:sldId id="293" r:id="rId41"/>
+    <p:sldId id="271" r:id="rId42"/>
   </p:sldIdLst>
   <p:sldSz cx="12192000" cy="6858000"/>
   <p:notesSz cx="6858000" cy="9144000"/>
@@ -296,7 +299,7 @@
           <a:p>
             <a:fld id="{1AE649FE-7221-47BD-88A2-E39483B2D334}" type="datetimeFigureOut">
               <a:rPr lang="ko-KR" altLang="en-US" smtClean="0"/>
-              <a:t>2023-08-14</a:t>
+              <a:t>2023-08-15</a:t>
             </a:fld>
             <a:endParaRPr lang="ko-KR" altLang="en-US"/>
           </a:p>
@@ -494,7 +497,7 @@
           <a:p>
             <a:fld id="{1AE649FE-7221-47BD-88A2-E39483B2D334}" type="datetimeFigureOut">
               <a:rPr lang="ko-KR" altLang="en-US" smtClean="0"/>
-              <a:t>2023-08-14</a:t>
+              <a:t>2023-08-15</a:t>
             </a:fld>
             <a:endParaRPr lang="ko-KR" altLang="en-US"/>
           </a:p>
@@ -702,7 +705,7 @@
           <a:p>
             <a:fld id="{1AE649FE-7221-47BD-88A2-E39483B2D334}" type="datetimeFigureOut">
               <a:rPr lang="ko-KR" altLang="en-US" smtClean="0"/>
-              <a:t>2023-08-14</a:t>
+              <a:t>2023-08-15</a:t>
             </a:fld>
             <a:endParaRPr lang="ko-KR" altLang="en-US"/>
           </a:p>
@@ -900,7 +903,7 @@
           <a:p>
             <a:fld id="{1AE649FE-7221-47BD-88A2-E39483B2D334}" type="datetimeFigureOut">
               <a:rPr lang="ko-KR" altLang="en-US" smtClean="0"/>
-              <a:t>2023-08-14</a:t>
+              <a:t>2023-08-15</a:t>
             </a:fld>
             <a:endParaRPr lang="ko-KR" altLang="en-US"/>
           </a:p>
@@ -1175,7 +1178,7 @@
           <a:p>
             <a:fld id="{1AE649FE-7221-47BD-88A2-E39483B2D334}" type="datetimeFigureOut">
               <a:rPr lang="ko-KR" altLang="en-US" smtClean="0"/>
-              <a:t>2023-08-14</a:t>
+              <a:t>2023-08-15</a:t>
             </a:fld>
             <a:endParaRPr lang="ko-KR" altLang="en-US"/>
           </a:p>
@@ -1440,7 +1443,7 @@
           <a:p>
             <a:fld id="{1AE649FE-7221-47BD-88A2-E39483B2D334}" type="datetimeFigureOut">
               <a:rPr lang="ko-KR" altLang="en-US" smtClean="0"/>
-              <a:t>2023-08-14</a:t>
+              <a:t>2023-08-15</a:t>
             </a:fld>
             <a:endParaRPr lang="ko-KR" altLang="en-US"/>
           </a:p>
@@ -1852,7 +1855,7 @@
           <a:p>
             <a:fld id="{1AE649FE-7221-47BD-88A2-E39483B2D334}" type="datetimeFigureOut">
               <a:rPr lang="ko-KR" altLang="en-US" smtClean="0"/>
-              <a:t>2023-08-14</a:t>
+              <a:t>2023-08-15</a:t>
             </a:fld>
             <a:endParaRPr lang="ko-KR" altLang="en-US"/>
           </a:p>
@@ -1993,7 +1996,7 @@
           <a:p>
             <a:fld id="{1AE649FE-7221-47BD-88A2-E39483B2D334}" type="datetimeFigureOut">
               <a:rPr lang="ko-KR" altLang="en-US" smtClean="0"/>
-              <a:t>2023-08-14</a:t>
+              <a:t>2023-08-15</a:t>
             </a:fld>
             <a:endParaRPr lang="ko-KR" altLang="en-US"/>
           </a:p>
@@ -2106,7 +2109,7 @@
           <a:p>
             <a:fld id="{1AE649FE-7221-47BD-88A2-E39483B2D334}" type="datetimeFigureOut">
               <a:rPr lang="ko-KR" altLang="en-US" smtClean="0"/>
-              <a:t>2023-08-14</a:t>
+              <a:t>2023-08-15</a:t>
             </a:fld>
             <a:endParaRPr lang="ko-KR" altLang="en-US"/>
           </a:p>
@@ -2417,7 +2420,7 @@
           <a:p>
             <a:fld id="{1AE649FE-7221-47BD-88A2-E39483B2D334}" type="datetimeFigureOut">
               <a:rPr lang="ko-KR" altLang="en-US" smtClean="0"/>
-              <a:t>2023-08-14</a:t>
+              <a:t>2023-08-15</a:t>
             </a:fld>
             <a:endParaRPr lang="ko-KR" altLang="en-US"/>
           </a:p>
@@ -2705,7 +2708,7 @@
           <a:p>
             <a:fld id="{1AE649FE-7221-47BD-88A2-E39483B2D334}" type="datetimeFigureOut">
               <a:rPr lang="ko-KR" altLang="en-US" smtClean="0"/>
-              <a:t>2023-08-14</a:t>
+              <a:t>2023-08-15</a:t>
             </a:fld>
             <a:endParaRPr lang="ko-KR" altLang="en-US"/>
           </a:p>
@@ -2946,7 +2949,7 @@
           <a:p>
             <a:fld id="{1AE649FE-7221-47BD-88A2-E39483B2D334}" type="datetimeFigureOut">
               <a:rPr lang="ko-KR" altLang="en-US" smtClean="0"/>
-              <a:t>2023-08-14</a:t>
+              <a:t>2023-08-15</a:t>
             </a:fld>
             <a:endParaRPr lang="ko-KR" altLang="en-US"/>
           </a:p>
@@ -3509,7 +3512,7 @@
         <p:spPr>
           <a:xfrm>
             <a:off x="957262" y="1265038"/>
-            <a:ext cx="9537866" cy="3416320"/>
+            <a:ext cx="9537866" cy="4524315"/>
           </a:xfrm>
           <a:prstGeom prst="rect">
             <a:avLst/>
@@ -3633,15 +3636,49 @@
               <a:rPr lang="ko-KR" altLang="en-US" sz="2400" dirty="0"/>
               <a:t>시각화 라이브러리</a:t>
             </a:r>
-            <a:endParaRPr lang="en-US" altLang="ko-KR" sz="2400" dirty="0"/>
-          </a:p>
-          <a:p>
-            <a:pPr lvl="1"/>
+            <a:br>
+              <a:rPr lang="en-US" altLang="ko-KR" sz="2400" dirty="0"/>
+            </a:br>
             <a:r>
               <a:rPr lang="en-US" altLang="ko-KR" sz="2400" dirty="0">
                 <a:hlinkClick r:id="rId4"/>
               </a:rPr>
               <a:t>https://matplotlib.org</a:t>
+            </a:r>
+            <a:br>
+              <a:rPr lang="en-US" altLang="ko-KR" sz="2400" dirty="0"/>
+            </a:br>
+            <a:endParaRPr lang="en-US" altLang="ko-KR" sz="2400" dirty="0"/>
+          </a:p>
+          <a:p>
+            <a:pPr marL="342900" indent="-342900">
+              <a:buFontTx/>
+              <a:buChar char="-"/>
+            </a:pPr>
+            <a:r>
+              <a:rPr lang="en-US" altLang="ko-KR" sz="2400" dirty="0"/>
+              <a:t>seaborn </a:t>
+            </a:r>
+            <a:r>
+              <a:rPr lang="ko-KR" altLang="en-US" sz="2400" dirty="0"/>
+              <a:t>사용 </a:t>
+            </a:r>
+            <a:r>
+              <a:rPr lang="en-US" altLang="ko-KR" sz="2400" dirty="0"/>
+              <a:t>: </a:t>
+            </a:r>
+            <a:r>
+              <a:rPr lang="ko-KR" altLang="en-US" sz="2400" dirty="0"/>
+              <a:t>시각화 라이브러리</a:t>
+            </a:r>
+            <a:br>
+              <a:rPr lang="en-US" altLang="ko-KR" sz="2400" dirty="0"/>
+            </a:br>
+            <a:r>
+              <a:rPr lang="en-US" altLang="ko-KR" sz="2400" dirty="0">
+                <a:hlinkClick r:id="rId5"/>
+              </a:rPr>
+              <a:t>https://seaborn.pydata.org/index.html</a:t>
             </a:r>
             <a:r>
               <a:rPr lang="en-US" altLang="ko-KR" sz="2400" dirty="0"/>
@@ -7014,7 +7051,7 @@
         <p:spPr>
           <a:xfrm>
             <a:off x="457200" y="328613"/>
-            <a:ext cx="2465740" cy="523220"/>
+            <a:ext cx="2106667" cy="523220"/>
           </a:xfrm>
           <a:prstGeom prst="rect">
             <a:avLst/>
@@ -7032,35 +7069,91 @@
                 <a:latin typeface="+mj-ea"/>
                 <a:ea typeface="+mj-ea"/>
               </a:rPr>
-              <a:t>통계수치 확인</a:t>
-            </a:r>
+              <a:t>이상치 확인</a:t>
+            </a:r>
+          </a:p>
+        </p:txBody>
+      </p:sp>
+      <p:sp>
+        <p:nvSpPr>
+          <p:cNvPr id="3" name="TextBox 2">
+            <a:extLst>
+              <a:ext uri="{FF2B5EF4-FFF2-40B4-BE49-F238E27FC236}">
+                <a16:creationId xmlns:a16="http://schemas.microsoft.com/office/drawing/2014/main" id="{BC1F6E87-EDFD-47A7-AFEA-9697696D7632}"/>
+              </a:ext>
+            </a:extLst>
+          </p:cNvPr>
+          <p:cNvSpPr txBox="1"/>
+          <p:nvPr/>
+        </p:nvSpPr>
+        <p:spPr>
+          <a:xfrm>
+            <a:off x="2563867" y="328613"/>
+            <a:ext cx="7572375" cy="461665"/>
+          </a:xfrm>
+          <a:prstGeom prst="rect">
+            <a:avLst/>
+          </a:prstGeom>
+          <a:noFill/>
+        </p:spPr>
+        <p:txBody>
+          <a:bodyPr wrap="square" rtlCol="0">
+            <a:spAutoFit/>
+          </a:bodyPr>
+          <a:lstStyle/>
+          <a:p>
+            <a:r>
+              <a:rPr lang="ko-KR" altLang="en-US" sz="2400" dirty="0"/>
+              <a:t>상자그림으로 확인 </a:t>
+            </a:r>
+            <a:r>
+              <a:rPr lang="en-US" altLang="ko-KR" sz="2400" dirty="0"/>
+              <a:t>- </a:t>
+            </a:r>
+            <a:r>
+              <a:rPr lang="ko-KR" altLang="en-US" sz="2400" dirty="0"/>
+              <a:t>너무 많은 </a:t>
+            </a:r>
+            <a:r>
+              <a:rPr lang="ko-KR" altLang="en-US" sz="2400" dirty="0" err="1"/>
+              <a:t>이상치가</a:t>
+            </a:r>
+            <a:r>
+              <a:rPr lang="ko-KR" altLang="en-US" sz="2400" dirty="0"/>
+              <a:t> 있다</a:t>
+            </a:r>
+            <a:r>
+              <a:rPr lang="en-US" altLang="ko-KR" sz="2400" dirty="0"/>
+              <a:t>..</a:t>
+            </a:r>
+            <a:endParaRPr lang="ko-KR" altLang="en-US" sz="2400" dirty="0"/>
           </a:p>
         </p:txBody>
       </p:sp>
       <p:pic>
         <p:nvPicPr>
-          <p:cNvPr id="6" name="그림 5">
-            <a:extLst>
-              <a:ext uri="{FF2B5EF4-FFF2-40B4-BE49-F238E27FC236}">
-                <a16:creationId xmlns:a16="http://schemas.microsoft.com/office/drawing/2014/main" id="{E86B65CF-1FF1-7634-7A65-A573C8E3EAD7}"/>
-              </a:ext>
-            </a:extLst>
-          </p:cNvPr>
+          <p:cNvPr id="6" name="그림 5"/>
           <p:cNvPicPr>
             <a:picLocks noChangeAspect="1"/>
           </p:cNvPicPr>
           <p:nvPr/>
         </p:nvPicPr>
         <p:blipFill>
-          <a:blip r:embed="rId2"/>
+          <a:blip r:embed="rId2">
+            <a:extLst>
+              <a:ext uri="{28A0092B-C50C-407E-A947-70E740481C1C}">
+                <a14:useLocalDpi xmlns:a14="http://schemas.microsoft.com/office/drawing/2010/main" val="0"/>
+              </a:ext>
+            </a:extLst>
+          </a:blip>
           <a:stretch>
             <a:fillRect/>
           </a:stretch>
         </p:blipFill>
         <p:spPr>
           <a:xfrm>
-            <a:off x="257380" y="1165414"/>
-            <a:ext cx="11677239" cy="4698432"/>
+            <a:off x="1413470" y="790278"/>
+            <a:ext cx="9314260" cy="5905500"/>
           </a:xfrm>
           <a:prstGeom prst="rect">
             <a:avLst/>
@@ -7070,7 +7163,7 @@
     </p:spTree>
     <p:extLst>
       <p:ext uri="{BB962C8B-B14F-4D97-AF65-F5344CB8AC3E}">
-        <p14:creationId xmlns:p14="http://schemas.microsoft.com/office/powerpoint/2010/main" val="2929779312"/>
+        <p14:creationId xmlns:p14="http://schemas.microsoft.com/office/powerpoint/2010/main" val="3152432578"/>
       </p:ext>
     </p:extLst>
   </p:cSld>
@@ -7164,28 +7257,20 @@
           <a:lstStyle/>
           <a:p>
             <a:r>
-              <a:rPr lang="ko-KR" altLang="en-US" sz="2400" dirty="0"/>
-              <a:t>상자그림으로 확인 </a:t>
-            </a:r>
-            <a:r>
-              <a:rPr lang="en-US" altLang="ko-KR" sz="2400" dirty="0"/>
-              <a:t>- </a:t>
-            </a:r>
-            <a:r>
-              <a:rPr lang="ko-KR" altLang="en-US" sz="2400" dirty="0"/>
-              <a:t>너무 많은 </a:t>
-            </a:r>
-            <a:r>
               <a:rPr lang="ko-KR" altLang="en-US" sz="2400" dirty="0" err="1"/>
-              <a:t>이상치가</a:t>
-            </a:r>
-            <a:r>
-              <a:rPr lang="ko-KR" altLang="en-US" sz="2400" dirty="0"/>
-              <a:t> 있다</a:t>
-            </a:r>
-            <a:r>
-              <a:rPr lang="en-US" altLang="ko-KR" sz="2400" dirty="0"/>
-              <a:t>..</a:t>
+              <a:t>자료수</a:t>
+            </a:r>
+            <a:r>
+              <a:rPr lang="en-US" altLang="ko-KR" sz="2400" dirty="0"/>
+              <a:t>(</a:t>
+            </a:r>
+            <a:r>
+              <a:rPr lang="ko-KR" altLang="en-US" sz="2400" dirty="0" err="1"/>
+              <a:t>도서수</a:t>
+            </a:r>
+            <a:r>
+              <a:rPr lang="en-US" altLang="ko-KR" sz="2400" dirty="0"/>
+              <a:t>)</a:t>
             </a:r>
             <a:endParaRPr lang="ko-KR" altLang="en-US" sz="2400" dirty="0"/>
           </a:p>
@@ -7193,38 +7278,147 @@
       </p:sp>
       <p:pic>
         <p:nvPicPr>
-          <p:cNvPr id="6" name="그림 5"/>
+          <p:cNvPr id="5" name="그림 4"/>
           <p:cNvPicPr>
             <a:picLocks noChangeAspect="1"/>
           </p:cNvPicPr>
           <p:nvPr/>
         </p:nvPicPr>
         <p:blipFill>
-          <a:blip r:embed="rId2">
-            <a:extLst>
-              <a:ext uri="{28A0092B-C50C-407E-A947-70E740481C1C}">
-                <a14:useLocalDpi xmlns:a14="http://schemas.microsoft.com/office/drawing/2010/main" val="0"/>
-              </a:ext>
-            </a:extLst>
-          </a:blip>
+          <a:blip r:embed="rId2"/>
           <a:stretch>
             <a:fillRect/>
           </a:stretch>
         </p:blipFill>
         <p:spPr>
           <a:xfrm>
-            <a:off x="1413470" y="790278"/>
-            <a:ext cx="9314260" cy="5905500"/>
+            <a:off x="1071562" y="3498589"/>
+            <a:ext cx="9812810" cy="2178050"/>
           </a:xfrm>
           <a:prstGeom prst="rect">
             <a:avLst/>
           </a:prstGeom>
         </p:spPr>
       </p:pic>
+      <p:sp>
+        <p:nvSpPr>
+          <p:cNvPr id="6" name="TextBox 5">
+            <a:extLst>
+              <a:ext uri="{FF2B5EF4-FFF2-40B4-BE49-F238E27FC236}">
+                <a16:creationId xmlns:a16="http://schemas.microsoft.com/office/drawing/2014/main" id="{56458959-87C9-4C9C-8C23-37B508CE8A9E}"/>
+              </a:ext>
+            </a:extLst>
+          </p:cNvPr>
+          <p:cNvSpPr txBox="1"/>
+          <p:nvPr/>
+        </p:nvSpPr>
+        <p:spPr>
+          <a:xfrm>
+            <a:off x="1366263" y="1021049"/>
+            <a:ext cx="8947009" cy="2308324"/>
+          </a:xfrm>
+          <a:prstGeom prst="rect">
+            <a:avLst/>
+          </a:prstGeom>
+          <a:noFill/>
+        </p:spPr>
+        <p:txBody>
+          <a:bodyPr wrap="square" rtlCol="0">
+            <a:spAutoFit/>
+          </a:bodyPr>
+          <a:lstStyle/>
+          <a:p>
+            <a:r>
+              <a:rPr lang="ko-KR" altLang="en-US" sz="2400" dirty="0" err="1"/>
+              <a:t>자료수</a:t>
+            </a:r>
+            <a:r>
+              <a:rPr lang="en-US" altLang="ko-KR" sz="2400" dirty="0"/>
+              <a:t>(</a:t>
+            </a:r>
+            <a:r>
+              <a:rPr lang="ko-KR" altLang="en-US" sz="2400" dirty="0" err="1"/>
+              <a:t>도서수</a:t>
+            </a:r>
+            <a:r>
+              <a:rPr lang="en-US" altLang="ko-KR" sz="2400" dirty="0"/>
+              <a:t>) &lt; 100 </a:t>
+            </a:r>
+            <a:r>
+              <a:rPr lang="ko-KR" altLang="en-US" sz="2400" dirty="0"/>
+              <a:t>을 찾아 엑셀로 다운로드 받아서 확인하였더니</a:t>
+            </a:r>
+            <a:r>
+              <a:rPr lang="en-US" altLang="ko-KR" sz="2400" dirty="0"/>
+              <a:t>…</a:t>
+            </a:r>
+          </a:p>
+          <a:p>
+            <a:endParaRPr lang="en-US" altLang="ko-KR" sz="2400" dirty="0"/>
+          </a:p>
+          <a:p>
+            <a:r>
+              <a:rPr lang="ko-KR" altLang="en-US" sz="2400" dirty="0" err="1"/>
+              <a:t>학습실과</a:t>
+            </a:r>
+            <a:r>
+              <a:rPr lang="ko-KR" altLang="en-US" sz="2400" dirty="0"/>
+              <a:t> 디지털 도서관</a:t>
+            </a:r>
+            <a:r>
+              <a:rPr lang="en-US" altLang="ko-KR" sz="2400" dirty="0"/>
+              <a:t>(</a:t>
+            </a:r>
+            <a:r>
+              <a:rPr lang="ko-KR" altLang="en-US" sz="2400" dirty="0"/>
+              <a:t>자료실</a:t>
+            </a:r>
+            <a:r>
+              <a:rPr lang="en-US" altLang="ko-KR" sz="2400" dirty="0"/>
+              <a:t>)</a:t>
+            </a:r>
+            <a:r>
+              <a:rPr lang="ko-KR" altLang="en-US" sz="2400" dirty="0"/>
+              <a:t>의 경우 </a:t>
+            </a:r>
+            <a:r>
+              <a:rPr lang="ko-KR" altLang="en-US" sz="2400" dirty="0" err="1"/>
+              <a:t>자료수가</a:t>
+            </a:r>
+            <a:r>
+              <a:rPr lang="ko-KR" altLang="en-US" sz="2400" dirty="0"/>
+              <a:t> 나오지 않는다</a:t>
+            </a:r>
+            <a:endParaRPr lang="en-US" altLang="ko-KR" sz="2400" dirty="0"/>
+          </a:p>
+          <a:p>
+            <a:r>
+              <a:rPr lang="en-US" altLang="ko-KR" sz="2400" dirty="0"/>
+              <a:t>-&gt; </a:t>
+            </a:r>
+            <a:r>
+              <a:rPr lang="ko-KR" altLang="en-US" sz="2400" dirty="0"/>
+              <a:t>도서관 유형별로 확인할 필요가 있음</a:t>
+            </a:r>
+            <a:endParaRPr lang="en-US" altLang="ko-KR" sz="2400" dirty="0"/>
+          </a:p>
+          <a:p>
+            <a:r>
+              <a:rPr lang="en-US" altLang="ko-KR" sz="2400" dirty="0"/>
+              <a:t>-&gt; </a:t>
+            </a:r>
+            <a:r>
+              <a:rPr lang="ko-KR" altLang="en-US" sz="2400" dirty="0"/>
+              <a:t>도서관 유형에 따라서 다르게 분포되어 있을 수 있음</a:t>
+            </a:r>
+            <a:endParaRPr lang="en-US" altLang="ko-KR" sz="2400" dirty="0"/>
+          </a:p>
+        </p:txBody>
+      </p:sp>
     </p:spTree>
     <p:extLst>
       <p:ext uri="{BB962C8B-B14F-4D97-AF65-F5344CB8AC3E}">
-        <p14:creationId xmlns:p14="http://schemas.microsoft.com/office/powerpoint/2010/main" val="3152432578"/>
+        <p14:creationId xmlns:p14="http://schemas.microsoft.com/office/powerpoint/2010/main" val="24496194"/>
       </p:ext>
     </p:extLst>
   </p:cSld>
@@ -7318,28 +7512,84 @@
           <a:lstStyle/>
           <a:p>
             <a:r>
-              <a:rPr lang="ko-KR" altLang="en-US" sz="2400" dirty="0" err="1"/>
-              <a:t>자료수</a:t>
-            </a:r>
-            <a:r>
-              <a:rPr lang="en-US" altLang="ko-KR" sz="2400" dirty="0"/>
-              <a:t>(</a:t>
-            </a:r>
-            <a:r>
-              <a:rPr lang="ko-KR" altLang="en-US" sz="2400" dirty="0" err="1"/>
-              <a:t>도서수</a:t>
-            </a:r>
-            <a:r>
-              <a:rPr lang="en-US" altLang="ko-KR" sz="2400" dirty="0"/>
-              <a:t>)</a:t>
-            </a:r>
-            <a:endParaRPr lang="ko-KR" altLang="en-US" sz="2400" dirty="0"/>
+              <a:rPr lang="ko-KR" altLang="en-US" sz="2400" dirty="0"/>
+              <a:t>같은 도서관 중복</a:t>
+            </a:r>
+          </a:p>
+        </p:txBody>
+      </p:sp>
+      <p:sp>
+        <p:nvSpPr>
+          <p:cNvPr id="6" name="TextBox 5">
+            <a:extLst>
+              <a:ext uri="{FF2B5EF4-FFF2-40B4-BE49-F238E27FC236}">
+                <a16:creationId xmlns:a16="http://schemas.microsoft.com/office/drawing/2014/main" id="{56458959-87C9-4C9C-8C23-37B508CE8A9E}"/>
+              </a:ext>
+            </a:extLst>
+          </p:cNvPr>
+          <p:cNvSpPr txBox="1"/>
+          <p:nvPr/>
+        </p:nvSpPr>
+        <p:spPr>
+          <a:xfrm>
+            <a:off x="1366263" y="1021049"/>
+            <a:ext cx="8947009" cy="1200329"/>
+          </a:xfrm>
+          <a:prstGeom prst="rect">
+            <a:avLst/>
+          </a:prstGeom>
+          <a:noFill/>
+        </p:spPr>
+        <p:txBody>
+          <a:bodyPr wrap="square" rtlCol="0">
+            <a:spAutoFit/>
+          </a:bodyPr>
+          <a:lstStyle/>
+          <a:p>
+            <a:r>
+              <a:rPr lang="ko-KR" altLang="en-US" sz="2400" dirty="0"/>
+              <a:t>데이터기준일자가 달라서 같은 도서관이 </a:t>
+            </a:r>
+            <a:r>
+              <a:rPr lang="en-US" altLang="ko-KR" sz="2400" dirty="0"/>
+              <a:t>2</a:t>
+            </a:r>
+            <a:r>
+              <a:rPr lang="ko-KR" altLang="en-US" sz="2400" dirty="0"/>
+              <a:t>개 이상 뜨는 경우가 있음</a:t>
+            </a:r>
+            <a:endParaRPr lang="en-US" altLang="ko-KR" sz="2400" dirty="0"/>
+          </a:p>
+          <a:p>
+            <a:r>
+              <a:rPr lang="en-US" altLang="ko-KR" sz="2400" dirty="0"/>
+              <a:t>-&gt; </a:t>
+            </a:r>
+            <a:r>
+              <a:rPr lang="en-US" altLang="ko-KR" sz="2400" dirty="0" err="1"/>
+              <a:t>groupby</a:t>
+            </a:r>
+            <a:r>
+              <a:rPr lang="en-US" altLang="ko-KR" sz="2400" dirty="0"/>
+              <a:t> </a:t>
+            </a:r>
+            <a:r>
+              <a:rPr lang="ko-KR" altLang="en-US" sz="2400" dirty="0"/>
+              <a:t>로 중복 건수 확인</a:t>
+            </a:r>
+            <a:endParaRPr lang="en-US" altLang="ko-KR" sz="2400" dirty="0"/>
           </a:p>
         </p:txBody>
       </p:sp>
       <p:pic>
         <p:nvPicPr>
-          <p:cNvPr id="5" name="그림 4"/>
+          <p:cNvPr id="7" name="그림 6">
+            <a:extLst>
+              <a:ext uri="{FF2B5EF4-FFF2-40B4-BE49-F238E27FC236}">
+                <a16:creationId xmlns:a16="http://schemas.microsoft.com/office/drawing/2014/main" id="{225F28B6-421E-A4D0-2D82-29CAAE79C484}"/>
+              </a:ext>
+            </a:extLst>
+          </p:cNvPr>
           <p:cNvPicPr>
             <a:picLocks noChangeAspect="1"/>
           </p:cNvPicPr>
@@ -7353,133 +7603,18 @@
         </p:blipFill>
         <p:spPr>
           <a:xfrm>
-            <a:off x="1071562" y="3498589"/>
-            <a:ext cx="9812810" cy="2178050"/>
+            <a:off x="906275" y="2655601"/>
+            <a:ext cx="10182225" cy="3181350"/>
           </a:xfrm>
           <a:prstGeom prst="rect">
             <a:avLst/>
           </a:prstGeom>
         </p:spPr>
       </p:pic>
-      <p:sp>
-        <p:nvSpPr>
-          <p:cNvPr id="6" name="TextBox 5">
-            <a:extLst>
-              <a:ext uri="{FF2B5EF4-FFF2-40B4-BE49-F238E27FC236}">
-                <a16:creationId xmlns:a16="http://schemas.microsoft.com/office/drawing/2014/main" id="{56458959-87C9-4C9C-8C23-37B508CE8A9E}"/>
-              </a:ext>
-            </a:extLst>
-          </p:cNvPr>
-          <p:cNvSpPr txBox="1"/>
-          <p:nvPr/>
-        </p:nvSpPr>
-        <p:spPr>
-          <a:xfrm>
-            <a:off x="1366263" y="1021049"/>
-            <a:ext cx="8947009" cy="2308324"/>
-          </a:xfrm>
-          <a:prstGeom prst="rect">
-            <a:avLst/>
-          </a:prstGeom>
-          <a:noFill/>
-        </p:spPr>
-        <p:txBody>
-          <a:bodyPr wrap="square" rtlCol="0">
-            <a:spAutoFit/>
-          </a:bodyPr>
-          <a:lstStyle/>
-          <a:p>
-            <a:r>
-              <a:rPr lang="ko-KR" altLang="en-US" sz="2400" dirty="0" err="1"/>
-              <a:t>자료수</a:t>
-            </a:r>
-            <a:r>
-              <a:rPr lang="en-US" altLang="ko-KR" sz="2400" dirty="0"/>
-              <a:t>(</a:t>
-            </a:r>
-            <a:r>
-              <a:rPr lang="ko-KR" altLang="en-US" sz="2400" dirty="0" err="1"/>
-              <a:t>도서수</a:t>
-            </a:r>
-            <a:r>
-              <a:rPr lang="en-US" altLang="ko-KR" sz="2400" dirty="0"/>
-              <a:t>) &lt; 100 </a:t>
-            </a:r>
-            <a:r>
-              <a:rPr lang="ko-KR" altLang="en-US" sz="2400" dirty="0"/>
-              <a:t>을 찾아 엑셀로 다운로드 받아서 확인하였더니</a:t>
-            </a:r>
-            <a:r>
-              <a:rPr lang="en-US" altLang="ko-KR" sz="2400" dirty="0"/>
-              <a:t>…</a:t>
-            </a:r>
-          </a:p>
-          <a:p>
-            <a:endParaRPr lang="en-US" altLang="ko-KR" sz="2400" dirty="0"/>
-          </a:p>
-          <a:p>
-            <a:r>
-              <a:rPr lang="ko-KR" altLang="en-US" sz="2400" dirty="0" err="1"/>
-              <a:t>학습실과</a:t>
-            </a:r>
-            <a:r>
-              <a:rPr lang="ko-KR" altLang="en-US" sz="2400" dirty="0"/>
-              <a:t> 디지털 도서관</a:t>
-            </a:r>
-            <a:r>
-              <a:rPr lang="en-US" altLang="ko-KR" sz="2400" dirty="0"/>
-              <a:t>(</a:t>
-            </a:r>
-            <a:r>
-              <a:rPr lang="ko-KR" altLang="en-US" sz="2400" dirty="0"/>
-              <a:t>자료실</a:t>
-            </a:r>
-            <a:r>
-              <a:rPr lang="en-US" altLang="ko-KR" sz="2400" dirty="0"/>
-              <a:t>)</a:t>
-            </a:r>
-            <a:r>
-              <a:rPr lang="ko-KR" altLang="en-US" sz="2400" dirty="0"/>
-              <a:t>의 경우 </a:t>
-            </a:r>
-            <a:r>
-              <a:rPr lang="ko-KR" altLang="en-US" sz="2400" dirty="0" err="1"/>
-              <a:t>자료수가</a:t>
-            </a:r>
-            <a:r>
-              <a:rPr lang="ko-KR" altLang="en-US" sz="2400" dirty="0"/>
-              <a:t> 나오지 않는다</a:t>
-            </a:r>
-            <a:endParaRPr lang="en-US" altLang="ko-KR" sz="2400" dirty="0"/>
-          </a:p>
-          <a:p>
-            <a:r>
-              <a:rPr lang="en-US" altLang="ko-KR" sz="2400" dirty="0"/>
-              <a:t>-&gt; </a:t>
-            </a:r>
-            <a:r>
-              <a:rPr lang="ko-KR" altLang="en-US" sz="2400" dirty="0"/>
-              <a:t>도서관 유형별로 확인할 필요가 있음</a:t>
-            </a:r>
-            <a:endParaRPr lang="en-US" altLang="ko-KR" sz="2400" dirty="0"/>
-          </a:p>
-          <a:p>
-            <a:r>
-              <a:rPr lang="en-US" altLang="ko-KR" sz="2400" dirty="0"/>
-              <a:t>-&gt; </a:t>
-            </a:r>
-            <a:r>
-              <a:rPr lang="ko-KR" altLang="en-US" sz="2400" dirty="0"/>
-              <a:t>도서관 유형에 따라서 다르게 분포되어 있을 수 있음</a:t>
-            </a:r>
-            <a:endParaRPr lang="en-US" altLang="ko-KR" sz="2400" dirty="0"/>
-          </a:p>
-        </p:txBody>
-      </p:sp>
     </p:spTree>
     <p:extLst>
       <p:ext uri="{BB962C8B-B14F-4D97-AF65-F5344CB8AC3E}">
-        <p14:creationId xmlns:p14="http://schemas.microsoft.com/office/powerpoint/2010/main" val="24496194"/>
+        <p14:creationId xmlns:p14="http://schemas.microsoft.com/office/powerpoint/2010/main" val="4054317707"/>
       </p:ext>
     </p:extLst>
   </p:cSld>
@@ -7644,10 +7779,10 @@
       </p:sp>
       <p:pic>
         <p:nvPicPr>
-          <p:cNvPr id="7" name="그림 6">
-            <a:extLst>
-              <a:ext uri="{FF2B5EF4-FFF2-40B4-BE49-F238E27FC236}">
-                <a16:creationId xmlns:a16="http://schemas.microsoft.com/office/drawing/2014/main" id="{225F28B6-421E-A4D0-2D82-29CAAE79C484}"/>
+          <p:cNvPr id="5" name="그림 4">
+            <a:extLst>
+              <a:ext uri="{FF2B5EF4-FFF2-40B4-BE49-F238E27FC236}">
+                <a16:creationId xmlns:a16="http://schemas.microsoft.com/office/drawing/2014/main" id="{C705D5B6-066C-2DD7-D59B-380DB78FC58C}"/>
               </a:ext>
             </a:extLst>
           </p:cNvPr>
@@ -7664,8 +7799,8 @@
         </p:blipFill>
         <p:spPr>
           <a:xfrm>
-            <a:off x="906275" y="2655601"/>
-            <a:ext cx="10182225" cy="3181350"/>
+            <a:off x="881062" y="2306450"/>
+            <a:ext cx="10429875" cy="3267075"/>
           </a:xfrm>
           <a:prstGeom prst="rect">
             <a:avLst/>
@@ -7675,7 +7810,7 @@
     </p:spTree>
     <p:extLst>
       <p:ext uri="{BB962C8B-B14F-4D97-AF65-F5344CB8AC3E}">
-        <p14:creationId xmlns:p14="http://schemas.microsoft.com/office/powerpoint/2010/main" val="4054317707"/>
+        <p14:creationId xmlns:p14="http://schemas.microsoft.com/office/powerpoint/2010/main" val="435844891"/>
       </p:ext>
     </p:extLst>
   </p:cSld>
@@ -7988,7 +8123,7 @@
         <p:spPr>
           <a:xfrm>
             <a:off x="1366263" y="1021049"/>
-            <a:ext cx="8947009" cy="1200329"/>
+            <a:ext cx="8947009" cy="830997"/>
           </a:xfrm>
           <a:prstGeom prst="rect">
             <a:avLst/>
@@ -8002,46 +8137,30 @@
           <a:lstStyle/>
           <a:p>
             <a:r>
-              <a:rPr lang="ko-KR" altLang="en-US" sz="2400" dirty="0"/>
-              <a:t>데이터기준일자가 달라서 같은 도서관이 </a:t>
-            </a:r>
-            <a:r>
-              <a:rPr lang="en-US" altLang="ko-KR" sz="2400" dirty="0"/>
-              <a:t>2</a:t>
-            </a:r>
-            <a:r>
-              <a:rPr lang="ko-KR" altLang="en-US" sz="2400" dirty="0"/>
-              <a:t>개 이상 뜨는 경우가 있음</a:t>
+              <a:rPr lang="en-US" altLang="ko-KR" sz="2400" dirty="0" err="1"/>
+              <a:t>drop_duplicates</a:t>
+            </a:r>
+            <a:r>
+              <a:rPr lang="en-US" altLang="ko-KR" sz="2400" dirty="0"/>
+              <a:t> </a:t>
+            </a:r>
+            <a:r>
+              <a:rPr lang="ko-KR" altLang="en-US" sz="2400" dirty="0"/>
+              <a:t>사용해서 날림</a:t>
             </a:r>
             <a:endParaRPr lang="en-US" altLang="ko-KR" sz="2400" dirty="0"/>
           </a:p>
           <a:p>
-            <a:r>
-              <a:rPr lang="en-US" altLang="ko-KR" sz="2400" dirty="0"/>
-              <a:t>-&gt; </a:t>
-            </a:r>
-            <a:r>
-              <a:rPr lang="en-US" altLang="ko-KR" sz="2400" dirty="0" err="1"/>
-              <a:t>groupby</a:t>
-            </a:r>
-            <a:r>
-              <a:rPr lang="en-US" altLang="ko-KR" sz="2400" dirty="0"/>
-              <a:t> </a:t>
-            </a:r>
-            <a:r>
-              <a:rPr lang="ko-KR" altLang="en-US" sz="2400" dirty="0"/>
-              <a:t>로 중복 건수 확인</a:t>
-            </a:r>
             <a:endParaRPr lang="en-US" altLang="ko-KR" sz="2400" dirty="0"/>
           </a:p>
         </p:txBody>
       </p:sp>
       <p:pic>
         <p:nvPicPr>
-          <p:cNvPr id="5" name="그림 4">
-            <a:extLst>
-              <a:ext uri="{FF2B5EF4-FFF2-40B4-BE49-F238E27FC236}">
-                <a16:creationId xmlns:a16="http://schemas.microsoft.com/office/drawing/2014/main" id="{C705D5B6-066C-2DD7-D59B-380DB78FC58C}"/>
+          <p:cNvPr id="4" name="그림 3">
+            <a:extLst>
+              <a:ext uri="{FF2B5EF4-FFF2-40B4-BE49-F238E27FC236}">
+                <a16:creationId xmlns:a16="http://schemas.microsoft.com/office/drawing/2014/main" id="{A5B315D2-EF1A-4D8E-80DE-7B33471DFF4E}"/>
               </a:ext>
             </a:extLst>
           </p:cNvPr>
@@ -8058,8 +8177,8 @@
         </p:blipFill>
         <p:spPr>
           <a:xfrm>
-            <a:off x="881062" y="2306450"/>
-            <a:ext cx="10429875" cy="3267075"/>
+            <a:off x="1920229" y="1704975"/>
+            <a:ext cx="7839075" cy="4824412"/>
           </a:xfrm>
           <a:prstGeom prst="rect">
             <a:avLst/>
@@ -8069,7 +8188,7 @@
     </p:spTree>
     <p:extLst>
       <p:ext uri="{BB962C8B-B14F-4D97-AF65-F5344CB8AC3E}">
-        <p14:creationId xmlns:p14="http://schemas.microsoft.com/office/powerpoint/2010/main" val="435844891"/>
+        <p14:creationId xmlns:p14="http://schemas.microsoft.com/office/powerpoint/2010/main" val="638122535"/>
       </p:ext>
     </p:extLst>
   </p:cSld>
@@ -8163,65 +8282,38 @@
           <a:lstStyle/>
           <a:p>
             <a:r>
-              <a:rPr lang="ko-KR" altLang="en-US" sz="2400" dirty="0"/>
-              <a:t>같은 도서관 중복</a:t>
-            </a:r>
-          </a:p>
-        </p:txBody>
-      </p:sp>
-      <p:sp>
-        <p:nvSpPr>
-          <p:cNvPr id="6" name="TextBox 5">
-            <a:extLst>
-              <a:ext uri="{FF2B5EF4-FFF2-40B4-BE49-F238E27FC236}">
-                <a16:creationId xmlns:a16="http://schemas.microsoft.com/office/drawing/2014/main" id="{56458959-87C9-4C9C-8C23-37B508CE8A9E}"/>
-              </a:ext>
-            </a:extLst>
-          </p:cNvPr>
-          <p:cNvSpPr txBox="1"/>
-          <p:nvPr/>
-        </p:nvSpPr>
-        <p:spPr>
-          <a:xfrm>
-            <a:off x="1366263" y="1021049"/>
-            <a:ext cx="8947009" cy="830997"/>
-          </a:xfrm>
-          <a:prstGeom prst="rect">
-            <a:avLst/>
-          </a:prstGeom>
-          <a:noFill/>
-        </p:spPr>
-        <p:txBody>
-          <a:bodyPr wrap="square" rtlCol="0">
-            <a:spAutoFit/>
-          </a:bodyPr>
-          <a:lstStyle/>
-          <a:p>
-            <a:r>
-              <a:rPr lang="en-US" altLang="ko-KR" sz="2400" dirty="0" err="1"/>
-              <a:t>drop_duplicates</a:t>
-            </a:r>
-            <a:r>
-              <a:rPr lang="en-US" altLang="ko-KR" sz="2400" dirty="0"/>
+              <a:rPr lang="en-US" altLang="ko-KR" sz="2400" dirty="0"/>
+              <a:t>……………….. </a:t>
+            </a:r>
+            <a:r>
+              <a:rPr lang="ko-KR" altLang="en-US" sz="2400" dirty="0"/>
+              <a:t>서로 위치가 </a:t>
+            </a:r>
+            <a:r>
+              <a:rPr lang="ko-KR" altLang="en-US" sz="2400" dirty="0" err="1"/>
+              <a:t>바뀌어있었어서</a:t>
+            </a:r>
+            <a:r>
+              <a:rPr lang="ko-KR" altLang="en-US" sz="2400" dirty="0"/>
               <a:t> </a:t>
             </a:r>
             <a:r>
-              <a:rPr lang="ko-KR" altLang="en-US" sz="2400" dirty="0"/>
-              <a:t>사용해서 날림</a:t>
-            </a:r>
-            <a:endParaRPr lang="en-US" altLang="ko-KR" sz="2400" dirty="0"/>
-          </a:p>
-          <a:p>
-            <a:endParaRPr lang="en-US" altLang="ko-KR" sz="2400" dirty="0"/>
+              <a:rPr lang="ko-KR" altLang="en-US" sz="2400" dirty="0" err="1"/>
+              <a:t>바꿔줌</a:t>
+            </a:r>
+            <a:r>
+              <a:rPr lang="ko-KR" altLang="en-US" sz="2400" dirty="0"/>
+              <a:t> </a:t>
+            </a:r>
           </a:p>
         </p:txBody>
       </p:sp>
       <p:pic>
         <p:nvPicPr>
-          <p:cNvPr id="4" name="그림 3">
-            <a:extLst>
-              <a:ext uri="{FF2B5EF4-FFF2-40B4-BE49-F238E27FC236}">
-                <a16:creationId xmlns:a16="http://schemas.microsoft.com/office/drawing/2014/main" id="{A5B315D2-EF1A-4D8E-80DE-7B33471DFF4E}"/>
+          <p:cNvPr id="5" name="그림 4">
+            <a:extLst>
+              <a:ext uri="{FF2B5EF4-FFF2-40B4-BE49-F238E27FC236}">
+                <a16:creationId xmlns:a16="http://schemas.microsoft.com/office/drawing/2014/main" id="{61AC7975-6433-4CE3-A05B-CA954CF89AAE}"/>
               </a:ext>
             </a:extLst>
           </p:cNvPr>
@@ -8238,8 +8330,8 @@
         </p:blipFill>
         <p:spPr>
           <a:xfrm>
-            <a:off x="1920229" y="1704975"/>
-            <a:ext cx="7839075" cy="4824412"/>
+            <a:off x="3838575" y="981075"/>
+            <a:ext cx="4514850" cy="4895850"/>
           </a:xfrm>
           <a:prstGeom prst="rect">
             <a:avLst/>
@@ -8249,7 +8341,7 @@
     </p:spTree>
     <p:extLst>
       <p:ext uri="{BB962C8B-B14F-4D97-AF65-F5344CB8AC3E}">
-        <p14:creationId xmlns:p14="http://schemas.microsoft.com/office/powerpoint/2010/main" val="638122535"/>
+        <p14:creationId xmlns:p14="http://schemas.microsoft.com/office/powerpoint/2010/main" val="3060395458"/>
       </p:ext>
     </p:extLst>
   </p:cSld>
@@ -8278,10 +8370,10 @@
       </p:grpSpPr>
       <p:sp>
         <p:nvSpPr>
-          <p:cNvPr id="2" name="TextBox 1">
-            <a:extLst>
-              <a:ext uri="{FF2B5EF4-FFF2-40B4-BE49-F238E27FC236}">
-                <a16:creationId xmlns:a16="http://schemas.microsoft.com/office/drawing/2014/main" id="{270137EC-62AB-4201-995D-9F199EDD573A}"/>
+          <p:cNvPr id="3" name="TextBox 2">
+            <a:extLst>
+              <a:ext uri="{FF2B5EF4-FFF2-40B4-BE49-F238E27FC236}">
+                <a16:creationId xmlns:a16="http://schemas.microsoft.com/office/drawing/2014/main" id="{BC1F6E87-EDFD-47A7-AFEA-9697696D7632}"/>
               </a:ext>
             </a:extLst>
           </p:cNvPr>
@@ -8290,8 +8382,39 @@
         </p:nvSpPr>
         <p:spPr>
           <a:xfrm>
-            <a:off x="457200" y="328613"/>
-            <a:ext cx="2106667" cy="523220"/>
+            <a:off x="1549731" y="2303873"/>
+            <a:ext cx="9092537" cy="1323439"/>
+          </a:xfrm>
+          <a:prstGeom prst="rect">
+            <a:avLst/>
+          </a:prstGeom>
+          <a:noFill/>
+        </p:spPr>
+        <p:txBody>
+          <a:bodyPr wrap="square" rtlCol="0">
+            <a:spAutoFit/>
+          </a:bodyPr>
+          <a:lstStyle/>
+          <a:p>
+            <a:pPr algn="ctr"/>
+            <a:r>
+              <a:rPr lang="ko-KR" altLang="en-US" sz="8000"/>
+              <a:t>탐색적 데이터 분석</a:t>
+            </a:r>
+            <a:endParaRPr lang="en-US" altLang="ko-KR" sz="8000" dirty="0"/>
+          </a:p>
+        </p:txBody>
+      </p:sp>
+      <p:sp>
+        <p:nvSpPr>
+          <p:cNvPr id="2" name="TextBox 1"/>
+          <p:cNvSpPr txBox="1"/>
+          <p:nvPr/>
+        </p:nvSpPr>
+        <p:spPr>
+          <a:xfrm>
+            <a:off x="5618560" y="3627312"/>
+            <a:ext cx="954877" cy="584775"/>
           </a:xfrm>
           <a:prstGeom prst="rect">
             <a:avLst/>
@@ -8304,105 +8427,19 @@
           </a:bodyPr>
           <a:lstStyle/>
           <a:p>
-            <a:r>
-              <a:rPr lang="ko-KR" altLang="en-US" sz="2800" dirty="0">
-                <a:latin typeface="+mj-ea"/>
-                <a:ea typeface="+mj-ea"/>
-              </a:rPr>
-              <a:t>이상치 확인</a:t>
-            </a:r>
-          </a:p>
-        </p:txBody>
-      </p:sp>
-      <p:sp>
-        <p:nvSpPr>
-          <p:cNvPr id="3" name="TextBox 2">
-            <a:extLst>
-              <a:ext uri="{FF2B5EF4-FFF2-40B4-BE49-F238E27FC236}">
-                <a16:creationId xmlns:a16="http://schemas.microsoft.com/office/drawing/2014/main" id="{BC1F6E87-EDFD-47A7-AFEA-9697696D7632}"/>
-              </a:ext>
-            </a:extLst>
-          </p:cNvPr>
-          <p:cNvSpPr txBox="1"/>
-          <p:nvPr/>
-        </p:nvSpPr>
-        <p:spPr>
-          <a:xfrm>
-            <a:off x="2563867" y="328613"/>
-            <a:ext cx="7572375" cy="461665"/>
-          </a:xfrm>
-          <a:prstGeom prst="rect">
-            <a:avLst/>
-          </a:prstGeom>
-          <a:noFill/>
-        </p:spPr>
-        <p:txBody>
-          <a:bodyPr wrap="square" rtlCol="0">
-            <a:spAutoFit/>
-          </a:bodyPr>
-          <a:lstStyle/>
-          <a:p>
-            <a:r>
-              <a:rPr lang="en-US" altLang="ko-KR" sz="2400" dirty="0"/>
-              <a:t>……………….. </a:t>
-            </a:r>
-            <a:r>
-              <a:rPr lang="ko-KR" altLang="en-US" sz="2400" dirty="0"/>
-              <a:t>서로 위치가 </a:t>
-            </a:r>
-            <a:r>
-              <a:rPr lang="ko-KR" altLang="en-US" sz="2400" dirty="0" err="1"/>
-              <a:t>바뀌어있었어서</a:t>
-            </a:r>
-            <a:r>
-              <a:rPr lang="ko-KR" altLang="en-US" sz="2400" dirty="0"/>
-              <a:t> </a:t>
-            </a:r>
-            <a:r>
-              <a:rPr lang="ko-KR" altLang="en-US" sz="2400" dirty="0" err="1"/>
-              <a:t>바꿔줌</a:t>
-            </a:r>
-            <a:r>
-              <a:rPr lang="ko-KR" altLang="en-US" sz="2400" dirty="0"/>
-              <a:t> </a:t>
-            </a:r>
-          </a:p>
-        </p:txBody>
-      </p:sp>
-      <p:pic>
-        <p:nvPicPr>
-          <p:cNvPr id="5" name="그림 4">
-            <a:extLst>
-              <a:ext uri="{FF2B5EF4-FFF2-40B4-BE49-F238E27FC236}">
-                <a16:creationId xmlns:a16="http://schemas.microsoft.com/office/drawing/2014/main" id="{61AC7975-6433-4CE3-A05B-CA954CF89AAE}"/>
-              </a:ext>
-            </a:extLst>
-          </p:cNvPr>
-          <p:cNvPicPr>
-            <a:picLocks noChangeAspect="1"/>
-          </p:cNvPicPr>
-          <p:nvPr/>
-        </p:nvPicPr>
-        <p:blipFill>
-          <a:blip r:embed="rId2"/>
-          <a:stretch>
-            <a:fillRect/>
-          </a:stretch>
-        </p:blipFill>
-        <p:spPr>
-          <a:xfrm>
-            <a:off x="3838575" y="981075"/>
-            <a:ext cx="4514850" cy="4895850"/>
-          </a:xfrm>
-          <a:prstGeom prst="rect">
-            <a:avLst/>
-          </a:prstGeom>
-        </p:spPr>
-      </p:pic>
+            <a:pPr algn="ctr"/>
+            <a:r>
+              <a:rPr lang="en-US" altLang="ko-KR" sz="3200" dirty="0"/>
+              <a:t>EDA</a:t>
+            </a:r>
+            <a:endParaRPr lang="ko-KR" altLang="en-US" sz="3200" dirty="0"/>
+          </a:p>
+        </p:txBody>
+      </p:sp>
     </p:spTree>
     <p:extLst>
       <p:ext uri="{BB962C8B-B14F-4D97-AF65-F5344CB8AC3E}">
-        <p14:creationId xmlns:p14="http://schemas.microsoft.com/office/powerpoint/2010/main" val="3060395458"/>
+        <p14:creationId xmlns:p14="http://schemas.microsoft.com/office/powerpoint/2010/main" val="2180189245"/>
       </p:ext>
     </p:extLst>
   </p:cSld>
@@ -8431,6 +8468,44 @@
       </p:grpSpPr>
       <p:sp>
         <p:nvSpPr>
+          <p:cNvPr id="2" name="TextBox 1">
+            <a:extLst>
+              <a:ext uri="{FF2B5EF4-FFF2-40B4-BE49-F238E27FC236}">
+                <a16:creationId xmlns:a16="http://schemas.microsoft.com/office/drawing/2014/main" id="{270137EC-62AB-4201-995D-9F199EDD573A}"/>
+              </a:ext>
+            </a:extLst>
+          </p:cNvPr>
+          <p:cNvSpPr txBox="1"/>
+          <p:nvPr/>
+        </p:nvSpPr>
+        <p:spPr>
+          <a:xfrm>
+            <a:off x="457200" y="328613"/>
+            <a:ext cx="2106667" cy="523220"/>
+          </a:xfrm>
+          <a:prstGeom prst="rect">
+            <a:avLst/>
+          </a:prstGeom>
+          <a:noFill/>
+        </p:spPr>
+        <p:txBody>
+          <a:bodyPr wrap="none" rtlCol="0">
+            <a:spAutoFit/>
+          </a:bodyPr>
+          <a:lstStyle/>
+          <a:p>
+            <a:r>
+              <a:rPr lang="ko-KR" altLang="en-US" sz="2800" dirty="0">
+                <a:latin typeface="+mj-ea"/>
+                <a:ea typeface="+mj-ea"/>
+              </a:rPr>
+              <a:t>기본 통계량</a:t>
+            </a:r>
+          </a:p>
+        </p:txBody>
+      </p:sp>
+      <p:sp>
+        <p:nvSpPr>
           <p:cNvPr id="3" name="TextBox 2">
             <a:extLst>
               <a:ext uri="{FF2B5EF4-FFF2-40B4-BE49-F238E27FC236}">
@@ -8443,8 +8518,8 @@
         </p:nvSpPr>
         <p:spPr>
           <a:xfrm>
-            <a:off x="1549731" y="2303873"/>
-            <a:ext cx="9092537" cy="1323439"/>
+            <a:off x="2563867" y="328613"/>
+            <a:ext cx="7572375" cy="461665"/>
           </a:xfrm>
           <a:prstGeom prst="rect">
             <a:avLst/>
@@ -8457,50 +8532,51 @@
           </a:bodyPr>
           <a:lstStyle/>
           <a:p>
-            <a:pPr algn="ctr"/>
-            <a:r>
-              <a:rPr lang="ko-KR" altLang="en-US" sz="8000"/>
-              <a:t>탐색적 데이터 분석</a:t>
-            </a:r>
-            <a:endParaRPr lang="en-US" altLang="ko-KR" sz="8000" dirty="0"/>
-          </a:p>
-        </p:txBody>
-      </p:sp>
-      <p:sp>
-        <p:nvSpPr>
-          <p:cNvPr id="2" name="TextBox 1"/>
-          <p:cNvSpPr txBox="1"/>
-          <p:nvPr/>
-        </p:nvSpPr>
-        <p:spPr>
-          <a:xfrm>
-            <a:off x="5618560" y="3627312"/>
-            <a:ext cx="954877" cy="584775"/>
-          </a:xfrm>
-          <a:prstGeom prst="rect">
-            <a:avLst/>
-          </a:prstGeom>
-          <a:noFill/>
-        </p:spPr>
-        <p:txBody>
-          <a:bodyPr wrap="none" rtlCol="0">
-            <a:spAutoFit/>
-          </a:bodyPr>
-          <a:lstStyle/>
-          <a:p>
-            <a:pPr algn="ctr"/>
-            <a:r>
-              <a:rPr lang="en-US" altLang="ko-KR" sz="3200" dirty="0"/>
-              <a:t>EDA</a:t>
-            </a:r>
-            <a:endParaRPr lang="ko-KR" altLang="en-US" sz="3200" dirty="0"/>
-          </a:p>
-        </p:txBody>
-      </p:sp>
+            <a:r>
+              <a:rPr lang="en-US" altLang="ko-KR" sz="2400" dirty="0"/>
+              <a:t>describe() </a:t>
+            </a:r>
+            <a:r>
+              <a:rPr lang="ko-KR" altLang="en-US" sz="2400" dirty="0"/>
+              <a:t>함수 사용</a:t>
+            </a:r>
+          </a:p>
+        </p:txBody>
+      </p:sp>
+      <p:pic>
+        <p:nvPicPr>
+          <p:cNvPr id="7" name="그림 6">
+            <a:extLst>
+              <a:ext uri="{FF2B5EF4-FFF2-40B4-BE49-F238E27FC236}">
+                <a16:creationId xmlns:a16="http://schemas.microsoft.com/office/drawing/2014/main" id="{AFEA6DAE-5566-4657-B249-02ECB63C283C}"/>
+              </a:ext>
+            </a:extLst>
+          </p:cNvPr>
+          <p:cNvPicPr>
+            <a:picLocks noChangeAspect="1"/>
+          </p:cNvPicPr>
+          <p:nvPr/>
+        </p:nvPicPr>
+        <p:blipFill>
+          <a:blip r:embed="rId2"/>
+          <a:stretch>
+            <a:fillRect/>
+          </a:stretch>
+        </p:blipFill>
+        <p:spPr>
+          <a:xfrm>
+            <a:off x="1149524" y="1637644"/>
+            <a:ext cx="9892952" cy="3814763"/>
+          </a:xfrm>
+          <a:prstGeom prst="rect">
+            <a:avLst/>
+          </a:prstGeom>
+        </p:spPr>
+      </p:pic>
     </p:spTree>
     <p:extLst>
       <p:ext uri="{BB962C8B-B14F-4D97-AF65-F5344CB8AC3E}">
-        <p14:creationId xmlns:p14="http://schemas.microsoft.com/office/powerpoint/2010/main" val="2180189245"/>
+        <p14:creationId xmlns:p14="http://schemas.microsoft.com/office/powerpoint/2010/main" val="1095692129"/>
       </p:ext>
     </p:extLst>
   </p:cSld>
@@ -8542,7 +8618,7 @@
         <p:spPr>
           <a:xfrm>
             <a:off x="457200" y="328613"/>
-            <a:ext cx="2106667" cy="523220"/>
+            <a:ext cx="1261884" cy="523220"/>
           </a:xfrm>
           <a:prstGeom prst="rect">
             <a:avLst/>
@@ -8560,7 +8636,7 @@
                 <a:latin typeface="+mj-ea"/>
                 <a:ea typeface="+mj-ea"/>
               </a:rPr>
-              <a:t>기본 통계량</a:t>
+              <a:t>시각화</a:t>
             </a:r>
           </a:p>
         </p:txBody>
@@ -8594,50 +8670,72 @@
           <a:lstStyle/>
           <a:p>
             <a:r>
-              <a:rPr lang="en-US" altLang="ko-KR" sz="2400" dirty="0"/>
-              <a:t>describe() </a:t>
-            </a:r>
-            <a:r>
-              <a:rPr lang="ko-KR" altLang="en-US" sz="2400" dirty="0"/>
-              <a:t>함수 사용</a:t>
+              <a:rPr lang="ko-KR" altLang="en-US" sz="2400" dirty="0" err="1"/>
+              <a:t>히트맵으로</a:t>
+            </a:r>
+            <a:r>
+              <a:rPr lang="ko-KR" altLang="en-US" sz="2400" dirty="0"/>
+              <a:t> 데이터의 분포 확인</a:t>
             </a:r>
           </a:p>
         </p:txBody>
       </p:sp>
       <p:pic>
         <p:nvPicPr>
-          <p:cNvPr id="7" name="그림 6">
-            <a:extLst>
-              <a:ext uri="{FF2B5EF4-FFF2-40B4-BE49-F238E27FC236}">
-                <a16:creationId xmlns:a16="http://schemas.microsoft.com/office/drawing/2014/main" id="{AFEA6DAE-5566-4657-B249-02ECB63C283C}"/>
+          <p:cNvPr id="1026" name="Picture 2">
+            <a:extLst>
+              <a:ext uri="{FF2B5EF4-FFF2-40B4-BE49-F238E27FC236}">
+                <a16:creationId xmlns:a16="http://schemas.microsoft.com/office/drawing/2014/main" id="{86D40D81-207F-4F31-8155-20374D814B88}"/>
               </a:ext>
             </a:extLst>
           </p:cNvPr>
           <p:cNvPicPr>
-            <a:picLocks noChangeAspect="1"/>
+            <a:picLocks noChangeAspect="1" noChangeArrowheads="1"/>
           </p:cNvPicPr>
           <p:nvPr/>
         </p:nvPicPr>
         <p:blipFill>
-          <a:blip r:embed="rId2"/>
+          <a:blip r:embed="rId2">
+            <a:extLst>
+              <a:ext uri="{28A0092B-C50C-407E-A947-70E740481C1C}">
+                <a14:useLocalDpi xmlns:a14="http://schemas.microsoft.com/office/drawing/2010/main" val="0"/>
+              </a:ext>
+            </a:extLst>
+          </a:blip>
+          <a:srcRect/>
           <a:stretch>
             <a:fillRect/>
           </a:stretch>
         </p:blipFill>
-        <p:spPr>
-          <a:xfrm>
-            <a:off x="1149524" y="1637644"/>
-            <a:ext cx="9892952" cy="3814763"/>
-          </a:xfrm>
-          <a:prstGeom prst="rect">
-            <a:avLst/>
-          </a:prstGeom>
+        <p:spPr bwMode="auto">
+          <a:xfrm>
+            <a:off x="2855118" y="1067704"/>
+            <a:ext cx="6481764" cy="5461683"/>
+          </a:xfrm>
+          <a:prstGeom prst="rect">
+            <a:avLst/>
+          </a:prstGeom>
+          <a:noFill/>
+          <a:ln>
+            <a:solidFill>
+              <a:schemeClr val="accent1"/>
+            </a:solidFill>
+          </a:ln>
+          <a:extLst>
+            <a:ext uri="{909E8E84-426E-40DD-AFC4-6F175D3DCCD1}">
+              <a14:hiddenFill xmlns:a14="http://schemas.microsoft.com/office/drawing/2010/main">
+                <a:solidFill>
+                  <a:srgbClr val="FFFFFF"/>
+                </a:solidFill>
+              </a14:hiddenFill>
+            </a:ext>
+          </a:extLst>
         </p:spPr>
       </p:pic>
     </p:spTree>
     <p:extLst>
       <p:ext uri="{BB962C8B-B14F-4D97-AF65-F5344CB8AC3E}">
-        <p14:creationId xmlns:p14="http://schemas.microsoft.com/office/powerpoint/2010/main" val="1095692129"/>
+        <p14:creationId xmlns:p14="http://schemas.microsoft.com/office/powerpoint/2010/main" val="1951624791"/>
       </p:ext>
     </p:extLst>
   </p:cSld>
@@ -8731,27 +8829,23 @@
           <a:lstStyle/>
           <a:p>
             <a:r>
-              <a:rPr lang="ko-KR" altLang="en-US" sz="2400" dirty="0" err="1"/>
-              <a:t>히트맵으로</a:t>
-            </a:r>
-            <a:r>
-              <a:rPr lang="ko-KR" altLang="en-US" sz="2400" dirty="0"/>
-              <a:t> 데이터의 분포 확인</a:t>
+              <a:rPr lang="ko-KR" altLang="en-US" sz="2400" dirty="0"/>
+              <a:t>연도별 대출건수 그래프</a:t>
             </a:r>
           </a:p>
         </p:txBody>
       </p:sp>
       <p:pic>
         <p:nvPicPr>
-          <p:cNvPr id="1026" name="Picture 2">
-            <a:extLst>
-              <a:ext uri="{FF2B5EF4-FFF2-40B4-BE49-F238E27FC236}">
-                <a16:creationId xmlns:a16="http://schemas.microsoft.com/office/drawing/2014/main" id="{86D40D81-207F-4F31-8155-20374D814B88}"/>
+          <p:cNvPr id="7" name="그림 6" descr="텍스트, 스크린샷, 그래프, 도표이(가) 표시된 사진&#10;&#10;자동 생성된 설명">
+            <a:extLst>
+              <a:ext uri="{FF2B5EF4-FFF2-40B4-BE49-F238E27FC236}">
+                <a16:creationId xmlns:a16="http://schemas.microsoft.com/office/drawing/2014/main" id="{91594BEB-DB03-5900-F079-8FDFD6A67202}"/>
               </a:ext>
             </a:extLst>
           </p:cNvPr>
           <p:cNvPicPr>
-            <a:picLocks noChangeAspect="1" noChangeArrowheads="1"/>
+            <a:picLocks noChangeAspect="1"/>
           </p:cNvPicPr>
           <p:nvPr/>
         </p:nvPicPr>
@@ -8763,40 +8857,24 @@
               </a:ext>
             </a:extLst>
           </a:blip>
-          <a:srcRect/>
           <a:stretch>
             <a:fillRect/>
           </a:stretch>
         </p:blipFill>
-        <p:spPr bwMode="auto">
-          <a:xfrm>
-            <a:off x="2855118" y="1067704"/>
-            <a:ext cx="6481764" cy="5461683"/>
-          </a:xfrm>
-          <a:prstGeom prst="rect">
-            <a:avLst/>
-          </a:prstGeom>
-          <a:noFill/>
-          <a:ln>
-            <a:solidFill>
-              <a:schemeClr val="accent1"/>
-            </a:solidFill>
-          </a:ln>
-          <a:extLst>
-            <a:ext uri="{909E8E84-426E-40DD-AFC4-6F175D3DCCD1}">
-              <a14:hiddenFill xmlns:a14="http://schemas.microsoft.com/office/drawing/2010/main">
-                <a:solidFill>
-                  <a:srgbClr val="FFFFFF"/>
-                </a:solidFill>
-              </a14:hiddenFill>
-            </a:ext>
-          </a:extLst>
+        <p:spPr>
+          <a:xfrm>
+            <a:off x="219016" y="1038187"/>
+            <a:ext cx="11753968" cy="5259188"/>
+          </a:xfrm>
+          <a:prstGeom prst="rect">
+            <a:avLst/>
+          </a:prstGeom>
         </p:spPr>
       </p:pic>
     </p:spTree>
     <p:extLst>
       <p:ext uri="{BB962C8B-B14F-4D97-AF65-F5344CB8AC3E}">
-        <p14:creationId xmlns:p14="http://schemas.microsoft.com/office/powerpoint/2010/main" val="1951624791"/>
+        <p14:creationId xmlns:p14="http://schemas.microsoft.com/office/powerpoint/2010/main" val="3346376219"/>
       </p:ext>
     </p:extLst>
   </p:cSld>
@@ -8825,6 +8903,44 @@
       </p:grpSpPr>
       <p:sp>
         <p:nvSpPr>
+          <p:cNvPr id="2" name="TextBox 1">
+            <a:extLst>
+              <a:ext uri="{FF2B5EF4-FFF2-40B4-BE49-F238E27FC236}">
+                <a16:creationId xmlns:a16="http://schemas.microsoft.com/office/drawing/2014/main" id="{270137EC-62AB-4201-995D-9F199EDD573A}"/>
+              </a:ext>
+            </a:extLst>
+          </p:cNvPr>
+          <p:cNvSpPr txBox="1"/>
+          <p:nvPr/>
+        </p:nvSpPr>
+        <p:spPr>
+          <a:xfrm>
+            <a:off x="457200" y="328613"/>
+            <a:ext cx="1261884" cy="523220"/>
+          </a:xfrm>
+          <a:prstGeom prst="rect">
+            <a:avLst/>
+          </a:prstGeom>
+          <a:noFill/>
+        </p:spPr>
+        <p:txBody>
+          <a:bodyPr wrap="none" rtlCol="0">
+            <a:spAutoFit/>
+          </a:bodyPr>
+          <a:lstStyle/>
+          <a:p>
+            <a:r>
+              <a:rPr lang="ko-KR" altLang="en-US" sz="2800" dirty="0">
+                <a:latin typeface="+mj-ea"/>
+                <a:ea typeface="+mj-ea"/>
+              </a:rPr>
+              <a:t>시각화</a:t>
+            </a:r>
+          </a:p>
+        </p:txBody>
+      </p:sp>
+      <p:sp>
+        <p:nvSpPr>
           <p:cNvPr id="3" name="TextBox 2">
             <a:extLst>
               <a:ext uri="{FF2B5EF4-FFF2-40B4-BE49-F238E27FC236}">
@@ -8837,8 +8953,8 @@
         </p:nvSpPr>
         <p:spPr>
           <a:xfrm>
-            <a:off x="2208876" y="2162568"/>
-            <a:ext cx="7026678" cy="1323439"/>
+            <a:off x="2563867" y="328613"/>
+            <a:ext cx="7572375" cy="461665"/>
           </a:xfrm>
           <a:prstGeom prst="rect">
             <a:avLst/>
@@ -8851,25 +8967,42 @@
           </a:bodyPr>
           <a:lstStyle/>
           <a:p>
-            <a:pPr algn="ctr"/>
-            <a:r>
-              <a:rPr lang="ko-KR" altLang="en-US" sz="8000" dirty="0"/>
-              <a:t>시각화</a:t>
-            </a:r>
-            <a:endParaRPr lang="en-US" altLang="ko-KR" sz="8000" dirty="0"/>
-          </a:p>
-        </p:txBody>
-      </p:sp>
-      <p:sp>
-        <p:nvSpPr>
-          <p:cNvPr id="2" name="TextBox 1"/>
+            <a:r>
+              <a:rPr lang="ko-KR" altLang="en-US" sz="2400" dirty="0"/>
+              <a:t>월별 대출건수 변화 </a:t>
+            </a:r>
+            <a:r>
+              <a:rPr lang="en-US" altLang="ko-KR" sz="2400" dirty="0"/>
+              <a:t>-&gt; </a:t>
+            </a:r>
+            <a:r>
+              <a:rPr lang="ko-KR" altLang="en-US" sz="2400" dirty="0"/>
+              <a:t>일정한 패턴이 있다</a:t>
+            </a:r>
+            <a:r>
+              <a:rPr lang="en-US" altLang="ko-KR" sz="2400" dirty="0"/>
+              <a:t>!</a:t>
+            </a:r>
+            <a:endParaRPr lang="ko-KR" altLang="en-US" sz="2400" dirty="0"/>
+          </a:p>
+        </p:txBody>
+      </p:sp>
+      <p:sp>
+        <p:nvSpPr>
+          <p:cNvPr id="4" name="TextBox 3">
+            <a:extLst>
+              <a:ext uri="{FF2B5EF4-FFF2-40B4-BE49-F238E27FC236}">
+                <a16:creationId xmlns:a16="http://schemas.microsoft.com/office/drawing/2014/main" id="{37483B62-7A9B-D230-754D-F5ED614EB47F}"/>
+              </a:ext>
+            </a:extLst>
+          </p:cNvPr>
           <p:cNvSpPr txBox="1"/>
           <p:nvPr/>
         </p:nvSpPr>
         <p:spPr>
           <a:xfrm>
-            <a:off x="3456661" y="3878120"/>
-            <a:ext cx="4931158" cy="584775"/>
+            <a:off x="1366263" y="1021048"/>
+            <a:ext cx="9866513" cy="1569660"/>
           </a:xfrm>
           <a:prstGeom prst="rect">
             <a:avLst/>
@@ -8877,18 +9010,62 @@
           <a:noFill/>
         </p:spPr>
         <p:txBody>
-          <a:bodyPr wrap="none" rtlCol="0">
+          <a:bodyPr wrap="square" rtlCol="0">
             <a:spAutoFit/>
           </a:bodyPr>
           <a:lstStyle/>
           <a:p>
             <a:r>
-              <a:rPr lang="en-US" altLang="ko-KR" sz="3200" dirty="0"/>
-              <a:t>folium </a:t>
-            </a:r>
-            <a:r>
-              <a:rPr lang="ko-KR" altLang="en-US" sz="3200" dirty="0"/>
-              <a:t>라이브러리를 이용</a:t>
+              <a:rPr lang="ko-KR" altLang="en-US" sz="2400" dirty="0"/>
+              <a:t>코로나로 인하여 </a:t>
+            </a:r>
+            <a:r>
+              <a:rPr lang="en-US" altLang="ko-KR" sz="2400" dirty="0"/>
+              <a:t>2020</a:t>
+            </a:r>
+            <a:r>
+              <a:rPr lang="ko-KR" altLang="en-US" sz="2400" dirty="0"/>
+              <a:t>년에 줄어들었으나</a:t>
+            </a:r>
+            <a:r>
+              <a:rPr lang="en-US" altLang="ko-KR" sz="2400" dirty="0"/>
+              <a:t>,</a:t>
+            </a:r>
+          </a:p>
+          <a:p>
+            <a:r>
+              <a:rPr lang="ko-KR" altLang="en-US" sz="2400" dirty="0"/>
+              <a:t>꾸준히 증가하는 것을 볼 수 있습니다</a:t>
+            </a:r>
+            <a:r>
+              <a:rPr lang="en-US" altLang="ko-KR" sz="2400" dirty="0"/>
+              <a:t>.</a:t>
+            </a:r>
+          </a:p>
+          <a:p>
+            <a:r>
+              <a:rPr lang="en-US" altLang="ko-KR" sz="2400" dirty="0"/>
+              <a:t>2023</a:t>
+            </a:r>
+            <a:r>
+              <a:rPr lang="ko-KR" altLang="en-US" sz="2400" dirty="0"/>
+              <a:t>년도 아직 </a:t>
+            </a:r>
+            <a:r>
+              <a:rPr lang="en-US" altLang="ko-KR" sz="2400" dirty="0"/>
+              <a:t>8</a:t>
+            </a:r>
+            <a:r>
+              <a:rPr lang="ko-KR" altLang="en-US" sz="2400" dirty="0" err="1"/>
+              <a:t>월인데도</a:t>
+            </a:r>
+            <a:r>
+              <a:rPr lang="ko-KR" altLang="en-US" sz="2400" dirty="0"/>
+              <a:t> 작년보다 많은 대출을 빌린 것을 확인할 수 있습니다</a:t>
+            </a:r>
+            <a:r>
+              <a:rPr lang="en-US" altLang="ko-KR" sz="2400" dirty="0"/>
+              <a:t>.</a:t>
             </a:r>
           </a:p>
         </p:txBody>
@@ -8896,7 +9073,7 @@
     </p:spTree>
     <p:extLst>
       <p:ext uri="{BB962C8B-B14F-4D97-AF65-F5344CB8AC3E}">
-        <p14:creationId xmlns:p14="http://schemas.microsoft.com/office/powerpoint/2010/main" val="1900762214"/>
+        <p14:creationId xmlns:p14="http://schemas.microsoft.com/office/powerpoint/2010/main" val="414003477"/>
       </p:ext>
     </p:extLst>
   </p:cSld>
@@ -8990,24 +9167,20 @@
           <a:lstStyle/>
           <a:p>
             <a:r>
-              <a:rPr lang="en-US" altLang="ko-KR" sz="2400" dirty="0"/>
-              <a:t>(  html</a:t>
-            </a:r>
-            <a:r>
-              <a:rPr lang="ko-KR" altLang="en-US" sz="2400" dirty="0"/>
-              <a:t>로 배포하면 그 </a:t>
-            </a:r>
-            <a:r>
-              <a:rPr lang="en-US" altLang="ko-KR" sz="2400" dirty="0" err="1"/>
-              <a:t>url</a:t>
-            </a:r>
-            <a:r>
-              <a:rPr lang="ko-KR" altLang="en-US" sz="2400" dirty="0"/>
-              <a:t> 적기   </a:t>
-            </a:r>
-            <a:r>
-              <a:rPr lang="en-US" altLang="ko-KR" sz="2400" dirty="0"/>
-              <a:t>)</a:t>
+              <a:rPr lang="ko-KR" altLang="en-US" sz="2400" dirty="0"/>
+              <a:t>월별 대출건수 변화 </a:t>
+            </a:r>
+            <a:r>
+              <a:rPr lang="en-US" altLang="ko-KR" sz="2400" dirty="0"/>
+              <a:t>-&gt; </a:t>
+            </a:r>
+            <a:r>
+              <a:rPr lang="ko-KR" altLang="en-US" sz="2400" dirty="0"/>
+              <a:t>일정한 패턴이 있다</a:t>
+            </a:r>
+            <a:r>
+              <a:rPr lang="en-US" altLang="ko-KR" sz="2400" dirty="0"/>
+              <a:t>!</a:t>
             </a:r>
             <a:endParaRPr lang="ko-KR" altLang="en-US" sz="2400" dirty="0"/>
           </a:p>
@@ -9015,10 +9188,10 @@
       </p:sp>
       <p:pic>
         <p:nvPicPr>
-          <p:cNvPr id="6" name="그림 5">
-            <a:extLst>
-              <a:ext uri="{FF2B5EF4-FFF2-40B4-BE49-F238E27FC236}">
-                <a16:creationId xmlns:a16="http://schemas.microsoft.com/office/drawing/2014/main" id="{78B7043F-C8B9-463C-A8EC-EE54861DFEA2}"/>
+          <p:cNvPr id="5" name="그림 4" descr="도표, 그래프, 텍스트, 라인이(가) 표시된 사진&#10;&#10;자동 생성된 설명">
+            <a:extLst>
+              <a:ext uri="{FF2B5EF4-FFF2-40B4-BE49-F238E27FC236}">
+                <a16:creationId xmlns:a16="http://schemas.microsoft.com/office/drawing/2014/main" id="{5D43530E-76F0-54CC-46B3-5A24F0683856}"/>
               </a:ext>
             </a:extLst>
           </p:cNvPr>
@@ -9028,15 +9201,21 @@
           <p:nvPr/>
         </p:nvPicPr>
         <p:blipFill>
-          <a:blip r:embed="rId2"/>
+          <a:blip r:embed="rId2">
+            <a:extLst>
+              <a:ext uri="{28A0092B-C50C-407E-A947-70E740481C1C}">
+                <a14:useLocalDpi xmlns:a14="http://schemas.microsoft.com/office/drawing/2010/main" val="0"/>
+              </a:ext>
+            </a:extLst>
+          </a:blip>
           <a:stretch>
             <a:fillRect/>
           </a:stretch>
         </p:blipFill>
         <p:spPr>
           <a:xfrm>
-            <a:off x="2397465" y="851833"/>
-            <a:ext cx="7738777" cy="5453062"/>
+            <a:off x="1303377" y="973350"/>
+            <a:ext cx="8832865" cy="5736939"/>
           </a:xfrm>
           <a:prstGeom prst="rect">
             <a:avLst/>
@@ -9046,7 +9225,7 @@
     </p:spTree>
     <p:extLst>
       <p:ext uri="{BB962C8B-B14F-4D97-AF65-F5344CB8AC3E}">
-        <p14:creationId xmlns:p14="http://schemas.microsoft.com/office/powerpoint/2010/main" val="3873820452"/>
+        <p14:creationId xmlns:p14="http://schemas.microsoft.com/office/powerpoint/2010/main" val="4040645316"/>
       </p:ext>
     </p:extLst>
   </p:cSld>
@@ -9088,7 +9267,7 @@
         <p:spPr>
           <a:xfrm>
             <a:off x="457200" y="328613"/>
-            <a:ext cx="2106667" cy="523220"/>
+            <a:ext cx="1261884" cy="523220"/>
           </a:xfrm>
           <a:prstGeom prst="rect">
             <a:avLst/>
@@ -9106,17 +9285,17 @@
                 <a:latin typeface="+mj-ea"/>
                 <a:ea typeface="+mj-ea"/>
               </a:rPr>
-              <a:t>참고 사이트</a:t>
-            </a:r>
-          </a:p>
-        </p:txBody>
-      </p:sp>
-      <p:sp>
-        <p:nvSpPr>
-          <p:cNvPr id="6" name="TextBox 5">
-            <a:extLst>
-              <a:ext uri="{FF2B5EF4-FFF2-40B4-BE49-F238E27FC236}">
-                <a16:creationId xmlns:a16="http://schemas.microsoft.com/office/drawing/2014/main" id="{56458959-87C9-4C9C-8C23-37B508CE8A9E}"/>
+              <a:t>시각화</a:t>
+            </a:r>
+          </a:p>
+        </p:txBody>
+      </p:sp>
+      <p:sp>
+        <p:nvSpPr>
+          <p:cNvPr id="3" name="TextBox 2">
+            <a:extLst>
+              <a:ext uri="{FF2B5EF4-FFF2-40B4-BE49-F238E27FC236}">
+                <a16:creationId xmlns:a16="http://schemas.microsoft.com/office/drawing/2014/main" id="{BC1F6E87-EDFD-47A7-AFEA-9697696D7632}"/>
               </a:ext>
             </a:extLst>
           </p:cNvPr>
@@ -9125,8 +9304,8 @@
         </p:nvSpPr>
         <p:spPr>
           <a:xfrm>
-            <a:off x="1366263" y="1021049"/>
-            <a:ext cx="10056913" cy="3416320"/>
+            <a:off x="2563867" y="328613"/>
+            <a:ext cx="7572375" cy="461665"/>
           </a:xfrm>
           <a:prstGeom prst="rect">
             <a:avLst/>
@@ -9139,182 +9318,242 @@
           </a:bodyPr>
           <a:lstStyle/>
           <a:p>
-            <a:pPr marL="457200" indent="-457200">
-              <a:buAutoNum type="arabicPeriod"/>
-            </a:pPr>
-            <a:r>
-              <a:rPr lang="ko-KR" altLang="en-US" sz="2400" dirty="0"/>
-              <a:t>정규표현식 예제 </a:t>
-            </a:r>
-            <a:r>
-              <a:rPr lang="en-US" altLang="ko-KR" sz="2400" dirty="0"/>
-              <a:t>- </a:t>
-            </a:r>
-            <a:r>
-              <a:rPr lang="en-US" altLang="ko-KR" sz="2400" dirty="0">
-                <a:hlinkClick r:id="rId2"/>
-              </a:rPr>
-              <a:t>https://nachwon.github.io/regular-expressions/</a:t>
-            </a:r>
+            <a:r>
+              <a:rPr lang="ko-KR" altLang="en-US" sz="2400" dirty="0"/>
+              <a:t>월별 대출건수 변화 </a:t>
+            </a:r>
+            <a:r>
+              <a:rPr lang="en-US" altLang="ko-KR" sz="2400" dirty="0"/>
+              <a:t>-&gt; </a:t>
+            </a:r>
+            <a:r>
+              <a:rPr lang="ko-KR" altLang="en-US" sz="2400" dirty="0"/>
+              <a:t>일정한 패턴이 있다</a:t>
+            </a:r>
+            <a:r>
+              <a:rPr lang="en-US" altLang="ko-KR" sz="2400" dirty="0"/>
+              <a:t>!</a:t>
+            </a:r>
+            <a:endParaRPr lang="ko-KR" altLang="en-US" sz="2400" dirty="0"/>
+          </a:p>
+        </p:txBody>
+      </p:sp>
+      <p:sp>
+        <p:nvSpPr>
+          <p:cNvPr id="4" name="TextBox 3">
+            <a:extLst>
+              <a:ext uri="{FF2B5EF4-FFF2-40B4-BE49-F238E27FC236}">
+                <a16:creationId xmlns:a16="http://schemas.microsoft.com/office/drawing/2014/main" id="{37483B62-7A9B-D230-754D-F5ED614EB47F}"/>
+              </a:ext>
+            </a:extLst>
+          </p:cNvPr>
+          <p:cNvSpPr txBox="1"/>
+          <p:nvPr/>
+        </p:nvSpPr>
+        <p:spPr>
+          <a:xfrm>
+            <a:off x="1366263" y="1021049"/>
+            <a:ext cx="8947009" cy="2308324"/>
+          </a:xfrm>
+          <a:prstGeom prst="rect">
+            <a:avLst/>
+          </a:prstGeom>
+          <a:noFill/>
+        </p:spPr>
+        <p:txBody>
+          <a:bodyPr wrap="square" rtlCol="0">
+            <a:spAutoFit/>
+          </a:bodyPr>
+          <a:lstStyle/>
+          <a:p>
+            <a:r>
+              <a:rPr lang="ko-KR" altLang="en-US" sz="2400" dirty="0"/>
+              <a:t>코로나가 유행하기 시작한 </a:t>
+            </a:r>
+            <a:r>
+              <a:rPr lang="en-US" altLang="ko-KR" sz="2400" dirty="0"/>
+              <a:t>2020</a:t>
+            </a:r>
+            <a:r>
+              <a:rPr lang="ko-KR" altLang="en-US" sz="2400" dirty="0"/>
+              <a:t>년 </a:t>
+            </a:r>
+            <a:r>
+              <a:rPr lang="en-US" altLang="ko-KR" sz="2400" dirty="0"/>
+              <a:t>3</a:t>
+            </a:r>
+            <a:r>
+              <a:rPr lang="ko-KR" altLang="en-US" sz="2400" dirty="0"/>
+              <a:t>월부터는 특별한 상황이고</a:t>
+            </a:r>
+            <a:r>
+              <a:rPr lang="en-US" altLang="ko-KR" sz="2400" dirty="0"/>
+              <a:t>,</a:t>
+            </a:r>
+          </a:p>
+          <a:p>
+            <a:r>
+              <a:rPr lang="ko-KR" altLang="en-US" sz="2400" dirty="0"/>
+              <a:t>다른 연도에는 그래프가 비슷한 것을 볼 수 있다</a:t>
+            </a:r>
+            <a:r>
+              <a:rPr lang="en-US" altLang="ko-KR" sz="2400" dirty="0"/>
+              <a:t>.</a:t>
+            </a:r>
+          </a:p>
+          <a:p>
+            <a:r>
+              <a:rPr lang="ko-KR" altLang="en-US" sz="2400" dirty="0"/>
+              <a:t>주로 이용자들은 </a:t>
+            </a:r>
+            <a:r>
+              <a:rPr lang="en-US" altLang="ko-KR" sz="2400" dirty="0"/>
+              <a:t>1</a:t>
+            </a:r>
+            <a:r>
+              <a:rPr lang="ko-KR" altLang="en-US" sz="2400" dirty="0"/>
+              <a:t>월</a:t>
+            </a:r>
+            <a:r>
+              <a:rPr lang="en-US" altLang="ko-KR" sz="2400" dirty="0"/>
+              <a:t>, 7</a:t>
+            </a:r>
+            <a:r>
+              <a:rPr lang="ko-KR" altLang="en-US" sz="2400" dirty="0"/>
+              <a:t>월</a:t>
+            </a:r>
+            <a:r>
+              <a:rPr lang="en-US" altLang="ko-KR" sz="2400" dirty="0"/>
+              <a:t>, 8</a:t>
+            </a:r>
+            <a:r>
+              <a:rPr lang="ko-KR" altLang="en-US" sz="2400" dirty="0"/>
+              <a:t>월에 대출을 많이 합니다</a:t>
+            </a:r>
+            <a:r>
+              <a:rPr lang="en-US" altLang="ko-KR" sz="2400" dirty="0"/>
+              <a:t>.</a:t>
+            </a:r>
+          </a:p>
+          <a:p>
+            <a:r>
+              <a:rPr lang="ko-KR" altLang="en-US" sz="2400" dirty="0"/>
+              <a:t>해당 월에 이용자들이 도서관에 많이 방문한다고 추측할 수 있습니다</a:t>
+            </a:r>
+            <a:r>
+              <a:rPr lang="en-US" altLang="ko-KR" sz="2400" dirty="0"/>
+              <a:t>.</a:t>
+            </a:r>
+          </a:p>
+          <a:p>
             <a:endParaRPr lang="en-US" altLang="ko-KR" sz="2400" dirty="0"/>
-          </a:p>
-          <a:p>
-            <a:pPr marL="457200" indent="-457200">
-              <a:buAutoNum type="arabicPeriod"/>
-            </a:pPr>
-            <a:r>
-              <a:rPr lang="ko-KR" altLang="en-US" sz="2400" dirty="0"/>
-              <a:t>정규표현식 테스트 </a:t>
-            </a:r>
-            <a:r>
-              <a:rPr lang="en-US" altLang="ko-KR" sz="2400" dirty="0"/>
-              <a:t>- </a:t>
-            </a:r>
-            <a:r>
-              <a:rPr lang="en-US" altLang="ko-KR" sz="2400" dirty="0">
-                <a:hlinkClick r:id="rId3"/>
-              </a:rPr>
-              <a:t>https://regex101.com/r/uufrWr/1</a:t>
-            </a:r>
-            <a:r>
-              <a:rPr lang="en-US" altLang="ko-KR" sz="2400" dirty="0"/>
-              <a:t> </a:t>
-            </a:r>
-          </a:p>
-          <a:p>
-            <a:pPr marL="457200" indent="-457200">
-              <a:buAutoNum type="arabicPeriod"/>
-            </a:pPr>
-            <a:r>
-              <a:rPr lang="ko-KR" altLang="en-US" sz="2400" dirty="0"/>
-              <a:t>주소 경위도 확인 </a:t>
-            </a:r>
-            <a:r>
-              <a:rPr lang="en-US" altLang="ko-KR" sz="2400" dirty="0"/>
-              <a:t>- </a:t>
-            </a:r>
-            <a:r>
-              <a:rPr lang="en-US" altLang="ko-KR" sz="2400" dirty="0">
-                <a:hlinkClick r:id="rId4"/>
-              </a:rPr>
-              <a:t>https://address.dawul.co.kr/index.php</a:t>
-            </a:r>
-            <a:r>
-              <a:rPr lang="en-US" altLang="ko-KR" sz="2400" dirty="0"/>
-              <a:t> </a:t>
-            </a:r>
-          </a:p>
-          <a:p>
-            <a:pPr marL="457200" indent="-457200">
-              <a:buAutoNum type="arabicPeriod"/>
-            </a:pPr>
-            <a:r>
-              <a:rPr lang="ko-KR" altLang="en-US" sz="2400" dirty="0"/>
-              <a:t>주소 경위도 확인 </a:t>
-            </a:r>
-            <a:r>
-              <a:rPr lang="en-US" altLang="ko-KR" sz="2400" dirty="0"/>
-              <a:t>- </a:t>
-            </a:r>
-            <a:r>
-              <a:rPr lang="en-US" altLang="ko-KR" sz="2400" dirty="0">
-                <a:hlinkClick r:id="rId5"/>
-              </a:rPr>
-              <a:t>https://www.google.co.kr/maps</a:t>
-            </a:r>
-            <a:r>
-              <a:rPr lang="en-US" altLang="ko-KR" sz="2400" dirty="0"/>
-              <a:t> </a:t>
-            </a:r>
-          </a:p>
-          <a:p>
-            <a:pPr marL="457200" indent="-457200">
-              <a:buAutoNum type="arabicPeriod"/>
-            </a:pPr>
-            <a:r>
-              <a:rPr lang="en-US" altLang="ko-KR" sz="2400" dirty="0"/>
-              <a:t>matplotlib </a:t>
-            </a:r>
-            <a:r>
-              <a:rPr lang="ko-KR" altLang="en-US" sz="2400" dirty="0" err="1"/>
-              <a:t>한글깨짐</a:t>
-            </a:r>
-            <a:r>
-              <a:rPr lang="ko-KR" altLang="en-US" sz="2400" dirty="0"/>
-              <a:t> 이슈 </a:t>
-            </a:r>
-            <a:r>
-              <a:rPr lang="en-US" altLang="ko-KR" sz="2400" dirty="0"/>
-              <a:t>- </a:t>
-            </a:r>
-            <a:r>
-              <a:rPr lang="en-US" altLang="ko-KR" sz="2400" dirty="0">
-                <a:hlinkClick r:id="rId6"/>
-              </a:rPr>
-              <a:t>https://www.whatwant.com/entry/matplotlib-hangul-colab-local</a:t>
-            </a:r>
-            <a:endParaRPr lang="en-US" altLang="ko-KR" sz="2400" dirty="0"/>
-          </a:p>
-          <a:p>
-            <a:pPr marL="457200" indent="-457200">
-              <a:buAutoNum type="arabicPeriod"/>
-            </a:pPr>
-            <a:r>
-              <a:rPr lang="en-US" altLang="ko-KR" sz="2400" dirty="0"/>
-              <a:t>folium </a:t>
-            </a:r>
-            <a:r>
-              <a:rPr lang="ko-KR" altLang="en-US" sz="2400" dirty="0"/>
-              <a:t>사용 </a:t>
-            </a:r>
-            <a:r>
-              <a:rPr lang="en-US" altLang="ko-KR" sz="2400" dirty="0"/>
-              <a:t>- </a:t>
-            </a:r>
-            <a:r>
-              <a:rPr lang="en-US" altLang="ko-KR" sz="2400" dirty="0">
-                <a:hlinkClick r:id="rId7"/>
-              </a:rPr>
-              <a:t>https://teddylee777.github.io/visualization/folium/</a:t>
-            </a:r>
-            <a:r>
-              <a:rPr lang="en-US" altLang="ko-KR" sz="2400" dirty="0"/>
-              <a:t> </a:t>
-            </a:r>
-          </a:p>
-          <a:p>
-            <a:pPr marL="457200" indent="-457200">
-              <a:buAutoNum type="arabicPeriod"/>
-            </a:pPr>
-            <a:r>
-              <a:rPr lang="en-US" altLang="ko-KR" sz="2400" dirty="0"/>
-              <a:t>matplotlib </a:t>
-            </a:r>
-            <a:r>
-              <a:rPr lang="ko-KR" altLang="en-US" sz="2400" dirty="0"/>
-              <a:t>색 </a:t>
-            </a:r>
-            <a:r>
-              <a:rPr lang="en-US" altLang="ko-KR" sz="2400" dirty="0"/>
-              <a:t>- </a:t>
-            </a:r>
-            <a:r>
-              <a:rPr lang="en-US" altLang="ko-KR" sz="2400" dirty="0">
-                <a:hlinkClick r:id="rId8"/>
-              </a:rPr>
-              <a:t>https://matplotlib.org/stable/tutorials/colors/colormaps.html</a:t>
-            </a:r>
-            <a:r>
-              <a:rPr lang="en-US" altLang="ko-KR" sz="2400" dirty="0"/>
-              <a:t> </a:t>
-            </a:r>
           </a:p>
         </p:txBody>
       </p:sp>
     </p:spTree>
     <p:extLst>
       <p:ext uri="{BB962C8B-B14F-4D97-AF65-F5344CB8AC3E}">
-        <p14:creationId xmlns:p14="http://schemas.microsoft.com/office/powerpoint/2010/main" val="1592175736"/>
+        <p14:creationId xmlns:p14="http://schemas.microsoft.com/office/powerpoint/2010/main" val="2914502565"/>
+      </p:ext>
+    </p:extLst>
+  </p:cSld>
+  <p:clrMapOvr>
+    <a:masterClrMapping/>
+  </p:clrMapOvr>
+</p:sld>
+</file>
+
+<file path=ppt/slides/slide39.xml><?xml version="1.0" encoding="utf-8"?>
+<p:sld xmlns:a="http://schemas.openxmlformats.org/drawingml/2006/main" xmlns:r="http://schemas.openxmlformats.org/officeDocument/2006/relationships" xmlns:p="http://schemas.openxmlformats.org/presentationml/2006/main">
+  <p:cSld>
+    <p:spTree>
+      <p:nvGrpSpPr>
+        <p:cNvPr id="1" name=""/>
+        <p:cNvGrpSpPr/>
+        <p:nvPr/>
+      </p:nvGrpSpPr>
+      <p:grpSpPr>
+        <a:xfrm>
+          <a:off x="0" y="0"/>
+          <a:ext cx="0" cy="0"/>
+          <a:chOff x="0" y="0"/>
+          <a:chExt cx="0" cy="0"/>
+        </a:xfrm>
+      </p:grpSpPr>
+      <p:sp>
+        <p:nvSpPr>
+          <p:cNvPr id="3" name="TextBox 2">
+            <a:extLst>
+              <a:ext uri="{FF2B5EF4-FFF2-40B4-BE49-F238E27FC236}">
+                <a16:creationId xmlns:a16="http://schemas.microsoft.com/office/drawing/2014/main" id="{BC1F6E87-EDFD-47A7-AFEA-9697696D7632}"/>
+              </a:ext>
+            </a:extLst>
+          </p:cNvPr>
+          <p:cNvSpPr txBox="1"/>
+          <p:nvPr/>
+        </p:nvSpPr>
+        <p:spPr>
+          <a:xfrm>
+            <a:off x="2208876" y="2162568"/>
+            <a:ext cx="7026678" cy="1323439"/>
+          </a:xfrm>
+          <a:prstGeom prst="rect">
+            <a:avLst/>
+          </a:prstGeom>
+          <a:noFill/>
+        </p:spPr>
+        <p:txBody>
+          <a:bodyPr wrap="square" rtlCol="0">
+            <a:spAutoFit/>
+          </a:bodyPr>
+          <a:lstStyle/>
+          <a:p>
+            <a:pPr algn="ctr"/>
+            <a:r>
+              <a:rPr lang="ko-KR" altLang="en-US" sz="8000" dirty="0"/>
+              <a:t>시각화</a:t>
+            </a:r>
+            <a:endParaRPr lang="en-US" altLang="ko-KR" sz="8000" dirty="0"/>
+          </a:p>
+        </p:txBody>
+      </p:sp>
+      <p:sp>
+        <p:nvSpPr>
+          <p:cNvPr id="2" name="TextBox 1"/>
+          <p:cNvSpPr txBox="1"/>
+          <p:nvPr/>
+        </p:nvSpPr>
+        <p:spPr>
+          <a:xfrm>
+            <a:off x="3456661" y="3878120"/>
+            <a:ext cx="4931158" cy="584775"/>
+          </a:xfrm>
+          <a:prstGeom prst="rect">
+            <a:avLst/>
+          </a:prstGeom>
+          <a:noFill/>
+        </p:spPr>
+        <p:txBody>
+          <a:bodyPr wrap="none" rtlCol="0">
+            <a:spAutoFit/>
+          </a:bodyPr>
+          <a:lstStyle/>
+          <a:p>
+            <a:r>
+              <a:rPr lang="en-US" altLang="ko-KR" sz="3200" dirty="0"/>
+              <a:t>folium </a:t>
+            </a:r>
+            <a:r>
+              <a:rPr lang="ko-KR" altLang="en-US" sz="3200" dirty="0"/>
+              <a:t>라이브러리를 이용</a:t>
+            </a:r>
+          </a:p>
+        </p:txBody>
+      </p:sp>
+    </p:spTree>
+    <p:extLst>
+      <p:ext uri="{BB962C8B-B14F-4D97-AF65-F5344CB8AC3E}">
+        <p14:creationId xmlns:p14="http://schemas.microsoft.com/office/powerpoint/2010/main" val="1900762214"/>
       </p:ext>
     </p:extLst>
   </p:cSld>
@@ -9503,6 +9742,456 @@
 </p:sld>
 </file>
 
+<file path=ppt/slides/slide40.xml><?xml version="1.0" encoding="utf-8"?>
+<p:sld xmlns:a="http://schemas.openxmlformats.org/drawingml/2006/main" xmlns:r="http://schemas.openxmlformats.org/officeDocument/2006/relationships" xmlns:p="http://schemas.openxmlformats.org/presentationml/2006/main">
+  <p:cSld>
+    <p:spTree>
+      <p:nvGrpSpPr>
+        <p:cNvPr id="1" name=""/>
+        <p:cNvGrpSpPr/>
+        <p:nvPr/>
+      </p:nvGrpSpPr>
+      <p:grpSpPr>
+        <a:xfrm>
+          <a:off x="0" y="0"/>
+          <a:ext cx="0" cy="0"/>
+          <a:chOff x="0" y="0"/>
+          <a:chExt cx="0" cy="0"/>
+        </a:xfrm>
+      </p:grpSpPr>
+      <p:sp>
+        <p:nvSpPr>
+          <p:cNvPr id="2" name="TextBox 1">
+            <a:extLst>
+              <a:ext uri="{FF2B5EF4-FFF2-40B4-BE49-F238E27FC236}">
+                <a16:creationId xmlns:a16="http://schemas.microsoft.com/office/drawing/2014/main" id="{270137EC-62AB-4201-995D-9F199EDD573A}"/>
+              </a:ext>
+            </a:extLst>
+          </p:cNvPr>
+          <p:cNvSpPr txBox="1"/>
+          <p:nvPr/>
+        </p:nvSpPr>
+        <p:spPr>
+          <a:xfrm>
+            <a:off x="457200" y="328613"/>
+            <a:ext cx="1261884" cy="523220"/>
+          </a:xfrm>
+          <a:prstGeom prst="rect">
+            <a:avLst/>
+          </a:prstGeom>
+          <a:noFill/>
+        </p:spPr>
+        <p:txBody>
+          <a:bodyPr wrap="none" rtlCol="0">
+            <a:spAutoFit/>
+          </a:bodyPr>
+          <a:lstStyle/>
+          <a:p>
+            <a:r>
+              <a:rPr lang="ko-KR" altLang="en-US" sz="2800" dirty="0">
+                <a:latin typeface="+mj-ea"/>
+                <a:ea typeface="+mj-ea"/>
+              </a:rPr>
+              <a:t>시각화</a:t>
+            </a:r>
+          </a:p>
+        </p:txBody>
+      </p:sp>
+      <p:sp>
+        <p:nvSpPr>
+          <p:cNvPr id="3" name="TextBox 2">
+            <a:extLst>
+              <a:ext uri="{FF2B5EF4-FFF2-40B4-BE49-F238E27FC236}">
+                <a16:creationId xmlns:a16="http://schemas.microsoft.com/office/drawing/2014/main" id="{BC1F6E87-EDFD-47A7-AFEA-9697696D7632}"/>
+              </a:ext>
+            </a:extLst>
+          </p:cNvPr>
+          <p:cNvSpPr txBox="1"/>
+          <p:nvPr/>
+        </p:nvSpPr>
+        <p:spPr>
+          <a:xfrm>
+            <a:off x="2563867" y="328613"/>
+            <a:ext cx="7572375" cy="461665"/>
+          </a:xfrm>
+          <a:prstGeom prst="rect">
+            <a:avLst/>
+          </a:prstGeom>
+          <a:noFill/>
+        </p:spPr>
+        <p:txBody>
+          <a:bodyPr wrap="square" rtlCol="0">
+            <a:spAutoFit/>
+          </a:bodyPr>
+          <a:lstStyle/>
+          <a:p>
+            <a:r>
+              <a:rPr lang="en-US" altLang="ko-KR" sz="2400" dirty="0"/>
+              <a:t>(  html</a:t>
+            </a:r>
+            <a:r>
+              <a:rPr lang="ko-KR" altLang="en-US" sz="2400" dirty="0"/>
+              <a:t>로 배포하면 그 </a:t>
+            </a:r>
+            <a:r>
+              <a:rPr lang="en-US" altLang="ko-KR" sz="2400" dirty="0" err="1"/>
+              <a:t>url</a:t>
+            </a:r>
+            <a:r>
+              <a:rPr lang="ko-KR" altLang="en-US" sz="2400" dirty="0"/>
+              <a:t> 적기   </a:t>
+            </a:r>
+            <a:r>
+              <a:rPr lang="en-US" altLang="ko-KR" sz="2400" dirty="0"/>
+              <a:t>)</a:t>
+            </a:r>
+            <a:endParaRPr lang="ko-KR" altLang="en-US" sz="2400" dirty="0"/>
+          </a:p>
+        </p:txBody>
+      </p:sp>
+      <p:pic>
+        <p:nvPicPr>
+          <p:cNvPr id="6" name="그림 5">
+            <a:extLst>
+              <a:ext uri="{FF2B5EF4-FFF2-40B4-BE49-F238E27FC236}">
+                <a16:creationId xmlns:a16="http://schemas.microsoft.com/office/drawing/2014/main" id="{78B7043F-C8B9-463C-A8EC-EE54861DFEA2}"/>
+              </a:ext>
+            </a:extLst>
+          </p:cNvPr>
+          <p:cNvPicPr>
+            <a:picLocks noChangeAspect="1"/>
+          </p:cNvPicPr>
+          <p:nvPr/>
+        </p:nvPicPr>
+        <p:blipFill>
+          <a:blip r:embed="rId2"/>
+          <a:stretch>
+            <a:fillRect/>
+          </a:stretch>
+        </p:blipFill>
+        <p:spPr>
+          <a:xfrm>
+            <a:off x="2397465" y="851833"/>
+            <a:ext cx="7738777" cy="5453062"/>
+          </a:xfrm>
+          <a:prstGeom prst="rect">
+            <a:avLst/>
+          </a:prstGeom>
+        </p:spPr>
+      </p:pic>
+    </p:spTree>
+    <p:extLst>
+      <p:ext uri="{BB962C8B-B14F-4D97-AF65-F5344CB8AC3E}">
+        <p14:creationId xmlns:p14="http://schemas.microsoft.com/office/powerpoint/2010/main" val="3873820452"/>
+      </p:ext>
+    </p:extLst>
+  </p:cSld>
+  <p:clrMapOvr>
+    <a:masterClrMapping/>
+  </p:clrMapOvr>
+</p:sld>
+</file>
+
+<file path=ppt/slides/slide41.xml><?xml version="1.0" encoding="utf-8"?>
+<p:sld xmlns:a="http://schemas.openxmlformats.org/drawingml/2006/main" xmlns:r="http://schemas.openxmlformats.org/officeDocument/2006/relationships" xmlns:p="http://schemas.openxmlformats.org/presentationml/2006/main">
+  <p:cSld>
+    <p:spTree>
+      <p:nvGrpSpPr>
+        <p:cNvPr id="1" name=""/>
+        <p:cNvGrpSpPr/>
+        <p:nvPr/>
+      </p:nvGrpSpPr>
+      <p:grpSpPr>
+        <a:xfrm>
+          <a:off x="0" y="0"/>
+          <a:ext cx="0" cy="0"/>
+          <a:chOff x="0" y="0"/>
+          <a:chExt cx="0" cy="0"/>
+        </a:xfrm>
+      </p:grpSpPr>
+      <p:sp>
+        <p:nvSpPr>
+          <p:cNvPr id="2" name="TextBox 1">
+            <a:extLst>
+              <a:ext uri="{FF2B5EF4-FFF2-40B4-BE49-F238E27FC236}">
+                <a16:creationId xmlns:a16="http://schemas.microsoft.com/office/drawing/2014/main" id="{270137EC-62AB-4201-995D-9F199EDD573A}"/>
+              </a:ext>
+            </a:extLst>
+          </p:cNvPr>
+          <p:cNvSpPr txBox="1"/>
+          <p:nvPr/>
+        </p:nvSpPr>
+        <p:spPr>
+          <a:xfrm>
+            <a:off x="457200" y="328613"/>
+            <a:ext cx="2106667" cy="523220"/>
+          </a:xfrm>
+          <a:prstGeom prst="rect">
+            <a:avLst/>
+          </a:prstGeom>
+          <a:noFill/>
+        </p:spPr>
+        <p:txBody>
+          <a:bodyPr wrap="none" rtlCol="0">
+            <a:spAutoFit/>
+          </a:bodyPr>
+          <a:lstStyle/>
+          <a:p>
+            <a:r>
+              <a:rPr lang="ko-KR" altLang="en-US" sz="2800" dirty="0">
+                <a:latin typeface="+mj-ea"/>
+                <a:ea typeface="+mj-ea"/>
+              </a:rPr>
+              <a:t>참고 사이트</a:t>
+            </a:r>
+          </a:p>
+        </p:txBody>
+      </p:sp>
+      <p:sp>
+        <p:nvSpPr>
+          <p:cNvPr id="6" name="TextBox 5">
+            <a:extLst>
+              <a:ext uri="{FF2B5EF4-FFF2-40B4-BE49-F238E27FC236}">
+                <a16:creationId xmlns:a16="http://schemas.microsoft.com/office/drawing/2014/main" id="{56458959-87C9-4C9C-8C23-37B508CE8A9E}"/>
+              </a:ext>
+            </a:extLst>
+          </p:cNvPr>
+          <p:cNvSpPr txBox="1"/>
+          <p:nvPr/>
+        </p:nvSpPr>
+        <p:spPr>
+          <a:xfrm>
+            <a:off x="1366263" y="1021049"/>
+            <a:ext cx="10056913" cy="4154984"/>
+          </a:xfrm>
+          <a:prstGeom prst="rect">
+            <a:avLst/>
+          </a:prstGeom>
+          <a:noFill/>
+        </p:spPr>
+        <p:txBody>
+          <a:bodyPr wrap="square" rtlCol="0">
+            <a:spAutoFit/>
+          </a:bodyPr>
+          <a:lstStyle/>
+          <a:p>
+            <a:pPr marL="457200" indent="-457200">
+              <a:buAutoNum type="arabicPeriod"/>
+            </a:pPr>
+            <a:r>
+              <a:rPr lang="ko-KR" altLang="en-US" sz="2400" dirty="0"/>
+              <a:t>정규표현식 예제 </a:t>
+            </a:r>
+            <a:r>
+              <a:rPr lang="en-US" altLang="ko-KR" sz="2400" dirty="0"/>
+              <a:t>- </a:t>
+            </a:r>
+            <a:r>
+              <a:rPr lang="en-US" altLang="ko-KR" sz="2400" dirty="0">
+                <a:hlinkClick r:id="rId2"/>
+              </a:rPr>
+              <a:t>https://nachwon.github.io/regular-expressions/</a:t>
+            </a:r>
+            <a:endParaRPr lang="en-US" altLang="ko-KR" sz="2400" dirty="0"/>
+          </a:p>
+          <a:p>
+            <a:pPr marL="457200" indent="-457200">
+              <a:buAutoNum type="arabicPeriod"/>
+            </a:pPr>
+            <a:r>
+              <a:rPr lang="ko-KR" altLang="en-US" sz="2400" dirty="0"/>
+              <a:t>정규표현식 테스트 </a:t>
+            </a:r>
+            <a:r>
+              <a:rPr lang="en-US" altLang="ko-KR" sz="2400" dirty="0"/>
+              <a:t>- </a:t>
+            </a:r>
+            <a:r>
+              <a:rPr lang="en-US" altLang="ko-KR" sz="2400" dirty="0">
+                <a:hlinkClick r:id="rId3"/>
+              </a:rPr>
+              <a:t>https://regex101.com/r/uufrWr/1</a:t>
+            </a:r>
+            <a:r>
+              <a:rPr lang="en-US" altLang="ko-KR" sz="2400" dirty="0"/>
+              <a:t> </a:t>
+            </a:r>
+          </a:p>
+          <a:p>
+            <a:pPr marL="457200" indent="-457200">
+              <a:buAutoNum type="arabicPeriod"/>
+            </a:pPr>
+            <a:r>
+              <a:rPr lang="ko-KR" altLang="en-US" sz="2400" dirty="0"/>
+              <a:t>주소 경위도 확인 </a:t>
+            </a:r>
+            <a:r>
+              <a:rPr lang="en-US" altLang="ko-KR" sz="2400" dirty="0"/>
+              <a:t>- </a:t>
+            </a:r>
+            <a:r>
+              <a:rPr lang="en-US" altLang="ko-KR" sz="2400" dirty="0">
+                <a:hlinkClick r:id="rId4"/>
+              </a:rPr>
+              <a:t>https://address.dawul.co.kr/index.php</a:t>
+            </a:r>
+            <a:r>
+              <a:rPr lang="en-US" altLang="ko-KR" sz="2400" dirty="0"/>
+              <a:t> </a:t>
+            </a:r>
+          </a:p>
+          <a:p>
+            <a:pPr marL="457200" indent="-457200">
+              <a:buAutoNum type="arabicPeriod"/>
+            </a:pPr>
+            <a:r>
+              <a:rPr lang="ko-KR" altLang="en-US" sz="2400" dirty="0"/>
+              <a:t>주소 경위도 확인 </a:t>
+            </a:r>
+            <a:r>
+              <a:rPr lang="en-US" altLang="ko-KR" sz="2400" dirty="0"/>
+              <a:t>- </a:t>
+            </a:r>
+            <a:r>
+              <a:rPr lang="en-US" altLang="ko-KR" sz="2400" dirty="0">
+                <a:hlinkClick r:id="rId5"/>
+              </a:rPr>
+              <a:t>https://www.google.co.kr/maps</a:t>
+            </a:r>
+            <a:r>
+              <a:rPr lang="en-US" altLang="ko-KR" sz="2400" dirty="0"/>
+              <a:t> </a:t>
+            </a:r>
+          </a:p>
+          <a:p>
+            <a:pPr marL="457200" indent="-457200">
+              <a:buAutoNum type="arabicPeriod"/>
+            </a:pPr>
+            <a:r>
+              <a:rPr lang="en-US" altLang="ko-KR" sz="2400" dirty="0"/>
+              <a:t>matplotlib </a:t>
+            </a:r>
+            <a:r>
+              <a:rPr lang="ko-KR" altLang="en-US" sz="2400" dirty="0" err="1"/>
+              <a:t>한글깨짐</a:t>
+            </a:r>
+            <a:r>
+              <a:rPr lang="ko-KR" altLang="en-US" sz="2400" dirty="0"/>
+              <a:t> 이슈 </a:t>
+            </a:r>
+            <a:r>
+              <a:rPr lang="en-US" altLang="ko-KR" sz="2400" dirty="0"/>
+              <a:t>- </a:t>
+            </a:r>
+            <a:r>
+              <a:rPr lang="en-US" altLang="ko-KR" sz="2400" dirty="0">
+                <a:hlinkClick r:id="rId6"/>
+              </a:rPr>
+              <a:t>https://www.whatwant.com/entry/matplotlib-hangul-colab-local</a:t>
+            </a:r>
+            <a:endParaRPr lang="en-US" altLang="ko-KR" sz="2400" dirty="0"/>
+          </a:p>
+          <a:p>
+            <a:pPr marL="457200" indent="-457200">
+              <a:buAutoNum type="arabicPeriod"/>
+            </a:pPr>
+            <a:r>
+              <a:rPr lang="en-US" altLang="ko-KR" sz="2400" dirty="0"/>
+              <a:t>folium </a:t>
+            </a:r>
+            <a:r>
+              <a:rPr lang="ko-KR" altLang="en-US" sz="2400" dirty="0"/>
+              <a:t>사용 </a:t>
+            </a:r>
+            <a:r>
+              <a:rPr lang="en-US" altLang="ko-KR" sz="2400" dirty="0"/>
+              <a:t>- </a:t>
+            </a:r>
+            <a:r>
+              <a:rPr lang="en-US" altLang="ko-KR" sz="2400" dirty="0">
+                <a:hlinkClick r:id="rId7"/>
+              </a:rPr>
+              <a:t>https://teddylee777.github.io/visualization/folium/</a:t>
+            </a:r>
+            <a:r>
+              <a:rPr lang="en-US" altLang="ko-KR" sz="2400" dirty="0"/>
+              <a:t> </a:t>
+            </a:r>
+          </a:p>
+          <a:p>
+            <a:pPr marL="457200" indent="-457200">
+              <a:buAutoNum type="arabicPeriod"/>
+            </a:pPr>
+            <a:r>
+              <a:rPr lang="en-US" altLang="ko-KR" sz="2400" dirty="0"/>
+              <a:t>matplotlib </a:t>
+            </a:r>
+            <a:r>
+              <a:rPr lang="ko-KR" altLang="en-US" sz="2400" dirty="0"/>
+              <a:t>색 </a:t>
+            </a:r>
+            <a:r>
+              <a:rPr lang="en-US" altLang="ko-KR" sz="2400" dirty="0"/>
+              <a:t>- </a:t>
+            </a:r>
+            <a:r>
+              <a:rPr lang="en-US" altLang="ko-KR" sz="2400" dirty="0">
+                <a:hlinkClick r:id="rId8"/>
+              </a:rPr>
+              <a:t>https://matplotlib.org/stable/tutorials/colors/colormaps.html</a:t>
+            </a:r>
+            <a:r>
+              <a:rPr lang="en-US" altLang="ko-KR" sz="2400" dirty="0"/>
+              <a:t> </a:t>
+            </a:r>
+          </a:p>
+          <a:p>
+            <a:pPr marL="457200" indent="-457200">
+              <a:buAutoNum type="arabicPeriod"/>
+            </a:pPr>
+            <a:r>
+              <a:rPr lang="en-US" altLang="ko-KR" sz="2400" dirty="0"/>
+              <a:t>seaborn </a:t>
+            </a:r>
+            <a:r>
+              <a:rPr lang="ko-KR" altLang="en-US" sz="2400" dirty="0"/>
+              <a:t>공식 사이트 </a:t>
+            </a:r>
+            <a:r>
+              <a:rPr lang="en-US" altLang="ko-KR" sz="2400" dirty="0"/>
+              <a:t>(</a:t>
+            </a:r>
+            <a:r>
+              <a:rPr lang="ko-KR" altLang="en-US" sz="2400" dirty="0"/>
+              <a:t>색상표</a:t>
+            </a:r>
+            <a:r>
+              <a:rPr lang="en-US" altLang="ko-KR" sz="2400" dirty="0"/>
+              <a:t>) - </a:t>
+            </a:r>
+            <a:r>
+              <a:rPr lang="en-US" altLang="ko-KR" sz="2400" dirty="0">
+                <a:hlinkClick r:id="rId9"/>
+              </a:rPr>
+              <a:t>https://seaborn.pydata.org/tutorial/color_palettes.html</a:t>
+            </a:r>
+            <a:endParaRPr lang="en-US" altLang="ko-KR" sz="2400" dirty="0"/>
+          </a:p>
+        </p:txBody>
+      </p:sp>
+    </p:spTree>
+    <p:extLst>
+      <p:ext uri="{BB962C8B-B14F-4D97-AF65-F5344CB8AC3E}">
+        <p14:creationId xmlns:p14="http://schemas.microsoft.com/office/powerpoint/2010/main" val="1592175736"/>
+      </p:ext>
+    </p:extLst>
+  </p:cSld>
+  <p:clrMapOvr>
+    <a:masterClrMapping/>
+  </p:clrMapOvr>
+</p:sld>
+</file>
+
 <file path=ppt/slides/slide5.xml><?xml version="1.0" encoding="utf-8"?>
 <p:sld xmlns:a="http://schemas.openxmlformats.org/drawingml/2006/main" xmlns:r="http://schemas.openxmlformats.org/officeDocument/2006/relationships" xmlns:p="http://schemas.openxmlformats.org/presentationml/2006/main">
   <p:cSld>
@@ -9573,7 +10262,7 @@
         <p:spPr>
           <a:xfrm>
             <a:off x="957262" y="1265039"/>
-            <a:ext cx="7572375" cy="830997"/>
+            <a:ext cx="7572375" cy="1938992"/>
           </a:xfrm>
           <a:prstGeom prst="rect">
             <a:avLst/>
@@ -9594,13 +10283,84 @@
           </a:p>
           <a:p>
             <a:r>
-              <a:rPr lang="en-US" altLang="ko-KR" sz="2400" dirty="0"/>
+              <a:rPr lang="en-US" altLang="ko-KR" sz="2400" dirty="0">
+                <a:hlinkClick r:id="rId2"/>
+              </a:rPr>
               <a:t>https://www.data.go.kr/data/15013109/standard.do</a:t>
             </a:r>
+            <a:endParaRPr lang="en-US" altLang="ko-KR" sz="2400" dirty="0"/>
+          </a:p>
+          <a:p>
+            <a:endParaRPr lang="en-US" altLang="ko-KR" sz="2400" dirty="0"/>
+          </a:p>
+          <a:p>
+            <a:r>
+              <a:rPr lang="ko-KR" altLang="en-US" sz="2400" dirty="0"/>
+              <a:t>도서관 정보나루 </a:t>
+            </a:r>
+            <a:r>
+              <a:rPr lang="en-US" altLang="ko-KR" sz="2400" dirty="0"/>
+              <a:t>&gt; </a:t>
+            </a:r>
+            <a:r>
+              <a:rPr lang="ko-KR" altLang="en-US" sz="2400" dirty="0"/>
+              <a:t>데이터 신청 </a:t>
+            </a:r>
+            <a:r>
+              <a:rPr lang="en-US" altLang="ko-KR" sz="2400" dirty="0"/>
+              <a:t>&gt; </a:t>
+            </a:r>
+            <a:r>
+              <a:rPr lang="ko-KR" altLang="en-US" sz="2400" dirty="0"/>
+              <a:t>이용자별 테마 활용</a:t>
+            </a:r>
+            <a:endParaRPr lang="en-US" altLang="ko-KR" sz="2400" dirty="0"/>
+          </a:p>
+          <a:p>
+            <a:r>
+              <a:rPr lang="en-US" altLang="ko-KR" sz="2400" dirty="0">
+                <a:hlinkClick r:id="rId3"/>
+              </a:rPr>
+              <a:t>https://www.data4library.kr/userThemaDataL#</a:t>
+            </a:r>
+            <a:r>
+              <a:rPr lang="en-US" altLang="ko-KR" sz="2400" dirty="0"/>
+              <a:t> </a:t>
+            </a:r>
             <a:endParaRPr lang="ko-KR" altLang="en-US" sz="2400" dirty="0"/>
           </a:p>
         </p:txBody>
       </p:sp>
+      <p:pic>
+        <p:nvPicPr>
+          <p:cNvPr id="7" name="그림 6">
+            <a:extLst>
+              <a:ext uri="{FF2B5EF4-FFF2-40B4-BE49-F238E27FC236}">
+                <a16:creationId xmlns:a16="http://schemas.microsoft.com/office/drawing/2014/main" id="{154502C5-EB1B-092D-3F90-A8FE1C04F9EA}"/>
+              </a:ext>
+            </a:extLst>
+          </p:cNvPr>
+          <p:cNvPicPr>
+            <a:picLocks noChangeAspect="1"/>
+          </p:cNvPicPr>
+          <p:nvPr/>
+        </p:nvPicPr>
+        <p:blipFill>
+          <a:blip r:embed="rId4"/>
+          <a:stretch>
+            <a:fillRect/>
+          </a:stretch>
+        </p:blipFill>
+        <p:spPr>
+          <a:xfrm>
+            <a:off x="0" y="4060953"/>
+            <a:ext cx="12192000" cy="2468434"/>
+          </a:xfrm>
+          <a:prstGeom prst="rect">
+            <a:avLst/>
+          </a:prstGeom>
+        </p:spPr>
+      </p:pic>
     </p:spTree>
     <p:extLst>
       <p:ext uri="{BB962C8B-B14F-4D97-AF65-F5344CB8AC3E}">

--- a/230810.pptx
+++ b/230810.pptx
@@ -39,13 +39,16 @@
     <p:sldId id="294" r:id="rId33"/>
     <p:sldId id="292" r:id="rId34"/>
     <p:sldId id="296" r:id="rId35"/>
-    <p:sldId id="297" r:id="rId36"/>
-    <p:sldId id="300" r:id="rId37"/>
-    <p:sldId id="299" r:id="rId38"/>
-    <p:sldId id="298" r:id="rId39"/>
-    <p:sldId id="295" r:id="rId40"/>
-    <p:sldId id="293" r:id="rId41"/>
-    <p:sldId id="271" r:id="rId42"/>
+    <p:sldId id="293" r:id="rId36"/>
+    <p:sldId id="302" r:id="rId37"/>
+    <p:sldId id="303" r:id="rId38"/>
+    <p:sldId id="297" r:id="rId39"/>
+    <p:sldId id="300" r:id="rId40"/>
+    <p:sldId id="299" r:id="rId41"/>
+    <p:sldId id="298" r:id="rId42"/>
+    <p:sldId id="301" r:id="rId43"/>
+    <p:sldId id="271" r:id="rId44"/>
+    <p:sldId id="304" r:id="rId45"/>
   </p:sldIdLst>
   <p:sldSz cx="12192000" cy="6858000"/>
   <p:notesSz cx="6858000" cy="9144000"/>
@@ -7949,11 +7952,7 @@
           <a:p>
             <a:r>
               <a:rPr lang="ko-KR" altLang="en-US" sz="2400" dirty="0"/>
-              <a:t>도서관이 많이 있는 곳의 특징은 </a:t>
-            </a:r>
-            <a:r>
-              <a:rPr lang="ko-KR" altLang="en-US" sz="2400" dirty="0" err="1"/>
-              <a:t>뭘까</a:t>
+              <a:t>어떤 연령대가 도서관을 많이 갈까</a:t>
             </a:r>
             <a:r>
               <a:rPr lang="en-US" altLang="ko-KR" sz="2400" dirty="0"/>
@@ -7963,7 +7962,7 @@
           <a:p>
             <a:r>
               <a:rPr lang="ko-KR" altLang="en-US" sz="2400" dirty="0"/>
-              <a:t>도서관이 많이 있는 지역은 어디일까</a:t>
+              <a:t>언제 도서관에 사람이 적을까</a:t>
             </a:r>
             <a:r>
               <a:rPr lang="en-US" altLang="ko-KR" sz="2400" dirty="0"/>
@@ -7973,7 +7972,7 @@
           <a:p>
             <a:r>
               <a:rPr lang="ko-KR" altLang="en-US" sz="2400" dirty="0"/>
-              <a:t>제일 규모가 큰 도서관은 어디일까</a:t>
+              <a:t>연령대별로 어떤 책을 많이 빌릴까</a:t>
             </a:r>
             <a:r>
               <a:rPr lang="en-US" altLang="ko-KR" sz="2400" dirty="0"/>
@@ -7984,14 +7983,7 @@
             <a:endParaRPr lang="en-US" altLang="ko-KR" sz="2400" dirty="0"/>
           </a:p>
           <a:p>
-            <a:r>
-              <a:rPr lang="ko-KR" altLang="en-US" sz="2400" dirty="0"/>
-              <a:t>사람들이 많이 가는 도서관은 어떤 특징을 가지고 있을까</a:t>
-            </a:r>
-            <a:r>
-              <a:rPr lang="en-US" altLang="ko-KR" sz="2400" dirty="0"/>
-              <a:t>?</a:t>
-            </a:r>
+            <a:endParaRPr lang="en-US" altLang="ko-KR" sz="2400" dirty="0"/>
           </a:p>
           <a:p>
             <a:r>
@@ -8383,7 +8375,7 @@
         <p:spPr>
           <a:xfrm>
             <a:off x="1549731" y="2303873"/>
-            <a:ext cx="9092537" cy="1323439"/>
+            <a:ext cx="9092537" cy="1107996"/>
           </a:xfrm>
           <a:prstGeom prst="rect">
             <a:avLst/>
@@ -8398,10 +8390,10 @@
           <a:p>
             <a:pPr algn="ctr"/>
             <a:r>
-              <a:rPr lang="ko-KR" altLang="en-US" sz="8000"/>
+              <a:rPr lang="ko-KR" altLang="en-US" sz="6600" dirty="0"/>
               <a:t>탐색적 데이터 분석</a:t>
             </a:r>
-            <a:endParaRPr lang="en-US" altLang="ko-KR" sz="8000" dirty="0"/>
+            <a:endParaRPr lang="en-US" altLang="ko-KR" sz="6600" dirty="0"/>
           </a:p>
         </p:txBody>
       </p:sp>
@@ -8413,8 +8405,8 @@
         </p:nvSpPr>
         <p:spPr>
           <a:xfrm>
-            <a:off x="5618560" y="3627312"/>
-            <a:ext cx="954877" cy="584775"/>
+            <a:off x="5522476" y="3627312"/>
+            <a:ext cx="1147045" cy="707886"/>
           </a:xfrm>
           <a:prstGeom prst="rect">
             <a:avLst/>
@@ -8429,10 +8421,10 @@
           <a:p>
             <a:pPr algn="ctr"/>
             <a:r>
-              <a:rPr lang="en-US" altLang="ko-KR" sz="3200" dirty="0"/>
+              <a:rPr lang="en-US" altLang="ko-KR" sz="4000" dirty="0"/>
               <a:t>EDA</a:t>
             </a:r>
-            <a:endParaRPr lang="ko-KR" altLang="en-US" sz="3200" dirty="0"/>
+            <a:endParaRPr lang="ko-KR" altLang="en-US" sz="4000" dirty="0"/>
           </a:p>
         </p:txBody>
       </p:sp>
@@ -8829,18 +8821,35 @@
           <a:lstStyle/>
           <a:p>
             <a:r>
-              <a:rPr lang="ko-KR" altLang="en-US" sz="2400" dirty="0"/>
-              <a:t>연도별 대출건수 그래프</a:t>
-            </a:r>
+              <a:rPr lang="en-US" altLang="ko-KR" sz="2400" dirty="0"/>
+              <a:t>(  html</a:t>
+            </a:r>
+            <a:r>
+              <a:rPr lang="ko-KR" altLang="en-US" sz="2400" dirty="0"/>
+              <a:t>로 배포하면 그 </a:t>
+            </a:r>
+            <a:r>
+              <a:rPr lang="en-US" altLang="ko-KR" sz="2400" dirty="0" err="1"/>
+              <a:t>url</a:t>
+            </a:r>
+            <a:r>
+              <a:rPr lang="ko-KR" altLang="en-US" sz="2400" dirty="0"/>
+              <a:t> 적기   </a:t>
+            </a:r>
+            <a:r>
+              <a:rPr lang="en-US" altLang="ko-KR" sz="2400" dirty="0"/>
+              <a:t>) </a:t>
+            </a:r>
+            <a:endParaRPr lang="ko-KR" altLang="en-US" sz="2400" dirty="0"/>
           </a:p>
         </p:txBody>
       </p:sp>
       <p:pic>
         <p:nvPicPr>
-          <p:cNvPr id="7" name="그림 6" descr="텍스트, 스크린샷, 그래프, 도표이(가) 표시된 사진&#10;&#10;자동 생성된 설명">
-            <a:extLst>
-              <a:ext uri="{FF2B5EF4-FFF2-40B4-BE49-F238E27FC236}">
-                <a16:creationId xmlns:a16="http://schemas.microsoft.com/office/drawing/2014/main" id="{91594BEB-DB03-5900-F079-8FDFD6A67202}"/>
+          <p:cNvPr id="6" name="그림 5">
+            <a:extLst>
+              <a:ext uri="{FF2B5EF4-FFF2-40B4-BE49-F238E27FC236}">
+                <a16:creationId xmlns:a16="http://schemas.microsoft.com/office/drawing/2014/main" id="{78B7043F-C8B9-463C-A8EC-EE54861DFEA2}"/>
               </a:ext>
             </a:extLst>
           </p:cNvPr>
@@ -8850,31 +8859,69 @@
           <p:nvPr/>
         </p:nvPicPr>
         <p:blipFill>
-          <a:blip r:embed="rId2">
-            <a:extLst>
-              <a:ext uri="{28A0092B-C50C-407E-A947-70E740481C1C}">
-                <a14:useLocalDpi xmlns:a14="http://schemas.microsoft.com/office/drawing/2010/main" val="0"/>
-              </a:ext>
-            </a:extLst>
-          </a:blip>
+          <a:blip r:embed="rId2"/>
           <a:stretch>
             <a:fillRect/>
           </a:stretch>
         </p:blipFill>
         <p:spPr>
           <a:xfrm>
-            <a:off x="219016" y="1038187"/>
-            <a:ext cx="11753968" cy="5259188"/>
+            <a:off x="1999129" y="1485057"/>
+            <a:ext cx="6714604" cy="4731387"/>
           </a:xfrm>
           <a:prstGeom prst="rect">
             <a:avLst/>
           </a:prstGeom>
         </p:spPr>
       </p:pic>
+      <p:sp>
+        <p:nvSpPr>
+          <p:cNvPr id="4" name="TextBox 3">
+            <a:extLst>
+              <a:ext uri="{FF2B5EF4-FFF2-40B4-BE49-F238E27FC236}">
+                <a16:creationId xmlns:a16="http://schemas.microsoft.com/office/drawing/2014/main" id="{12852CBD-EFA5-4B0F-0D8C-F955CEB4A3C3}"/>
+              </a:ext>
+            </a:extLst>
+          </p:cNvPr>
+          <p:cNvSpPr txBox="1"/>
+          <p:nvPr/>
+        </p:nvSpPr>
+        <p:spPr>
+          <a:xfrm>
+            <a:off x="2495191" y="722169"/>
+            <a:ext cx="3854863" cy="830997"/>
+          </a:xfrm>
+          <a:prstGeom prst="rect">
+            <a:avLst/>
+          </a:prstGeom>
+          <a:noFill/>
+        </p:spPr>
+        <p:txBody>
+          <a:bodyPr wrap="square" rtlCol="0">
+            <a:spAutoFit/>
+          </a:bodyPr>
+          <a:lstStyle/>
+          <a:p>
+            <a:pPr algn="ctr"/>
+            <a:r>
+              <a:rPr lang="en-US" altLang="ko-KR" sz="2400" dirty="0"/>
+              <a:t>folium </a:t>
+            </a:r>
+            <a:r>
+              <a:rPr lang="ko-KR" altLang="en-US" sz="2400" dirty="0"/>
+              <a:t>라이브러리 이용</a:t>
+            </a:r>
+          </a:p>
+          <a:p>
+            <a:pPr algn="ctr"/>
+            <a:endParaRPr lang="ko-KR" altLang="en-US" sz="2400" dirty="0"/>
+          </a:p>
+        </p:txBody>
+      </p:sp>
     </p:spTree>
     <p:extLst>
       <p:ext uri="{BB962C8B-B14F-4D97-AF65-F5344CB8AC3E}">
-        <p14:creationId xmlns:p14="http://schemas.microsoft.com/office/powerpoint/2010/main" val="3346376219"/>
+        <p14:creationId xmlns:p14="http://schemas.microsoft.com/office/powerpoint/2010/main" val="3873820452"/>
       </p:ext>
     </p:extLst>
   </p:cSld>
@@ -8916,7 +8963,7 @@
         <p:spPr>
           <a:xfrm>
             <a:off x="457200" y="328613"/>
-            <a:ext cx="1261884" cy="523220"/>
+            <a:ext cx="2106667" cy="523220"/>
           </a:xfrm>
           <a:prstGeom prst="rect">
             <a:avLst/>
@@ -8934,7 +8981,7 @@
                 <a:latin typeface="+mj-ea"/>
                 <a:ea typeface="+mj-ea"/>
               </a:rPr>
-              <a:t>시각화</a:t>
+              <a:t>기본 통계량</a:t>
             </a:r>
           </a:p>
         </p:txBody>
@@ -8969,111 +9016,45 @@
           <a:p>
             <a:r>
               <a:rPr lang="ko-KR" altLang="en-US" sz="2400" dirty="0"/>
-              <a:t>월별 대출건수 변화 </a:t>
-            </a:r>
-            <a:r>
-              <a:rPr lang="en-US" altLang="ko-KR" sz="2400" dirty="0"/>
-              <a:t>-&gt; </a:t>
-            </a:r>
-            <a:r>
-              <a:rPr lang="ko-KR" altLang="en-US" sz="2400" dirty="0"/>
-              <a:t>일정한 패턴이 있다</a:t>
-            </a:r>
-            <a:r>
-              <a:rPr lang="en-US" altLang="ko-KR" sz="2400" dirty="0"/>
-              <a:t>!</a:t>
-            </a:r>
-            <a:endParaRPr lang="ko-KR" altLang="en-US" sz="2400" dirty="0"/>
-          </a:p>
-        </p:txBody>
-      </p:sp>
-      <p:sp>
-        <p:nvSpPr>
-          <p:cNvPr id="4" name="TextBox 3">
-            <a:extLst>
-              <a:ext uri="{FF2B5EF4-FFF2-40B4-BE49-F238E27FC236}">
-                <a16:creationId xmlns:a16="http://schemas.microsoft.com/office/drawing/2014/main" id="{37483B62-7A9B-D230-754D-F5ED614EB47F}"/>
-              </a:ext>
-            </a:extLst>
-          </p:cNvPr>
-          <p:cNvSpPr txBox="1"/>
-          <p:nvPr/>
-        </p:nvSpPr>
-        <p:spPr>
-          <a:xfrm>
-            <a:off x="1366263" y="1021048"/>
-            <a:ext cx="9866513" cy="1569660"/>
-          </a:xfrm>
-          <a:prstGeom prst="rect">
-            <a:avLst/>
-          </a:prstGeom>
-          <a:noFill/>
-        </p:spPr>
-        <p:txBody>
-          <a:bodyPr wrap="square" rtlCol="0">
-            <a:spAutoFit/>
-          </a:bodyPr>
-          <a:lstStyle/>
-          <a:p>
-            <a:r>
-              <a:rPr lang="ko-KR" altLang="en-US" sz="2400" dirty="0"/>
-              <a:t>코로나로 인하여 </a:t>
-            </a:r>
-            <a:r>
-              <a:rPr lang="en-US" altLang="ko-KR" sz="2400" dirty="0"/>
-              <a:t>2020</a:t>
-            </a:r>
-            <a:r>
-              <a:rPr lang="ko-KR" altLang="en-US" sz="2400" dirty="0"/>
-              <a:t>년에 줄어들었으나</a:t>
-            </a:r>
-            <a:r>
-              <a:rPr lang="en-US" altLang="ko-KR" sz="2400" dirty="0"/>
-              <a:t>,</a:t>
-            </a:r>
-          </a:p>
-          <a:p>
-            <a:r>
-              <a:rPr lang="ko-KR" altLang="en-US" sz="2400" dirty="0"/>
-              <a:t>꾸준히 증가하는 것을 볼 수 있습니다</a:t>
-            </a:r>
-            <a:r>
-              <a:rPr lang="en-US" altLang="ko-KR" sz="2400" dirty="0"/>
-              <a:t>.</a:t>
-            </a:r>
-          </a:p>
-          <a:p>
-            <a:r>
-              <a:rPr lang="en-US" altLang="ko-KR" sz="2400" dirty="0"/>
-              <a:t>2023</a:t>
-            </a:r>
-            <a:r>
-              <a:rPr lang="ko-KR" altLang="en-US" sz="2400" dirty="0"/>
-              <a:t>년도 아직 </a:t>
-            </a:r>
-            <a:r>
-              <a:rPr lang="en-US" altLang="ko-KR" sz="2400" dirty="0"/>
-              <a:t>8</a:t>
-            </a:r>
-            <a:r>
-              <a:rPr lang="ko-KR" altLang="en-US" sz="2400" dirty="0" err="1"/>
-              <a:t>월인데도</a:t>
-            </a:r>
-            <a:r>
-              <a:rPr lang="ko-KR" altLang="en-US" sz="2400" dirty="0"/>
-              <a:t> 작년보다 많은 대출을 빌린 것을 확인할 수 있습니다</a:t>
-            </a:r>
-            <a:r>
-              <a:rPr lang="en-US" altLang="ko-KR" sz="2400" dirty="0"/>
-              <a:t>.</a:t>
-            </a:r>
-          </a:p>
-        </p:txBody>
-      </p:sp>
+              <a:t>연령대별 대출건수</a:t>
+            </a:r>
+          </a:p>
+        </p:txBody>
+      </p:sp>
+      <p:pic>
+        <p:nvPicPr>
+          <p:cNvPr id="8" name="그림 7">
+            <a:extLst>
+              <a:ext uri="{FF2B5EF4-FFF2-40B4-BE49-F238E27FC236}">
+                <a16:creationId xmlns:a16="http://schemas.microsoft.com/office/drawing/2014/main" id="{7CCF3286-30ED-525E-4332-3208A14AEF51}"/>
+              </a:ext>
+            </a:extLst>
+          </p:cNvPr>
+          <p:cNvPicPr>
+            <a:picLocks noChangeAspect="1"/>
+          </p:cNvPicPr>
+          <p:nvPr/>
+        </p:nvPicPr>
+        <p:blipFill>
+          <a:blip r:embed="rId2"/>
+          <a:stretch>
+            <a:fillRect/>
+          </a:stretch>
+        </p:blipFill>
+        <p:spPr>
+          <a:xfrm>
+            <a:off x="708211" y="1658470"/>
+            <a:ext cx="11014226" cy="3236259"/>
+          </a:xfrm>
+          <a:prstGeom prst="rect">
+            <a:avLst/>
+          </a:prstGeom>
+        </p:spPr>
+      </p:pic>
     </p:spTree>
     <p:extLst>
       <p:ext uri="{BB962C8B-B14F-4D97-AF65-F5344CB8AC3E}">
-        <p14:creationId xmlns:p14="http://schemas.microsoft.com/office/powerpoint/2010/main" val="414003477"/>
+        <p14:creationId xmlns:p14="http://schemas.microsoft.com/office/powerpoint/2010/main" val="1815977668"/>
       </p:ext>
     </p:extLst>
   </p:cSld>
@@ -9168,30 +9149,17 @@
           <a:p>
             <a:r>
               <a:rPr lang="ko-KR" altLang="en-US" sz="2400" dirty="0"/>
-              <a:t>월별 대출건수 변화 </a:t>
-            </a:r>
-            <a:r>
-              <a:rPr lang="en-US" altLang="ko-KR" sz="2400" dirty="0"/>
-              <a:t>-&gt; </a:t>
-            </a:r>
-            <a:r>
-              <a:rPr lang="ko-KR" altLang="en-US" sz="2400" dirty="0"/>
-              <a:t>일정한 패턴이 있다</a:t>
-            </a:r>
-            <a:r>
-              <a:rPr lang="en-US" altLang="ko-KR" sz="2400" dirty="0"/>
-              <a:t>!</a:t>
-            </a:r>
-            <a:endParaRPr lang="ko-KR" altLang="en-US" sz="2400" dirty="0"/>
+              <a:t>연령대별 평균 대출건수</a:t>
+            </a:r>
           </a:p>
         </p:txBody>
       </p:sp>
       <p:pic>
         <p:nvPicPr>
-          <p:cNvPr id="5" name="그림 4" descr="도표, 그래프, 텍스트, 라인이(가) 표시된 사진&#10;&#10;자동 생성된 설명">
-            <a:extLst>
-              <a:ext uri="{FF2B5EF4-FFF2-40B4-BE49-F238E27FC236}">
-                <a16:creationId xmlns:a16="http://schemas.microsoft.com/office/drawing/2014/main" id="{5D43530E-76F0-54CC-46B3-5A24F0683856}"/>
+          <p:cNvPr id="5" name="그림 4" descr="텍스트, 스크린샷, 도표, 직사각형이(가) 표시된 사진&#10;&#10;자동 생성된 설명">
+            <a:extLst>
+              <a:ext uri="{FF2B5EF4-FFF2-40B4-BE49-F238E27FC236}">
+                <a16:creationId xmlns:a16="http://schemas.microsoft.com/office/drawing/2014/main" id="{DE0AF60E-748F-3E28-F8AC-EE015FA661D7}"/>
               </a:ext>
             </a:extLst>
           </p:cNvPr>
@@ -9214,8 +9182,8 @@
         </p:blipFill>
         <p:spPr>
           <a:xfrm>
-            <a:off x="1303377" y="973350"/>
-            <a:ext cx="8832865" cy="5736939"/>
+            <a:off x="1676664" y="851833"/>
+            <a:ext cx="8838672" cy="5550427"/>
           </a:xfrm>
           <a:prstGeom prst="rect">
             <a:avLst/>
@@ -9225,7 +9193,7 @@
     </p:spTree>
     <p:extLst>
       <p:ext uri="{BB962C8B-B14F-4D97-AF65-F5344CB8AC3E}">
-        <p14:creationId xmlns:p14="http://schemas.microsoft.com/office/powerpoint/2010/main" val="4040645316"/>
+        <p14:creationId xmlns:p14="http://schemas.microsoft.com/office/powerpoint/2010/main" val="665962114"/>
       </p:ext>
     </p:extLst>
   </p:cSld>
@@ -9320,140 +9288,51 @@
           <a:p>
             <a:r>
               <a:rPr lang="ko-KR" altLang="en-US" sz="2400" dirty="0"/>
-              <a:t>월별 대출건수 변화 </a:t>
-            </a:r>
-            <a:r>
-              <a:rPr lang="en-US" altLang="ko-KR" sz="2400" dirty="0"/>
-              <a:t>-&gt; </a:t>
-            </a:r>
-            <a:r>
-              <a:rPr lang="ko-KR" altLang="en-US" sz="2400" dirty="0"/>
-              <a:t>일정한 패턴이 있다</a:t>
-            </a:r>
-            <a:r>
-              <a:rPr lang="en-US" altLang="ko-KR" sz="2400" dirty="0"/>
-              <a:t>!</a:t>
-            </a:r>
-            <a:endParaRPr lang="ko-KR" altLang="en-US" sz="2400" dirty="0"/>
-          </a:p>
-        </p:txBody>
-      </p:sp>
-      <p:sp>
-        <p:nvSpPr>
-          <p:cNvPr id="4" name="TextBox 3">
-            <a:extLst>
-              <a:ext uri="{FF2B5EF4-FFF2-40B4-BE49-F238E27FC236}">
-                <a16:creationId xmlns:a16="http://schemas.microsoft.com/office/drawing/2014/main" id="{37483B62-7A9B-D230-754D-F5ED614EB47F}"/>
-              </a:ext>
-            </a:extLst>
-          </p:cNvPr>
-          <p:cNvSpPr txBox="1"/>
-          <p:nvPr/>
-        </p:nvSpPr>
-        <p:spPr>
-          <a:xfrm>
-            <a:off x="1366263" y="1021049"/>
-            <a:ext cx="8947009" cy="2308324"/>
-          </a:xfrm>
-          <a:prstGeom prst="rect">
-            <a:avLst/>
-          </a:prstGeom>
-          <a:noFill/>
-        </p:spPr>
-        <p:txBody>
-          <a:bodyPr wrap="square" rtlCol="0">
-            <a:spAutoFit/>
-          </a:bodyPr>
-          <a:lstStyle/>
-          <a:p>
-            <a:r>
-              <a:rPr lang="ko-KR" altLang="en-US" sz="2400" dirty="0"/>
-              <a:t>코로나가 유행하기 시작한 </a:t>
-            </a:r>
-            <a:r>
-              <a:rPr lang="en-US" altLang="ko-KR" sz="2400" dirty="0"/>
-              <a:t>2020</a:t>
-            </a:r>
-            <a:r>
-              <a:rPr lang="ko-KR" altLang="en-US" sz="2400" dirty="0"/>
-              <a:t>년 </a:t>
-            </a:r>
-            <a:r>
-              <a:rPr lang="en-US" altLang="ko-KR" sz="2400" dirty="0"/>
-              <a:t>3</a:t>
-            </a:r>
-            <a:r>
-              <a:rPr lang="ko-KR" altLang="en-US" sz="2400" dirty="0"/>
-              <a:t>월부터는 특별한 상황이고</a:t>
-            </a:r>
-            <a:r>
-              <a:rPr lang="en-US" altLang="ko-KR" sz="2400" dirty="0"/>
-              <a:t>,</a:t>
-            </a:r>
-          </a:p>
-          <a:p>
-            <a:r>
-              <a:rPr lang="ko-KR" altLang="en-US" sz="2400" dirty="0"/>
-              <a:t>다른 연도에는 그래프가 비슷한 것을 볼 수 있다</a:t>
-            </a:r>
-            <a:r>
-              <a:rPr lang="en-US" altLang="ko-KR" sz="2400" dirty="0"/>
-              <a:t>.</a:t>
-            </a:r>
-          </a:p>
-          <a:p>
-            <a:r>
-              <a:rPr lang="ko-KR" altLang="en-US" sz="2400" dirty="0"/>
-              <a:t>주로 이용자들은 </a:t>
-            </a:r>
-            <a:r>
-              <a:rPr lang="en-US" altLang="ko-KR" sz="2400" dirty="0"/>
-              <a:t>1</a:t>
-            </a:r>
-            <a:r>
-              <a:rPr lang="ko-KR" altLang="en-US" sz="2400" dirty="0"/>
-              <a:t>월</a:t>
-            </a:r>
-            <a:r>
-              <a:rPr lang="en-US" altLang="ko-KR" sz="2400" dirty="0"/>
-              <a:t>, 7</a:t>
-            </a:r>
-            <a:r>
-              <a:rPr lang="ko-KR" altLang="en-US" sz="2400" dirty="0"/>
-              <a:t>월</a:t>
-            </a:r>
-            <a:r>
-              <a:rPr lang="en-US" altLang="ko-KR" sz="2400" dirty="0"/>
-              <a:t>, 8</a:t>
-            </a:r>
-            <a:r>
-              <a:rPr lang="ko-KR" altLang="en-US" sz="2400" dirty="0"/>
-              <a:t>월에 대출을 많이 합니다</a:t>
-            </a:r>
-            <a:r>
-              <a:rPr lang="en-US" altLang="ko-KR" sz="2400" dirty="0"/>
-              <a:t>.</a:t>
-            </a:r>
-          </a:p>
-          <a:p>
-            <a:r>
-              <a:rPr lang="ko-KR" altLang="en-US" sz="2400" dirty="0"/>
-              <a:t>해당 월에 이용자들이 도서관에 많이 방문한다고 추측할 수 있습니다</a:t>
-            </a:r>
-            <a:r>
-              <a:rPr lang="en-US" altLang="ko-KR" sz="2400" dirty="0"/>
-              <a:t>.</a:t>
-            </a:r>
-          </a:p>
-          <a:p>
-            <a:endParaRPr lang="en-US" altLang="ko-KR" sz="2400" dirty="0"/>
-          </a:p>
-        </p:txBody>
-      </p:sp>
+              <a:t>연도별 대출건수 그래프</a:t>
+            </a:r>
+          </a:p>
+        </p:txBody>
+      </p:sp>
+      <p:pic>
+        <p:nvPicPr>
+          <p:cNvPr id="7" name="그림 6" descr="텍스트, 스크린샷, 그래프, 도표이(가) 표시된 사진&#10;&#10;자동 생성된 설명">
+            <a:extLst>
+              <a:ext uri="{FF2B5EF4-FFF2-40B4-BE49-F238E27FC236}">
+                <a16:creationId xmlns:a16="http://schemas.microsoft.com/office/drawing/2014/main" id="{91594BEB-DB03-5900-F079-8FDFD6A67202}"/>
+              </a:ext>
+            </a:extLst>
+          </p:cNvPr>
+          <p:cNvPicPr>
+            <a:picLocks noChangeAspect="1"/>
+          </p:cNvPicPr>
+          <p:nvPr/>
+        </p:nvPicPr>
+        <p:blipFill>
+          <a:blip r:embed="rId2">
+            <a:extLst>
+              <a:ext uri="{28A0092B-C50C-407E-A947-70E740481C1C}">
+                <a14:useLocalDpi xmlns:a14="http://schemas.microsoft.com/office/drawing/2010/main" val="0"/>
+              </a:ext>
+            </a:extLst>
+          </a:blip>
+          <a:stretch>
+            <a:fillRect/>
+          </a:stretch>
+        </p:blipFill>
+        <p:spPr>
+          <a:xfrm>
+            <a:off x="219016" y="1038187"/>
+            <a:ext cx="11753968" cy="5259188"/>
+          </a:xfrm>
+          <a:prstGeom prst="rect">
+            <a:avLst/>
+          </a:prstGeom>
+        </p:spPr>
+      </p:pic>
     </p:spTree>
     <p:extLst>
       <p:ext uri="{BB962C8B-B14F-4D97-AF65-F5344CB8AC3E}">
-        <p14:creationId xmlns:p14="http://schemas.microsoft.com/office/powerpoint/2010/main" val="2914502565"/>
+        <p14:creationId xmlns:p14="http://schemas.microsoft.com/office/powerpoint/2010/main" val="3346376219"/>
       </p:ext>
     </p:extLst>
   </p:cSld>
@@ -9482,6 +9361,44 @@
       </p:grpSpPr>
       <p:sp>
         <p:nvSpPr>
+          <p:cNvPr id="2" name="TextBox 1">
+            <a:extLst>
+              <a:ext uri="{FF2B5EF4-FFF2-40B4-BE49-F238E27FC236}">
+                <a16:creationId xmlns:a16="http://schemas.microsoft.com/office/drawing/2014/main" id="{270137EC-62AB-4201-995D-9F199EDD573A}"/>
+              </a:ext>
+            </a:extLst>
+          </p:cNvPr>
+          <p:cNvSpPr txBox="1"/>
+          <p:nvPr/>
+        </p:nvSpPr>
+        <p:spPr>
+          <a:xfrm>
+            <a:off x="457200" y="328613"/>
+            <a:ext cx="1261884" cy="523220"/>
+          </a:xfrm>
+          <a:prstGeom prst="rect">
+            <a:avLst/>
+          </a:prstGeom>
+          <a:noFill/>
+        </p:spPr>
+        <p:txBody>
+          <a:bodyPr wrap="none" rtlCol="0">
+            <a:spAutoFit/>
+          </a:bodyPr>
+          <a:lstStyle/>
+          <a:p>
+            <a:r>
+              <a:rPr lang="ko-KR" altLang="en-US" sz="2800" dirty="0">
+                <a:latin typeface="+mj-ea"/>
+                <a:ea typeface="+mj-ea"/>
+              </a:rPr>
+              <a:t>시각화</a:t>
+            </a:r>
+          </a:p>
+        </p:txBody>
+      </p:sp>
+      <p:sp>
+        <p:nvSpPr>
           <p:cNvPr id="3" name="TextBox 2">
             <a:extLst>
               <a:ext uri="{FF2B5EF4-FFF2-40B4-BE49-F238E27FC236}">
@@ -9494,8 +9411,8 @@
         </p:nvSpPr>
         <p:spPr>
           <a:xfrm>
-            <a:off x="2208876" y="2162568"/>
-            <a:ext cx="7026678" cy="1323439"/>
+            <a:off x="2563867" y="328613"/>
+            <a:ext cx="7572375" cy="461665"/>
           </a:xfrm>
           <a:prstGeom prst="rect">
             <a:avLst/>
@@ -9508,25 +9425,42 @@
           </a:bodyPr>
           <a:lstStyle/>
           <a:p>
-            <a:pPr algn="ctr"/>
-            <a:r>
-              <a:rPr lang="ko-KR" altLang="en-US" sz="8000" dirty="0"/>
-              <a:t>시각화</a:t>
-            </a:r>
-            <a:endParaRPr lang="en-US" altLang="ko-KR" sz="8000" dirty="0"/>
-          </a:p>
-        </p:txBody>
-      </p:sp>
-      <p:sp>
-        <p:nvSpPr>
-          <p:cNvPr id="2" name="TextBox 1"/>
+            <a:r>
+              <a:rPr lang="ko-KR" altLang="en-US" sz="2400" dirty="0"/>
+              <a:t>월별 대출건수 변화 </a:t>
+            </a:r>
+            <a:r>
+              <a:rPr lang="en-US" altLang="ko-KR" sz="2400" dirty="0"/>
+              <a:t>-&gt; </a:t>
+            </a:r>
+            <a:r>
+              <a:rPr lang="ko-KR" altLang="en-US" sz="2400" dirty="0"/>
+              <a:t>일정한 패턴이 있다</a:t>
+            </a:r>
+            <a:r>
+              <a:rPr lang="en-US" altLang="ko-KR" sz="2400" dirty="0"/>
+              <a:t>!</a:t>
+            </a:r>
+            <a:endParaRPr lang="ko-KR" altLang="en-US" sz="2400" dirty="0"/>
+          </a:p>
+        </p:txBody>
+      </p:sp>
+      <p:sp>
+        <p:nvSpPr>
+          <p:cNvPr id="4" name="TextBox 3">
+            <a:extLst>
+              <a:ext uri="{FF2B5EF4-FFF2-40B4-BE49-F238E27FC236}">
+                <a16:creationId xmlns:a16="http://schemas.microsoft.com/office/drawing/2014/main" id="{37483B62-7A9B-D230-754D-F5ED614EB47F}"/>
+              </a:ext>
+            </a:extLst>
+          </p:cNvPr>
           <p:cNvSpPr txBox="1"/>
           <p:nvPr/>
         </p:nvSpPr>
         <p:spPr>
           <a:xfrm>
-            <a:off x="3456661" y="3878120"/>
-            <a:ext cx="4931158" cy="584775"/>
+            <a:off x="1366263" y="1021048"/>
+            <a:ext cx="9866513" cy="1569660"/>
           </a:xfrm>
           <a:prstGeom prst="rect">
             <a:avLst/>
@@ -9534,18 +9468,62 @@
           <a:noFill/>
         </p:spPr>
         <p:txBody>
-          <a:bodyPr wrap="none" rtlCol="0">
+          <a:bodyPr wrap="square" rtlCol="0">
             <a:spAutoFit/>
           </a:bodyPr>
           <a:lstStyle/>
           <a:p>
             <a:r>
-              <a:rPr lang="en-US" altLang="ko-KR" sz="3200" dirty="0"/>
-              <a:t>folium </a:t>
-            </a:r>
-            <a:r>
-              <a:rPr lang="ko-KR" altLang="en-US" sz="3200" dirty="0"/>
-              <a:t>라이브러리를 이용</a:t>
+              <a:rPr lang="ko-KR" altLang="en-US" sz="2400" dirty="0"/>
+              <a:t>코로나로 인하여 </a:t>
+            </a:r>
+            <a:r>
+              <a:rPr lang="en-US" altLang="ko-KR" sz="2400" dirty="0"/>
+              <a:t>2020</a:t>
+            </a:r>
+            <a:r>
+              <a:rPr lang="ko-KR" altLang="en-US" sz="2400" dirty="0"/>
+              <a:t>년에 줄어들었으나</a:t>
+            </a:r>
+            <a:r>
+              <a:rPr lang="en-US" altLang="ko-KR" sz="2400" dirty="0"/>
+              <a:t>,</a:t>
+            </a:r>
+          </a:p>
+          <a:p>
+            <a:r>
+              <a:rPr lang="ko-KR" altLang="en-US" sz="2400" dirty="0"/>
+              <a:t>꾸준히 증가하는 것을 볼 수 있습니다</a:t>
+            </a:r>
+            <a:r>
+              <a:rPr lang="en-US" altLang="ko-KR" sz="2400" dirty="0"/>
+              <a:t>.</a:t>
+            </a:r>
+          </a:p>
+          <a:p>
+            <a:r>
+              <a:rPr lang="en-US" altLang="ko-KR" sz="2400" dirty="0"/>
+              <a:t>2023</a:t>
+            </a:r>
+            <a:r>
+              <a:rPr lang="ko-KR" altLang="en-US" sz="2400" dirty="0"/>
+              <a:t>년도 아직 </a:t>
+            </a:r>
+            <a:r>
+              <a:rPr lang="en-US" altLang="ko-KR" sz="2400" dirty="0"/>
+              <a:t>8</a:t>
+            </a:r>
+            <a:r>
+              <a:rPr lang="ko-KR" altLang="en-US" sz="2400" dirty="0" err="1"/>
+              <a:t>월인데도</a:t>
+            </a:r>
+            <a:r>
+              <a:rPr lang="ko-KR" altLang="en-US" sz="2400" dirty="0"/>
+              <a:t> 작년보다 많은 대출을 빌린 것을 확인할 수 있습니다</a:t>
+            </a:r>
+            <a:r>
+              <a:rPr lang="en-US" altLang="ko-KR" sz="2400" dirty="0"/>
+              <a:t>.</a:t>
             </a:r>
           </a:p>
         </p:txBody>
@@ -9553,7 +9531,7 @@
     </p:spTree>
     <p:extLst>
       <p:ext uri="{BB962C8B-B14F-4D97-AF65-F5344CB8AC3E}">
-        <p14:creationId xmlns:p14="http://schemas.microsoft.com/office/powerpoint/2010/main" val="1900762214"/>
+        <p14:creationId xmlns:p14="http://schemas.microsoft.com/office/powerpoint/2010/main" val="414003477"/>
       </p:ext>
     </p:extLst>
   </p:cSld>
@@ -9826,24 +9804,20 @@
           <a:lstStyle/>
           <a:p>
             <a:r>
-              <a:rPr lang="en-US" altLang="ko-KR" sz="2400" dirty="0"/>
-              <a:t>(  html</a:t>
-            </a:r>
-            <a:r>
-              <a:rPr lang="ko-KR" altLang="en-US" sz="2400" dirty="0"/>
-              <a:t>로 배포하면 그 </a:t>
-            </a:r>
-            <a:r>
-              <a:rPr lang="en-US" altLang="ko-KR" sz="2400" dirty="0" err="1"/>
-              <a:t>url</a:t>
-            </a:r>
-            <a:r>
-              <a:rPr lang="ko-KR" altLang="en-US" sz="2400" dirty="0"/>
-              <a:t> 적기   </a:t>
-            </a:r>
-            <a:r>
-              <a:rPr lang="en-US" altLang="ko-KR" sz="2400" dirty="0"/>
-              <a:t>)</a:t>
+              <a:rPr lang="ko-KR" altLang="en-US" sz="2400" dirty="0"/>
+              <a:t>월별 대출건수 변화 </a:t>
+            </a:r>
+            <a:r>
+              <a:rPr lang="en-US" altLang="ko-KR" sz="2400" dirty="0"/>
+              <a:t>-&gt; </a:t>
+            </a:r>
+            <a:r>
+              <a:rPr lang="ko-KR" altLang="en-US" sz="2400" dirty="0"/>
+              <a:t>일정한 패턴이 있다</a:t>
+            </a:r>
+            <a:r>
+              <a:rPr lang="en-US" altLang="ko-KR" sz="2400" dirty="0"/>
+              <a:t>!</a:t>
             </a:r>
             <a:endParaRPr lang="ko-KR" altLang="en-US" sz="2400" dirty="0"/>
           </a:p>
@@ -9851,10 +9825,10 @@
       </p:sp>
       <p:pic>
         <p:nvPicPr>
-          <p:cNvPr id="6" name="그림 5">
-            <a:extLst>
-              <a:ext uri="{FF2B5EF4-FFF2-40B4-BE49-F238E27FC236}">
-                <a16:creationId xmlns:a16="http://schemas.microsoft.com/office/drawing/2014/main" id="{78B7043F-C8B9-463C-A8EC-EE54861DFEA2}"/>
+          <p:cNvPr id="5" name="그림 4" descr="도표, 그래프, 텍스트, 라인이(가) 표시된 사진&#10;&#10;자동 생성된 설명">
+            <a:extLst>
+              <a:ext uri="{FF2B5EF4-FFF2-40B4-BE49-F238E27FC236}">
+                <a16:creationId xmlns:a16="http://schemas.microsoft.com/office/drawing/2014/main" id="{5D43530E-76F0-54CC-46B3-5A24F0683856}"/>
               </a:ext>
             </a:extLst>
           </p:cNvPr>
@@ -9864,15 +9838,21 @@
           <p:nvPr/>
         </p:nvPicPr>
         <p:blipFill>
-          <a:blip r:embed="rId2"/>
+          <a:blip r:embed="rId2">
+            <a:extLst>
+              <a:ext uri="{28A0092B-C50C-407E-A947-70E740481C1C}">
+                <a14:useLocalDpi xmlns:a14="http://schemas.microsoft.com/office/drawing/2010/main" val="0"/>
+              </a:ext>
+            </a:extLst>
+          </a:blip>
           <a:stretch>
             <a:fillRect/>
           </a:stretch>
         </p:blipFill>
         <p:spPr>
           <a:xfrm>
-            <a:off x="2397465" y="851833"/>
-            <a:ext cx="7738777" cy="5453062"/>
+            <a:off x="1303377" y="973350"/>
+            <a:ext cx="8832865" cy="5736939"/>
           </a:xfrm>
           <a:prstGeom prst="rect">
             <a:avLst/>
@@ -9882,7 +9862,7 @@
     </p:spTree>
     <p:extLst>
       <p:ext uri="{BB962C8B-B14F-4D97-AF65-F5344CB8AC3E}">
-        <p14:creationId xmlns:p14="http://schemas.microsoft.com/office/powerpoint/2010/main" val="3873820452"/>
+        <p14:creationId xmlns:p14="http://schemas.microsoft.com/office/powerpoint/2010/main" val="4040645316"/>
       </p:ext>
     </p:extLst>
   </p:cSld>
@@ -9924,6 +9904,488 @@
         <p:spPr>
           <a:xfrm>
             <a:off x="457200" y="328613"/>
+            <a:ext cx="1261884" cy="523220"/>
+          </a:xfrm>
+          <a:prstGeom prst="rect">
+            <a:avLst/>
+          </a:prstGeom>
+          <a:noFill/>
+        </p:spPr>
+        <p:txBody>
+          <a:bodyPr wrap="none" rtlCol="0">
+            <a:spAutoFit/>
+          </a:bodyPr>
+          <a:lstStyle/>
+          <a:p>
+            <a:r>
+              <a:rPr lang="ko-KR" altLang="en-US" sz="2800" dirty="0">
+                <a:latin typeface="+mj-ea"/>
+                <a:ea typeface="+mj-ea"/>
+              </a:rPr>
+              <a:t>시각화</a:t>
+            </a:r>
+          </a:p>
+        </p:txBody>
+      </p:sp>
+      <p:sp>
+        <p:nvSpPr>
+          <p:cNvPr id="3" name="TextBox 2">
+            <a:extLst>
+              <a:ext uri="{FF2B5EF4-FFF2-40B4-BE49-F238E27FC236}">
+                <a16:creationId xmlns:a16="http://schemas.microsoft.com/office/drawing/2014/main" id="{BC1F6E87-EDFD-47A7-AFEA-9697696D7632}"/>
+              </a:ext>
+            </a:extLst>
+          </p:cNvPr>
+          <p:cNvSpPr txBox="1"/>
+          <p:nvPr/>
+        </p:nvSpPr>
+        <p:spPr>
+          <a:xfrm>
+            <a:off x="2563867" y="328613"/>
+            <a:ext cx="7572375" cy="461665"/>
+          </a:xfrm>
+          <a:prstGeom prst="rect">
+            <a:avLst/>
+          </a:prstGeom>
+          <a:noFill/>
+        </p:spPr>
+        <p:txBody>
+          <a:bodyPr wrap="square" rtlCol="0">
+            <a:spAutoFit/>
+          </a:bodyPr>
+          <a:lstStyle/>
+          <a:p>
+            <a:r>
+              <a:rPr lang="ko-KR" altLang="en-US" sz="2400" dirty="0"/>
+              <a:t>월별 대출건수 변화 </a:t>
+            </a:r>
+            <a:r>
+              <a:rPr lang="en-US" altLang="ko-KR" sz="2400" dirty="0"/>
+              <a:t>-&gt; </a:t>
+            </a:r>
+            <a:r>
+              <a:rPr lang="ko-KR" altLang="en-US" sz="2400" dirty="0"/>
+              <a:t>일정한 패턴이 있다</a:t>
+            </a:r>
+            <a:r>
+              <a:rPr lang="en-US" altLang="ko-KR" sz="2400" dirty="0"/>
+              <a:t>!</a:t>
+            </a:r>
+            <a:endParaRPr lang="ko-KR" altLang="en-US" sz="2400" dirty="0"/>
+          </a:p>
+        </p:txBody>
+      </p:sp>
+      <p:sp>
+        <p:nvSpPr>
+          <p:cNvPr id="4" name="TextBox 3">
+            <a:extLst>
+              <a:ext uri="{FF2B5EF4-FFF2-40B4-BE49-F238E27FC236}">
+                <a16:creationId xmlns:a16="http://schemas.microsoft.com/office/drawing/2014/main" id="{37483B62-7A9B-D230-754D-F5ED614EB47F}"/>
+              </a:ext>
+            </a:extLst>
+          </p:cNvPr>
+          <p:cNvSpPr txBox="1"/>
+          <p:nvPr/>
+        </p:nvSpPr>
+        <p:spPr>
+          <a:xfrm>
+            <a:off x="1366263" y="1021049"/>
+            <a:ext cx="8947009" cy="2308324"/>
+          </a:xfrm>
+          <a:prstGeom prst="rect">
+            <a:avLst/>
+          </a:prstGeom>
+          <a:noFill/>
+        </p:spPr>
+        <p:txBody>
+          <a:bodyPr wrap="square" rtlCol="0">
+            <a:spAutoFit/>
+          </a:bodyPr>
+          <a:lstStyle/>
+          <a:p>
+            <a:r>
+              <a:rPr lang="ko-KR" altLang="en-US" sz="2400" dirty="0"/>
+              <a:t>코로나가 유행하기 시작한 </a:t>
+            </a:r>
+            <a:r>
+              <a:rPr lang="en-US" altLang="ko-KR" sz="2400" dirty="0"/>
+              <a:t>2020</a:t>
+            </a:r>
+            <a:r>
+              <a:rPr lang="ko-KR" altLang="en-US" sz="2400" dirty="0"/>
+              <a:t>년 </a:t>
+            </a:r>
+            <a:r>
+              <a:rPr lang="en-US" altLang="ko-KR" sz="2400" dirty="0"/>
+              <a:t>3</a:t>
+            </a:r>
+            <a:r>
+              <a:rPr lang="ko-KR" altLang="en-US" sz="2400" dirty="0"/>
+              <a:t>월부터는 특별한 상황이고</a:t>
+            </a:r>
+            <a:r>
+              <a:rPr lang="en-US" altLang="ko-KR" sz="2400" dirty="0"/>
+              <a:t>,</a:t>
+            </a:r>
+          </a:p>
+          <a:p>
+            <a:r>
+              <a:rPr lang="ko-KR" altLang="en-US" sz="2400" dirty="0"/>
+              <a:t>다른 연도에는 그래프가 비슷한 것을 볼 수 있다</a:t>
+            </a:r>
+            <a:r>
+              <a:rPr lang="en-US" altLang="ko-KR" sz="2400" dirty="0"/>
+              <a:t>.</a:t>
+            </a:r>
+          </a:p>
+          <a:p>
+            <a:r>
+              <a:rPr lang="ko-KR" altLang="en-US" sz="2400" dirty="0"/>
+              <a:t>주로 이용자들은 </a:t>
+            </a:r>
+            <a:r>
+              <a:rPr lang="en-US" altLang="ko-KR" sz="2400" dirty="0"/>
+              <a:t>1</a:t>
+            </a:r>
+            <a:r>
+              <a:rPr lang="ko-KR" altLang="en-US" sz="2400" dirty="0"/>
+              <a:t>월</a:t>
+            </a:r>
+            <a:r>
+              <a:rPr lang="en-US" altLang="ko-KR" sz="2400" dirty="0"/>
+              <a:t>, 7</a:t>
+            </a:r>
+            <a:r>
+              <a:rPr lang="ko-KR" altLang="en-US" sz="2400" dirty="0"/>
+              <a:t>월</a:t>
+            </a:r>
+            <a:r>
+              <a:rPr lang="en-US" altLang="ko-KR" sz="2400" dirty="0"/>
+              <a:t>, 8</a:t>
+            </a:r>
+            <a:r>
+              <a:rPr lang="ko-KR" altLang="en-US" sz="2400" dirty="0"/>
+              <a:t>월에 대출을 많이 합니다</a:t>
+            </a:r>
+            <a:r>
+              <a:rPr lang="en-US" altLang="ko-KR" sz="2400" dirty="0"/>
+              <a:t>.</a:t>
+            </a:r>
+          </a:p>
+          <a:p>
+            <a:r>
+              <a:rPr lang="ko-KR" altLang="en-US" sz="2400" dirty="0"/>
+              <a:t>해당 월에 이용자들이 도서관에 많이 방문한다고 추측할 수 있습니다</a:t>
+            </a:r>
+            <a:r>
+              <a:rPr lang="en-US" altLang="ko-KR" sz="2400" dirty="0"/>
+              <a:t>.</a:t>
+            </a:r>
+          </a:p>
+          <a:p>
+            <a:endParaRPr lang="en-US" altLang="ko-KR" sz="2400" dirty="0"/>
+          </a:p>
+        </p:txBody>
+      </p:sp>
+    </p:spTree>
+    <p:extLst>
+      <p:ext uri="{BB962C8B-B14F-4D97-AF65-F5344CB8AC3E}">
+        <p14:creationId xmlns:p14="http://schemas.microsoft.com/office/powerpoint/2010/main" val="2914502565"/>
+      </p:ext>
+    </p:extLst>
+  </p:cSld>
+  <p:clrMapOvr>
+    <a:masterClrMapping/>
+  </p:clrMapOvr>
+</p:sld>
+</file>
+
+<file path=ppt/slides/slide42.xml><?xml version="1.0" encoding="utf-8"?>
+<p:sld xmlns:a="http://schemas.openxmlformats.org/drawingml/2006/main" xmlns:r="http://schemas.openxmlformats.org/officeDocument/2006/relationships" xmlns:p="http://schemas.openxmlformats.org/presentationml/2006/main">
+  <p:cSld>
+    <p:spTree>
+      <p:nvGrpSpPr>
+        <p:cNvPr id="1" name=""/>
+        <p:cNvGrpSpPr/>
+        <p:nvPr/>
+      </p:nvGrpSpPr>
+      <p:grpSpPr>
+        <a:xfrm>
+          <a:off x="0" y="0"/>
+          <a:ext cx="0" cy="0"/>
+          <a:chOff x="0" y="0"/>
+          <a:chExt cx="0" cy="0"/>
+        </a:xfrm>
+      </p:grpSpPr>
+      <p:sp>
+        <p:nvSpPr>
+          <p:cNvPr id="2" name="TextBox 1">
+            <a:extLst>
+              <a:ext uri="{FF2B5EF4-FFF2-40B4-BE49-F238E27FC236}">
+                <a16:creationId xmlns:a16="http://schemas.microsoft.com/office/drawing/2014/main" id="{270137EC-62AB-4201-995D-9F199EDD573A}"/>
+              </a:ext>
+            </a:extLst>
+          </p:cNvPr>
+          <p:cNvSpPr txBox="1"/>
+          <p:nvPr/>
+        </p:nvSpPr>
+        <p:spPr>
+          <a:xfrm>
+            <a:off x="457200" y="328613"/>
+            <a:ext cx="1261884" cy="523220"/>
+          </a:xfrm>
+          <a:prstGeom prst="rect">
+            <a:avLst/>
+          </a:prstGeom>
+          <a:noFill/>
+        </p:spPr>
+        <p:txBody>
+          <a:bodyPr wrap="none" rtlCol="0">
+            <a:spAutoFit/>
+          </a:bodyPr>
+          <a:lstStyle/>
+          <a:p>
+            <a:r>
+              <a:rPr lang="ko-KR" altLang="en-US" sz="2800" dirty="0">
+                <a:latin typeface="+mj-ea"/>
+                <a:ea typeface="+mj-ea"/>
+              </a:rPr>
+              <a:t>시각화</a:t>
+            </a:r>
+          </a:p>
+        </p:txBody>
+      </p:sp>
+      <p:sp>
+        <p:nvSpPr>
+          <p:cNvPr id="3" name="TextBox 2">
+            <a:extLst>
+              <a:ext uri="{FF2B5EF4-FFF2-40B4-BE49-F238E27FC236}">
+                <a16:creationId xmlns:a16="http://schemas.microsoft.com/office/drawing/2014/main" id="{BC1F6E87-EDFD-47A7-AFEA-9697696D7632}"/>
+              </a:ext>
+            </a:extLst>
+          </p:cNvPr>
+          <p:cNvSpPr txBox="1"/>
+          <p:nvPr/>
+        </p:nvSpPr>
+        <p:spPr>
+          <a:xfrm>
+            <a:off x="2563867" y="328613"/>
+            <a:ext cx="7572375" cy="461665"/>
+          </a:xfrm>
+          <a:prstGeom prst="rect">
+            <a:avLst/>
+          </a:prstGeom>
+          <a:noFill/>
+        </p:spPr>
+        <p:txBody>
+          <a:bodyPr wrap="square" rtlCol="0">
+            <a:spAutoFit/>
+          </a:bodyPr>
+          <a:lstStyle/>
+          <a:p>
+            <a:r>
+              <a:rPr lang="ko-KR" altLang="en-US" sz="2400" dirty="0"/>
+              <a:t>월별 연령대별 평균 대출건수</a:t>
+            </a:r>
+          </a:p>
+        </p:txBody>
+      </p:sp>
+      <p:pic>
+        <p:nvPicPr>
+          <p:cNvPr id="6" name="그림 5" descr="텍스트, 그래프이(가) 표시된 사진&#10;&#10;자동 생성된 설명">
+            <a:extLst>
+              <a:ext uri="{FF2B5EF4-FFF2-40B4-BE49-F238E27FC236}">
+                <a16:creationId xmlns:a16="http://schemas.microsoft.com/office/drawing/2014/main" id="{E3BC6CFC-4AE2-1CBF-70D4-91BB9387F2E1}"/>
+              </a:ext>
+            </a:extLst>
+          </p:cNvPr>
+          <p:cNvPicPr>
+            <a:picLocks noChangeAspect="1"/>
+          </p:cNvPicPr>
+          <p:nvPr/>
+        </p:nvPicPr>
+        <p:blipFill>
+          <a:blip r:embed="rId2">
+            <a:extLst>
+              <a:ext uri="{28A0092B-C50C-407E-A947-70E740481C1C}">
+                <a14:useLocalDpi xmlns:a14="http://schemas.microsoft.com/office/drawing/2010/main" val="0"/>
+              </a:ext>
+            </a:extLst>
+          </a:blip>
+          <a:stretch>
+            <a:fillRect/>
+          </a:stretch>
+        </p:blipFill>
+        <p:spPr>
+          <a:xfrm>
+            <a:off x="887105" y="851833"/>
+            <a:ext cx="10732213" cy="5983145"/>
+          </a:xfrm>
+          <a:prstGeom prst="rect">
+            <a:avLst/>
+          </a:prstGeom>
+        </p:spPr>
+      </p:pic>
+    </p:spTree>
+    <p:extLst>
+      <p:ext uri="{BB962C8B-B14F-4D97-AF65-F5344CB8AC3E}">
+        <p14:creationId xmlns:p14="http://schemas.microsoft.com/office/powerpoint/2010/main" val="671734057"/>
+      </p:ext>
+    </p:extLst>
+  </p:cSld>
+  <p:clrMapOvr>
+    <a:masterClrMapping/>
+  </p:clrMapOvr>
+</p:sld>
+</file>
+
+<file path=ppt/slides/slide43.xml><?xml version="1.0" encoding="utf-8"?>
+<p:sld xmlns:a="http://schemas.openxmlformats.org/drawingml/2006/main" xmlns:r="http://schemas.openxmlformats.org/officeDocument/2006/relationships" xmlns:p="http://schemas.openxmlformats.org/presentationml/2006/main">
+  <p:cSld>
+    <p:spTree>
+      <p:nvGrpSpPr>
+        <p:cNvPr id="1" name=""/>
+        <p:cNvGrpSpPr/>
+        <p:nvPr/>
+      </p:nvGrpSpPr>
+      <p:grpSpPr>
+        <a:xfrm>
+          <a:off x="0" y="0"/>
+          <a:ext cx="0" cy="0"/>
+          <a:chOff x="0" y="0"/>
+          <a:chExt cx="0" cy="0"/>
+        </a:xfrm>
+      </p:grpSpPr>
+      <p:sp>
+        <p:nvSpPr>
+          <p:cNvPr id="2" name="TextBox 1">
+            <a:extLst>
+              <a:ext uri="{FF2B5EF4-FFF2-40B4-BE49-F238E27FC236}">
+                <a16:creationId xmlns:a16="http://schemas.microsoft.com/office/drawing/2014/main" id="{270137EC-62AB-4201-995D-9F199EDD573A}"/>
+              </a:ext>
+            </a:extLst>
+          </p:cNvPr>
+          <p:cNvSpPr txBox="1"/>
+          <p:nvPr/>
+        </p:nvSpPr>
+        <p:spPr>
+          <a:xfrm>
+            <a:off x="457200" y="328613"/>
+            <a:ext cx="1261884" cy="523220"/>
+          </a:xfrm>
+          <a:prstGeom prst="rect">
+            <a:avLst/>
+          </a:prstGeom>
+          <a:noFill/>
+        </p:spPr>
+        <p:txBody>
+          <a:bodyPr wrap="none" rtlCol="0">
+            <a:spAutoFit/>
+          </a:bodyPr>
+          <a:lstStyle/>
+          <a:p>
+            <a:r>
+              <a:rPr lang="ko-KR" altLang="en-US" sz="2800" dirty="0">
+                <a:latin typeface="+mj-ea"/>
+                <a:ea typeface="+mj-ea"/>
+              </a:rPr>
+              <a:t>한계점</a:t>
+            </a:r>
+          </a:p>
+        </p:txBody>
+      </p:sp>
+      <p:sp>
+        <p:nvSpPr>
+          <p:cNvPr id="6" name="TextBox 5">
+            <a:extLst>
+              <a:ext uri="{FF2B5EF4-FFF2-40B4-BE49-F238E27FC236}">
+                <a16:creationId xmlns:a16="http://schemas.microsoft.com/office/drawing/2014/main" id="{56458959-87C9-4C9C-8C23-37B508CE8A9E}"/>
+              </a:ext>
+            </a:extLst>
+          </p:cNvPr>
+          <p:cNvSpPr txBox="1"/>
+          <p:nvPr/>
+        </p:nvSpPr>
+        <p:spPr>
+          <a:xfrm>
+            <a:off x="1366263" y="1021049"/>
+            <a:ext cx="10056913" cy="461665"/>
+          </a:xfrm>
+          <a:prstGeom prst="rect">
+            <a:avLst/>
+          </a:prstGeom>
+          <a:noFill/>
+        </p:spPr>
+        <p:txBody>
+          <a:bodyPr wrap="square" rtlCol="0">
+            <a:spAutoFit/>
+          </a:bodyPr>
+          <a:lstStyle/>
+          <a:p>
+            <a:pPr marL="457200" indent="-457200">
+              <a:buAutoNum type="arabicPeriod"/>
+            </a:pPr>
+            <a:r>
+              <a:rPr lang="ko-KR" altLang="en-US" sz="2400" dirty="0"/>
+              <a:t>제공된 데이터로 </a:t>
+            </a:r>
+            <a:r>
+              <a:rPr lang="ko-KR" altLang="en-US" sz="2400" dirty="0" err="1"/>
+              <a:t>하다보니</a:t>
+            </a:r>
+            <a:r>
+              <a:rPr lang="ko-KR" altLang="en-US" sz="2400" dirty="0"/>
+              <a:t> </a:t>
+            </a:r>
+            <a:endParaRPr lang="en-US" altLang="ko-KR" sz="2400" dirty="0"/>
+          </a:p>
+        </p:txBody>
+      </p:sp>
+    </p:spTree>
+    <p:extLst>
+      <p:ext uri="{BB962C8B-B14F-4D97-AF65-F5344CB8AC3E}">
+        <p14:creationId xmlns:p14="http://schemas.microsoft.com/office/powerpoint/2010/main" val="1592175736"/>
+      </p:ext>
+    </p:extLst>
+  </p:cSld>
+  <p:clrMapOvr>
+    <a:masterClrMapping/>
+  </p:clrMapOvr>
+</p:sld>
+</file>
+
+<file path=ppt/slides/slide44.xml><?xml version="1.0" encoding="utf-8"?>
+<p:sld xmlns:a="http://schemas.openxmlformats.org/drawingml/2006/main" xmlns:r="http://schemas.openxmlformats.org/officeDocument/2006/relationships" xmlns:p="http://schemas.openxmlformats.org/presentationml/2006/main">
+  <p:cSld>
+    <p:spTree>
+      <p:nvGrpSpPr>
+        <p:cNvPr id="1" name=""/>
+        <p:cNvGrpSpPr/>
+        <p:nvPr/>
+      </p:nvGrpSpPr>
+      <p:grpSpPr>
+        <a:xfrm>
+          <a:off x="0" y="0"/>
+          <a:ext cx="0" cy="0"/>
+          <a:chOff x="0" y="0"/>
+          <a:chExt cx="0" cy="0"/>
+        </a:xfrm>
+      </p:grpSpPr>
+      <p:sp>
+        <p:nvSpPr>
+          <p:cNvPr id="2" name="TextBox 1">
+            <a:extLst>
+              <a:ext uri="{FF2B5EF4-FFF2-40B4-BE49-F238E27FC236}">
+                <a16:creationId xmlns:a16="http://schemas.microsoft.com/office/drawing/2014/main" id="{270137EC-62AB-4201-995D-9F199EDD573A}"/>
+              </a:ext>
+            </a:extLst>
+          </p:cNvPr>
+          <p:cNvSpPr txBox="1"/>
+          <p:nvPr/>
+        </p:nvSpPr>
+        <p:spPr>
+          <a:xfrm>
+            <a:off x="457200" y="328613"/>
             <a:ext cx="2106667" cy="523220"/>
           </a:xfrm>
           <a:prstGeom prst="rect">
@@ -10182,7 +10644,7 @@
     </p:spTree>
     <p:extLst>
       <p:ext uri="{BB962C8B-B14F-4D97-AF65-F5344CB8AC3E}">
-        <p14:creationId xmlns:p14="http://schemas.microsoft.com/office/powerpoint/2010/main" val="1592175736"/>
+        <p14:creationId xmlns:p14="http://schemas.microsoft.com/office/powerpoint/2010/main" val="2938570077"/>
       </p:ext>
     </p:extLst>
   </p:cSld>
